--- a/trunk/documentacion/presentacion/Presentación.pptx
+++ b/trunk/documentacion/presentacion/Presentación.pptx
@@ -5,10 +5,10 @@
     <p:sldMasterId id="2147483648" r:id="rId4"/>
   </p:sldMasterIdLst>
   <p:notesMasterIdLst>
-    <p:notesMasterId r:id="rId57"/>
+    <p:notesMasterId r:id="rId55"/>
   </p:notesMasterIdLst>
   <p:handoutMasterIdLst>
-    <p:handoutMasterId r:id="rId58"/>
+    <p:handoutMasterId r:id="rId56"/>
   </p:handoutMasterIdLst>
   <p:sldIdLst>
     <p:sldId id="256" r:id="rId5"/>
@@ -44,25 +44,23 @@
     <p:sldId id="337" r:id="rId35"/>
     <p:sldId id="340" r:id="rId36"/>
     <p:sldId id="336" r:id="rId37"/>
-    <p:sldId id="338" r:id="rId38"/>
-    <p:sldId id="339" r:id="rId39"/>
-    <p:sldId id="341" r:id="rId40"/>
-    <p:sldId id="342" r:id="rId41"/>
-    <p:sldId id="331" r:id="rId42"/>
-    <p:sldId id="332" r:id="rId43"/>
-    <p:sldId id="335" r:id="rId44"/>
-    <p:sldId id="329" r:id="rId45"/>
-    <p:sldId id="330" r:id="rId46"/>
-    <p:sldId id="318" r:id="rId47"/>
-    <p:sldId id="319" r:id="rId48"/>
-    <p:sldId id="307" r:id="rId49"/>
-    <p:sldId id="320" r:id="rId50"/>
-    <p:sldId id="321" r:id="rId51"/>
-    <p:sldId id="323" r:id="rId52"/>
-    <p:sldId id="324" r:id="rId53"/>
-    <p:sldId id="327" r:id="rId54"/>
-    <p:sldId id="328" r:id="rId55"/>
-    <p:sldId id="343" r:id="rId56"/>
+    <p:sldId id="341" r:id="rId38"/>
+    <p:sldId id="342" r:id="rId39"/>
+    <p:sldId id="331" r:id="rId40"/>
+    <p:sldId id="332" r:id="rId41"/>
+    <p:sldId id="335" r:id="rId42"/>
+    <p:sldId id="329" r:id="rId43"/>
+    <p:sldId id="330" r:id="rId44"/>
+    <p:sldId id="318" r:id="rId45"/>
+    <p:sldId id="319" r:id="rId46"/>
+    <p:sldId id="307" r:id="rId47"/>
+    <p:sldId id="320" r:id="rId48"/>
+    <p:sldId id="321" r:id="rId49"/>
+    <p:sldId id="323" r:id="rId50"/>
+    <p:sldId id="324" r:id="rId51"/>
+    <p:sldId id="327" r:id="rId52"/>
+    <p:sldId id="328" r:id="rId53"/>
+    <p:sldId id="343" r:id="rId54"/>
   </p:sldIdLst>
   <p:sldSz cx="12188825" cy="6858000"/>
   <p:notesSz cx="6858000" cy="9144000"/>
@@ -203,15 +201,6 @@
 <p:cmAuthorLst xmlns:a="http://schemas.openxmlformats.org/drawingml/2006/main" xmlns:r="http://schemas.openxmlformats.org/officeDocument/2006/relationships" xmlns:p="http://schemas.openxmlformats.org/presentationml/2006/main">
   <p:cmAuthor id="0" name="Daniela Campos Ulate" initials="DCU" lastIdx="1" clrIdx="0"/>
 </p:cmAuthorLst>
-</file>
-
-<file path=ppt/comments/comment1.xml><?xml version="1.0" encoding="utf-8"?>
-<p:cmLst xmlns:a="http://schemas.openxmlformats.org/drawingml/2006/main" xmlns:r="http://schemas.openxmlformats.org/officeDocument/2006/relationships" xmlns:p="http://schemas.openxmlformats.org/presentationml/2006/main">
-  <p:cm authorId="0" dt="2014-12-23T10:40:35.306" idx="1">
-    <p:pos x="4407" y="2789"/>
-    <p:text>Yo se las brindaría por aparte a sil , en un correo y en la expo d</p:text>
-  </p:cm>
-</p:cmLst>
 </file>
 
 <file path=ppt/diagrams/colors1.xml><?xml version="1.0" encoding="utf-8"?>
@@ -8205,7 +8194,7 @@
         <a:p>
           <a:r>
             <a:rPr lang="es-CR" dirty="0" smtClean="0"/>
-            <a:t>Contacto bilateral mediante el envío de resultados por correo y publicación de artículos,</a:t>
+            <a:t>Contacto bilateral mediante el envío de resultados por correo</a:t>
           </a:r>
           <a:endParaRPr lang="es-CR" dirty="0"/>
         </a:p>
@@ -8242,11 +8231,7 @@
         <a:p>
           <a:r>
             <a:rPr lang="es-CR" dirty="0" smtClean="0"/>
-            <a:t>Análisis de resultados mediante las pruebas y opción de compartir </a:t>
-          </a:r>
-          <a:r>
-            <a:rPr lang="es-CR" dirty="0" err="1" smtClean="0"/>
-            <a:t>losmismos</a:t>
+            <a:t>Análisis de resultados mediante las pruebas y opción de compartir los mismos</a:t>
           </a:r>
           <a:endParaRPr lang="es-CR" dirty="0"/>
         </a:p>
@@ -8524,8 +8509,16 @@
         <a:lstStyle/>
         <a:p>
           <a:r>
-            <a:rPr lang="es-CR" dirty="0" smtClean="0"/>
-            <a:t>Posibilidad de compartir resultados</a:t>
+            <a:rPr lang="en-US" dirty="0" err="1" smtClean="0"/>
+            <a:t>Creación</a:t>
+          </a:r>
+          <a:r>
+            <a:rPr lang="en-US" dirty="0" smtClean="0"/>
+            <a:t> de </a:t>
+          </a:r>
+          <a:r>
+            <a:rPr lang="en-US" dirty="0" err="1" smtClean="0"/>
+            <a:t>perfiles</a:t>
           </a:r>
           <a:endParaRPr lang="es-CR" dirty="0"/>
         </a:p>
@@ -8562,7 +8555,7 @@
         <a:p>
           <a:r>
             <a:rPr lang="es-CR" dirty="0" smtClean="0"/>
-            <a:t>Posibilidad de ubicar las clínicas y contactar a sus profesionales</a:t>
+            <a:t>Posibilidad de ubicar las clínicas</a:t>
           </a:r>
           <a:endParaRPr lang="es-CR" dirty="0"/>
         </a:p>
@@ -8599,7 +8592,7 @@
         <a:p>
           <a:r>
             <a:rPr lang="es-CR" dirty="0" smtClean="0"/>
-            <a:t>Permite ofrecer servicios, promociones y productos</a:t>
+            <a:t>Publicación de artículos</a:t>
           </a:r>
           <a:endParaRPr lang="es-CR" dirty="0"/>
         </a:p>
@@ -8635,8 +8628,8 @@
         <a:lstStyle/>
         <a:p>
           <a:r>
-            <a:rPr lang="en-US" dirty="0" smtClean="0"/>
-            <a:t>Idea innovadora </a:t>
+            <a:rPr lang="es-CR" dirty="0" smtClean="0"/>
+            <a:t>Permite ofrecer servicios, promociones y productos</a:t>
           </a:r>
           <a:endParaRPr lang="es-CR" dirty="0"/>
         </a:p>
@@ -9009,7 +9002,7 @@
   <dgm:whole/>
   <dgm:extLst>
     <a:ext uri="http://schemas.microsoft.com/office/drawing/2008/diagram">
-      <dsp:dataModelExt xmlns:dsp="http://schemas.microsoft.com/office/drawing/2008/diagram" relId="rId6" minVer="http://schemas.openxmlformats.org/drawingml/2006/diagram"/>
+      <dsp:dataModelExt xmlns:dsp="http://schemas.microsoft.com/office/drawing/2008/diagram" relId="rId7" minVer="http://schemas.openxmlformats.org/drawingml/2006/diagram"/>
     </a:ext>
   </dgm:extLst>
 </dgm:dataModel>
@@ -10080,11 +10073,7 @@
           </a:pPr>
           <a:r>
             <a:rPr lang="es-CR" sz="2300" kern="1200" dirty="0" smtClean="0"/>
-            <a:t>Análisis de resultados mediante las pruebas y opción de compartir </a:t>
-          </a:r>
-          <a:r>
-            <a:rPr lang="es-CR" sz="2300" kern="1200" dirty="0" err="1" smtClean="0"/>
-            <a:t>losmismos</a:t>
+            <a:t>Análisis de resultados mediante las pruebas y opción de compartir los mismos</a:t>
           </a:r>
           <a:endParaRPr lang="es-CR" sz="2300" kern="1200" dirty="0"/>
         </a:p>
@@ -10162,7 +10151,7 @@
           </a:pPr>
           <a:r>
             <a:rPr lang="es-CR" sz="2300" kern="1200" dirty="0" smtClean="0"/>
-            <a:t>Contacto bilateral mediante el envío de resultados por correo y publicación de artículos,</a:t>
+            <a:t>Contacto bilateral mediante el envío de resultados por correo</a:t>
           </a:r>
           <a:endParaRPr lang="es-CR" sz="2300" kern="1200" dirty="0"/>
         </a:p>
@@ -10484,8 +10473,8 @@
             </a:spcAft>
           </a:pPr>
           <a:r>
-            <a:rPr lang="en-US" sz="2400" kern="1200" dirty="0" smtClean="0"/>
-            <a:t>Idea innovadora </a:t>
+            <a:rPr lang="es-CR" sz="2400" kern="1200" dirty="0" smtClean="0"/>
+            <a:t>Permite ofrecer servicios, promociones y productos</a:t>
           </a:r>
           <a:endParaRPr lang="es-CR" sz="2400" kern="1200" dirty="0"/>
         </a:p>
@@ -10563,7 +10552,7 @@
           </a:pPr>
           <a:r>
             <a:rPr lang="es-CR" sz="2400" kern="1200" dirty="0" smtClean="0"/>
-            <a:t>Permite ofrecer servicios, promociones y productos</a:t>
+            <a:t>Publicación de artículos</a:t>
           </a:r>
           <a:endParaRPr lang="es-CR" sz="2400" kern="1200" dirty="0"/>
         </a:p>
@@ -10640,8 +10629,16 @@
             </a:spcAft>
           </a:pPr>
           <a:r>
-            <a:rPr lang="es-CR" sz="2400" kern="1200" dirty="0" smtClean="0"/>
-            <a:t>Posibilidad de compartir resultados</a:t>
+            <a:rPr lang="en-US" sz="2400" kern="1200" dirty="0" err="1" smtClean="0"/>
+            <a:t>Creación</a:t>
+          </a:r>
+          <a:r>
+            <a:rPr lang="en-US" sz="2400" kern="1200" dirty="0" smtClean="0"/>
+            <a:t> de </a:t>
+          </a:r>
+          <a:r>
+            <a:rPr lang="en-US" sz="2400" kern="1200" dirty="0" err="1" smtClean="0"/>
+            <a:t>perfiles</a:t>
           </a:r>
           <a:endParaRPr lang="es-CR" sz="2400" kern="1200" dirty="0"/>
         </a:p>
@@ -10719,7 +10716,7 @@
           </a:pPr>
           <a:r>
             <a:rPr lang="es-CR" sz="2400" kern="1200" dirty="0" smtClean="0"/>
-            <a:t>Posibilidad de ubicar las clínicas y contactar a sus profesionales</a:t>
+            <a:t>Posibilidad de ubicar las clínicas</a:t>
           </a:r>
           <a:endParaRPr lang="es-CR" sz="2400" kern="1200" dirty="0"/>
         </a:p>
@@ -23440,7 +23437,7 @@
           <a:p>
             <a:fld id="{BDB7646E-8811-423A-9C42-2CBFADA00A96}" type="datetimeFigureOut">
               <a:rPr lang="es-ES" smtClean="0"/>
-              <a:t>29/01/2015</a:t>
+              <a:t>30/01/2015</a:t>
             </a:fld>
             <a:endParaRPr lang="es-ES"/>
           </a:p>
@@ -23613,7 +23610,7 @@
           <a:p>
             <a:fld id="{D677E230-58DD-43ED-96A1-552DDAB53532}" type="datetimeFigureOut">
               <a:pPr/>
-              <a:t>29/01/2015</a:t>
+              <a:t>30/01/2015</a:t>
             </a:fld>
             <a:endParaRPr lang="es-ES"/>
           </a:p>
@@ -23933,10 +23930,10 @@
           <a:lstStyle/>
           <a:p>
             <a:r>
-              <a:rPr lang="es-CR" dirty="0" smtClean="0"/>
-              <a:t>Agenda de la presentación</a:t>
-            </a:r>
-            <a:endParaRPr lang="es-CR" dirty="0"/>
+              <a:rPr lang="en-US" dirty="0" err="1" smtClean="0"/>
+              <a:t>Dani</a:t>
+            </a:r>
+            <a:endParaRPr lang="en-US" dirty="0" smtClean="0"/>
           </a:p>
         </p:txBody>
       </p:sp>
@@ -23958,7 +23955,7 @@
             <a:fld id="{841221E5-7225-48EB-A4EE-420E7BFCF705}" type="slidenum">
               <a:rPr lang="es-CR" smtClean="0"/>
               <a:pPr/>
-              <a:t>2</a:t>
+              <a:t>1</a:t>
             </a:fld>
             <a:endParaRPr lang="es-CR"/>
           </a:p>
@@ -23967,7 +23964,7 @@
     </p:spTree>
     <p:extLst>
       <p:ext uri="{BB962C8B-B14F-4D97-AF65-F5344CB8AC3E}">
-        <p14:creationId xmlns:p14="http://schemas.microsoft.com/office/powerpoint/2010/main" val="2863552412"/>
+        <p14:creationId xmlns:p14="http://schemas.microsoft.com/office/powerpoint/2010/main" val="4182949144"/>
       </p:ext>
     </p:extLst>
   </p:cSld>
@@ -24021,148 +24018,14 @@
           <a:bodyPr/>
           <a:lstStyle/>
           <a:p>
-            <a:pPr lvl="0"/>
-            <a:r>
-              <a:rPr lang="es-CR" sz="1200" kern="1200" dirty="0" smtClean="0">
-                <a:solidFill>
-                  <a:schemeClr val="tx2"/>
-                </a:solidFill>
-                <a:effectLst/>
-                <a:latin typeface="+mn-lt"/>
-                <a:ea typeface="+mn-ea"/>
-                <a:cs typeface="+mn-cs"/>
-              </a:rPr>
-              <a:t>Como parte de la investigación también se consultan artículos y sitios que permiten conocer sobre el uso de los sistemas operativos en costa rica. El sitio </a:t>
-            </a:r>
-            <a:r>
-              <a:rPr lang="es-CR" sz="1200" kern="1200" dirty="0" err="1" smtClean="0">
-                <a:solidFill>
-                  <a:schemeClr val="tx2"/>
-                </a:solidFill>
-                <a:effectLst/>
-                <a:latin typeface="+mn-lt"/>
-                <a:ea typeface="+mn-ea"/>
-                <a:cs typeface="+mn-cs"/>
-              </a:rPr>
-              <a:t>StatCounter</a:t>
-            </a:r>
-            <a:r>
-              <a:rPr lang="es-CR" sz="1200" kern="1200" dirty="0" smtClean="0">
-                <a:solidFill>
-                  <a:schemeClr val="tx2"/>
-                </a:solidFill>
-                <a:effectLst/>
-                <a:latin typeface="+mn-lt"/>
-                <a:ea typeface="+mn-ea"/>
-                <a:cs typeface="+mn-cs"/>
-              </a:rPr>
-              <a:t>, empresa de análisis de visitación web, ubicada en </a:t>
-            </a:r>
-            <a:r>
-              <a:rPr lang="es-CR" sz="1200" kern="1200" dirty="0" err="1" smtClean="0">
-                <a:solidFill>
-                  <a:schemeClr val="tx2"/>
-                </a:solidFill>
-                <a:effectLst/>
-                <a:latin typeface="+mn-lt"/>
-                <a:ea typeface="+mn-ea"/>
-                <a:cs typeface="+mn-cs"/>
-              </a:rPr>
-              <a:t>Dublin</a:t>
-            </a:r>
-            <a:r>
-              <a:rPr lang="es-CR" sz="1200" kern="1200" dirty="0" smtClean="0">
-                <a:solidFill>
-                  <a:schemeClr val="tx2"/>
-                </a:solidFill>
-                <a:effectLst/>
-                <a:latin typeface="+mn-lt"/>
-                <a:ea typeface="+mn-ea"/>
-                <a:cs typeface="+mn-cs"/>
-              </a:rPr>
-              <a:t>, permite obtener estadísticas relevantes acerca del estado de los sistemas operativos móviles en el país. El siguiente gráfico agrupa información desde</a:t>
-            </a:r>
-            <a:r>
-              <a:rPr lang="es-CR" sz="1200" kern="1200" baseline="0" dirty="0" smtClean="0">
-                <a:solidFill>
-                  <a:schemeClr val="tx2"/>
-                </a:solidFill>
-                <a:effectLst/>
-                <a:latin typeface="+mn-lt"/>
-                <a:ea typeface="+mn-ea"/>
-                <a:cs typeface="+mn-cs"/>
-              </a:rPr>
-              <a:t> Noviembre 2012 hasta </a:t>
-            </a:r>
-            <a:r>
-              <a:rPr lang="es-CR" sz="1200" u="none" strike="noStrike" kern="1200" dirty="0" smtClean="0">
-                <a:solidFill>
-                  <a:schemeClr val="tx2"/>
-                </a:solidFill>
-                <a:effectLst/>
-                <a:latin typeface="+mn-lt"/>
-                <a:ea typeface="+mn-ea"/>
-                <a:cs typeface="+mn-cs"/>
-              </a:rPr>
-              <a:t>J</a:t>
-            </a:r>
-            <a:r>
-              <a:rPr lang="es-CR" sz="1200" kern="1200" dirty="0" smtClean="0">
-                <a:solidFill>
-                  <a:schemeClr val="tx2"/>
-                </a:solidFill>
-                <a:effectLst/>
-                <a:latin typeface="+mn-lt"/>
-                <a:ea typeface="+mn-ea"/>
-                <a:cs typeface="+mn-cs"/>
-              </a:rPr>
-              <a:t>unio 2014, y muestra como Android se posiciona de manera abrumadora con un 49,6 % sobre los demás sistemas operativos móviles. Luego</a:t>
-            </a:r>
-            <a:r>
-              <a:rPr lang="es-CR" sz="1200" kern="1200" baseline="0" dirty="0" smtClean="0">
-                <a:solidFill>
-                  <a:schemeClr val="tx2"/>
-                </a:solidFill>
-                <a:effectLst/>
-                <a:latin typeface="+mn-lt"/>
-                <a:ea typeface="+mn-ea"/>
-                <a:cs typeface="+mn-cs"/>
-              </a:rPr>
-              <a:t> de la investigación, revisión de factibilidad, estudio de artículos se decide utilizar </a:t>
-            </a:r>
-            <a:r>
-              <a:rPr lang="es-CR" sz="1200" kern="1200" baseline="0" dirty="0" err="1" smtClean="0">
-                <a:solidFill>
-                  <a:schemeClr val="tx2"/>
-                </a:solidFill>
-                <a:effectLst/>
-                <a:latin typeface="+mn-lt"/>
-                <a:ea typeface="+mn-ea"/>
-                <a:cs typeface="+mn-cs"/>
-              </a:rPr>
-              <a:t>androidpara</a:t>
-            </a:r>
-            <a:r>
-              <a:rPr lang="es-CR" sz="1200" kern="1200" baseline="0" dirty="0" smtClean="0">
-                <a:solidFill>
-                  <a:schemeClr val="tx2"/>
-                </a:solidFill>
-                <a:effectLst/>
-                <a:latin typeface="+mn-lt"/>
-                <a:ea typeface="+mn-ea"/>
-                <a:cs typeface="+mn-cs"/>
-              </a:rPr>
-              <a:t> desarrollar.</a:t>
-            </a:r>
-            <a:endParaRPr lang="es-CR" sz="1200" kern="1200" dirty="0" smtClean="0">
-              <a:solidFill>
-                <a:schemeClr val="tx2"/>
-              </a:solidFill>
-              <a:effectLst/>
-              <a:latin typeface="+mn-lt"/>
-              <a:ea typeface="+mn-ea"/>
-              <a:cs typeface="+mn-cs"/>
-            </a:endParaRPr>
+            <a:r>
+              <a:rPr lang="en-US" dirty="0" err="1" smtClean="0"/>
+              <a:t>Beto</a:t>
+            </a:r>
+            <a:endParaRPr lang="en-US" dirty="0" smtClean="0"/>
+          </a:p>
+          <a:p>
+            <a:endParaRPr lang="es-CR" dirty="0"/>
           </a:p>
         </p:txBody>
       </p:sp>
@@ -24184,7 +24047,7 @@
             <a:fld id="{841221E5-7225-48EB-A4EE-420E7BFCF705}" type="slidenum">
               <a:rPr lang="es-CR" smtClean="0"/>
               <a:pPr/>
-              <a:t>16</a:t>
+              <a:t>10</a:t>
             </a:fld>
             <a:endParaRPr lang="es-CR"/>
           </a:p>
@@ -24193,7 +24056,7 @@
     </p:spTree>
     <p:extLst>
       <p:ext uri="{BB962C8B-B14F-4D97-AF65-F5344CB8AC3E}">
-        <p14:creationId xmlns:p14="http://schemas.microsoft.com/office/powerpoint/2010/main" val="480101739"/>
+        <p14:creationId xmlns:p14="http://schemas.microsoft.com/office/powerpoint/2010/main" val="1476366648"/>
       </p:ext>
     </p:extLst>
   </p:cSld>
@@ -24222,7 +24085,7 @@
       </p:grpSpPr>
       <p:sp>
         <p:nvSpPr>
-          <p:cNvPr id="2" name="1 Marcador de imagen de diapositiva"/>
+          <p:cNvPr id="2" name="Slide Image Placeholder 1"/>
           <p:cNvSpPr>
             <a:spLocks noGrp="1" noRot="1" noChangeAspect="1"/>
           </p:cNvSpPr>
@@ -24234,7 +24097,7 @@
       </p:sp>
       <p:sp>
         <p:nvSpPr>
-          <p:cNvPr id="3" name="2 Marcador de notas"/>
+          <p:cNvPr id="3" name="Notes Placeholder 2"/>
           <p:cNvSpPr>
             <a:spLocks noGrp="1"/>
           </p:cNvSpPr>
@@ -24247,13 +24110,17 @@
           <a:bodyPr/>
           <a:lstStyle/>
           <a:p>
+            <a:r>
+              <a:rPr lang="en-US" dirty="0" err="1" smtClean="0"/>
+              <a:t>Beto</a:t>
+            </a:r>
             <a:endParaRPr lang="es-CR" dirty="0"/>
           </a:p>
         </p:txBody>
       </p:sp>
       <p:sp>
         <p:nvSpPr>
-          <p:cNvPr id="4" name="3 Marcador de número de diapositiva"/>
+          <p:cNvPr id="4" name="Slide Number Placeholder 3"/>
           <p:cNvSpPr>
             <a:spLocks noGrp="1"/>
           </p:cNvSpPr>
@@ -24269,7 +24136,7 @@
             <a:fld id="{841221E5-7225-48EB-A4EE-420E7BFCF705}" type="slidenum">
               <a:rPr lang="es-CR" smtClean="0"/>
               <a:pPr/>
-              <a:t>17</a:t>
+              <a:t>11</a:t>
             </a:fld>
             <a:endParaRPr lang="es-CR"/>
           </a:p>
@@ -24278,7 +24145,7 @@
     </p:spTree>
     <p:extLst>
       <p:ext uri="{BB962C8B-B14F-4D97-AF65-F5344CB8AC3E}">
-        <p14:creationId xmlns:p14="http://schemas.microsoft.com/office/powerpoint/2010/main" val="3254842392"/>
+        <p14:creationId xmlns:p14="http://schemas.microsoft.com/office/powerpoint/2010/main" val="1984334387"/>
       </p:ext>
     </p:extLst>
   </p:cSld>
@@ -24307,7 +24174,7 @@
       </p:grpSpPr>
       <p:sp>
         <p:nvSpPr>
-          <p:cNvPr id="2" name="1 Marcador de imagen de diapositiva"/>
+          <p:cNvPr id="2" name="Slide Image Placeholder 1"/>
           <p:cNvSpPr>
             <a:spLocks noGrp="1" noRot="1" noChangeAspect="1"/>
           </p:cNvSpPr>
@@ -24319,7 +24186,7 @@
       </p:sp>
       <p:sp>
         <p:nvSpPr>
-          <p:cNvPr id="3" name="2 Marcador de notas"/>
+          <p:cNvPr id="3" name="Notes Placeholder 2"/>
           <p:cNvSpPr>
             <a:spLocks noGrp="1"/>
           </p:cNvSpPr>
@@ -24332,303 +24199,24 @@
           <a:bodyPr/>
           <a:lstStyle/>
           <a:p>
-            <a:pPr marL="0" marR="0" indent="0" algn="l" defTabSz="914400" rtl="0" eaLnBrk="1" fontAlgn="auto" latinLnBrk="0" hangingPunct="1">
-              <a:lnSpc>
-                <a:spcPct val="100000"/>
-              </a:lnSpc>
-              <a:spcBef>
-                <a:spcPts val="0"/>
-              </a:spcBef>
-              <a:spcAft>
-                <a:spcPts val="0"/>
-              </a:spcAft>
-              <a:buClrTx/>
-              <a:buSzTx/>
-              <a:buFontTx/>
-              <a:buNone/>
-              <a:tabLst/>
-              <a:defRPr/>
-            </a:pPr>
-            <a:r>
-              <a:rPr lang="es-CR" sz="1200" kern="1200" dirty="0" smtClean="0">
-                <a:solidFill>
-                  <a:schemeClr val="tx2"/>
-                </a:solidFill>
-                <a:effectLst/>
-                <a:latin typeface="+mn-lt"/>
-                <a:ea typeface="+mn-ea"/>
-                <a:cs typeface="+mn-cs"/>
-              </a:rPr>
-              <a:t>1, aplicaciones y</a:t>
-            </a:r>
-            <a:r>
-              <a:rPr lang="es-CR" sz="1200" kern="1200" baseline="0" dirty="0" smtClean="0">
-                <a:solidFill>
-                  <a:schemeClr val="tx2"/>
-                </a:solidFill>
-                <a:effectLst/>
-                <a:latin typeface="+mn-lt"/>
-                <a:ea typeface="+mn-ea"/>
-                <a:cs typeface="+mn-cs"/>
-              </a:rPr>
-              <a:t> sitios web </a:t>
-            </a:r>
-            <a:r>
-              <a:rPr lang="es-CR" sz="1200" kern="1200" dirty="0" smtClean="0">
-                <a:solidFill>
-                  <a:schemeClr val="tx2"/>
-                </a:solidFill>
-                <a:effectLst/>
-                <a:latin typeface="+mn-lt"/>
-                <a:ea typeface="+mn-ea"/>
-                <a:cs typeface="+mn-cs"/>
-              </a:rPr>
-              <a:t>existentes relacionadas al tema auditivo. Algunas</a:t>
-            </a:r>
-            <a:r>
-              <a:rPr lang="es-CR" sz="1200" kern="1200" baseline="0" dirty="0" smtClean="0">
-                <a:solidFill>
-                  <a:schemeClr val="tx2"/>
-                </a:solidFill>
-                <a:effectLst/>
-                <a:latin typeface="+mn-lt"/>
-                <a:ea typeface="+mn-ea"/>
-                <a:cs typeface="+mn-cs"/>
-              </a:rPr>
-              <a:t> web y otras </a:t>
-            </a:r>
-            <a:r>
-              <a:rPr lang="es-CR" sz="1200" kern="1200" baseline="0" dirty="0" err="1" smtClean="0">
-                <a:solidFill>
-                  <a:schemeClr val="tx2"/>
-                </a:solidFill>
-                <a:effectLst/>
-                <a:latin typeface="+mn-lt"/>
-                <a:ea typeface="+mn-ea"/>
-                <a:cs typeface="+mn-cs"/>
-              </a:rPr>
-              <a:t>móbiles</a:t>
-            </a:r>
-            <a:r>
-              <a:rPr lang="es-CR" sz="1200" kern="1200" dirty="0" smtClean="0">
-                <a:solidFill>
-                  <a:schemeClr val="tx2"/>
-                </a:solidFill>
-                <a:effectLst/>
-                <a:latin typeface="+mn-lt"/>
-                <a:ea typeface="+mn-ea"/>
-                <a:cs typeface="+mn-cs"/>
-              </a:rPr>
-              <a:t> </a:t>
-            </a:r>
-          </a:p>
-          <a:p>
-            <a:pPr marL="0" marR="0" indent="0" algn="l" defTabSz="914400" rtl="0" eaLnBrk="1" fontAlgn="auto" latinLnBrk="0" hangingPunct="1">
-              <a:lnSpc>
-                <a:spcPct val="100000"/>
-              </a:lnSpc>
-              <a:spcBef>
-                <a:spcPts val="0"/>
-              </a:spcBef>
-              <a:spcAft>
-                <a:spcPts val="0"/>
-              </a:spcAft>
-              <a:buClrTx/>
-              <a:buSzTx/>
-              <a:buFontTx/>
-              <a:buNone/>
-              <a:tabLst/>
-              <a:defRPr/>
-            </a:pPr>
-            <a:r>
-              <a:rPr lang="es-CR" sz="1200" kern="1200" dirty="0" smtClean="0">
-                <a:solidFill>
-                  <a:schemeClr val="tx2"/>
-                </a:solidFill>
-                <a:effectLst/>
-                <a:latin typeface="+mn-lt"/>
-                <a:ea typeface="+mn-ea"/>
-                <a:cs typeface="+mn-cs"/>
-              </a:rPr>
-              <a:t>2, cuadro comparativo con las características más importantes </a:t>
-            </a:r>
-          </a:p>
-          <a:p>
-            <a:pPr marL="0" marR="0" indent="0" algn="l" defTabSz="914400" rtl="0" eaLnBrk="1" fontAlgn="auto" latinLnBrk="0" hangingPunct="1">
-              <a:lnSpc>
-                <a:spcPct val="100000"/>
-              </a:lnSpc>
-              <a:spcBef>
-                <a:spcPts val="0"/>
-              </a:spcBef>
-              <a:spcAft>
-                <a:spcPts val="0"/>
-              </a:spcAft>
-              <a:buClrTx/>
-              <a:buSzTx/>
-              <a:buFontTx/>
-              <a:buNone/>
-              <a:tabLst/>
-              <a:defRPr/>
-            </a:pPr>
-            <a:r>
-              <a:rPr lang="es-CR" sz="1200" kern="1200" dirty="0" smtClean="0">
-                <a:solidFill>
-                  <a:schemeClr val="tx2"/>
-                </a:solidFill>
-                <a:effectLst/>
-                <a:latin typeface="+mn-lt"/>
-                <a:ea typeface="+mn-ea"/>
-                <a:cs typeface="+mn-cs"/>
-              </a:rPr>
-              <a:t>3,Creación de requerimiento según</a:t>
-            </a:r>
-            <a:r>
-              <a:rPr lang="es-CR" sz="1200" kern="1200" baseline="0" dirty="0" smtClean="0">
-                <a:solidFill>
-                  <a:schemeClr val="tx2"/>
-                </a:solidFill>
-                <a:effectLst/>
-                <a:latin typeface="+mn-lt"/>
-                <a:ea typeface="+mn-ea"/>
-                <a:cs typeface="+mn-cs"/>
-              </a:rPr>
-              <a:t> la investigación y solicitudes del </a:t>
-            </a:r>
-            <a:r>
-              <a:rPr lang="es-CR" sz="1200" kern="1200" baseline="0" dirty="0" err="1" smtClean="0">
-                <a:solidFill>
-                  <a:schemeClr val="tx2"/>
-                </a:solidFill>
-                <a:effectLst/>
-                <a:latin typeface="+mn-lt"/>
-                <a:ea typeface="+mn-ea"/>
-                <a:cs typeface="+mn-cs"/>
-              </a:rPr>
-              <a:t>usuairo</a:t>
-            </a:r>
-            <a:r>
-              <a:rPr lang="es-CR" sz="1200" kern="1200" baseline="0" dirty="0" smtClean="0">
-                <a:solidFill>
-                  <a:schemeClr val="tx2"/>
-                </a:solidFill>
-                <a:effectLst/>
-                <a:latin typeface="+mn-lt"/>
-                <a:ea typeface="+mn-ea"/>
-                <a:cs typeface="+mn-cs"/>
-              </a:rPr>
-              <a:t>. algunos</a:t>
-            </a:r>
-            <a:r>
-              <a:rPr lang="es-CR" sz="1200" kern="1200" dirty="0" smtClean="0">
-                <a:solidFill>
-                  <a:schemeClr val="tx2"/>
-                </a:solidFill>
-                <a:effectLst/>
-                <a:latin typeface="+mn-lt"/>
-                <a:ea typeface="+mn-ea"/>
-                <a:cs typeface="+mn-cs"/>
-              </a:rPr>
-              <a:t> requerimientos nacen como una propuesta de los ingenieros para ayudar a la clínica con su objetivo de acercarse a sus clientes, mediante consejos y la opción de ubicar las oficinas en donde se puede encontrar a los profesionales de la empresa.</a:t>
-            </a:r>
-          </a:p>
-          <a:p>
-            <a:pPr marL="0" marR="0" indent="0" algn="l" defTabSz="914400" rtl="0" eaLnBrk="1" fontAlgn="auto" latinLnBrk="0" hangingPunct="1">
-              <a:lnSpc>
-                <a:spcPct val="100000"/>
-              </a:lnSpc>
-              <a:spcBef>
-                <a:spcPts val="0"/>
-              </a:spcBef>
-              <a:spcAft>
-                <a:spcPts val="0"/>
-              </a:spcAft>
-              <a:buClrTx/>
-              <a:buSzTx/>
-              <a:buFontTx/>
-              <a:buNone/>
-              <a:tabLst/>
-              <a:defRPr/>
-            </a:pPr>
-            <a:endParaRPr lang="es-CR" sz="1200" u="none" kern="1200" dirty="0" smtClean="0">
-              <a:solidFill>
-                <a:schemeClr val="tx2"/>
-              </a:solidFill>
-              <a:effectLst/>
-              <a:latin typeface="+mn-lt"/>
-              <a:ea typeface="+mn-ea"/>
-              <a:cs typeface="+mn-cs"/>
-            </a:endParaRPr>
-          </a:p>
-          <a:p>
-            <a:pPr marL="0" marR="0" indent="0" algn="l" defTabSz="914400" rtl="0" eaLnBrk="1" fontAlgn="auto" latinLnBrk="0" hangingPunct="1">
-              <a:lnSpc>
-                <a:spcPct val="100000"/>
-              </a:lnSpc>
-              <a:spcBef>
-                <a:spcPts val="0"/>
-              </a:spcBef>
-              <a:spcAft>
-                <a:spcPts val="0"/>
-              </a:spcAft>
-              <a:buClrTx/>
-              <a:buSzTx/>
-              <a:buFontTx/>
-              <a:buNone/>
-              <a:tabLst/>
-              <a:defRPr/>
-            </a:pPr>
-            <a:r>
-              <a:rPr lang="es-CR" sz="1200" u="none" kern="1200" dirty="0" smtClean="0">
-                <a:solidFill>
-                  <a:schemeClr val="tx2"/>
-                </a:solidFill>
-                <a:effectLst/>
-                <a:latin typeface="+mn-lt"/>
-                <a:ea typeface="+mn-ea"/>
-                <a:cs typeface="+mn-cs"/>
-              </a:rPr>
-              <a:t>*Definición de interfaces</a:t>
-            </a:r>
-            <a:r>
-              <a:rPr lang="es-CR" sz="1200" u="none" kern="1200" baseline="0" dirty="0" smtClean="0">
-                <a:solidFill>
-                  <a:schemeClr val="tx2"/>
-                </a:solidFill>
-                <a:effectLst/>
-                <a:latin typeface="+mn-lt"/>
-                <a:ea typeface="+mn-ea"/>
-                <a:cs typeface="+mn-cs"/>
-              </a:rPr>
-              <a:t> y definición de requerimientos funcionales y no funcionales con el usuario se crea </a:t>
-            </a:r>
-            <a:r>
-              <a:rPr lang="es-CR" sz="1200" u="none" kern="1200" baseline="0" dirty="0" err="1" smtClean="0">
-                <a:solidFill>
-                  <a:schemeClr val="tx2"/>
-                </a:solidFill>
-                <a:effectLst/>
-                <a:latin typeface="+mn-lt"/>
-                <a:ea typeface="+mn-ea"/>
-                <a:cs typeface="+mn-cs"/>
-              </a:rPr>
-              <a:t>prototiop</a:t>
-            </a:r>
-            <a:endParaRPr lang="es-CR" sz="1200" u="none" kern="1200" dirty="0" smtClean="0">
-              <a:solidFill>
-                <a:schemeClr val="tx2"/>
-              </a:solidFill>
-              <a:effectLst/>
-              <a:latin typeface="+mn-lt"/>
-              <a:ea typeface="+mn-ea"/>
-              <a:cs typeface="+mn-cs"/>
-            </a:endParaRPr>
+            <a:r>
+              <a:rPr lang="es-CR" dirty="0" smtClean="0"/>
+              <a:t>Beto</a:t>
+            </a:r>
+            <a:br>
+              <a:rPr lang="es-CR" dirty="0" smtClean="0"/>
+            </a:br>
+            <a:r>
+              <a:rPr lang="es-CR" dirty="0" smtClean="0"/>
+              <a:t>Esto es lo importante a destacar de la aplicación.</a:t>
+            </a:r>
+            <a:endParaRPr lang="es-CR" dirty="0"/>
           </a:p>
         </p:txBody>
       </p:sp>
       <p:sp>
         <p:nvSpPr>
-          <p:cNvPr id="4" name="3 Marcador de número de diapositiva"/>
+          <p:cNvPr id="4" name="Slide Number Placeholder 3"/>
           <p:cNvSpPr>
             <a:spLocks noGrp="1"/>
           </p:cNvSpPr>
@@ -24644,7 +24232,7 @@
             <a:fld id="{841221E5-7225-48EB-A4EE-420E7BFCF705}" type="slidenum">
               <a:rPr lang="es-CR" smtClean="0"/>
               <a:pPr/>
-              <a:t>18</a:t>
+              <a:t>12</a:t>
             </a:fld>
             <a:endParaRPr lang="es-CR"/>
           </a:p>
@@ -24653,7 +24241,7 @@
     </p:spTree>
     <p:extLst>
       <p:ext uri="{BB962C8B-B14F-4D97-AF65-F5344CB8AC3E}">
-        <p14:creationId xmlns:p14="http://schemas.microsoft.com/office/powerpoint/2010/main" val="3820931044"/>
+        <p14:creationId xmlns:p14="http://schemas.microsoft.com/office/powerpoint/2010/main" val="3248266478"/>
       </p:ext>
     </p:extLst>
   </p:cSld>
@@ -24707,19 +24295,18 @@
           <a:bodyPr/>
           <a:lstStyle/>
           <a:p>
-            <a:pPr lvl="0"/>
-            <a:r>
-              <a:rPr lang="es-CR" sz="1200" kern="1200" dirty="0" smtClean="0">
-                <a:solidFill>
-                  <a:schemeClr val="tx2"/>
-                </a:solidFill>
-                <a:effectLst/>
-                <a:latin typeface="+mn-lt"/>
-                <a:ea typeface="+mn-ea"/>
-                <a:cs typeface="+mn-cs"/>
-              </a:rPr>
-              <a:t>Se desarrolla un prototipo</a:t>
-            </a:r>
+            <a:r>
+              <a:rPr lang="es-CR" dirty="0" smtClean="0"/>
+              <a:t>Beto</a:t>
+            </a:r>
+            <a:br>
+              <a:rPr lang="es-CR" dirty="0" smtClean="0"/>
+            </a:br>
+            <a:r>
+              <a:rPr lang="es-CR" dirty="0" smtClean="0"/>
+              <a:t>Esto es lo importante a destacar de la aplicación.</a:t>
+            </a:r>
+            <a:endParaRPr lang="es-CR" dirty="0"/>
           </a:p>
         </p:txBody>
       </p:sp>
@@ -24741,7 +24328,7 @@
             <a:fld id="{841221E5-7225-48EB-A4EE-420E7BFCF705}" type="slidenum">
               <a:rPr lang="es-CR" smtClean="0"/>
               <a:pPr/>
-              <a:t>19</a:t>
+              <a:t>13</a:t>
             </a:fld>
             <a:endParaRPr lang="es-CR"/>
           </a:p>
@@ -24750,7 +24337,7 @@
     </p:spTree>
     <p:extLst>
       <p:ext uri="{BB962C8B-B14F-4D97-AF65-F5344CB8AC3E}">
-        <p14:creationId xmlns:p14="http://schemas.microsoft.com/office/powerpoint/2010/main" val="480101739"/>
+        <p14:creationId xmlns:p14="http://schemas.microsoft.com/office/powerpoint/2010/main" val="3248266478"/>
       </p:ext>
     </p:extLst>
   </p:cSld>
@@ -24804,6 +24391,10 @@
           <a:bodyPr/>
           <a:lstStyle/>
           <a:p>
+            <a:r>
+              <a:rPr lang="en-US" dirty="0" err="1" smtClean="0"/>
+              <a:t>Dani</a:t>
+            </a:r>
             <a:endParaRPr lang="es-CR" dirty="0"/>
           </a:p>
         </p:txBody>
@@ -24826,7 +24417,7 @@
             <a:fld id="{841221E5-7225-48EB-A4EE-420E7BFCF705}" type="slidenum">
               <a:rPr lang="es-CR" smtClean="0"/>
               <a:pPr/>
-              <a:t>20</a:t>
+              <a:t>14</a:t>
             </a:fld>
             <a:endParaRPr lang="es-CR"/>
           </a:p>
@@ -24835,7 +24426,7 @@
     </p:spTree>
     <p:extLst>
       <p:ext uri="{BB962C8B-B14F-4D97-AF65-F5344CB8AC3E}">
-        <p14:creationId xmlns:p14="http://schemas.microsoft.com/office/powerpoint/2010/main" val="794362588"/>
+        <p14:creationId xmlns:p14="http://schemas.microsoft.com/office/powerpoint/2010/main" val="3277359921"/>
       </p:ext>
     </p:extLst>
   </p:cSld>
@@ -24906,6 +24497,1879 @@
               <a:tabLst/>
               <a:defRPr/>
             </a:pPr>
+            <a:r>
+              <a:rPr lang="es-CR" sz="1200" u="none" kern="1200" dirty="0" smtClean="0">
+                <a:solidFill>
+                  <a:schemeClr val="tx2"/>
+                </a:solidFill>
+                <a:effectLst/>
+                <a:latin typeface="+mn-lt"/>
+                <a:ea typeface="+mn-ea"/>
+                <a:cs typeface="+mn-cs"/>
+              </a:rPr>
+              <a:t>Dani</a:t>
+            </a:r>
+          </a:p>
+          <a:p>
+            <a:pPr marL="0" marR="0" indent="0" algn="l" defTabSz="914400" rtl="0" eaLnBrk="1" fontAlgn="auto" latinLnBrk="0" hangingPunct="1">
+              <a:lnSpc>
+                <a:spcPct val="100000"/>
+              </a:lnSpc>
+              <a:spcBef>
+                <a:spcPts val="0"/>
+              </a:spcBef>
+              <a:spcAft>
+                <a:spcPts val="0"/>
+              </a:spcAft>
+              <a:buClrTx/>
+              <a:buSzTx/>
+              <a:buFontTx/>
+              <a:buNone/>
+              <a:tabLst/>
+              <a:defRPr/>
+            </a:pPr>
+            <a:r>
+              <a:rPr lang="es-CR" sz="1200" u="none" kern="1200" dirty="0" smtClean="0">
+                <a:solidFill>
+                  <a:schemeClr val="tx2"/>
+                </a:solidFill>
+                <a:effectLst/>
+                <a:latin typeface="+mn-lt"/>
+                <a:ea typeface="+mn-ea"/>
+                <a:cs typeface="+mn-cs"/>
+              </a:rPr>
+              <a:t/>
+            </a:r>
+            <a:br>
+              <a:rPr lang="es-CR" sz="1200" u="none" kern="1200" dirty="0" smtClean="0">
+                <a:solidFill>
+                  <a:schemeClr val="tx2"/>
+                </a:solidFill>
+                <a:effectLst/>
+                <a:latin typeface="+mn-lt"/>
+                <a:ea typeface="+mn-ea"/>
+                <a:cs typeface="+mn-cs"/>
+              </a:rPr>
+            </a:br>
+            <a:r>
+              <a:rPr lang="es-CR" sz="1200" u="none" kern="1200" dirty="0" smtClean="0">
+                <a:solidFill>
+                  <a:schemeClr val="tx2"/>
+                </a:solidFill>
+                <a:effectLst/>
+                <a:latin typeface="+mn-lt"/>
+                <a:ea typeface="+mn-ea"/>
+                <a:cs typeface="+mn-cs"/>
+              </a:rPr>
+              <a:t>1, Entre ellas </a:t>
+            </a:r>
+            <a:r>
+              <a:rPr lang="es-CR" sz="1200" u="none" kern="1200" dirty="0" err="1" smtClean="0">
+                <a:solidFill>
+                  <a:schemeClr val="tx2"/>
+                </a:solidFill>
+                <a:effectLst/>
+                <a:latin typeface="+mn-lt"/>
+                <a:ea typeface="+mn-ea"/>
+                <a:cs typeface="+mn-cs"/>
+              </a:rPr>
+              <a:t>symbian</a:t>
+            </a:r>
+            <a:r>
+              <a:rPr lang="es-CR" sz="1200" u="none" kern="1200" dirty="0" smtClean="0">
+                <a:solidFill>
+                  <a:schemeClr val="tx2"/>
+                </a:solidFill>
+                <a:effectLst/>
+                <a:latin typeface="+mn-lt"/>
+                <a:ea typeface="+mn-ea"/>
+                <a:cs typeface="+mn-cs"/>
+              </a:rPr>
+              <a:t>, </a:t>
+            </a:r>
+            <a:r>
+              <a:rPr lang="es-CR" sz="1200" u="none" kern="1200" dirty="0" err="1" smtClean="0">
+                <a:solidFill>
+                  <a:schemeClr val="tx2"/>
+                </a:solidFill>
+                <a:effectLst/>
+                <a:latin typeface="+mn-lt"/>
+                <a:ea typeface="+mn-ea"/>
+                <a:cs typeface="+mn-cs"/>
+              </a:rPr>
+              <a:t>windows</a:t>
+            </a:r>
+            <a:r>
+              <a:rPr lang="es-CR" sz="1200" u="none" kern="1200" dirty="0" smtClean="0">
+                <a:solidFill>
+                  <a:schemeClr val="tx2"/>
+                </a:solidFill>
+                <a:effectLst/>
+                <a:latin typeface="+mn-lt"/>
+                <a:ea typeface="+mn-ea"/>
+                <a:cs typeface="+mn-cs"/>
+              </a:rPr>
+              <a:t> </a:t>
+            </a:r>
+            <a:r>
+              <a:rPr lang="es-CR" sz="1200" u="none" kern="1200" dirty="0" err="1" smtClean="0">
+                <a:solidFill>
+                  <a:schemeClr val="tx2"/>
+                </a:solidFill>
+                <a:effectLst/>
+                <a:latin typeface="+mn-lt"/>
+                <a:ea typeface="+mn-ea"/>
+                <a:cs typeface="+mn-cs"/>
+              </a:rPr>
+              <a:t>mobile</a:t>
+            </a:r>
+            <a:r>
+              <a:rPr lang="es-CR" sz="1200" u="none" kern="1200" dirty="0" smtClean="0">
+                <a:solidFill>
+                  <a:schemeClr val="tx2"/>
+                </a:solidFill>
+                <a:effectLst/>
+                <a:latin typeface="+mn-lt"/>
+                <a:ea typeface="+mn-ea"/>
+                <a:cs typeface="+mn-cs"/>
+              </a:rPr>
+              <a:t>,  </a:t>
+            </a:r>
+            <a:r>
+              <a:rPr lang="es-CR" sz="1200" u="none" kern="1200" dirty="0" err="1" smtClean="0">
+                <a:solidFill>
+                  <a:schemeClr val="tx2"/>
+                </a:solidFill>
+                <a:effectLst/>
+                <a:latin typeface="+mn-lt"/>
+                <a:ea typeface="+mn-ea"/>
+                <a:cs typeface="+mn-cs"/>
+              </a:rPr>
+              <a:t>ios</a:t>
+            </a:r>
+            <a:r>
+              <a:rPr lang="es-CR" sz="1200" u="none" kern="1200" dirty="0" smtClean="0">
+                <a:solidFill>
+                  <a:schemeClr val="tx2"/>
+                </a:solidFill>
+                <a:effectLst/>
+                <a:latin typeface="+mn-lt"/>
+                <a:ea typeface="+mn-ea"/>
+                <a:cs typeface="+mn-cs"/>
+              </a:rPr>
+              <a:t>,</a:t>
+            </a:r>
+            <a:r>
+              <a:rPr lang="es-CR" sz="1200" u="none" kern="1200" baseline="0" dirty="0" smtClean="0">
+                <a:solidFill>
+                  <a:schemeClr val="tx2"/>
+                </a:solidFill>
+                <a:effectLst/>
+                <a:latin typeface="+mn-lt"/>
+                <a:ea typeface="+mn-ea"/>
+                <a:cs typeface="+mn-cs"/>
+              </a:rPr>
+              <a:t> </a:t>
+            </a:r>
+            <a:r>
+              <a:rPr lang="es-CR" sz="1200" kern="1200" dirty="0" smtClean="0">
+                <a:solidFill>
+                  <a:schemeClr val="tx2"/>
+                </a:solidFill>
+                <a:effectLst/>
+                <a:latin typeface="+mn-lt"/>
+                <a:ea typeface="+mn-ea"/>
+                <a:cs typeface="+mn-cs"/>
+              </a:rPr>
+              <a:t>Android sea en código abierto y, además, sea posible realizar el desarrollo en lenguaje Java permite inclinarse.</a:t>
+            </a:r>
+          </a:p>
+          <a:p>
+            <a:pPr marL="0" marR="0" indent="0" algn="l" defTabSz="914400" rtl="0" eaLnBrk="1" fontAlgn="auto" latinLnBrk="0" hangingPunct="1">
+              <a:lnSpc>
+                <a:spcPct val="100000"/>
+              </a:lnSpc>
+              <a:spcBef>
+                <a:spcPts val="0"/>
+              </a:spcBef>
+              <a:spcAft>
+                <a:spcPts val="0"/>
+              </a:spcAft>
+              <a:buClrTx/>
+              <a:buSzTx/>
+              <a:buFontTx/>
+              <a:buNone/>
+              <a:tabLst/>
+              <a:defRPr/>
+            </a:pPr>
+            <a:endParaRPr lang="es-CR" sz="1200" u="none" kern="1200" dirty="0" smtClean="0">
+              <a:solidFill>
+                <a:schemeClr val="tx2"/>
+              </a:solidFill>
+              <a:effectLst/>
+              <a:latin typeface="+mn-lt"/>
+              <a:ea typeface="+mn-ea"/>
+              <a:cs typeface="+mn-cs"/>
+            </a:endParaRPr>
+          </a:p>
+          <a:p>
+            <a:pPr marL="0" marR="0" indent="0" algn="l" defTabSz="914400" rtl="0" eaLnBrk="1" fontAlgn="auto" latinLnBrk="0" hangingPunct="1">
+              <a:lnSpc>
+                <a:spcPct val="100000"/>
+              </a:lnSpc>
+              <a:spcBef>
+                <a:spcPts val="0"/>
+              </a:spcBef>
+              <a:spcAft>
+                <a:spcPts val="0"/>
+              </a:spcAft>
+              <a:buClrTx/>
+              <a:buSzTx/>
+              <a:buFontTx/>
+              <a:buNone/>
+              <a:tabLst/>
+              <a:defRPr/>
+            </a:pPr>
+            <a:r>
+              <a:rPr lang="es-CR" sz="1200" u="none" kern="1200" dirty="0" smtClean="0">
+                <a:solidFill>
+                  <a:schemeClr val="tx2"/>
+                </a:solidFill>
+                <a:effectLst/>
+                <a:latin typeface="+mn-lt"/>
+                <a:ea typeface="+mn-ea"/>
+                <a:cs typeface="+mn-cs"/>
+              </a:rPr>
+              <a:t>2,</a:t>
+            </a:r>
+            <a:r>
+              <a:rPr lang="es-CR" sz="1200" u="none" kern="1200" baseline="0" dirty="0" smtClean="0">
+                <a:solidFill>
+                  <a:schemeClr val="tx2"/>
+                </a:solidFill>
+                <a:effectLst/>
+                <a:latin typeface="+mn-lt"/>
+                <a:ea typeface="+mn-ea"/>
+                <a:cs typeface="+mn-cs"/>
+              </a:rPr>
+              <a:t> </a:t>
+            </a:r>
+            <a:r>
+              <a:rPr lang="es-ES" sz="1200" kern="1200" dirty="0" smtClean="0">
+                <a:solidFill>
+                  <a:schemeClr val="tx2"/>
+                </a:solidFill>
+                <a:effectLst/>
+                <a:latin typeface="+mn-lt"/>
+                <a:ea typeface="+mn-ea"/>
+                <a:cs typeface="+mn-cs"/>
+              </a:rPr>
+              <a:t>Servicio </a:t>
+            </a:r>
+            <a:r>
+              <a:rPr lang="es-ES" sz="1200" kern="1200" dirty="0" err="1" smtClean="0">
+                <a:solidFill>
+                  <a:schemeClr val="tx2"/>
+                </a:solidFill>
+                <a:effectLst/>
+                <a:latin typeface="+mn-lt"/>
+                <a:ea typeface="+mn-ea"/>
+                <a:cs typeface="+mn-cs"/>
+              </a:rPr>
+              <a:t>gratuito,licencias</a:t>
+            </a:r>
+            <a:r>
+              <a:rPr lang="es-ES" sz="1200" kern="1200" dirty="0" smtClean="0">
+                <a:solidFill>
+                  <a:schemeClr val="tx2"/>
+                </a:solidFill>
+                <a:effectLst/>
+                <a:latin typeface="+mn-lt"/>
+                <a:ea typeface="+mn-ea"/>
+                <a:cs typeface="+mn-cs"/>
+              </a:rPr>
+              <a:t> </a:t>
+            </a:r>
+            <a:r>
+              <a:rPr lang="es-ES" sz="1200" i="1" kern="1200" dirty="0" err="1" smtClean="0">
+                <a:solidFill>
+                  <a:schemeClr val="tx2"/>
+                </a:solidFill>
+                <a:effectLst/>
+                <a:latin typeface="+mn-lt"/>
+                <a:ea typeface="+mn-ea"/>
+                <a:cs typeface="+mn-cs"/>
+              </a:rPr>
+              <a:t>freeware</a:t>
+            </a:r>
+            <a:r>
+              <a:rPr lang="es-ES" sz="1200" i="1" kern="1200" dirty="0" smtClean="0">
+                <a:solidFill>
+                  <a:schemeClr val="tx2"/>
+                </a:solidFill>
+                <a:effectLst/>
+                <a:latin typeface="+mn-lt"/>
+                <a:ea typeface="+mn-ea"/>
+                <a:cs typeface="+mn-cs"/>
+              </a:rPr>
+              <a:t>,</a:t>
+            </a:r>
+            <a:r>
+              <a:rPr lang="es-ES" sz="1200" i="1" kern="1200" baseline="0" dirty="0" smtClean="0">
+                <a:solidFill>
+                  <a:schemeClr val="tx2"/>
+                </a:solidFill>
+                <a:effectLst/>
+                <a:latin typeface="+mn-lt"/>
+                <a:ea typeface="+mn-ea"/>
+                <a:cs typeface="+mn-cs"/>
+              </a:rPr>
+              <a:t> E</a:t>
+            </a:r>
+            <a:r>
+              <a:rPr lang="es-ES" sz="1200" i="1" kern="1200" dirty="0" smtClean="0">
+                <a:solidFill>
+                  <a:schemeClr val="tx2"/>
+                </a:solidFill>
+                <a:effectLst/>
+                <a:latin typeface="+mn-lt"/>
+                <a:ea typeface="+mn-ea"/>
+                <a:cs typeface="+mn-cs"/>
+              </a:rPr>
+              <a:t>quipos  requeridos con los que se cuentan para desarrollar. Factibilidad</a:t>
+            </a:r>
+            <a:r>
+              <a:rPr lang="es-ES" sz="1200" i="1" kern="1200" baseline="0" dirty="0" smtClean="0">
+                <a:solidFill>
+                  <a:schemeClr val="tx2"/>
+                </a:solidFill>
+                <a:effectLst/>
+                <a:latin typeface="+mn-lt"/>
+                <a:ea typeface="+mn-ea"/>
+                <a:cs typeface="+mn-cs"/>
+              </a:rPr>
+              <a:t> operativa y </a:t>
+            </a:r>
+            <a:r>
+              <a:rPr lang="es-ES" sz="1200" i="1" kern="1200" baseline="0" dirty="0" err="1" smtClean="0">
+                <a:solidFill>
+                  <a:schemeClr val="tx2"/>
+                </a:solidFill>
+                <a:effectLst/>
+                <a:latin typeface="+mn-lt"/>
+                <a:ea typeface="+mn-ea"/>
+                <a:cs typeface="+mn-cs"/>
+              </a:rPr>
+              <a:t>tecnica</a:t>
+            </a:r>
+            <a:r>
+              <a:rPr lang="es-ES" sz="1200" i="1" kern="1200" baseline="0" dirty="0" smtClean="0">
+                <a:solidFill>
+                  <a:schemeClr val="tx2"/>
+                </a:solidFill>
+                <a:effectLst/>
+                <a:latin typeface="+mn-lt"/>
+                <a:ea typeface="+mn-ea"/>
+                <a:cs typeface="+mn-cs"/>
+              </a:rPr>
+              <a:t>. Operativa </a:t>
+            </a:r>
+            <a:r>
+              <a:rPr lang="es-CR" sz="1200" kern="1200" dirty="0" smtClean="0">
+                <a:solidFill>
+                  <a:schemeClr val="tx2"/>
+                </a:solidFill>
+                <a:effectLst/>
+                <a:latin typeface="+mn-lt"/>
+                <a:ea typeface="+mn-ea"/>
+                <a:cs typeface="+mn-cs"/>
+              </a:rPr>
+              <a:t>El personal de la clínica no tiene que capacitarse en ningún aspecto, ya que la aplicación proveerá un servicio diseñado por ellos mismos, siendo esta bastante intuitiva para el usuario. La información generada por la herramienta será manejada por el personal vía correo electrónico y la política de respaldo de información queda en manos del personal de la clínica.</a:t>
+            </a:r>
+          </a:p>
+          <a:p>
+            <a:pPr marL="0" marR="0" indent="0" algn="l" defTabSz="914400" rtl="0" eaLnBrk="1" fontAlgn="auto" latinLnBrk="0" hangingPunct="1">
+              <a:lnSpc>
+                <a:spcPct val="100000"/>
+              </a:lnSpc>
+              <a:spcBef>
+                <a:spcPts val="0"/>
+              </a:spcBef>
+              <a:spcAft>
+                <a:spcPts val="0"/>
+              </a:spcAft>
+              <a:buClrTx/>
+              <a:buSzTx/>
+              <a:buFontTx/>
+              <a:buNone/>
+              <a:tabLst/>
+              <a:defRPr/>
+            </a:pPr>
+            <a:endParaRPr lang="es-ES" sz="1200" i="1" kern="1200" dirty="0" smtClean="0">
+              <a:solidFill>
+                <a:schemeClr val="tx2"/>
+              </a:solidFill>
+              <a:effectLst/>
+              <a:latin typeface="+mn-lt"/>
+              <a:ea typeface="+mn-ea"/>
+              <a:cs typeface="+mn-cs"/>
+            </a:endParaRPr>
+          </a:p>
+          <a:p>
+            <a:pPr marL="0" marR="0" indent="0" algn="l" defTabSz="914400" rtl="0" eaLnBrk="1" fontAlgn="auto" latinLnBrk="0" hangingPunct="1">
+              <a:lnSpc>
+                <a:spcPct val="100000"/>
+              </a:lnSpc>
+              <a:spcBef>
+                <a:spcPts val="0"/>
+              </a:spcBef>
+              <a:spcAft>
+                <a:spcPts val="0"/>
+              </a:spcAft>
+              <a:buClrTx/>
+              <a:buSzTx/>
+              <a:buFontTx/>
+              <a:buNone/>
+              <a:tabLst/>
+              <a:defRPr/>
+            </a:pPr>
+            <a:endParaRPr lang="es-CR" sz="1200" u="none" kern="1200" dirty="0" smtClean="0">
+              <a:solidFill>
+                <a:schemeClr val="tx2"/>
+              </a:solidFill>
+              <a:effectLst/>
+              <a:latin typeface="+mn-lt"/>
+              <a:ea typeface="+mn-ea"/>
+              <a:cs typeface="+mn-cs"/>
+            </a:endParaRPr>
+          </a:p>
+          <a:p>
+            <a:pPr marL="0" marR="0" indent="0" algn="l" defTabSz="914400" rtl="0" eaLnBrk="1" fontAlgn="auto" latinLnBrk="0" hangingPunct="1">
+              <a:lnSpc>
+                <a:spcPct val="100000"/>
+              </a:lnSpc>
+              <a:spcBef>
+                <a:spcPts val="0"/>
+              </a:spcBef>
+              <a:spcAft>
+                <a:spcPts val="0"/>
+              </a:spcAft>
+              <a:buClrTx/>
+              <a:buSzTx/>
+              <a:buFontTx/>
+              <a:buNone/>
+              <a:tabLst/>
+              <a:defRPr/>
+            </a:pPr>
+            <a:r>
+              <a:rPr lang="es-CR" sz="1200" u="none" kern="1200" baseline="0" dirty="0" smtClean="0">
+                <a:solidFill>
+                  <a:schemeClr val="tx2"/>
+                </a:solidFill>
+                <a:effectLst/>
+                <a:latin typeface="+mn-lt"/>
+                <a:ea typeface="+mn-ea"/>
+                <a:cs typeface="+mn-cs"/>
+              </a:rPr>
+              <a:t>3, investigación artículos de </a:t>
+            </a:r>
+            <a:r>
+              <a:rPr lang="es-CR" sz="1200" u="none" kern="1200" baseline="0" dirty="0" err="1" smtClean="0">
+                <a:solidFill>
+                  <a:schemeClr val="tx2"/>
+                </a:solidFill>
+                <a:effectLst/>
+                <a:latin typeface="+mn-lt"/>
+                <a:ea typeface="+mn-ea"/>
+                <a:cs typeface="+mn-cs"/>
+              </a:rPr>
+              <a:t>statcounter</a:t>
+            </a:r>
+            <a:r>
+              <a:rPr lang="es-CR" sz="1200" u="none" kern="1200" baseline="0" dirty="0" smtClean="0">
+                <a:solidFill>
+                  <a:schemeClr val="tx2"/>
+                </a:solidFill>
+                <a:effectLst/>
+                <a:latin typeface="+mn-lt"/>
+                <a:ea typeface="+mn-ea"/>
+                <a:cs typeface="+mn-cs"/>
+              </a:rPr>
+              <a:t> dedicada al análisis de visitas web, permite </a:t>
+            </a:r>
+            <a:r>
+              <a:rPr lang="es-CR" sz="1200" kern="1200" dirty="0" smtClean="0">
+                <a:solidFill>
+                  <a:schemeClr val="tx2"/>
+                </a:solidFill>
+                <a:effectLst/>
+                <a:latin typeface="+mn-lt"/>
+                <a:ea typeface="+mn-ea"/>
+                <a:cs typeface="+mn-cs"/>
+              </a:rPr>
+              <a:t>obtener estadísticas relevantes acerca del estado de los sistemas operativos móviles en el país.</a:t>
+            </a:r>
+            <a:r>
+              <a:rPr lang="es-CR" sz="1200" kern="1200" baseline="0" dirty="0" smtClean="0">
+                <a:solidFill>
+                  <a:schemeClr val="tx2"/>
+                </a:solidFill>
+                <a:effectLst/>
+                <a:latin typeface="+mn-lt"/>
+                <a:ea typeface="+mn-ea"/>
+                <a:cs typeface="+mn-cs"/>
+              </a:rPr>
+              <a:t> La nación en su artículo</a:t>
+            </a:r>
+            <a:r>
+              <a:rPr lang="es-CR" sz="1200" kern="1200" dirty="0" smtClean="0">
+                <a:solidFill>
+                  <a:schemeClr val="tx2"/>
+                </a:solidFill>
+                <a:effectLst/>
+                <a:latin typeface="+mn-lt"/>
+                <a:ea typeface="+mn-ea"/>
+                <a:cs typeface="+mn-cs"/>
+              </a:rPr>
+              <a:t> </a:t>
+            </a:r>
+            <a:r>
+              <a:rPr lang="es-CR" sz="1200" kern="1200" dirty="0" err="1" smtClean="0">
+                <a:solidFill>
+                  <a:schemeClr val="tx2"/>
+                </a:solidFill>
+                <a:effectLst/>
+                <a:latin typeface="+mn-lt"/>
+                <a:ea typeface="+mn-ea"/>
+                <a:cs typeface="+mn-cs"/>
+              </a:rPr>
+              <a:t>Android</a:t>
+            </a:r>
+            <a:r>
+              <a:rPr lang="es-CR" sz="1200" kern="1200" dirty="0" smtClean="0">
+                <a:solidFill>
+                  <a:schemeClr val="tx2"/>
+                </a:solidFill>
+                <a:effectLst/>
+                <a:latin typeface="+mn-lt"/>
+                <a:ea typeface="+mn-ea"/>
+                <a:cs typeface="+mn-cs"/>
+              </a:rPr>
+              <a:t> ‘viste’ al 79% de los celulares vendidos, se afirma que “Casi ocho de cada diez teléfonos inteligentes vendidos en el mundo, en 2013, funcionan con el sistema operativo </a:t>
+            </a:r>
+            <a:r>
+              <a:rPr lang="es-CR" sz="1200" kern="1200" dirty="0" err="1" smtClean="0">
+                <a:solidFill>
+                  <a:schemeClr val="tx2"/>
+                </a:solidFill>
+                <a:effectLst/>
+                <a:latin typeface="+mn-lt"/>
+                <a:ea typeface="+mn-ea"/>
+                <a:cs typeface="+mn-cs"/>
+              </a:rPr>
+              <a:t>Android</a:t>
+            </a:r>
+            <a:r>
+              <a:rPr lang="es-CR" sz="1200" kern="1200" dirty="0" smtClean="0">
+                <a:solidFill>
+                  <a:schemeClr val="tx2"/>
+                </a:solidFill>
+                <a:effectLst/>
+                <a:latin typeface="+mn-lt"/>
+                <a:ea typeface="+mn-ea"/>
+                <a:cs typeface="+mn-cs"/>
+              </a:rPr>
+              <a:t> de Google”. El informe de la firma de investigación </a:t>
+            </a:r>
+            <a:r>
+              <a:rPr lang="es-CR" sz="1200" u="none" strike="noStrike" kern="1200" dirty="0" err="1" smtClean="0">
+                <a:solidFill>
+                  <a:schemeClr val="tx2"/>
+                </a:solidFill>
+                <a:effectLst/>
+                <a:latin typeface="+mn-lt"/>
+                <a:ea typeface="+mn-ea"/>
+                <a:cs typeface="+mn-cs"/>
+                <a:hlinkClick r:id="rId3"/>
+              </a:rPr>
+              <a:t>Strategy</a:t>
+            </a:r>
+            <a:r>
+              <a:rPr lang="es-CR" sz="1200" u="none" strike="noStrike" kern="1200" dirty="0" smtClean="0">
+                <a:solidFill>
+                  <a:schemeClr val="tx2"/>
+                </a:solidFill>
+                <a:effectLst/>
+                <a:latin typeface="+mn-lt"/>
+                <a:ea typeface="+mn-ea"/>
+                <a:cs typeface="+mn-cs"/>
+                <a:hlinkClick r:id="rId3"/>
+              </a:rPr>
+              <a:t> </a:t>
+            </a:r>
+            <a:r>
+              <a:rPr lang="es-CR" sz="1200" u="none" strike="noStrike" kern="1200" dirty="0" err="1" smtClean="0">
+                <a:solidFill>
+                  <a:schemeClr val="tx2"/>
+                </a:solidFill>
+                <a:effectLst/>
+                <a:latin typeface="+mn-lt"/>
+                <a:ea typeface="+mn-ea"/>
+                <a:cs typeface="+mn-cs"/>
+                <a:hlinkClick r:id="rId3"/>
+              </a:rPr>
+              <a:t>Analytics</a:t>
+            </a:r>
+            <a:r>
+              <a:rPr lang="es-CR" sz="1200" kern="1200" dirty="0" smtClean="0">
+                <a:solidFill>
+                  <a:schemeClr val="tx2"/>
+                </a:solidFill>
+                <a:effectLst/>
+                <a:latin typeface="+mn-lt"/>
+                <a:ea typeface="+mn-ea"/>
+                <a:cs typeface="+mn-cs"/>
+              </a:rPr>
+              <a:t> confirma el ascenso de </a:t>
+            </a:r>
+            <a:r>
+              <a:rPr lang="es-CR" sz="1200" kern="1200" dirty="0" err="1" smtClean="0">
+                <a:solidFill>
+                  <a:schemeClr val="tx2"/>
+                </a:solidFill>
+                <a:effectLst/>
+                <a:latin typeface="+mn-lt"/>
+                <a:ea typeface="+mn-ea"/>
+                <a:cs typeface="+mn-cs"/>
+              </a:rPr>
+              <a:t>Android</a:t>
+            </a:r>
+            <a:r>
+              <a:rPr lang="es-CR" sz="1200" kern="1200" dirty="0" smtClean="0">
+                <a:solidFill>
+                  <a:schemeClr val="tx2"/>
+                </a:solidFill>
+                <a:effectLst/>
+                <a:latin typeface="+mn-lt"/>
+                <a:ea typeface="+mn-ea"/>
+                <a:cs typeface="+mn-cs"/>
+              </a:rPr>
+              <a:t>, usado en 78,9% de los </a:t>
+            </a:r>
+            <a:r>
+              <a:rPr lang="es-CR" sz="1200" kern="1200" dirty="0" err="1" smtClean="0">
+                <a:solidFill>
+                  <a:schemeClr val="tx2"/>
+                </a:solidFill>
+                <a:effectLst/>
+                <a:latin typeface="+mn-lt"/>
+                <a:ea typeface="+mn-ea"/>
+                <a:cs typeface="+mn-cs"/>
+              </a:rPr>
+              <a:t>smartphones</a:t>
+            </a:r>
+            <a:r>
+              <a:rPr lang="es-CR" sz="1200" kern="1200" dirty="0" smtClean="0">
+                <a:solidFill>
+                  <a:schemeClr val="tx2"/>
+                </a:solidFill>
+                <a:effectLst/>
+                <a:latin typeface="+mn-lt"/>
+                <a:ea typeface="+mn-ea"/>
+                <a:cs typeface="+mn-cs"/>
+              </a:rPr>
+              <a:t>, </a:t>
+            </a:r>
+          </a:p>
+          <a:p>
+            <a:pPr marL="0" marR="0" indent="0" algn="l" defTabSz="914400" rtl="0" eaLnBrk="1" fontAlgn="auto" latinLnBrk="0" hangingPunct="1">
+              <a:lnSpc>
+                <a:spcPct val="100000"/>
+              </a:lnSpc>
+              <a:spcBef>
+                <a:spcPts val="0"/>
+              </a:spcBef>
+              <a:spcAft>
+                <a:spcPts val="0"/>
+              </a:spcAft>
+              <a:buClrTx/>
+              <a:buSzTx/>
+              <a:buFontTx/>
+              <a:buNone/>
+              <a:tabLst/>
+              <a:defRPr/>
+            </a:pPr>
+            <a:endParaRPr lang="es-CR" sz="1200" u="none" kern="1200" dirty="0" smtClean="0">
+              <a:solidFill>
+                <a:schemeClr val="tx2"/>
+              </a:solidFill>
+              <a:effectLst/>
+              <a:latin typeface="+mn-lt"/>
+              <a:ea typeface="+mn-ea"/>
+              <a:cs typeface="+mn-cs"/>
+            </a:endParaRPr>
+          </a:p>
+          <a:p>
+            <a:pPr lvl="0"/>
+            <a:endParaRPr lang="es-CR" sz="1200" u="none" kern="1200" dirty="0" smtClean="0">
+              <a:solidFill>
+                <a:schemeClr val="tx2"/>
+              </a:solidFill>
+              <a:effectLst/>
+              <a:latin typeface="+mn-lt"/>
+              <a:ea typeface="+mn-ea"/>
+              <a:cs typeface="+mn-cs"/>
+            </a:endParaRPr>
+          </a:p>
+        </p:txBody>
+      </p:sp>
+      <p:sp>
+        <p:nvSpPr>
+          <p:cNvPr id="4" name="3 Marcador de número de diapositiva"/>
+          <p:cNvSpPr>
+            <a:spLocks noGrp="1"/>
+          </p:cNvSpPr>
+          <p:nvPr>
+            <p:ph type="sldNum" sz="quarter" idx="10"/>
+          </p:nvPr>
+        </p:nvSpPr>
+        <p:spPr/>
+        <p:txBody>
+          <a:bodyPr/>
+          <a:lstStyle/>
+          <a:p>
+            <a:fld id="{841221E5-7225-48EB-A4EE-420E7BFCF705}" type="slidenum">
+              <a:rPr lang="es-CR" smtClean="0"/>
+              <a:pPr/>
+              <a:t>15</a:t>
+            </a:fld>
+            <a:endParaRPr lang="es-CR"/>
+          </a:p>
+        </p:txBody>
+      </p:sp>
+    </p:spTree>
+    <p:extLst>
+      <p:ext uri="{BB962C8B-B14F-4D97-AF65-F5344CB8AC3E}">
+        <p14:creationId xmlns:p14="http://schemas.microsoft.com/office/powerpoint/2010/main" val="3820931044"/>
+      </p:ext>
+    </p:extLst>
+  </p:cSld>
+  <p:clrMapOvr>
+    <a:masterClrMapping/>
+  </p:clrMapOvr>
+</p:notes>
+</file>
+
+<file path=ppt/notesSlides/notesSlide16.xml><?xml version="1.0" encoding="utf-8"?>
+<p:notes xmlns:a="http://schemas.openxmlformats.org/drawingml/2006/main" xmlns:r="http://schemas.openxmlformats.org/officeDocument/2006/relationships" xmlns:p="http://schemas.openxmlformats.org/presentationml/2006/main">
+  <p:cSld>
+    <p:spTree>
+      <p:nvGrpSpPr>
+        <p:cNvPr id="1" name=""/>
+        <p:cNvGrpSpPr/>
+        <p:nvPr/>
+      </p:nvGrpSpPr>
+      <p:grpSpPr>
+        <a:xfrm>
+          <a:off x="0" y="0"/>
+          <a:ext cx="0" cy="0"/>
+          <a:chOff x="0" y="0"/>
+          <a:chExt cx="0" cy="0"/>
+        </a:xfrm>
+      </p:grpSpPr>
+      <p:sp>
+        <p:nvSpPr>
+          <p:cNvPr id="2" name="Slide Image Placeholder 1"/>
+          <p:cNvSpPr>
+            <a:spLocks noGrp="1" noRot="1" noChangeAspect="1"/>
+          </p:cNvSpPr>
+          <p:nvPr>
+            <p:ph type="sldImg"/>
+          </p:nvPr>
+        </p:nvSpPr>
+        <p:spPr/>
+      </p:sp>
+      <p:sp>
+        <p:nvSpPr>
+          <p:cNvPr id="3" name="Notes Placeholder 2"/>
+          <p:cNvSpPr>
+            <a:spLocks noGrp="1"/>
+          </p:cNvSpPr>
+          <p:nvPr>
+            <p:ph type="body" idx="1"/>
+          </p:nvPr>
+        </p:nvSpPr>
+        <p:spPr/>
+        <p:txBody>
+          <a:bodyPr/>
+          <a:lstStyle/>
+          <a:p>
+            <a:pPr lvl="0"/>
+            <a:r>
+              <a:rPr lang="es-CR" sz="1200" kern="1200" dirty="0" smtClean="0">
+                <a:solidFill>
+                  <a:schemeClr val="tx2"/>
+                </a:solidFill>
+                <a:effectLst/>
+                <a:latin typeface="+mn-lt"/>
+                <a:ea typeface="+mn-ea"/>
+                <a:cs typeface="+mn-cs"/>
+              </a:rPr>
+              <a:t>Dani</a:t>
+            </a:r>
+            <a:br>
+              <a:rPr lang="es-CR" sz="1200" kern="1200" dirty="0" smtClean="0">
+                <a:solidFill>
+                  <a:schemeClr val="tx2"/>
+                </a:solidFill>
+                <a:effectLst/>
+                <a:latin typeface="+mn-lt"/>
+                <a:ea typeface="+mn-ea"/>
+                <a:cs typeface="+mn-cs"/>
+              </a:rPr>
+            </a:br>
+            <a:r>
+              <a:rPr lang="es-CR" sz="1200" kern="1200" dirty="0" smtClean="0">
+                <a:solidFill>
+                  <a:schemeClr val="tx2"/>
+                </a:solidFill>
+                <a:effectLst/>
+                <a:latin typeface="+mn-lt"/>
+                <a:ea typeface="+mn-ea"/>
+                <a:cs typeface="+mn-cs"/>
+              </a:rPr>
+              <a:t>Como parte de la investigación también se consultan artículos y sitios que permiten conocer sobre el uso de los sistemas operativos en costa rica. El sitio </a:t>
+            </a:r>
+            <a:r>
+              <a:rPr lang="es-CR" sz="1200" kern="1200" dirty="0" err="1" smtClean="0">
+                <a:solidFill>
+                  <a:schemeClr val="tx2"/>
+                </a:solidFill>
+                <a:effectLst/>
+                <a:latin typeface="+mn-lt"/>
+                <a:ea typeface="+mn-ea"/>
+                <a:cs typeface="+mn-cs"/>
+              </a:rPr>
+              <a:t>StatCounter</a:t>
+            </a:r>
+            <a:r>
+              <a:rPr lang="es-CR" sz="1200" kern="1200" dirty="0" smtClean="0">
+                <a:solidFill>
+                  <a:schemeClr val="tx2"/>
+                </a:solidFill>
+                <a:effectLst/>
+                <a:latin typeface="+mn-lt"/>
+                <a:ea typeface="+mn-ea"/>
+                <a:cs typeface="+mn-cs"/>
+              </a:rPr>
+              <a:t>, empresa de análisis de visitación web, ubicada en </a:t>
+            </a:r>
+            <a:r>
+              <a:rPr lang="es-CR" sz="1200" kern="1200" dirty="0" err="1" smtClean="0">
+                <a:solidFill>
+                  <a:schemeClr val="tx2"/>
+                </a:solidFill>
+                <a:effectLst/>
+                <a:latin typeface="+mn-lt"/>
+                <a:ea typeface="+mn-ea"/>
+                <a:cs typeface="+mn-cs"/>
+              </a:rPr>
+              <a:t>Dublin</a:t>
+            </a:r>
+            <a:r>
+              <a:rPr lang="es-CR" sz="1200" kern="1200" dirty="0" smtClean="0">
+                <a:solidFill>
+                  <a:schemeClr val="tx2"/>
+                </a:solidFill>
+                <a:effectLst/>
+                <a:latin typeface="+mn-lt"/>
+                <a:ea typeface="+mn-ea"/>
+                <a:cs typeface="+mn-cs"/>
+              </a:rPr>
+              <a:t>, permite obtener estadísticas relevantes acerca del estado de los sistemas operativos móviles en el país. El siguiente gráfico agrupa información desde</a:t>
+            </a:r>
+            <a:r>
+              <a:rPr lang="es-CR" sz="1200" kern="1200" baseline="0" dirty="0" smtClean="0">
+                <a:solidFill>
+                  <a:schemeClr val="tx2"/>
+                </a:solidFill>
+                <a:effectLst/>
+                <a:latin typeface="+mn-lt"/>
+                <a:ea typeface="+mn-ea"/>
+                <a:cs typeface="+mn-cs"/>
+              </a:rPr>
+              <a:t> Noviembre 2012 hasta </a:t>
+            </a:r>
+            <a:r>
+              <a:rPr lang="es-CR" sz="1200" u="none" strike="noStrike" kern="1200" dirty="0" smtClean="0">
+                <a:solidFill>
+                  <a:schemeClr val="tx2"/>
+                </a:solidFill>
+                <a:effectLst/>
+                <a:latin typeface="+mn-lt"/>
+                <a:ea typeface="+mn-ea"/>
+                <a:cs typeface="+mn-cs"/>
+              </a:rPr>
+              <a:t>J</a:t>
+            </a:r>
+            <a:r>
+              <a:rPr lang="es-CR" sz="1200" kern="1200" dirty="0" smtClean="0">
+                <a:solidFill>
+                  <a:schemeClr val="tx2"/>
+                </a:solidFill>
+                <a:effectLst/>
+                <a:latin typeface="+mn-lt"/>
+                <a:ea typeface="+mn-ea"/>
+                <a:cs typeface="+mn-cs"/>
+              </a:rPr>
+              <a:t>unio 2014, y muestra como Android se posiciona de manera abrumadora con un 49,6 % sobre los demás sistemas operativos móviles. Luego</a:t>
+            </a:r>
+            <a:r>
+              <a:rPr lang="es-CR" sz="1200" kern="1200" baseline="0" dirty="0" smtClean="0">
+                <a:solidFill>
+                  <a:schemeClr val="tx2"/>
+                </a:solidFill>
+                <a:effectLst/>
+                <a:latin typeface="+mn-lt"/>
+                <a:ea typeface="+mn-ea"/>
+                <a:cs typeface="+mn-cs"/>
+              </a:rPr>
+              <a:t> de la investigación, revisión de factibilidad, estudio de artículos se decide utilizar </a:t>
+            </a:r>
+            <a:r>
+              <a:rPr lang="es-CR" sz="1200" kern="1200" baseline="0" dirty="0" err="1" smtClean="0">
+                <a:solidFill>
+                  <a:schemeClr val="tx2"/>
+                </a:solidFill>
+                <a:effectLst/>
+                <a:latin typeface="+mn-lt"/>
+                <a:ea typeface="+mn-ea"/>
+                <a:cs typeface="+mn-cs"/>
+              </a:rPr>
+              <a:t>androidpara</a:t>
+            </a:r>
+            <a:r>
+              <a:rPr lang="es-CR" sz="1200" kern="1200" baseline="0" dirty="0" smtClean="0">
+                <a:solidFill>
+                  <a:schemeClr val="tx2"/>
+                </a:solidFill>
+                <a:effectLst/>
+                <a:latin typeface="+mn-lt"/>
+                <a:ea typeface="+mn-ea"/>
+                <a:cs typeface="+mn-cs"/>
+              </a:rPr>
+              <a:t> desarrollar.</a:t>
+            </a:r>
+            <a:endParaRPr lang="es-CR" sz="1200" kern="1200" dirty="0" smtClean="0">
+              <a:solidFill>
+                <a:schemeClr val="tx2"/>
+              </a:solidFill>
+              <a:effectLst/>
+              <a:latin typeface="+mn-lt"/>
+              <a:ea typeface="+mn-ea"/>
+              <a:cs typeface="+mn-cs"/>
+            </a:endParaRPr>
+          </a:p>
+        </p:txBody>
+      </p:sp>
+      <p:sp>
+        <p:nvSpPr>
+          <p:cNvPr id="4" name="Slide Number Placeholder 3"/>
+          <p:cNvSpPr>
+            <a:spLocks noGrp="1"/>
+          </p:cNvSpPr>
+          <p:nvPr>
+            <p:ph type="sldNum" sz="quarter" idx="10"/>
+          </p:nvPr>
+        </p:nvSpPr>
+        <p:spPr/>
+        <p:txBody>
+          <a:bodyPr/>
+          <a:lstStyle/>
+          <a:p>
+            <a:fld id="{841221E5-7225-48EB-A4EE-420E7BFCF705}" type="slidenum">
+              <a:rPr lang="es-CR" smtClean="0"/>
+              <a:pPr/>
+              <a:t>16</a:t>
+            </a:fld>
+            <a:endParaRPr lang="es-CR"/>
+          </a:p>
+        </p:txBody>
+      </p:sp>
+    </p:spTree>
+    <p:extLst>
+      <p:ext uri="{BB962C8B-B14F-4D97-AF65-F5344CB8AC3E}">
+        <p14:creationId xmlns:p14="http://schemas.microsoft.com/office/powerpoint/2010/main" val="480101739"/>
+      </p:ext>
+    </p:extLst>
+  </p:cSld>
+  <p:clrMapOvr>
+    <a:masterClrMapping/>
+  </p:clrMapOvr>
+</p:notes>
+</file>
+
+<file path=ppt/notesSlides/notesSlide17.xml><?xml version="1.0" encoding="utf-8"?>
+<p:notes xmlns:a="http://schemas.openxmlformats.org/drawingml/2006/main" xmlns:r="http://schemas.openxmlformats.org/officeDocument/2006/relationships" xmlns:p="http://schemas.openxmlformats.org/presentationml/2006/main">
+  <p:cSld>
+    <p:spTree>
+      <p:nvGrpSpPr>
+        <p:cNvPr id="1" name=""/>
+        <p:cNvGrpSpPr/>
+        <p:nvPr/>
+      </p:nvGrpSpPr>
+      <p:grpSpPr>
+        <a:xfrm>
+          <a:off x="0" y="0"/>
+          <a:ext cx="0" cy="0"/>
+          <a:chOff x="0" y="0"/>
+          <a:chExt cx="0" cy="0"/>
+        </a:xfrm>
+      </p:grpSpPr>
+      <p:sp>
+        <p:nvSpPr>
+          <p:cNvPr id="2" name="1 Marcador de imagen de diapositiva"/>
+          <p:cNvSpPr>
+            <a:spLocks noGrp="1" noRot="1" noChangeAspect="1"/>
+          </p:cNvSpPr>
+          <p:nvPr>
+            <p:ph type="sldImg"/>
+          </p:nvPr>
+        </p:nvSpPr>
+        <p:spPr/>
+      </p:sp>
+      <p:sp>
+        <p:nvSpPr>
+          <p:cNvPr id="3" name="2 Marcador de notas"/>
+          <p:cNvSpPr>
+            <a:spLocks noGrp="1"/>
+          </p:cNvSpPr>
+          <p:nvPr>
+            <p:ph type="body" idx="1"/>
+          </p:nvPr>
+        </p:nvSpPr>
+        <p:spPr/>
+        <p:txBody>
+          <a:bodyPr/>
+          <a:lstStyle/>
+          <a:p>
+            <a:r>
+              <a:rPr lang="es-CR" dirty="0" smtClean="0"/>
+              <a:t>Beto</a:t>
+            </a:r>
+            <a:endParaRPr lang="es-CR" dirty="0"/>
+          </a:p>
+        </p:txBody>
+      </p:sp>
+      <p:sp>
+        <p:nvSpPr>
+          <p:cNvPr id="4" name="3 Marcador de número de diapositiva"/>
+          <p:cNvSpPr>
+            <a:spLocks noGrp="1"/>
+          </p:cNvSpPr>
+          <p:nvPr>
+            <p:ph type="sldNum" sz="quarter" idx="10"/>
+          </p:nvPr>
+        </p:nvSpPr>
+        <p:spPr/>
+        <p:txBody>
+          <a:bodyPr/>
+          <a:lstStyle/>
+          <a:p>
+            <a:fld id="{841221E5-7225-48EB-A4EE-420E7BFCF705}" type="slidenum">
+              <a:rPr lang="es-CR" smtClean="0"/>
+              <a:pPr/>
+              <a:t>17</a:t>
+            </a:fld>
+            <a:endParaRPr lang="es-CR"/>
+          </a:p>
+        </p:txBody>
+      </p:sp>
+    </p:spTree>
+    <p:extLst>
+      <p:ext uri="{BB962C8B-B14F-4D97-AF65-F5344CB8AC3E}">
+        <p14:creationId xmlns:p14="http://schemas.microsoft.com/office/powerpoint/2010/main" val="3254842392"/>
+      </p:ext>
+    </p:extLst>
+  </p:cSld>
+  <p:clrMapOvr>
+    <a:masterClrMapping/>
+  </p:clrMapOvr>
+</p:notes>
+</file>
+
+<file path=ppt/notesSlides/notesSlide18.xml><?xml version="1.0" encoding="utf-8"?>
+<p:notes xmlns:a="http://schemas.openxmlformats.org/drawingml/2006/main" xmlns:r="http://schemas.openxmlformats.org/officeDocument/2006/relationships" xmlns:p="http://schemas.openxmlformats.org/presentationml/2006/main">
+  <p:cSld>
+    <p:spTree>
+      <p:nvGrpSpPr>
+        <p:cNvPr id="1" name=""/>
+        <p:cNvGrpSpPr/>
+        <p:nvPr/>
+      </p:nvGrpSpPr>
+      <p:grpSpPr>
+        <a:xfrm>
+          <a:off x="0" y="0"/>
+          <a:ext cx="0" cy="0"/>
+          <a:chOff x="0" y="0"/>
+          <a:chExt cx="0" cy="0"/>
+        </a:xfrm>
+      </p:grpSpPr>
+      <p:sp>
+        <p:nvSpPr>
+          <p:cNvPr id="2" name="1 Marcador de imagen de diapositiva"/>
+          <p:cNvSpPr>
+            <a:spLocks noGrp="1" noRot="1" noChangeAspect="1"/>
+          </p:cNvSpPr>
+          <p:nvPr>
+            <p:ph type="sldImg"/>
+          </p:nvPr>
+        </p:nvSpPr>
+        <p:spPr/>
+      </p:sp>
+      <p:sp>
+        <p:nvSpPr>
+          <p:cNvPr id="3" name="2 Marcador de notas"/>
+          <p:cNvSpPr>
+            <a:spLocks noGrp="1"/>
+          </p:cNvSpPr>
+          <p:nvPr>
+            <p:ph type="body" idx="1"/>
+          </p:nvPr>
+        </p:nvSpPr>
+        <p:spPr/>
+        <p:txBody>
+          <a:bodyPr/>
+          <a:lstStyle/>
+          <a:p>
+            <a:pPr marL="0" marR="0" indent="0" algn="l" defTabSz="914400" rtl="0" eaLnBrk="1" fontAlgn="auto" latinLnBrk="0" hangingPunct="1">
+              <a:lnSpc>
+                <a:spcPct val="100000"/>
+              </a:lnSpc>
+              <a:spcBef>
+                <a:spcPts val="0"/>
+              </a:spcBef>
+              <a:spcAft>
+                <a:spcPts val="0"/>
+              </a:spcAft>
+              <a:buClrTx/>
+              <a:buSzTx/>
+              <a:buFontTx/>
+              <a:buNone/>
+              <a:tabLst/>
+              <a:defRPr/>
+            </a:pPr>
+            <a:r>
+              <a:rPr lang="es-CR" sz="1200" kern="1200" dirty="0" smtClean="0">
+                <a:solidFill>
+                  <a:schemeClr val="tx2"/>
+                </a:solidFill>
+                <a:effectLst/>
+                <a:latin typeface="+mn-lt"/>
+                <a:ea typeface="+mn-ea"/>
+                <a:cs typeface="+mn-cs"/>
+              </a:rPr>
+              <a:t>Beto</a:t>
+            </a:r>
+          </a:p>
+          <a:p>
+            <a:pPr marL="0" marR="0" indent="0" algn="l" defTabSz="914400" rtl="0" eaLnBrk="1" fontAlgn="auto" latinLnBrk="0" hangingPunct="1">
+              <a:lnSpc>
+                <a:spcPct val="100000"/>
+              </a:lnSpc>
+              <a:spcBef>
+                <a:spcPts val="0"/>
+              </a:spcBef>
+              <a:spcAft>
+                <a:spcPts val="0"/>
+              </a:spcAft>
+              <a:buClrTx/>
+              <a:buSzTx/>
+              <a:buFontTx/>
+              <a:buNone/>
+              <a:tabLst/>
+              <a:defRPr/>
+            </a:pPr>
+            <a:r>
+              <a:rPr lang="es-CR" sz="1200" kern="1200" dirty="0" smtClean="0">
+                <a:solidFill>
+                  <a:schemeClr val="tx2"/>
+                </a:solidFill>
+                <a:effectLst/>
+                <a:latin typeface="+mn-lt"/>
+                <a:ea typeface="+mn-ea"/>
+                <a:cs typeface="+mn-cs"/>
+              </a:rPr>
+              <a:t>1, aplicaciones y</a:t>
+            </a:r>
+            <a:r>
+              <a:rPr lang="es-CR" sz="1200" kern="1200" baseline="0" dirty="0" smtClean="0">
+                <a:solidFill>
+                  <a:schemeClr val="tx2"/>
+                </a:solidFill>
+                <a:effectLst/>
+                <a:latin typeface="+mn-lt"/>
+                <a:ea typeface="+mn-ea"/>
+                <a:cs typeface="+mn-cs"/>
+              </a:rPr>
+              <a:t> sitios web </a:t>
+            </a:r>
+            <a:r>
+              <a:rPr lang="es-CR" sz="1200" kern="1200" dirty="0" smtClean="0">
+                <a:solidFill>
+                  <a:schemeClr val="tx2"/>
+                </a:solidFill>
+                <a:effectLst/>
+                <a:latin typeface="+mn-lt"/>
+                <a:ea typeface="+mn-ea"/>
+                <a:cs typeface="+mn-cs"/>
+              </a:rPr>
+              <a:t>existentes relacionadas al tema auditivo. Algunas</a:t>
+            </a:r>
+            <a:r>
+              <a:rPr lang="es-CR" sz="1200" kern="1200" baseline="0" dirty="0" smtClean="0">
+                <a:solidFill>
+                  <a:schemeClr val="tx2"/>
+                </a:solidFill>
+                <a:effectLst/>
+                <a:latin typeface="+mn-lt"/>
+                <a:ea typeface="+mn-ea"/>
+                <a:cs typeface="+mn-cs"/>
+              </a:rPr>
+              <a:t> web y otras </a:t>
+            </a:r>
+            <a:r>
+              <a:rPr lang="es-CR" sz="1200" kern="1200" baseline="0" dirty="0" err="1" smtClean="0">
+                <a:solidFill>
+                  <a:schemeClr val="tx2"/>
+                </a:solidFill>
+                <a:effectLst/>
+                <a:latin typeface="+mn-lt"/>
+                <a:ea typeface="+mn-ea"/>
+                <a:cs typeface="+mn-cs"/>
+              </a:rPr>
+              <a:t>móbiles</a:t>
+            </a:r>
+            <a:r>
+              <a:rPr lang="es-CR" sz="1200" kern="1200" dirty="0" smtClean="0">
+                <a:solidFill>
+                  <a:schemeClr val="tx2"/>
+                </a:solidFill>
+                <a:effectLst/>
+                <a:latin typeface="+mn-lt"/>
+                <a:ea typeface="+mn-ea"/>
+                <a:cs typeface="+mn-cs"/>
+              </a:rPr>
+              <a:t> </a:t>
+            </a:r>
+          </a:p>
+          <a:p>
+            <a:pPr marL="0" marR="0" indent="0" algn="l" defTabSz="914400" rtl="0" eaLnBrk="1" fontAlgn="auto" latinLnBrk="0" hangingPunct="1">
+              <a:lnSpc>
+                <a:spcPct val="100000"/>
+              </a:lnSpc>
+              <a:spcBef>
+                <a:spcPts val="0"/>
+              </a:spcBef>
+              <a:spcAft>
+                <a:spcPts val="0"/>
+              </a:spcAft>
+              <a:buClrTx/>
+              <a:buSzTx/>
+              <a:buFontTx/>
+              <a:buNone/>
+              <a:tabLst/>
+              <a:defRPr/>
+            </a:pPr>
+            <a:r>
+              <a:rPr lang="es-CR" sz="1200" kern="1200" dirty="0" smtClean="0">
+                <a:solidFill>
+                  <a:schemeClr val="tx2"/>
+                </a:solidFill>
+                <a:effectLst/>
+                <a:latin typeface="+mn-lt"/>
+                <a:ea typeface="+mn-ea"/>
+                <a:cs typeface="+mn-cs"/>
+              </a:rPr>
+              <a:t>2, cuadro comparativo con las características más importantes </a:t>
+            </a:r>
+          </a:p>
+          <a:p>
+            <a:pPr marL="0" marR="0" indent="0" algn="l" defTabSz="914400" rtl="0" eaLnBrk="1" fontAlgn="auto" latinLnBrk="0" hangingPunct="1">
+              <a:lnSpc>
+                <a:spcPct val="100000"/>
+              </a:lnSpc>
+              <a:spcBef>
+                <a:spcPts val="0"/>
+              </a:spcBef>
+              <a:spcAft>
+                <a:spcPts val="0"/>
+              </a:spcAft>
+              <a:buClrTx/>
+              <a:buSzTx/>
+              <a:buFontTx/>
+              <a:buNone/>
+              <a:tabLst/>
+              <a:defRPr/>
+            </a:pPr>
+            <a:r>
+              <a:rPr lang="es-CR" sz="1200" kern="1200" dirty="0" smtClean="0">
+                <a:solidFill>
+                  <a:schemeClr val="tx2"/>
+                </a:solidFill>
+                <a:effectLst/>
+                <a:latin typeface="+mn-lt"/>
+                <a:ea typeface="+mn-ea"/>
+                <a:cs typeface="+mn-cs"/>
+              </a:rPr>
+              <a:t>3,Creación de requerimiento según</a:t>
+            </a:r>
+            <a:r>
+              <a:rPr lang="es-CR" sz="1200" kern="1200" baseline="0" dirty="0" smtClean="0">
+                <a:solidFill>
+                  <a:schemeClr val="tx2"/>
+                </a:solidFill>
+                <a:effectLst/>
+                <a:latin typeface="+mn-lt"/>
+                <a:ea typeface="+mn-ea"/>
+                <a:cs typeface="+mn-cs"/>
+              </a:rPr>
+              <a:t> la investigación y solicitudes del </a:t>
+            </a:r>
+            <a:r>
+              <a:rPr lang="es-CR" sz="1200" kern="1200" baseline="0" dirty="0" err="1" smtClean="0">
+                <a:solidFill>
+                  <a:schemeClr val="tx2"/>
+                </a:solidFill>
+                <a:effectLst/>
+                <a:latin typeface="+mn-lt"/>
+                <a:ea typeface="+mn-ea"/>
+                <a:cs typeface="+mn-cs"/>
+              </a:rPr>
+              <a:t>usuairo</a:t>
+            </a:r>
+            <a:r>
+              <a:rPr lang="es-CR" sz="1200" kern="1200" baseline="0" dirty="0" smtClean="0">
+                <a:solidFill>
+                  <a:schemeClr val="tx2"/>
+                </a:solidFill>
+                <a:effectLst/>
+                <a:latin typeface="+mn-lt"/>
+                <a:ea typeface="+mn-ea"/>
+                <a:cs typeface="+mn-cs"/>
+              </a:rPr>
+              <a:t>. algunos</a:t>
+            </a:r>
+            <a:r>
+              <a:rPr lang="es-CR" sz="1200" kern="1200" dirty="0" smtClean="0">
+                <a:solidFill>
+                  <a:schemeClr val="tx2"/>
+                </a:solidFill>
+                <a:effectLst/>
+                <a:latin typeface="+mn-lt"/>
+                <a:ea typeface="+mn-ea"/>
+                <a:cs typeface="+mn-cs"/>
+              </a:rPr>
+              <a:t> requerimientos nacen como una propuesta de los ingenieros para ayudar a la clínica con su objetivo de acercarse a sus clientes, mediante consejos y la opción de ubicar las oficinas en donde se puede encontrar a los profesionales de la empresa.</a:t>
+            </a:r>
+          </a:p>
+          <a:p>
+            <a:pPr marL="0" marR="0" indent="0" algn="l" defTabSz="914400" rtl="0" eaLnBrk="1" fontAlgn="auto" latinLnBrk="0" hangingPunct="1">
+              <a:lnSpc>
+                <a:spcPct val="100000"/>
+              </a:lnSpc>
+              <a:spcBef>
+                <a:spcPts val="0"/>
+              </a:spcBef>
+              <a:spcAft>
+                <a:spcPts val="0"/>
+              </a:spcAft>
+              <a:buClrTx/>
+              <a:buSzTx/>
+              <a:buFontTx/>
+              <a:buNone/>
+              <a:tabLst/>
+              <a:defRPr/>
+            </a:pPr>
+            <a:endParaRPr lang="es-CR" sz="1200" u="none" kern="1200" dirty="0" smtClean="0">
+              <a:solidFill>
+                <a:schemeClr val="tx2"/>
+              </a:solidFill>
+              <a:effectLst/>
+              <a:latin typeface="+mn-lt"/>
+              <a:ea typeface="+mn-ea"/>
+              <a:cs typeface="+mn-cs"/>
+            </a:endParaRPr>
+          </a:p>
+          <a:p>
+            <a:pPr marL="0" marR="0" indent="0" algn="l" defTabSz="914400" rtl="0" eaLnBrk="1" fontAlgn="auto" latinLnBrk="0" hangingPunct="1">
+              <a:lnSpc>
+                <a:spcPct val="100000"/>
+              </a:lnSpc>
+              <a:spcBef>
+                <a:spcPts val="0"/>
+              </a:spcBef>
+              <a:spcAft>
+                <a:spcPts val="0"/>
+              </a:spcAft>
+              <a:buClrTx/>
+              <a:buSzTx/>
+              <a:buFontTx/>
+              <a:buNone/>
+              <a:tabLst/>
+              <a:defRPr/>
+            </a:pPr>
+            <a:r>
+              <a:rPr lang="es-CR" sz="1200" u="none" kern="1200" dirty="0" smtClean="0">
+                <a:solidFill>
+                  <a:schemeClr val="tx2"/>
+                </a:solidFill>
+                <a:effectLst/>
+                <a:latin typeface="+mn-lt"/>
+                <a:ea typeface="+mn-ea"/>
+                <a:cs typeface="+mn-cs"/>
+              </a:rPr>
+              <a:t>*Definición de interfaces</a:t>
+            </a:r>
+            <a:r>
+              <a:rPr lang="es-CR" sz="1200" u="none" kern="1200" baseline="0" dirty="0" smtClean="0">
+                <a:solidFill>
+                  <a:schemeClr val="tx2"/>
+                </a:solidFill>
+                <a:effectLst/>
+                <a:latin typeface="+mn-lt"/>
+                <a:ea typeface="+mn-ea"/>
+                <a:cs typeface="+mn-cs"/>
+              </a:rPr>
+              <a:t> y definición de requerimientos funcionales y no funcionales con el usuario se crea </a:t>
+            </a:r>
+            <a:r>
+              <a:rPr lang="es-CR" sz="1200" u="none" kern="1200" baseline="0" dirty="0" err="1" smtClean="0">
+                <a:solidFill>
+                  <a:schemeClr val="tx2"/>
+                </a:solidFill>
+                <a:effectLst/>
+                <a:latin typeface="+mn-lt"/>
+                <a:ea typeface="+mn-ea"/>
+                <a:cs typeface="+mn-cs"/>
+              </a:rPr>
+              <a:t>prototiop</a:t>
+            </a:r>
+            <a:endParaRPr lang="es-CR" sz="1200" u="none" kern="1200" dirty="0" smtClean="0">
+              <a:solidFill>
+                <a:schemeClr val="tx2"/>
+              </a:solidFill>
+              <a:effectLst/>
+              <a:latin typeface="+mn-lt"/>
+              <a:ea typeface="+mn-ea"/>
+              <a:cs typeface="+mn-cs"/>
+            </a:endParaRPr>
+          </a:p>
+        </p:txBody>
+      </p:sp>
+      <p:sp>
+        <p:nvSpPr>
+          <p:cNvPr id="4" name="3 Marcador de número de diapositiva"/>
+          <p:cNvSpPr>
+            <a:spLocks noGrp="1"/>
+          </p:cNvSpPr>
+          <p:nvPr>
+            <p:ph type="sldNum" sz="quarter" idx="10"/>
+          </p:nvPr>
+        </p:nvSpPr>
+        <p:spPr/>
+        <p:txBody>
+          <a:bodyPr/>
+          <a:lstStyle/>
+          <a:p>
+            <a:fld id="{841221E5-7225-48EB-A4EE-420E7BFCF705}" type="slidenum">
+              <a:rPr lang="es-CR" smtClean="0"/>
+              <a:pPr/>
+              <a:t>18</a:t>
+            </a:fld>
+            <a:endParaRPr lang="es-CR"/>
+          </a:p>
+        </p:txBody>
+      </p:sp>
+    </p:spTree>
+    <p:extLst>
+      <p:ext uri="{BB962C8B-B14F-4D97-AF65-F5344CB8AC3E}">
+        <p14:creationId xmlns:p14="http://schemas.microsoft.com/office/powerpoint/2010/main" val="3820931044"/>
+      </p:ext>
+    </p:extLst>
+  </p:cSld>
+  <p:clrMapOvr>
+    <a:masterClrMapping/>
+  </p:clrMapOvr>
+</p:notes>
+</file>
+
+<file path=ppt/notesSlides/notesSlide19.xml><?xml version="1.0" encoding="utf-8"?>
+<p:notes xmlns:a="http://schemas.openxmlformats.org/drawingml/2006/main" xmlns:r="http://schemas.openxmlformats.org/officeDocument/2006/relationships" xmlns:p="http://schemas.openxmlformats.org/presentationml/2006/main">
+  <p:cSld>
+    <p:spTree>
+      <p:nvGrpSpPr>
+        <p:cNvPr id="1" name=""/>
+        <p:cNvGrpSpPr/>
+        <p:nvPr/>
+      </p:nvGrpSpPr>
+      <p:grpSpPr>
+        <a:xfrm>
+          <a:off x="0" y="0"/>
+          <a:ext cx="0" cy="0"/>
+          <a:chOff x="0" y="0"/>
+          <a:chExt cx="0" cy="0"/>
+        </a:xfrm>
+      </p:grpSpPr>
+      <p:sp>
+        <p:nvSpPr>
+          <p:cNvPr id="2" name="Slide Image Placeholder 1"/>
+          <p:cNvSpPr>
+            <a:spLocks noGrp="1" noRot="1" noChangeAspect="1"/>
+          </p:cNvSpPr>
+          <p:nvPr>
+            <p:ph type="sldImg"/>
+          </p:nvPr>
+        </p:nvSpPr>
+        <p:spPr/>
+      </p:sp>
+      <p:sp>
+        <p:nvSpPr>
+          <p:cNvPr id="3" name="Notes Placeholder 2"/>
+          <p:cNvSpPr>
+            <a:spLocks noGrp="1"/>
+          </p:cNvSpPr>
+          <p:nvPr>
+            <p:ph type="body" idx="1"/>
+          </p:nvPr>
+        </p:nvSpPr>
+        <p:spPr/>
+        <p:txBody>
+          <a:bodyPr/>
+          <a:lstStyle/>
+          <a:p>
+            <a:pPr lvl="0"/>
+            <a:r>
+              <a:rPr lang="es-CR" sz="1200" kern="1200" dirty="0" smtClean="0">
+                <a:solidFill>
+                  <a:schemeClr val="tx2"/>
+                </a:solidFill>
+                <a:effectLst/>
+                <a:latin typeface="+mn-lt"/>
+                <a:ea typeface="+mn-ea"/>
+                <a:cs typeface="+mn-cs"/>
+              </a:rPr>
+              <a:t>Beto</a:t>
+            </a:r>
+            <a:br>
+              <a:rPr lang="es-CR" sz="1200" kern="1200" dirty="0" smtClean="0">
+                <a:solidFill>
+                  <a:schemeClr val="tx2"/>
+                </a:solidFill>
+                <a:effectLst/>
+                <a:latin typeface="+mn-lt"/>
+                <a:ea typeface="+mn-ea"/>
+                <a:cs typeface="+mn-cs"/>
+              </a:rPr>
+            </a:br>
+            <a:r>
+              <a:rPr lang="es-CR" sz="1200" kern="1200" dirty="0" smtClean="0">
+                <a:solidFill>
+                  <a:schemeClr val="tx2"/>
+                </a:solidFill>
+                <a:effectLst/>
+                <a:latin typeface="+mn-lt"/>
+                <a:ea typeface="+mn-ea"/>
+                <a:cs typeface="+mn-cs"/>
+              </a:rPr>
+              <a:t>Se desarrolla un prototipo</a:t>
+            </a:r>
+          </a:p>
+        </p:txBody>
+      </p:sp>
+      <p:sp>
+        <p:nvSpPr>
+          <p:cNvPr id="4" name="Slide Number Placeholder 3"/>
+          <p:cNvSpPr>
+            <a:spLocks noGrp="1"/>
+          </p:cNvSpPr>
+          <p:nvPr>
+            <p:ph type="sldNum" sz="quarter" idx="10"/>
+          </p:nvPr>
+        </p:nvSpPr>
+        <p:spPr/>
+        <p:txBody>
+          <a:bodyPr/>
+          <a:lstStyle/>
+          <a:p>
+            <a:fld id="{841221E5-7225-48EB-A4EE-420E7BFCF705}" type="slidenum">
+              <a:rPr lang="es-CR" smtClean="0"/>
+              <a:pPr/>
+              <a:t>19</a:t>
+            </a:fld>
+            <a:endParaRPr lang="es-CR"/>
+          </a:p>
+        </p:txBody>
+      </p:sp>
+    </p:spTree>
+    <p:extLst>
+      <p:ext uri="{BB962C8B-B14F-4D97-AF65-F5344CB8AC3E}">
+        <p14:creationId xmlns:p14="http://schemas.microsoft.com/office/powerpoint/2010/main" val="480101739"/>
+      </p:ext>
+    </p:extLst>
+  </p:cSld>
+  <p:clrMapOvr>
+    <a:masterClrMapping/>
+  </p:clrMapOvr>
+</p:notes>
+</file>
+
+<file path=ppt/notesSlides/notesSlide2.xml><?xml version="1.0" encoding="utf-8"?>
+<p:notes xmlns:a="http://schemas.openxmlformats.org/drawingml/2006/main" xmlns:r="http://schemas.openxmlformats.org/officeDocument/2006/relationships" xmlns:p="http://schemas.openxmlformats.org/presentationml/2006/main">
+  <p:cSld>
+    <p:spTree>
+      <p:nvGrpSpPr>
+        <p:cNvPr id="1" name=""/>
+        <p:cNvGrpSpPr/>
+        <p:nvPr/>
+      </p:nvGrpSpPr>
+      <p:grpSpPr>
+        <a:xfrm>
+          <a:off x="0" y="0"/>
+          <a:ext cx="0" cy="0"/>
+          <a:chOff x="0" y="0"/>
+          <a:chExt cx="0" cy="0"/>
+        </a:xfrm>
+      </p:grpSpPr>
+      <p:sp>
+        <p:nvSpPr>
+          <p:cNvPr id="2" name="Slide Image Placeholder 1"/>
+          <p:cNvSpPr>
+            <a:spLocks noGrp="1" noRot="1" noChangeAspect="1"/>
+          </p:cNvSpPr>
+          <p:nvPr>
+            <p:ph type="sldImg"/>
+          </p:nvPr>
+        </p:nvSpPr>
+        <p:spPr/>
+      </p:sp>
+      <p:sp>
+        <p:nvSpPr>
+          <p:cNvPr id="3" name="Notes Placeholder 2"/>
+          <p:cNvSpPr>
+            <a:spLocks noGrp="1"/>
+          </p:cNvSpPr>
+          <p:nvPr>
+            <p:ph type="body" idx="1"/>
+          </p:nvPr>
+        </p:nvSpPr>
+        <p:spPr/>
+        <p:txBody>
+          <a:bodyPr/>
+          <a:lstStyle/>
+          <a:p>
+            <a:r>
+              <a:rPr lang="es-CR" dirty="0" smtClean="0"/>
+              <a:t>Agenda de la presentación Dani</a:t>
+            </a:r>
+            <a:endParaRPr lang="es-CR" dirty="0"/>
+          </a:p>
+        </p:txBody>
+      </p:sp>
+      <p:sp>
+        <p:nvSpPr>
+          <p:cNvPr id="4" name="Slide Number Placeholder 3"/>
+          <p:cNvSpPr>
+            <a:spLocks noGrp="1"/>
+          </p:cNvSpPr>
+          <p:nvPr>
+            <p:ph type="sldNum" sz="quarter" idx="10"/>
+          </p:nvPr>
+        </p:nvSpPr>
+        <p:spPr/>
+        <p:txBody>
+          <a:bodyPr/>
+          <a:lstStyle/>
+          <a:p>
+            <a:fld id="{841221E5-7225-48EB-A4EE-420E7BFCF705}" type="slidenum">
+              <a:rPr lang="es-CR" smtClean="0"/>
+              <a:pPr/>
+              <a:t>2</a:t>
+            </a:fld>
+            <a:endParaRPr lang="es-CR"/>
+          </a:p>
+        </p:txBody>
+      </p:sp>
+    </p:spTree>
+    <p:extLst>
+      <p:ext uri="{BB962C8B-B14F-4D97-AF65-F5344CB8AC3E}">
+        <p14:creationId xmlns:p14="http://schemas.microsoft.com/office/powerpoint/2010/main" val="2863552412"/>
+      </p:ext>
+    </p:extLst>
+  </p:cSld>
+  <p:clrMapOvr>
+    <a:masterClrMapping/>
+  </p:clrMapOvr>
+</p:notes>
+</file>
+
+<file path=ppt/notesSlides/notesSlide20.xml><?xml version="1.0" encoding="utf-8"?>
+<p:notes xmlns:a="http://schemas.openxmlformats.org/drawingml/2006/main" xmlns:r="http://schemas.openxmlformats.org/officeDocument/2006/relationships" xmlns:p="http://schemas.openxmlformats.org/presentationml/2006/main">
+  <p:cSld>
+    <p:spTree>
+      <p:nvGrpSpPr>
+        <p:cNvPr id="1" name=""/>
+        <p:cNvGrpSpPr/>
+        <p:nvPr/>
+      </p:nvGrpSpPr>
+      <p:grpSpPr>
+        <a:xfrm>
+          <a:off x="0" y="0"/>
+          <a:ext cx="0" cy="0"/>
+          <a:chOff x="0" y="0"/>
+          <a:chExt cx="0" cy="0"/>
+        </a:xfrm>
+      </p:grpSpPr>
+      <p:sp>
+        <p:nvSpPr>
+          <p:cNvPr id="2" name="Slide Image Placeholder 1"/>
+          <p:cNvSpPr>
+            <a:spLocks noGrp="1" noRot="1" noChangeAspect="1"/>
+          </p:cNvSpPr>
+          <p:nvPr>
+            <p:ph type="sldImg"/>
+          </p:nvPr>
+        </p:nvSpPr>
+        <p:spPr/>
+      </p:sp>
+      <p:sp>
+        <p:nvSpPr>
+          <p:cNvPr id="3" name="Notes Placeholder 2"/>
+          <p:cNvSpPr>
+            <a:spLocks noGrp="1"/>
+          </p:cNvSpPr>
+          <p:nvPr>
+            <p:ph type="body" idx="1"/>
+          </p:nvPr>
+        </p:nvSpPr>
+        <p:spPr/>
+        <p:txBody>
+          <a:bodyPr/>
+          <a:lstStyle/>
+          <a:p>
+            <a:r>
+              <a:rPr lang="es-CR" dirty="0" smtClean="0"/>
+              <a:t>Dani</a:t>
+            </a:r>
+            <a:endParaRPr lang="es-CR" dirty="0"/>
+          </a:p>
+        </p:txBody>
+      </p:sp>
+      <p:sp>
+        <p:nvSpPr>
+          <p:cNvPr id="4" name="Slide Number Placeholder 3"/>
+          <p:cNvSpPr>
+            <a:spLocks noGrp="1"/>
+          </p:cNvSpPr>
+          <p:nvPr>
+            <p:ph type="sldNum" sz="quarter" idx="10"/>
+          </p:nvPr>
+        </p:nvSpPr>
+        <p:spPr/>
+        <p:txBody>
+          <a:bodyPr/>
+          <a:lstStyle/>
+          <a:p>
+            <a:fld id="{841221E5-7225-48EB-A4EE-420E7BFCF705}" type="slidenum">
+              <a:rPr lang="es-CR" smtClean="0"/>
+              <a:pPr/>
+              <a:t>20</a:t>
+            </a:fld>
+            <a:endParaRPr lang="es-CR"/>
+          </a:p>
+        </p:txBody>
+      </p:sp>
+    </p:spTree>
+    <p:extLst>
+      <p:ext uri="{BB962C8B-B14F-4D97-AF65-F5344CB8AC3E}">
+        <p14:creationId xmlns:p14="http://schemas.microsoft.com/office/powerpoint/2010/main" val="794362588"/>
+      </p:ext>
+    </p:extLst>
+  </p:cSld>
+  <p:clrMapOvr>
+    <a:masterClrMapping/>
+  </p:clrMapOvr>
+</p:notes>
+</file>
+
+<file path=ppt/notesSlides/notesSlide21.xml><?xml version="1.0" encoding="utf-8"?>
+<p:notes xmlns:a="http://schemas.openxmlformats.org/drawingml/2006/main" xmlns:r="http://schemas.openxmlformats.org/officeDocument/2006/relationships" xmlns:p="http://schemas.openxmlformats.org/presentationml/2006/main">
+  <p:cSld>
+    <p:spTree>
+      <p:nvGrpSpPr>
+        <p:cNvPr id="1" name=""/>
+        <p:cNvGrpSpPr/>
+        <p:nvPr/>
+      </p:nvGrpSpPr>
+      <p:grpSpPr>
+        <a:xfrm>
+          <a:off x="0" y="0"/>
+          <a:ext cx="0" cy="0"/>
+          <a:chOff x="0" y="0"/>
+          <a:chExt cx="0" cy="0"/>
+        </a:xfrm>
+      </p:grpSpPr>
+      <p:sp>
+        <p:nvSpPr>
+          <p:cNvPr id="2" name="1 Marcador de imagen de diapositiva"/>
+          <p:cNvSpPr>
+            <a:spLocks noGrp="1" noRot="1" noChangeAspect="1"/>
+          </p:cNvSpPr>
+          <p:nvPr>
+            <p:ph type="sldImg"/>
+          </p:nvPr>
+        </p:nvSpPr>
+        <p:spPr/>
+      </p:sp>
+      <p:sp>
+        <p:nvSpPr>
+          <p:cNvPr id="3" name="2 Marcador de notas"/>
+          <p:cNvSpPr>
+            <a:spLocks noGrp="1"/>
+          </p:cNvSpPr>
+          <p:nvPr>
+            <p:ph type="body" idx="1"/>
+          </p:nvPr>
+        </p:nvSpPr>
+        <p:spPr/>
+        <p:txBody>
+          <a:bodyPr/>
+          <a:lstStyle/>
+          <a:p>
+            <a:pPr marL="0" marR="0" indent="0" algn="l" defTabSz="914400" rtl="0" eaLnBrk="1" fontAlgn="auto" latinLnBrk="0" hangingPunct="1">
+              <a:lnSpc>
+                <a:spcPct val="100000"/>
+              </a:lnSpc>
+              <a:spcBef>
+                <a:spcPts val="0"/>
+              </a:spcBef>
+              <a:spcAft>
+                <a:spcPts val="0"/>
+              </a:spcAft>
+              <a:buClrTx/>
+              <a:buSzTx/>
+              <a:buFontTx/>
+              <a:buNone/>
+              <a:tabLst/>
+              <a:defRPr/>
+            </a:pPr>
+            <a:r>
+              <a:rPr lang="es-CR" dirty="0" smtClean="0"/>
+              <a:t>Dani</a:t>
+            </a:r>
+            <a:br>
+              <a:rPr lang="es-CR" dirty="0" smtClean="0"/>
+            </a:br>
             <a:r>
               <a:rPr lang="es-CR" dirty="0" smtClean="0"/>
               <a:t>1,</a:t>
@@ -25241,7 +26705,7 @@
 </p:notes>
 </file>
 
-<file path=ppt/notesSlides/notesSlide16.xml><?xml version="1.0" encoding="utf-8"?>
+<file path=ppt/notesSlides/notesSlide22.xml><?xml version="1.0" encoding="utf-8"?>
 <p:notes xmlns:a="http://schemas.openxmlformats.org/drawingml/2006/main" xmlns:r="http://schemas.openxmlformats.org/officeDocument/2006/relationships" xmlns:p="http://schemas.openxmlformats.org/presentationml/2006/main">
   <p:cSld>
     <p:spTree>
@@ -25285,6 +26749,10 @@
           <a:bodyPr/>
           <a:lstStyle/>
           <a:p>
+            <a:r>
+              <a:rPr lang="es-CR" dirty="0" smtClean="0"/>
+              <a:t>Beto</a:t>
+            </a:r>
             <a:endParaRPr lang="es-CR" dirty="0"/>
           </a:p>
         </p:txBody>
@@ -25326,7 +26794,7 @@
 </p:notes>
 </file>
 
-<file path=ppt/notesSlides/notesSlide17.xml><?xml version="1.0" encoding="utf-8"?>
+<file path=ppt/notesSlides/notesSlide23.xml><?xml version="1.0" encoding="utf-8"?>
 <p:notes xmlns:a="http://schemas.openxmlformats.org/drawingml/2006/main" xmlns:r="http://schemas.openxmlformats.org/officeDocument/2006/relationships" xmlns:p="http://schemas.openxmlformats.org/presentationml/2006/main">
   <p:cSld>
     <p:spTree>
@@ -25371,6 +26839,29 @@
           <a:lstStyle/>
           <a:p>
             <a:pPr lvl="0"/>
+            <a:r>
+              <a:rPr lang="es-ES" sz="1200" kern="1200" dirty="0" smtClean="0">
+                <a:solidFill>
+                  <a:schemeClr val="tx2"/>
+                </a:solidFill>
+                <a:effectLst/>
+                <a:latin typeface="+mn-lt"/>
+                <a:ea typeface="+mn-ea"/>
+                <a:cs typeface="+mn-cs"/>
+              </a:rPr>
+              <a:t>Beto</a:t>
+            </a:r>
+            <a:br>
+              <a:rPr lang="es-ES" sz="1200" kern="1200" dirty="0" smtClean="0">
+                <a:solidFill>
+                  <a:schemeClr val="tx2"/>
+                </a:solidFill>
+                <a:effectLst/>
+                <a:latin typeface="+mn-lt"/>
+                <a:ea typeface="+mn-ea"/>
+                <a:cs typeface="+mn-cs"/>
+              </a:rPr>
+            </a:br>
             <a:r>
               <a:rPr lang="es-ES" sz="1200" kern="1200" dirty="0" smtClean="0">
                 <a:solidFill>
@@ -25705,7 +27196,7 @@
 </p:notes>
 </file>
 
-<file path=ppt/notesSlides/notesSlide18.xml><?xml version="1.0" encoding="utf-8"?>
+<file path=ppt/notesSlides/notesSlide24.xml><?xml version="1.0" encoding="utf-8"?>
 <p:notes xmlns:a="http://schemas.openxmlformats.org/drawingml/2006/main" xmlns:r="http://schemas.openxmlformats.org/officeDocument/2006/relationships" xmlns:p="http://schemas.openxmlformats.org/presentationml/2006/main">
   <p:cSld>
     <p:spTree>
@@ -25750,15 +27241,18 @@
           <a:lstStyle/>
           <a:p>
             <a:pPr lvl="0"/>
-            <a:endParaRPr lang="es-CR" sz="1200" kern="1200" dirty="0" smtClean="0">
-              <a:solidFill>
-                <a:schemeClr val="tx2"/>
-              </a:solidFill>
-              <a:effectLst/>
-              <a:latin typeface="+mn-lt"/>
-              <a:ea typeface="+mn-ea"/>
-              <a:cs typeface="+mn-cs"/>
-            </a:endParaRPr>
+            <a:r>
+              <a:rPr lang="es-CR" sz="1200" kern="1200" dirty="0" smtClean="0">
+                <a:solidFill>
+                  <a:schemeClr val="tx2"/>
+                </a:solidFill>
+                <a:effectLst/>
+                <a:latin typeface="+mn-lt"/>
+                <a:ea typeface="+mn-ea"/>
+                <a:cs typeface="+mn-cs"/>
+              </a:rPr>
+              <a:t>Beto</a:t>
+            </a:r>
           </a:p>
         </p:txBody>
       </p:sp>
@@ -25799,7 +27293,7 @@
 </p:notes>
 </file>
 
-<file path=ppt/notesSlides/notesSlide19.xml><?xml version="1.0" encoding="utf-8"?>
+<file path=ppt/notesSlides/notesSlide25.xml><?xml version="1.0" encoding="utf-8"?>
 <p:notes xmlns:a="http://schemas.openxmlformats.org/drawingml/2006/main" xmlns:r="http://schemas.openxmlformats.org/officeDocument/2006/relationships" xmlns:p="http://schemas.openxmlformats.org/presentationml/2006/main">
   <p:cSld>
     <p:spTree>
@@ -25843,6 +27337,12 @@
           <a:bodyPr/>
           <a:lstStyle/>
           <a:p>
+            <a:r>
+              <a:rPr lang="es-CR" dirty="0" smtClean="0"/>
+              <a:t>Dani</a:t>
+            </a:r>
+          </a:p>
+          <a:p>
             <a:endParaRPr lang="es-CR" dirty="0"/>
           </a:p>
         </p:txBody>
@@ -25884,100 +27384,7 @@
 </p:notes>
 </file>
 
-<file path=ppt/notesSlides/notesSlide2.xml><?xml version="1.0" encoding="utf-8"?>
-<p:notes xmlns:a="http://schemas.openxmlformats.org/drawingml/2006/main" xmlns:r="http://schemas.openxmlformats.org/officeDocument/2006/relationships" xmlns:p="http://schemas.openxmlformats.org/presentationml/2006/main">
-  <p:cSld>
-    <p:spTree>
-      <p:nvGrpSpPr>
-        <p:cNvPr id="1" name=""/>
-        <p:cNvGrpSpPr/>
-        <p:nvPr/>
-      </p:nvGrpSpPr>
-      <p:grpSpPr>
-        <a:xfrm>
-          <a:off x="0" y="0"/>
-          <a:ext cx="0" cy="0"/>
-          <a:chOff x="0" y="0"/>
-          <a:chExt cx="0" cy="0"/>
-        </a:xfrm>
-      </p:grpSpPr>
-      <p:sp>
-        <p:nvSpPr>
-          <p:cNvPr id="2" name="Slide Image Placeholder 1"/>
-          <p:cNvSpPr>
-            <a:spLocks noGrp="1" noRot="1" noChangeAspect="1"/>
-          </p:cNvSpPr>
-          <p:nvPr>
-            <p:ph type="sldImg"/>
-          </p:nvPr>
-        </p:nvSpPr>
-        <p:spPr/>
-      </p:sp>
-      <p:sp>
-        <p:nvSpPr>
-          <p:cNvPr id="3" name="Notes Placeholder 2"/>
-          <p:cNvSpPr>
-            <a:spLocks noGrp="1"/>
-          </p:cNvSpPr>
-          <p:nvPr>
-            <p:ph type="body" idx="1"/>
-          </p:nvPr>
-        </p:nvSpPr>
-        <p:spPr/>
-        <p:txBody>
-          <a:bodyPr/>
-          <a:lstStyle/>
-          <a:p>
-            <a:r>
-              <a:rPr lang="es-CR" dirty="0" smtClean="0"/>
-              <a:t>Presentar</a:t>
-            </a:r>
-            <a:r>
-              <a:rPr lang="es-CR" baseline="0" dirty="0" smtClean="0"/>
-              <a:t> a los involucrados</a:t>
-            </a:r>
-            <a:endParaRPr lang="es-CR" dirty="0"/>
-          </a:p>
-        </p:txBody>
-      </p:sp>
-      <p:sp>
-        <p:nvSpPr>
-          <p:cNvPr id="4" name="Slide Number Placeholder 3"/>
-          <p:cNvSpPr>
-            <a:spLocks noGrp="1"/>
-          </p:cNvSpPr>
-          <p:nvPr>
-            <p:ph type="sldNum" sz="quarter" idx="10"/>
-          </p:nvPr>
-        </p:nvSpPr>
-        <p:spPr/>
-        <p:txBody>
-          <a:bodyPr/>
-          <a:lstStyle/>
-          <a:p>
-            <a:fld id="{841221E5-7225-48EB-A4EE-420E7BFCF705}" type="slidenum">
-              <a:rPr lang="es-CR" smtClean="0"/>
-              <a:pPr/>
-              <a:t>4</a:t>
-            </a:fld>
-            <a:endParaRPr lang="es-CR"/>
-          </a:p>
-        </p:txBody>
-      </p:sp>
-    </p:spTree>
-    <p:extLst>
-      <p:ext uri="{BB962C8B-B14F-4D97-AF65-F5344CB8AC3E}">
-        <p14:creationId xmlns:p14="http://schemas.microsoft.com/office/powerpoint/2010/main" val="3548694578"/>
-      </p:ext>
-    </p:extLst>
-  </p:cSld>
-  <p:clrMapOvr>
-    <a:masterClrMapping/>
-  </p:clrMapOvr>
-</p:notes>
-</file>
-
-<file path=ppt/notesSlides/notesSlide20.xml><?xml version="1.0" encoding="utf-8"?>
+<file path=ppt/notesSlides/notesSlide26.xml><?xml version="1.0" encoding="utf-8"?>
 <p:notes xmlns:a="http://schemas.openxmlformats.org/drawingml/2006/main" xmlns:r="http://schemas.openxmlformats.org/officeDocument/2006/relationships" xmlns:p="http://schemas.openxmlformats.org/presentationml/2006/main">
   <p:cSld>
     <p:spTree>
@@ -26038,6 +27445,29 @@
               <a:tabLst/>
               <a:defRPr/>
             </a:pPr>
+            <a:r>
+              <a:rPr lang="es-CR" sz="1200" u="none" kern="1200" dirty="0" smtClean="0">
+                <a:solidFill>
+                  <a:schemeClr val="tx2"/>
+                </a:solidFill>
+                <a:effectLst/>
+                <a:latin typeface="+mn-lt"/>
+                <a:ea typeface="+mn-ea"/>
+                <a:cs typeface="+mn-cs"/>
+              </a:rPr>
+              <a:t>Dani</a:t>
+            </a:r>
+            <a:br>
+              <a:rPr lang="es-CR" sz="1200" u="none" kern="1200" dirty="0" smtClean="0">
+                <a:solidFill>
+                  <a:schemeClr val="tx2"/>
+                </a:solidFill>
+                <a:effectLst/>
+                <a:latin typeface="+mn-lt"/>
+                <a:ea typeface="+mn-ea"/>
+                <a:cs typeface="+mn-cs"/>
+              </a:rPr>
+            </a:br>
             <a:r>
               <a:rPr lang="es-CR" sz="1200" u="none" kern="1200" dirty="0" smtClean="0">
                 <a:solidFill>
@@ -26412,7 +27842,7 @@
 </p:notes>
 </file>
 
-<file path=ppt/notesSlides/notesSlide21.xml><?xml version="1.0" encoding="utf-8"?>
+<file path=ppt/notesSlides/notesSlide27.xml><?xml version="1.0" encoding="utf-8"?>
 <p:notes xmlns:a="http://schemas.openxmlformats.org/drawingml/2006/main" xmlns:r="http://schemas.openxmlformats.org/officeDocument/2006/relationships" xmlns:p="http://schemas.openxmlformats.org/presentationml/2006/main">
   <p:cSld>
     <p:spTree>
@@ -26456,6 +27886,10 @@
           <a:bodyPr/>
           <a:lstStyle/>
           <a:p>
+            <a:r>
+              <a:rPr lang="es-CR" dirty="0" smtClean="0"/>
+              <a:t>Beto</a:t>
+            </a:r>
             <a:endParaRPr lang="es-CR" dirty="0"/>
           </a:p>
         </p:txBody>
@@ -26497,7 +27931,7 @@
 </p:notes>
 </file>
 
-<file path=ppt/notesSlides/notesSlide22.xml><?xml version="1.0" encoding="utf-8"?>
+<file path=ppt/notesSlides/notesSlide28.xml><?xml version="1.0" encoding="utf-8"?>
 <p:notes xmlns:a="http://schemas.openxmlformats.org/drawingml/2006/main" xmlns:r="http://schemas.openxmlformats.org/officeDocument/2006/relationships" xmlns:p="http://schemas.openxmlformats.org/presentationml/2006/main">
   <p:cSld>
     <p:spTree>
@@ -26558,15 +27992,18 @@
               <a:tabLst/>
               <a:defRPr/>
             </a:pPr>
-            <a:endParaRPr lang="es-CR" sz="1200" u="none" kern="1200" dirty="0" smtClean="0">
-              <a:solidFill>
-                <a:schemeClr val="tx2"/>
-              </a:solidFill>
-              <a:effectLst/>
-              <a:latin typeface="+mn-lt"/>
-              <a:ea typeface="+mn-ea"/>
-              <a:cs typeface="+mn-cs"/>
-            </a:endParaRPr>
+            <a:r>
+              <a:rPr lang="es-CR" sz="1200" u="none" kern="1200" dirty="0" smtClean="0">
+                <a:solidFill>
+                  <a:schemeClr val="tx2"/>
+                </a:solidFill>
+                <a:effectLst/>
+                <a:latin typeface="+mn-lt"/>
+                <a:ea typeface="+mn-ea"/>
+                <a:cs typeface="+mn-cs"/>
+              </a:rPr>
+              <a:t>Beto</a:t>
+            </a:r>
           </a:p>
         </p:txBody>
       </p:sp>
@@ -26607,7 +28044,643 @@
 </p:notes>
 </file>
 
-<file path=ppt/notesSlides/notesSlide23.xml><?xml version="1.0" encoding="utf-8"?>
+<file path=ppt/notesSlides/notesSlide29.xml><?xml version="1.0" encoding="utf-8"?>
+<p:notes xmlns:a="http://schemas.openxmlformats.org/drawingml/2006/main" xmlns:r="http://schemas.openxmlformats.org/officeDocument/2006/relationships" xmlns:p="http://schemas.openxmlformats.org/presentationml/2006/main">
+  <p:cSld>
+    <p:spTree>
+      <p:nvGrpSpPr>
+        <p:cNvPr id="1" name=""/>
+        <p:cNvGrpSpPr/>
+        <p:nvPr/>
+      </p:nvGrpSpPr>
+      <p:grpSpPr>
+        <a:xfrm>
+          <a:off x="0" y="0"/>
+          <a:ext cx="0" cy="0"/>
+          <a:chOff x="0" y="0"/>
+          <a:chExt cx="0" cy="0"/>
+        </a:xfrm>
+      </p:grpSpPr>
+      <p:sp>
+        <p:nvSpPr>
+          <p:cNvPr id="2" name="Slide Image Placeholder 1"/>
+          <p:cNvSpPr>
+            <a:spLocks noGrp="1" noRot="1" noChangeAspect="1"/>
+          </p:cNvSpPr>
+          <p:nvPr>
+            <p:ph type="sldImg"/>
+          </p:nvPr>
+        </p:nvSpPr>
+        <p:spPr/>
+      </p:sp>
+      <p:sp>
+        <p:nvSpPr>
+          <p:cNvPr id="3" name="Notes Placeholder 2"/>
+          <p:cNvSpPr>
+            <a:spLocks noGrp="1"/>
+          </p:cNvSpPr>
+          <p:nvPr>
+            <p:ph type="body" idx="1"/>
+          </p:nvPr>
+        </p:nvSpPr>
+        <p:spPr/>
+        <p:txBody>
+          <a:bodyPr/>
+          <a:lstStyle/>
+          <a:p>
+            <a:r>
+              <a:rPr lang="es-CR" dirty="0" smtClean="0"/>
+              <a:t>Beto</a:t>
+            </a:r>
+            <a:endParaRPr lang="es-CR" dirty="0"/>
+          </a:p>
+        </p:txBody>
+      </p:sp>
+      <p:sp>
+        <p:nvSpPr>
+          <p:cNvPr id="4" name="Slide Number Placeholder 3"/>
+          <p:cNvSpPr>
+            <a:spLocks noGrp="1"/>
+          </p:cNvSpPr>
+          <p:nvPr>
+            <p:ph type="sldNum" sz="quarter" idx="10"/>
+          </p:nvPr>
+        </p:nvSpPr>
+        <p:spPr/>
+        <p:txBody>
+          <a:bodyPr/>
+          <a:lstStyle/>
+          <a:p>
+            <a:fld id="{841221E5-7225-48EB-A4EE-420E7BFCF705}" type="slidenum">
+              <a:rPr lang="es-CR" smtClean="0"/>
+              <a:pPr/>
+              <a:t>29</a:t>
+            </a:fld>
+            <a:endParaRPr lang="es-CR"/>
+          </a:p>
+        </p:txBody>
+      </p:sp>
+    </p:spTree>
+    <p:extLst>
+      <p:ext uri="{BB962C8B-B14F-4D97-AF65-F5344CB8AC3E}">
+        <p14:creationId xmlns:p14="http://schemas.microsoft.com/office/powerpoint/2010/main" val="3299326835"/>
+      </p:ext>
+    </p:extLst>
+  </p:cSld>
+  <p:clrMapOvr>
+    <a:masterClrMapping/>
+  </p:clrMapOvr>
+</p:notes>
+</file>
+
+<file path=ppt/notesSlides/notesSlide3.xml><?xml version="1.0" encoding="utf-8"?>
+<p:notes xmlns:a="http://schemas.openxmlformats.org/drawingml/2006/main" xmlns:r="http://schemas.openxmlformats.org/officeDocument/2006/relationships" xmlns:p="http://schemas.openxmlformats.org/presentationml/2006/main">
+  <p:cSld>
+    <p:spTree>
+      <p:nvGrpSpPr>
+        <p:cNvPr id="1" name=""/>
+        <p:cNvGrpSpPr/>
+        <p:nvPr/>
+      </p:nvGrpSpPr>
+      <p:grpSpPr>
+        <a:xfrm>
+          <a:off x="0" y="0"/>
+          <a:ext cx="0" cy="0"/>
+          <a:chOff x="0" y="0"/>
+          <a:chExt cx="0" cy="0"/>
+        </a:xfrm>
+      </p:grpSpPr>
+      <p:sp>
+        <p:nvSpPr>
+          <p:cNvPr id="2" name="Slide Image Placeholder 1"/>
+          <p:cNvSpPr>
+            <a:spLocks noGrp="1" noRot="1" noChangeAspect="1"/>
+          </p:cNvSpPr>
+          <p:nvPr>
+            <p:ph type="sldImg"/>
+          </p:nvPr>
+        </p:nvSpPr>
+        <p:spPr/>
+      </p:sp>
+      <p:sp>
+        <p:nvSpPr>
+          <p:cNvPr id="3" name="Notes Placeholder 2"/>
+          <p:cNvSpPr>
+            <a:spLocks noGrp="1"/>
+          </p:cNvSpPr>
+          <p:nvPr>
+            <p:ph type="body" idx="1"/>
+          </p:nvPr>
+        </p:nvSpPr>
+        <p:spPr/>
+        <p:txBody>
+          <a:bodyPr/>
+          <a:lstStyle/>
+          <a:p>
+            <a:r>
+              <a:rPr lang="en-US" dirty="0" err="1" smtClean="0"/>
+              <a:t>Dani</a:t>
+            </a:r>
+            <a:endParaRPr lang="en-US" dirty="0" smtClean="0"/>
+          </a:p>
+          <a:p>
+            <a:endParaRPr lang="es-CR" dirty="0"/>
+          </a:p>
+        </p:txBody>
+      </p:sp>
+      <p:sp>
+        <p:nvSpPr>
+          <p:cNvPr id="4" name="Slide Number Placeholder 3"/>
+          <p:cNvSpPr>
+            <a:spLocks noGrp="1"/>
+          </p:cNvSpPr>
+          <p:nvPr>
+            <p:ph type="sldNum" sz="quarter" idx="10"/>
+          </p:nvPr>
+        </p:nvSpPr>
+        <p:spPr/>
+        <p:txBody>
+          <a:bodyPr/>
+          <a:lstStyle/>
+          <a:p>
+            <a:fld id="{841221E5-7225-48EB-A4EE-420E7BFCF705}" type="slidenum">
+              <a:rPr lang="es-CR" smtClean="0"/>
+              <a:pPr/>
+              <a:t>3</a:t>
+            </a:fld>
+            <a:endParaRPr lang="es-CR"/>
+          </a:p>
+        </p:txBody>
+      </p:sp>
+    </p:spTree>
+    <p:extLst>
+      <p:ext uri="{BB962C8B-B14F-4D97-AF65-F5344CB8AC3E}">
+        <p14:creationId xmlns:p14="http://schemas.microsoft.com/office/powerpoint/2010/main" val="300484617"/>
+      </p:ext>
+    </p:extLst>
+  </p:cSld>
+  <p:clrMapOvr>
+    <a:masterClrMapping/>
+  </p:clrMapOvr>
+</p:notes>
+</file>
+
+<file path=ppt/notesSlides/notesSlide30.xml><?xml version="1.0" encoding="utf-8"?>
+<p:notes xmlns:a="http://schemas.openxmlformats.org/drawingml/2006/main" xmlns:r="http://schemas.openxmlformats.org/officeDocument/2006/relationships" xmlns:p="http://schemas.openxmlformats.org/presentationml/2006/main">
+  <p:cSld>
+    <p:spTree>
+      <p:nvGrpSpPr>
+        <p:cNvPr id="1" name=""/>
+        <p:cNvGrpSpPr/>
+        <p:nvPr/>
+      </p:nvGrpSpPr>
+      <p:grpSpPr>
+        <a:xfrm>
+          <a:off x="0" y="0"/>
+          <a:ext cx="0" cy="0"/>
+          <a:chOff x="0" y="0"/>
+          <a:chExt cx="0" cy="0"/>
+        </a:xfrm>
+      </p:grpSpPr>
+      <p:sp>
+        <p:nvSpPr>
+          <p:cNvPr id="2" name="Slide Image Placeholder 1"/>
+          <p:cNvSpPr>
+            <a:spLocks noGrp="1" noRot="1" noChangeAspect="1"/>
+          </p:cNvSpPr>
+          <p:nvPr>
+            <p:ph type="sldImg"/>
+          </p:nvPr>
+        </p:nvSpPr>
+        <p:spPr/>
+      </p:sp>
+      <p:sp>
+        <p:nvSpPr>
+          <p:cNvPr id="3" name="Notes Placeholder 2"/>
+          <p:cNvSpPr>
+            <a:spLocks noGrp="1"/>
+          </p:cNvSpPr>
+          <p:nvPr>
+            <p:ph type="body" idx="1"/>
+          </p:nvPr>
+        </p:nvSpPr>
+        <p:spPr/>
+        <p:txBody>
+          <a:bodyPr/>
+          <a:lstStyle/>
+          <a:p>
+            <a:r>
+              <a:rPr lang="es-CR" dirty="0" smtClean="0"/>
+              <a:t>Dani</a:t>
+            </a:r>
+            <a:endParaRPr lang="es-CR" dirty="0"/>
+          </a:p>
+        </p:txBody>
+      </p:sp>
+      <p:sp>
+        <p:nvSpPr>
+          <p:cNvPr id="4" name="Slide Number Placeholder 3"/>
+          <p:cNvSpPr>
+            <a:spLocks noGrp="1"/>
+          </p:cNvSpPr>
+          <p:nvPr>
+            <p:ph type="sldNum" sz="quarter" idx="10"/>
+          </p:nvPr>
+        </p:nvSpPr>
+        <p:spPr/>
+        <p:txBody>
+          <a:bodyPr/>
+          <a:lstStyle/>
+          <a:p>
+            <a:fld id="{841221E5-7225-48EB-A4EE-420E7BFCF705}" type="slidenum">
+              <a:rPr lang="es-CR" smtClean="0"/>
+              <a:pPr/>
+              <a:t>30</a:t>
+            </a:fld>
+            <a:endParaRPr lang="es-CR"/>
+          </a:p>
+        </p:txBody>
+      </p:sp>
+    </p:spTree>
+    <p:extLst>
+      <p:ext uri="{BB962C8B-B14F-4D97-AF65-F5344CB8AC3E}">
+        <p14:creationId xmlns:p14="http://schemas.microsoft.com/office/powerpoint/2010/main" val="1958310161"/>
+      </p:ext>
+    </p:extLst>
+  </p:cSld>
+  <p:clrMapOvr>
+    <a:masterClrMapping/>
+  </p:clrMapOvr>
+</p:notes>
+</file>
+
+<file path=ppt/notesSlides/notesSlide31.xml><?xml version="1.0" encoding="utf-8"?>
+<p:notes xmlns:a="http://schemas.openxmlformats.org/drawingml/2006/main" xmlns:r="http://schemas.openxmlformats.org/officeDocument/2006/relationships" xmlns:p="http://schemas.openxmlformats.org/presentationml/2006/main">
+  <p:cSld>
+    <p:spTree>
+      <p:nvGrpSpPr>
+        <p:cNvPr id="1" name=""/>
+        <p:cNvGrpSpPr/>
+        <p:nvPr/>
+      </p:nvGrpSpPr>
+      <p:grpSpPr>
+        <a:xfrm>
+          <a:off x="0" y="0"/>
+          <a:ext cx="0" cy="0"/>
+          <a:chOff x="0" y="0"/>
+          <a:chExt cx="0" cy="0"/>
+        </a:xfrm>
+      </p:grpSpPr>
+      <p:sp>
+        <p:nvSpPr>
+          <p:cNvPr id="2" name="Slide Image Placeholder 1"/>
+          <p:cNvSpPr>
+            <a:spLocks noGrp="1" noRot="1" noChangeAspect="1"/>
+          </p:cNvSpPr>
+          <p:nvPr>
+            <p:ph type="sldImg"/>
+          </p:nvPr>
+        </p:nvSpPr>
+        <p:spPr/>
+      </p:sp>
+      <p:sp>
+        <p:nvSpPr>
+          <p:cNvPr id="3" name="Notes Placeholder 2"/>
+          <p:cNvSpPr>
+            <a:spLocks noGrp="1"/>
+          </p:cNvSpPr>
+          <p:nvPr>
+            <p:ph type="body" idx="1"/>
+          </p:nvPr>
+        </p:nvSpPr>
+        <p:spPr/>
+        <p:txBody>
+          <a:bodyPr/>
+          <a:lstStyle/>
+          <a:p>
+            <a:r>
+              <a:rPr lang="es-CR" dirty="0" smtClean="0"/>
+              <a:t>Dani</a:t>
+            </a:r>
+            <a:endParaRPr lang="es-CR" dirty="0"/>
+          </a:p>
+        </p:txBody>
+      </p:sp>
+      <p:sp>
+        <p:nvSpPr>
+          <p:cNvPr id="4" name="Slide Number Placeholder 3"/>
+          <p:cNvSpPr>
+            <a:spLocks noGrp="1"/>
+          </p:cNvSpPr>
+          <p:nvPr>
+            <p:ph type="sldNum" sz="quarter" idx="10"/>
+          </p:nvPr>
+        </p:nvSpPr>
+        <p:spPr/>
+        <p:txBody>
+          <a:bodyPr/>
+          <a:lstStyle/>
+          <a:p>
+            <a:fld id="{841221E5-7225-48EB-A4EE-420E7BFCF705}" type="slidenum">
+              <a:rPr lang="es-CR" smtClean="0"/>
+              <a:pPr/>
+              <a:t>31</a:t>
+            </a:fld>
+            <a:endParaRPr lang="es-CR"/>
+          </a:p>
+        </p:txBody>
+      </p:sp>
+    </p:spTree>
+    <p:extLst>
+      <p:ext uri="{BB962C8B-B14F-4D97-AF65-F5344CB8AC3E}">
+        <p14:creationId xmlns:p14="http://schemas.microsoft.com/office/powerpoint/2010/main" val="658762674"/>
+      </p:ext>
+    </p:extLst>
+  </p:cSld>
+  <p:clrMapOvr>
+    <a:masterClrMapping/>
+  </p:clrMapOvr>
+</p:notes>
+</file>
+
+<file path=ppt/notesSlides/notesSlide32.xml><?xml version="1.0" encoding="utf-8"?>
+<p:notes xmlns:a="http://schemas.openxmlformats.org/drawingml/2006/main" xmlns:r="http://schemas.openxmlformats.org/officeDocument/2006/relationships" xmlns:p="http://schemas.openxmlformats.org/presentationml/2006/main">
+  <p:cSld>
+    <p:spTree>
+      <p:nvGrpSpPr>
+        <p:cNvPr id="1" name=""/>
+        <p:cNvGrpSpPr/>
+        <p:nvPr/>
+      </p:nvGrpSpPr>
+      <p:grpSpPr>
+        <a:xfrm>
+          <a:off x="0" y="0"/>
+          <a:ext cx="0" cy="0"/>
+          <a:chOff x="0" y="0"/>
+          <a:chExt cx="0" cy="0"/>
+        </a:xfrm>
+      </p:grpSpPr>
+      <p:sp>
+        <p:nvSpPr>
+          <p:cNvPr id="2" name="Slide Image Placeholder 1"/>
+          <p:cNvSpPr>
+            <a:spLocks noGrp="1" noRot="1" noChangeAspect="1"/>
+          </p:cNvSpPr>
+          <p:nvPr>
+            <p:ph type="sldImg"/>
+          </p:nvPr>
+        </p:nvSpPr>
+        <p:spPr/>
+      </p:sp>
+      <p:sp>
+        <p:nvSpPr>
+          <p:cNvPr id="3" name="Notes Placeholder 2"/>
+          <p:cNvSpPr>
+            <a:spLocks noGrp="1"/>
+          </p:cNvSpPr>
+          <p:nvPr>
+            <p:ph type="body" idx="1"/>
+          </p:nvPr>
+        </p:nvSpPr>
+        <p:spPr/>
+        <p:txBody>
+          <a:bodyPr/>
+          <a:lstStyle/>
+          <a:p>
+            <a:r>
+              <a:rPr lang="es-CR" dirty="0" smtClean="0"/>
+              <a:t>Dani</a:t>
+            </a:r>
+          </a:p>
+          <a:p>
+            <a:r>
+              <a:rPr lang="es-CR" dirty="0" smtClean="0"/>
+              <a:t>Ayuda</a:t>
+            </a:r>
+            <a:r>
+              <a:rPr lang="es-CR" baseline="0" dirty="0" smtClean="0"/>
+              <a:t> permite a los desarrolladores subir las aplicaciones de una manera sencilla y clara</a:t>
+            </a:r>
+            <a:endParaRPr lang="es-CR" dirty="0"/>
+          </a:p>
+        </p:txBody>
+      </p:sp>
+      <p:sp>
+        <p:nvSpPr>
+          <p:cNvPr id="4" name="Slide Number Placeholder 3"/>
+          <p:cNvSpPr>
+            <a:spLocks noGrp="1"/>
+          </p:cNvSpPr>
+          <p:nvPr>
+            <p:ph type="sldNum" sz="quarter" idx="10"/>
+          </p:nvPr>
+        </p:nvSpPr>
+        <p:spPr/>
+        <p:txBody>
+          <a:bodyPr/>
+          <a:lstStyle/>
+          <a:p>
+            <a:fld id="{841221E5-7225-48EB-A4EE-420E7BFCF705}" type="slidenum">
+              <a:rPr lang="es-CR" smtClean="0"/>
+              <a:pPr/>
+              <a:t>32</a:t>
+            </a:fld>
+            <a:endParaRPr lang="es-CR"/>
+          </a:p>
+        </p:txBody>
+      </p:sp>
+    </p:spTree>
+    <p:extLst>
+      <p:ext uri="{BB962C8B-B14F-4D97-AF65-F5344CB8AC3E}">
+        <p14:creationId xmlns:p14="http://schemas.microsoft.com/office/powerpoint/2010/main" val="2031694328"/>
+      </p:ext>
+    </p:extLst>
+  </p:cSld>
+  <p:clrMapOvr>
+    <a:masterClrMapping/>
+  </p:clrMapOvr>
+</p:notes>
+</file>
+
+<file path=ppt/notesSlides/notesSlide33.xml><?xml version="1.0" encoding="utf-8"?>
+<p:notes xmlns:a="http://schemas.openxmlformats.org/drawingml/2006/main" xmlns:r="http://schemas.openxmlformats.org/officeDocument/2006/relationships" xmlns:p="http://schemas.openxmlformats.org/presentationml/2006/main">
+  <p:cSld>
+    <p:spTree>
+      <p:nvGrpSpPr>
+        <p:cNvPr id="1" name=""/>
+        <p:cNvGrpSpPr/>
+        <p:nvPr/>
+      </p:nvGrpSpPr>
+      <p:grpSpPr>
+        <a:xfrm>
+          <a:off x="0" y="0"/>
+          <a:ext cx="0" cy="0"/>
+          <a:chOff x="0" y="0"/>
+          <a:chExt cx="0" cy="0"/>
+        </a:xfrm>
+      </p:grpSpPr>
+      <p:sp>
+        <p:nvSpPr>
+          <p:cNvPr id="2" name="Slide Image Placeholder 1"/>
+          <p:cNvSpPr>
+            <a:spLocks noGrp="1" noRot="1" noChangeAspect="1"/>
+          </p:cNvSpPr>
+          <p:nvPr>
+            <p:ph type="sldImg"/>
+          </p:nvPr>
+        </p:nvSpPr>
+        <p:spPr/>
+      </p:sp>
+      <p:sp>
+        <p:nvSpPr>
+          <p:cNvPr id="3" name="Notes Placeholder 2"/>
+          <p:cNvSpPr>
+            <a:spLocks noGrp="1"/>
+          </p:cNvSpPr>
+          <p:nvPr>
+            <p:ph type="body" idx="1"/>
+          </p:nvPr>
+        </p:nvSpPr>
+        <p:spPr/>
+        <p:txBody>
+          <a:bodyPr/>
+          <a:lstStyle/>
+          <a:p>
+            <a:r>
+              <a:rPr lang="es-CR" dirty="0" smtClean="0"/>
+              <a:t>Dani</a:t>
+            </a:r>
+            <a:endParaRPr lang="es-CR" dirty="0"/>
+          </a:p>
+        </p:txBody>
+      </p:sp>
+      <p:sp>
+        <p:nvSpPr>
+          <p:cNvPr id="4" name="Slide Number Placeholder 3"/>
+          <p:cNvSpPr>
+            <a:spLocks noGrp="1"/>
+          </p:cNvSpPr>
+          <p:nvPr>
+            <p:ph type="sldNum" sz="quarter" idx="10"/>
+          </p:nvPr>
+        </p:nvSpPr>
+        <p:spPr/>
+        <p:txBody>
+          <a:bodyPr/>
+          <a:lstStyle/>
+          <a:p>
+            <a:fld id="{841221E5-7225-48EB-A4EE-420E7BFCF705}" type="slidenum">
+              <a:rPr lang="es-CR" smtClean="0"/>
+              <a:pPr/>
+              <a:t>33</a:t>
+            </a:fld>
+            <a:endParaRPr lang="es-CR"/>
+          </a:p>
+        </p:txBody>
+      </p:sp>
+    </p:spTree>
+    <p:extLst>
+      <p:ext uri="{BB962C8B-B14F-4D97-AF65-F5344CB8AC3E}">
+        <p14:creationId xmlns:p14="http://schemas.microsoft.com/office/powerpoint/2010/main" val="3099061460"/>
+      </p:ext>
+    </p:extLst>
+  </p:cSld>
+  <p:clrMapOvr>
+    <a:masterClrMapping/>
+  </p:clrMapOvr>
+</p:notes>
+</file>
+
+<file path=ppt/notesSlides/notesSlide34.xml><?xml version="1.0" encoding="utf-8"?>
+<p:notes xmlns:a="http://schemas.openxmlformats.org/drawingml/2006/main" xmlns:r="http://schemas.openxmlformats.org/officeDocument/2006/relationships" xmlns:p="http://schemas.openxmlformats.org/presentationml/2006/main">
+  <p:cSld>
+    <p:spTree>
+      <p:nvGrpSpPr>
+        <p:cNvPr id="1" name=""/>
+        <p:cNvGrpSpPr/>
+        <p:nvPr/>
+      </p:nvGrpSpPr>
+      <p:grpSpPr>
+        <a:xfrm>
+          <a:off x="0" y="0"/>
+          <a:ext cx="0" cy="0"/>
+          <a:chOff x="0" y="0"/>
+          <a:chExt cx="0" cy="0"/>
+        </a:xfrm>
+      </p:grpSpPr>
+      <p:sp>
+        <p:nvSpPr>
+          <p:cNvPr id="2" name="Slide Image Placeholder 1"/>
+          <p:cNvSpPr>
+            <a:spLocks noGrp="1" noRot="1" noChangeAspect="1"/>
+          </p:cNvSpPr>
+          <p:nvPr>
+            <p:ph type="sldImg"/>
+          </p:nvPr>
+        </p:nvSpPr>
+        <p:spPr/>
+      </p:sp>
+      <p:sp>
+        <p:nvSpPr>
+          <p:cNvPr id="3" name="Notes Placeholder 2"/>
+          <p:cNvSpPr>
+            <a:spLocks noGrp="1"/>
+          </p:cNvSpPr>
+          <p:nvPr>
+            <p:ph type="body" idx="1"/>
+          </p:nvPr>
+        </p:nvSpPr>
+        <p:spPr/>
+        <p:txBody>
+          <a:bodyPr/>
+          <a:lstStyle/>
+          <a:p>
+            <a:r>
+              <a:rPr lang="es-CR" dirty="0" smtClean="0"/>
+              <a:t>Dani</a:t>
+            </a:r>
+            <a:endParaRPr lang="es-CR" dirty="0"/>
+          </a:p>
+        </p:txBody>
+      </p:sp>
+      <p:sp>
+        <p:nvSpPr>
+          <p:cNvPr id="4" name="Slide Number Placeholder 3"/>
+          <p:cNvSpPr>
+            <a:spLocks noGrp="1"/>
+          </p:cNvSpPr>
+          <p:nvPr>
+            <p:ph type="sldNum" sz="quarter" idx="10"/>
+          </p:nvPr>
+        </p:nvSpPr>
+        <p:spPr/>
+        <p:txBody>
+          <a:bodyPr/>
+          <a:lstStyle/>
+          <a:p>
+            <a:fld id="{841221E5-7225-48EB-A4EE-420E7BFCF705}" type="slidenum">
+              <a:rPr lang="es-CR" smtClean="0"/>
+              <a:pPr/>
+              <a:t>34</a:t>
+            </a:fld>
+            <a:endParaRPr lang="es-CR"/>
+          </a:p>
+        </p:txBody>
+      </p:sp>
+    </p:spTree>
+    <p:extLst>
+      <p:ext uri="{BB962C8B-B14F-4D97-AF65-F5344CB8AC3E}">
+        <p14:creationId xmlns:p14="http://schemas.microsoft.com/office/powerpoint/2010/main" val="964536863"/>
+      </p:ext>
+    </p:extLst>
+  </p:cSld>
+  <p:clrMapOvr>
+    <a:masterClrMapping/>
+  </p:clrMapOvr>
+</p:notes>
+</file>
+
+<file path=ppt/notesSlides/notesSlide35.xml><?xml version="1.0" encoding="utf-8"?>
 <p:notes xmlns:a="http://schemas.openxmlformats.org/drawingml/2006/main" xmlns:r="http://schemas.openxmlformats.org/officeDocument/2006/relationships" xmlns:p="http://schemas.openxmlformats.org/presentationml/2006/main">
   <p:cSld>
     <p:spTree>
@@ -26651,6 +28724,10 @@
           <a:bodyPr/>
           <a:lstStyle/>
           <a:p>
+            <a:r>
+              <a:rPr lang="es-CR" dirty="0" smtClean="0"/>
+              <a:t>Dani</a:t>
+            </a:r>
             <a:endParaRPr lang="es-CR" dirty="0"/>
           </a:p>
         </p:txBody>
@@ -26673,7 +28750,7 @@
             <a:fld id="{841221E5-7225-48EB-A4EE-420E7BFCF705}" type="slidenum">
               <a:rPr lang="es-CR" smtClean="0"/>
               <a:pPr/>
-              <a:t>37</a:t>
+              <a:t>35</a:t>
             </a:fld>
             <a:endParaRPr lang="es-CR"/>
           </a:p>
@@ -26692,7 +28769,96 @@
 </p:notes>
 </file>
 
-<file path=ppt/notesSlides/notesSlide24.xml><?xml version="1.0" encoding="utf-8"?>
+<file path=ppt/notesSlides/notesSlide36.xml><?xml version="1.0" encoding="utf-8"?>
+<p:notes xmlns:a="http://schemas.openxmlformats.org/drawingml/2006/main" xmlns:r="http://schemas.openxmlformats.org/officeDocument/2006/relationships" xmlns:p="http://schemas.openxmlformats.org/presentationml/2006/main">
+  <p:cSld>
+    <p:spTree>
+      <p:nvGrpSpPr>
+        <p:cNvPr id="1" name=""/>
+        <p:cNvGrpSpPr/>
+        <p:nvPr/>
+      </p:nvGrpSpPr>
+      <p:grpSpPr>
+        <a:xfrm>
+          <a:off x="0" y="0"/>
+          <a:ext cx="0" cy="0"/>
+          <a:chOff x="0" y="0"/>
+          <a:chExt cx="0" cy="0"/>
+        </a:xfrm>
+      </p:grpSpPr>
+      <p:sp>
+        <p:nvSpPr>
+          <p:cNvPr id="2" name="Slide Image Placeholder 1"/>
+          <p:cNvSpPr>
+            <a:spLocks noGrp="1" noRot="1" noChangeAspect="1"/>
+          </p:cNvSpPr>
+          <p:nvPr>
+            <p:ph type="sldImg"/>
+          </p:nvPr>
+        </p:nvSpPr>
+        <p:spPr/>
+      </p:sp>
+      <p:sp>
+        <p:nvSpPr>
+          <p:cNvPr id="3" name="Notes Placeholder 2"/>
+          <p:cNvSpPr>
+            <a:spLocks noGrp="1"/>
+          </p:cNvSpPr>
+          <p:nvPr>
+            <p:ph type="body" idx="1"/>
+          </p:nvPr>
+        </p:nvSpPr>
+        <p:spPr/>
+        <p:txBody>
+          <a:bodyPr/>
+          <a:lstStyle/>
+          <a:p>
+            <a:r>
+              <a:rPr lang="es-CR" dirty="0" smtClean="0"/>
+              <a:t>Beto</a:t>
+            </a:r>
+            <a:endParaRPr lang="es-CR" dirty="0"/>
+          </a:p>
+        </p:txBody>
+      </p:sp>
+      <p:sp>
+        <p:nvSpPr>
+          <p:cNvPr id="4" name="Slide Number Placeholder 3"/>
+          <p:cNvSpPr>
+            <a:spLocks noGrp="1"/>
+          </p:cNvSpPr>
+          <p:nvPr>
+            <p:ph type="sldNum" sz="quarter" idx="10"/>
+          </p:nvPr>
+        </p:nvSpPr>
+        <p:spPr/>
+        <p:txBody>
+          <a:bodyPr/>
+          <a:lstStyle/>
+          <a:p>
+            <a:fld id="{841221E5-7225-48EB-A4EE-420E7BFCF705}" type="slidenum">
+              <a:rPr lang="es-CR" smtClean="0"/>
+              <a:pPr/>
+              <a:t>36</a:t>
+            </a:fld>
+            <a:endParaRPr lang="es-CR"/>
+          </a:p>
+        </p:txBody>
+      </p:sp>
+    </p:spTree>
+    <p:extLst>
+      <p:ext uri="{BB962C8B-B14F-4D97-AF65-F5344CB8AC3E}">
+        <p14:creationId xmlns:p14="http://schemas.microsoft.com/office/powerpoint/2010/main" val="1261329766"/>
+      </p:ext>
+    </p:extLst>
+  </p:cSld>
+  <p:clrMapOvr>
+    <a:masterClrMapping/>
+  </p:clrMapOvr>
+</p:notes>
+</file>
+
+<file path=ppt/notesSlides/notesSlide37.xml><?xml version="1.0" encoding="utf-8"?>
 <p:notes xmlns:a="http://schemas.openxmlformats.org/drawingml/2006/main" xmlns:r="http://schemas.openxmlformats.org/officeDocument/2006/relationships" xmlns:p="http://schemas.openxmlformats.org/presentationml/2006/main">
   <p:cSld>
     <p:spTree>
@@ -26746,6 +28912,52 @@
                 <a:ea typeface="+mn-ea"/>
                 <a:cs typeface="+mn-cs"/>
               </a:rPr>
+              <a:t>Beto</a:t>
+            </a:r>
+            <a:br>
+              <a:rPr lang="es-CR" sz="1200" b="1" kern="1200" dirty="0" smtClean="0">
+                <a:solidFill>
+                  <a:schemeClr val="tx2"/>
+                </a:solidFill>
+                <a:effectLst/>
+                <a:latin typeface="+mn-lt"/>
+                <a:ea typeface="+mn-ea"/>
+                <a:cs typeface="+mn-cs"/>
+              </a:rPr>
+            </a:br>
+            <a:r>
+              <a:rPr lang="es-CR" sz="1200" b="1" kern="1200" dirty="0" smtClean="0">
+                <a:solidFill>
+                  <a:schemeClr val="tx2"/>
+                </a:solidFill>
+                <a:effectLst/>
+                <a:latin typeface="+mn-lt"/>
+                <a:ea typeface="+mn-ea"/>
+                <a:cs typeface="+mn-cs"/>
+              </a:rPr>
+              <a:t/>
+            </a:r>
+            <a:br>
+              <a:rPr lang="es-CR" sz="1200" b="1" kern="1200" dirty="0" smtClean="0">
+                <a:solidFill>
+                  <a:schemeClr val="tx2"/>
+                </a:solidFill>
+                <a:effectLst/>
+                <a:latin typeface="+mn-lt"/>
+                <a:ea typeface="+mn-ea"/>
+                <a:cs typeface="+mn-cs"/>
+              </a:rPr>
+            </a:br>
+            <a:r>
+              <a:rPr lang="es-CR" sz="1200" b="1" kern="1200" dirty="0" smtClean="0">
+                <a:solidFill>
+                  <a:schemeClr val="tx2"/>
+                </a:solidFill>
+                <a:effectLst/>
+                <a:latin typeface="+mn-lt"/>
+                <a:ea typeface="+mn-ea"/>
+                <a:cs typeface="+mn-cs"/>
+              </a:rPr>
               <a:t>**REVISAR JUNTOS</a:t>
             </a:r>
           </a:p>
@@ -26783,31 +28995,7 @@
                 <a:ea typeface="+mn-ea"/>
                 <a:cs typeface="+mn-cs"/>
               </a:rPr>
-              <a:t>, se realiza contacto inicial, un estudio de factibilidad operativa, </a:t>
-            </a:r>
-            <a:r>
-              <a:rPr lang="es-CR" sz="1200" kern="1200" dirty="0" err="1" smtClean="0">
-                <a:solidFill>
-                  <a:schemeClr val="tx2"/>
-                </a:solidFill>
-                <a:effectLst/>
-                <a:latin typeface="+mn-lt"/>
-                <a:ea typeface="+mn-ea"/>
-                <a:cs typeface="+mn-cs"/>
-              </a:rPr>
-              <a:t>técnica,financiera</a:t>
-            </a:r>
-            <a:r>
-              <a:rPr lang="es-CR" sz="1200" kern="1200" dirty="0" smtClean="0">
-                <a:solidFill>
-                  <a:schemeClr val="tx2"/>
-                </a:solidFill>
-                <a:effectLst/>
-                <a:latin typeface="+mn-lt"/>
-                <a:ea typeface="+mn-ea"/>
-                <a:cs typeface="+mn-cs"/>
-              </a:rPr>
-              <a:t>  y debe establecerse un plan de proyecto o cronograma de trabajo de las etapas.</a:t>
+              <a:t>, se realiza contacto inicial, un estudio de factibilidad operativa, técnica, financiera y debe establecerse un plan de proyecto o cronograma de trabajo de las etapas.</a:t>
             </a:r>
           </a:p>
           <a:p>
@@ -27285,7 +29473,7 @@
             <a:fld id="{841221E5-7225-48EB-A4EE-420E7BFCF705}" type="slidenum">
               <a:rPr lang="es-CR" smtClean="0"/>
               <a:pPr/>
-              <a:t>39</a:t>
+              <a:t>37</a:t>
             </a:fld>
             <a:endParaRPr lang="es-CR" dirty="0"/>
           </a:p>
@@ -27304,7 +29492,278 @@
 </p:notes>
 </file>
 
-<file path=ppt/notesSlides/notesSlide25.xml><?xml version="1.0" encoding="utf-8"?>
+<file path=ppt/notesSlides/notesSlide38.xml><?xml version="1.0" encoding="utf-8"?>
+<p:notes xmlns:a="http://schemas.openxmlformats.org/drawingml/2006/main" xmlns:r="http://schemas.openxmlformats.org/officeDocument/2006/relationships" xmlns:p="http://schemas.openxmlformats.org/presentationml/2006/main">
+  <p:cSld>
+    <p:spTree>
+      <p:nvGrpSpPr>
+        <p:cNvPr id="1" name=""/>
+        <p:cNvGrpSpPr/>
+        <p:nvPr/>
+      </p:nvGrpSpPr>
+      <p:grpSpPr>
+        <a:xfrm>
+          <a:off x="0" y="0"/>
+          <a:ext cx="0" cy="0"/>
+          <a:chOff x="0" y="0"/>
+          <a:chExt cx="0" cy="0"/>
+        </a:xfrm>
+      </p:grpSpPr>
+      <p:sp>
+        <p:nvSpPr>
+          <p:cNvPr id="2" name="Slide Image Placeholder 1"/>
+          <p:cNvSpPr>
+            <a:spLocks noGrp="1" noRot="1" noChangeAspect="1"/>
+          </p:cNvSpPr>
+          <p:nvPr>
+            <p:ph type="sldImg"/>
+          </p:nvPr>
+        </p:nvSpPr>
+        <p:spPr/>
+      </p:sp>
+      <p:sp>
+        <p:nvSpPr>
+          <p:cNvPr id="3" name="Notes Placeholder 2"/>
+          <p:cNvSpPr>
+            <a:spLocks noGrp="1"/>
+          </p:cNvSpPr>
+          <p:nvPr>
+            <p:ph type="body" idx="1"/>
+          </p:nvPr>
+        </p:nvSpPr>
+        <p:spPr/>
+        <p:txBody>
+          <a:bodyPr/>
+          <a:lstStyle/>
+          <a:p>
+            <a:r>
+              <a:rPr lang="es-CR" dirty="0" smtClean="0"/>
+              <a:t>Dani</a:t>
+            </a:r>
+            <a:endParaRPr lang="es-CR" dirty="0"/>
+          </a:p>
+        </p:txBody>
+      </p:sp>
+      <p:sp>
+        <p:nvSpPr>
+          <p:cNvPr id="4" name="Slide Number Placeholder 3"/>
+          <p:cNvSpPr>
+            <a:spLocks noGrp="1"/>
+          </p:cNvSpPr>
+          <p:nvPr>
+            <p:ph type="sldNum" sz="quarter" idx="10"/>
+          </p:nvPr>
+        </p:nvSpPr>
+        <p:spPr/>
+        <p:txBody>
+          <a:bodyPr/>
+          <a:lstStyle/>
+          <a:p>
+            <a:fld id="{841221E5-7225-48EB-A4EE-420E7BFCF705}" type="slidenum">
+              <a:rPr lang="es-CR" smtClean="0"/>
+              <a:pPr/>
+              <a:t>38</a:t>
+            </a:fld>
+            <a:endParaRPr lang="es-CR"/>
+          </a:p>
+        </p:txBody>
+      </p:sp>
+    </p:spTree>
+    <p:extLst>
+      <p:ext uri="{BB962C8B-B14F-4D97-AF65-F5344CB8AC3E}">
+        <p14:creationId xmlns:p14="http://schemas.microsoft.com/office/powerpoint/2010/main" val="1423231217"/>
+      </p:ext>
+    </p:extLst>
+  </p:cSld>
+  <p:clrMapOvr>
+    <a:masterClrMapping/>
+  </p:clrMapOvr>
+</p:notes>
+</file>
+
+<file path=ppt/notesSlides/notesSlide39.xml><?xml version="1.0" encoding="utf-8"?>
+<p:notes xmlns:a="http://schemas.openxmlformats.org/drawingml/2006/main" xmlns:r="http://schemas.openxmlformats.org/officeDocument/2006/relationships" xmlns:p="http://schemas.openxmlformats.org/presentationml/2006/main">
+  <p:cSld>
+    <p:spTree>
+      <p:nvGrpSpPr>
+        <p:cNvPr id="1" name=""/>
+        <p:cNvGrpSpPr/>
+        <p:nvPr/>
+      </p:nvGrpSpPr>
+      <p:grpSpPr>
+        <a:xfrm>
+          <a:off x="0" y="0"/>
+          <a:ext cx="0" cy="0"/>
+          <a:chOff x="0" y="0"/>
+          <a:chExt cx="0" cy="0"/>
+        </a:xfrm>
+      </p:grpSpPr>
+      <p:sp>
+        <p:nvSpPr>
+          <p:cNvPr id="2" name="Slide Image Placeholder 1"/>
+          <p:cNvSpPr>
+            <a:spLocks noGrp="1" noRot="1" noChangeAspect="1"/>
+          </p:cNvSpPr>
+          <p:nvPr>
+            <p:ph type="sldImg"/>
+          </p:nvPr>
+        </p:nvSpPr>
+        <p:spPr/>
+      </p:sp>
+      <p:sp>
+        <p:nvSpPr>
+          <p:cNvPr id="3" name="Notes Placeholder 2"/>
+          <p:cNvSpPr>
+            <a:spLocks noGrp="1"/>
+          </p:cNvSpPr>
+          <p:nvPr>
+            <p:ph type="body" idx="1"/>
+          </p:nvPr>
+        </p:nvSpPr>
+        <p:spPr/>
+        <p:txBody>
+          <a:bodyPr/>
+          <a:lstStyle/>
+          <a:p>
+            <a:r>
+              <a:rPr lang="es-CR" dirty="0" smtClean="0"/>
+              <a:t>Dani</a:t>
+            </a:r>
+            <a:endParaRPr lang="es-CR" dirty="0"/>
+          </a:p>
+        </p:txBody>
+      </p:sp>
+      <p:sp>
+        <p:nvSpPr>
+          <p:cNvPr id="4" name="Slide Number Placeholder 3"/>
+          <p:cNvSpPr>
+            <a:spLocks noGrp="1"/>
+          </p:cNvSpPr>
+          <p:nvPr>
+            <p:ph type="sldNum" sz="quarter" idx="10"/>
+          </p:nvPr>
+        </p:nvSpPr>
+        <p:spPr/>
+        <p:txBody>
+          <a:bodyPr/>
+          <a:lstStyle/>
+          <a:p>
+            <a:fld id="{841221E5-7225-48EB-A4EE-420E7BFCF705}" type="slidenum">
+              <a:rPr lang="es-CR" smtClean="0"/>
+              <a:pPr/>
+              <a:t>39</a:t>
+            </a:fld>
+            <a:endParaRPr lang="es-CR"/>
+          </a:p>
+        </p:txBody>
+      </p:sp>
+    </p:spTree>
+    <p:extLst>
+      <p:ext uri="{BB962C8B-B14F-4D97-AF65-F5344CB8AC3E}">
+        <p14:creationId xmlns:p14="http://schemas.microsoft.com/office/powerpoint/2010/main" val="1316836629"/>
+      </p:ext>
+    </p:extLst>
+  </p:cSld>
+  <p:clrMapOvr>
+    <a:masterClrMapping/>
+  </p:clrMapOvr>
+</p:notes>
+</file>
+
+<file path=ppt/notesSlides/notesSlide4.xml><?xml version="1.0" encoding="utf-8"?>
+<p:notes xmlns:a="http://schemas.openxmlformats.org/drawingml/2006/main" xmlns:r="http://schemas.openxmlformats.org/officeDocument/2006/relationships" xmlns:p="http://schemas.openxmlformats.org/presentationml/2006/main">
+  <p:cSld>
+    <p:spTree>
+      <p:nvGrpSpPr>
+        <p:cNvPr id="1" name=""/>
+        <p:cNvGrpSpPr/>
+        <p:nvPr/>
+      </p:nvGrpSpPr>
+      <p:grpSpPr>
+        <a:xfrm>
+          <a:off x="0" y="0"/>
+          <a:ext cx="0" cy="0"/>
+          <a:chOff x="0" y="0"/>
+          <a:chExt cx="0" cy="0"/>
+        </a:xfrm>
+      </p:grpSpPr>
+      <p:sp>
+        <p:nvSpPr>
+          <p:cNvPr id="2" name="Slide Image Placeholder 1"/>
+          <p:cNvSpPr>
+            <a:spLocks noGrp="1" noRot="1" noChangeAspect="1"/>
+          </p:cNvSpPr>
+          <p:nvPr>
+            <p:ph type="sldImg"/>
+          </p:nvPr>
+        </p:nvSpPr>
+        <p:spPr/>
+      </p:sp>
+      <p:sp>
+        <p:nvSpPr>
+          <p:cNvPr id="3" name="Notes Placeholder 2"/>
+          <p:cNvSpPr>
+            <a:spLocks noGrp="1"/>
+          </p:cNvSpPr>
+          <p:nvPr>
+            <p:ph type="body" idx="1"/>
+          </p:nvPr>
+        </p:nvSpPr>
+        <p:spPr/>
+        <p:txBody>
+          <a:bodyPr/>
+          <a:lstStyle/>
+          <a:p>
+            <a:r>
+              <a:rPr lang="es-CR" dirty="0" smtClean="0"/>
+              <a:t>Presentar</a:t>
+            </a:r>
+            <a:r>
+              <a:rPr lang="es-CR" baseline="0" dirty="0" smtClean="0"/>
+              <a:t> a los involucrados</a:t>
+            </a:r>
+            <a:endParaRPr lang="es-CR" dirty="0"/>
+          </a:p>
+        </p:txBody>
+      </p:sp>
+      <p:sp>
+        <p:nvSpPr>
+          <p:cNvPr id="4" name="Slide Number Placeholder 3"/>
+          <p:cNvSpPr>
+            <a:spLocks noGrp="1"/>
+          </p:cNvSpPr>
+          <p:nvPr>
+            <p:ph type="sldNum" sz="quarter" idx="10"/>
+          </p:nvPr>
+        </p:nvSpPr>
+        <p:spPr/>
+        <p:txBody>
+          <a:bodyPr/>
+          <a:lstStyle/>
+          <a:p>
+            <a:fld id="{841221E5-7225-48EB-A4EE-420E7BFCF705}" type="slidenum">
+              <a:rPr lang="es-CR" smtClean="0"/>
+              <a:pPr/>
+              <a:t>4</a:t>
+            </a:fld>
+            <a:endParaRPr lang="es-CR"/>
+          </a:p>
+        </p:txBody>
+      </p:sp>
+    </p:spTree>
+    <p:extLst>
+      <p:ext uri="{BB962C8B-B14F-4D97-AF65-F5344CB8AC3E}">
+        <p14:creationId xmlns:p14="http://schemas.microsoft.com/office/powerpoint/2010/main" val="3548694578"/>
+      </p:ext>
+    </p:extLst>
+  </p:cSld>
+  <p:clrMapOvr>
+    <a:masterClrMapping/>
+  </p:clrMapOvr>
+</p:notes>
+</file>
+
+<file path=ppt/notesSlides/notesSlide40.xml><?xml version="1.0" encoding="utf-8"?>
 <p:notes xmlns:a="http://schemas.openxmlformats.org/drawingml/2006/main" xmlns:r="http://schemas.openxmlformats.org/officeDocument/2006/relationships" xmlns:p="http://schemas.openxmlformats.org/presentationml/2006/main">
   <p:cSld>
     <p:spTree>
@@ -27350,6 +29809,13 @@
           <a:p>
             <a:r>
               <a:rPr lang="es-CR" dirty="0" smtClean="0"/>
+              <a:t>Dani</a:t>
+            </a:r>
+            <a:br>
+              <a:rPr lang="es-CR" dirty="0" smtClean="0"/>
+            </a:br>
+            <a:r>
+              <a:rPr lang="es-CR" dirty="0" smtClean="0"/>
               <a:t>El total</a:t>
             </a:r>
             <a:r>
@@ -27378,7 +29844,7 @@
             <a:fld id="{841221E5-7225-48EB-A4EE-420E7BFCF705}" type="slidenum">
               <a:rPr lang="es-CR" smtClean="0"/>
               <a:pPr/>
-              <a:t>42</a:t>
+              <a:t>40</a:t>
             </a:fld>
             <a:endParaRPr lang="es-CR"/>
           </a:p>
@@ -27397,7 +29863,96 @@
 </p:notes>
 </file>
 
-<file path=ppt/notesSlides/notesSlide26.xml><?xml version="1.0" encoding="utf-8"?>
+<file path=ppt/notesSlides/notesSlide41.xml><?xml version="1.0" encoding="utf-8"?>
+<p:notes xmlns:a="http://schemas.openxmlformats.org/drawingml/2006/main" xmlns:r="http://schemas.openxmlformats.org/officeDocument/2006/relationships" xmlns:p="http://schemas.openxmlformats.org/presentationml/2006/main">
+  <p:cSld>
+    <p:spTree>
+      <p:nvGrpSpPr>
+        <p:cNvPr id="1" name=""/>
+        <p:cNvGrpSpPr/>
+        <p:nvPr/>
+      </p:nvGrpSpPr>
+      <p:grpSpPr>
+        <a:xfrm>
+          <a:off x="0" y="0"/>
+          <a:ext cx="0" cy="0"/>
+          <a:chOff x="0" y="0"/>
+          <a:chExt cx="0" cy="0"/>
+        </a:xfrm>
+      </p:grpSpPr>
+      <p:sp>
+        <p:nvSpPr>
+          <p:cNvPr id="2" name="Slide Image Placeholder 1"/>
+          <p:cNvSpPr>
+            <a:spLocks noGrp="1" noRot="1" noChangeAspect="1"/>
+          </p:cNvSpPr>
+          <p:nvPr>
+            <p:ph type="sldImg"/>
+          </p:nvPr>
+        </p:nvSpPr>
+        <p:spPr/>
+      </p:sp>
+      <p:sp>
+        <p:nvSpPr>
+          <p:cNvPr id="3" name="Notes Placeholder 2"/>
+          <p:cNvSpPr>
+            <a:spLocks noGrp="1"/>
+          </p:cNvSpPr>
+          <p:nvPr>
+            <p:ph type="body" idx="1"/>
+          </p:nvPr>
+        </p:nvSpPr>
+        <p:spPr/>
+        <p:txBody>
+          <a:bodyPr/>
+          <a:lstStyle/>
+          <a:p>
+            <a:r>
+              <a:rPr lang="es-CR" dirty="0" smtClean="0"/>
+              <a:t>Dani</a:t>
+            </a:r>
+            <a:endParaRPr lang="es-CR" dirty="0"/>
+          </a:p>
+        </p:txBody>
+      </p:sp>
+      <p:sp>
+        <p:nvSpPr>
+          <p:cNvPr id="4" name="Slide Number Placeholder 3"/>
+          <p:cNvSpPr>
+            <a:spLocks noGrp="1"/>
+          </p:cNvSpPr>
+          <p:nvPr>
+            <p:ph type="sldNum" sz="quarter" idx="10"/>
+          </p:nvPr>
+        </p:nvSpPr>
+        <p:spPr/>
+        <p:txBody>
+          <a:bodyPr/>
+          <a:lstStyle/>
+          <a:p>
+            <a:fld id="{841221E5-7225-48EB-A4EE-420E7BFCF705}" type="slidenum">
+              <a:rPr lang="es-CR" smtClean="0"/>
+              <a:pPr/>
+              <a:t>41</a:t>
+            </a:fld>
+            <a:endParaRPr lang="es-CR"/>
+          </a:p>
+        </p:txBody>
+      </p:sp>
+    </p:spTree>
+    <p:extLst>
+      <p:ext uri="{BB962C8B-B14F-4D97-AF65-F5344CB8AC3E}">
+        <p14:creationId xmlns:p14="http://schemas.microsoft.com/office/powerpoint/2010/main" val="3971177030"/>
+      </p:ext>
+    </p:extLst>
+  </p:cSld>
+  <p:clrMapOvr>
+    <a:masterClrMapping/>
+  </p:clrMapOvr>
+</p:notes>
+</file>
+
+<file path=ppt/notesSlides/notesSlide42.xml><?xml version="1.0" encoding="utf-8"?>
 <p:notes xmlns:a="http://schemas.openxmlformats.org/drawingml/2006/main" xmlns:r="http://schemas.openxmlformats.org/officeDocument/2006/relationships" xmlns:p="http://schemas.openxmlformats.org/presentationml/2006/main">
   <p:cSld>
     <p:spTree>
@@ -27460,6 +30015,29 @@
             </a:pPr>
             <a:r>
               <a:rPr lang="es-CR" dirty="0" smtClean="0"/>
+              <a:t>Dani</a:t>
+            </a:r>
+          </a:p>
+          <a:p>
+            <a:pPr marL="0" marR="0" lvl="0" indent="0" algn="l" defTabSz="914400" rtl="0" eaLnBrk="1" fontAlgn="auto" latinLnBrk="0" hangingPunct="1">
+              <a:lnSpc>
+                <a:spcPct val="100000"/>
+              </a:lnSpc>
+              <a:spcBef>
+                <a:spcPts val="0"/>
+              </a:spcBef>
+              <a:spcAft>
+                <a:spcPts val="0"/>
+              </a:spcAft>
+              <a:buClrTx/>
+              <a:buSzTx/>
+              <a:buFontTx/>
+              <a:buNone/>
+              <a:tabLst/>
+              <a:defRPr/>
+            </a:pPr>
+            <a:r>
+              <a:rPr lang="es-CR" dirty="0" smtClean="0"/>
               <a:t>1, </a:t>
             </a:r>
             <a:r>
@@ -27585,7 +30163,7 @@
             <a:fld id="{841221E5-7225-48EB-A4EE-420E7BFCF705}" type="slidenum">
               <a:rPr lang="es-CR" smtClean="0"/>
               <a:pPr/>
-              <a:t>44</a:t>
+              <a:t>42</a:t>
             </a:fld>
             <a:endParaRPr lang="es-CR"/>
           </a:p>
@@ -27604,7 +30182,7 @@
 </p:notes>
 </file>
 
-<file path=ppt/notesSlides/notesSlide27.xml><?xml version="1.0" encoding="utf-8"?>
+<file path=ppt/notesSlides/notesSlide43.xml><?xml version="1.0" encoding="utf-8"?>
 <p:notes xmlns:a="http://schemas.openxmlformats.org/drawingml/2006/main" xmlns:r="http://schemas.openxmlformats.org/officeDocument/2006/relationships" xmlns:p="http://schemas.openxmlformats.org/presentationml/2006/main">
   <p:cSld>
     <p:spTree>
@@ -27675,8 +30253,52 @@
                 <a:ea typeface="+mn-ea"/>
                 <a:cs typeface="+mn-cs"/>
               </a:rPr>
-              <a:t>1,??</a:t>
-            </a:r>
+              <a:t>Beto</a:t>
+            </a:r>
+            <a:br>
+              <a:rPr lang="es-CR" sz="1200" u="none" kern="1200" dirty="0" smtClean="0">
+                <a:solidFill>
+                  <a:schemeClr val="tx2"/>
+                </a:solidFill>
+                <a:effectLst/>
+                <a:latin typeface="+mn-lt"/>
+                <a:ea typeface="+mn-ea"/>
+                <a:cs typeface="+mn-cs"/>
+              </a:rPr>
+            </a:br>
+            <a:r>
+              <a:rPr lang="es-CR" sz="1200" u="none" kern="1200" dirty="0" smtClean="0">
+                <a:solidFill>
+                  <a:schemeClr val="tx2"/>
+                </a:solidFill>
+                <a:effectLst/>
+                <a:latin typeface="+mn-lt"/>
+                <a:ea typeface="+mn-ea"/>
+                <a:cs typeface="+mn-cs"/>
+              </a:rPr>
+              <a:t>1,</a:t>
+            </a:r>
+            <a:r>
+              <a:rPr lang="es-CR" sz="1200" kern="1200" dirty="0" smtClean="0">
+                <a:solidFill>
+                  <a:schemeClr val="tx2"/>
+                </a:solidFill>
+                <a:effectLst/>
+                <a:latin typeface="+mn-lt"/>
+                <a:ea typeface="+mn-ea"/>
+                <a:cs typeface="+mn-cs"/>
+              </a:rPr>
+              <a:t> Este acercamiento a la vez trata de cuidar y de advertir a la población de un problema muy subestimado en nuestra sociedad: La salud de nuestros oídos. Es en nuestra sociedad donde diariamente, el ruido excede muchas veces lo que nuestros oídos pueden tolerar, generando así pérdidas auditivas progresivas que son fácilmente prevenibles con el uso de dispositivos que filtren los ruidos excesivos</a:t>
+            </a:r>
+            <a:endParaRPr lang="es-CR" sz="1200" u="none" kern="1200" dirty="0" smtClean="0">
+              <a:solidFill>
+                <a:schemeClr val="tx2"/>
+              </a:solidFill>
+              <a:effectLst/>
+              <a:latin typeface="+mn-lt"/>
+              <a:ea typeface="+mn-ea"/>
+              <a:cs typeface="+mn-cs"/>
+            </a:endParaRPr>
           </a:p>
           <a:p>
             <a:pPr marL="0" marR="0" lvl="0" indent="0" algn="l" defTabSz="914400" rtl="0" eaLnBrk="1" fontAlgn="auto" latinLnBrk="0" hangingPunct="1">
@@ -27880,7 +30502,7 @@
             <a:fld id="{841221E5-7225-48EB-A4EE-420E7BFCF705}" type="slidenum">
               <a:rPr lang="es-CR" smtClean="0"/>
               <a:pPr/>
-              <a:t>45</a:t>
+              <a:t>43</a:t>
             </a:fld>
             <a:endParaRPr lang="es-CR"/>
           </a:p>
@@ -27899,7 +30521,7 @@
 </p:notes>
 </file>
 
-<file path=ppt/notesSlides/notesSlide28.xml><?xml version="1.0" encoding="utf-8"?>
+<file path=ppt/notesSlides/notesSlide44.xml><?xml version="1.0" encoding="utf-8"?>
 <p:notes xmlns:a="http://schemas.openxmlformats.org/drawingml/2006/main" xmlns:r="http://schemas.openxmlformats.org/officeDocument/2006/relationships" xmlns:p="http://schemas.openxmlformats.org/presentationml/2006/main">
   <p:cSld>
     <p:spTree>
@@ -27962,6 +30584,13 @@
             </a:pPr>
             <a:r>
               <a:rPr lang="es-CR" dirty="0" smtClean="0"/>
+              <a:t>Beto</a:t>
+            </a:r>
+            <a:br>
+              <a:rPr lang="es-CR" dirty="0" smtClean="0"/>
+            </a:br>
+            <a:r>
+              <a:rPr lang="es-CR" dirty="0" smtClean="0"/>
               <a:t>1,</a:t>
             </a:r>
             <a:r>
@@ -28028,7 +30657,7 @@
             <a:fld id="{841221E5-7225-48EB-A4EE-420E7BFCF705}" type="slidenum">
               <a:rPr lang="es-CR" smtClean="0"/>
               <a:pPr/>
-              <a:t>46</a:t>
+              <a:t>44</a:t>
             </a:fld>
             <a:endParaRPr lang="es-CR"/>
           </a:p>
@@ -28047,7 +30676,7 @@
 </p:notes>
 </file>
 
-<file path=ppt/notesSlides/notesSlide29.xml><?xml version="1.0" encoding="utf-8"?>
+<file path=ppt/notesSlides/notesSlide45.xml><?xml version="1.0" encoding="utf-8"?>
 <p:notes xmlns:a="http://schemas.openxmlformats.org/drawingml/2006/main" xmlns:r="http://schemas.openxmlformats.org/officeDocument/2006/relationships" xmlns:p="http://schemas.openxmlformats.org/presentationml/2006/main">
   <p:cSld>
     <p:spTree>
@@ -28110,6 +30739,20 @@
             </a:pPr>
             <a:r>
               <a:rPr lang="es-CR" dirty="0" smtClean="0"/>
+              <a:t>Dani</a:t>
+            </a:r>
+            <a:br>
+              <a:rPr lang="es-CR" dirty="0" smtClean="0"/>
+            </a:br>
+            <a:r>
+              <a:rPr lang="es-CR" dirty="0" smtClean="0"/>
+              <a:t/>
+            </a:r>
+            <a:br>
+              <a:rPr lang="es-CR" dirty="0" smtClean="0"/>
+            </a:br>
+            <a:r>
+              <a:rPr lang="es-CR" dirty="0" smtClean="0"/>
               <a:t>1, Esta comunicación, se realiza de manera bilateral mediante el envío de mensajes desde la página de la empresa, usando el servicio gratuito de mensajería de Google llamado Google Cloud </a:t>
             </a:r>
             <a:r>
@@ -28166,7 +30809,7 @@
             <a:fld id="{841221E5-7225-48EB-A4EE-420E7BFCF705}" type="slidenum">
               <a:rPr lang="es-CR" smtClean="0"/>
               <a:pPr/>
-              <a:t>47</a:t>
+              <a:t>45</a:t>
             </a:fld>
             <a:endParaRPr lang="es-CR"/>
           </a:p>
@@ -28185,92 +30828,7 @@
 </p:notes>
 </file>
 
-<file path=ppt/notesSlides/notesSlide3.xml><?xml version="1.0" encoding="utf-8"?>
-<p:notes xmlns:a="http://schemas.openxmlformats.org/drawingml/2006/main" xmlns:r="http://schemas.openxmlformats.org/officeDocument/2006/relationships" xmlns:p="http://schemas.openxmlformats.org/presentationml/2006/main">
-  <p:cSld>
-    <p:spTree>
-      <p:nvGrpSpPr>
-        <p:cNvPr id="1" name=""/>
-        <p:cNvGrpSpPr/>
-        <p:nvPr/>
-      </p:nvGrpSpPr>
-      <p:grpSpPr>
-        <a:xfrm>
-          <a:off x="0" y="0"/>
-          <a:ext cx="0" cy="0"/>
-          <a:chOff x="0" y="0"/>
-          <a:chExt cx="0" cy="0"/>
-        </a:xfrm>
-      </p:grpSpPr>
-      <p:sp>
-        <p:nvSpPr>
-          <p:cNvPr id="2" name="1 Marcador de imagen de diapositiva"/>
-          <p:cNvSpPr>
-            <a:spLocks noGrp="1" noRot="1" noChangeAspect="1"/>
-          </p:cNvSpPr>
-          <p:nvPr>
-            <p:ph type="sldImg"/>
-          </p:nvPr>
-        </p:nvSpPr>
-        <p:spPr/>
-      </p:sp>
-      <p:sp>
-        <p:nvSpPr>
-          <p:cNvPr id="3" name="2 Marcador de notas"/>
-          <p:cNvSpPr>
-            <a:spLocks noGrp="1"/>
-          </p:cNvSpPr>
-          <p:nvPr>
-            <p:ph type="body" idx="1"/>
-          </p:nvPr>
-        </p:nvSpPr>
-        <p:spPr/>
-        <p:txBody>
-          <a:bodyPr/>
-          <a:lstStyle/>
-          <a:p>
-            <a:endParaRPr lang="es-CR" dirty="0"/>
-          </a:p>
-        </p:txBody>
-      </p:sp>
-      <p:sp>
-        <p:nvSpPr>
-          <p:cNvPr id="4" name="3 Marcador de número de diapositiva"/>
-          <p:cNvSpPr>
-            <a:spLocks noGrp="1"/>
-          </p:cNvSpPr>
-          <p:nvPr>
-            <p:ph type="sldNum" sz="quarter" idx="10"/>
-          </p:nvPr>
-        </p:nvSpPr>
-        <p:spPr/>
-        <p:txBody>
-          <a:bodyPr/>
-          <a:lstStyle/>
-          <a:p>
-            <a:fld id="{841221E5-7225-48EB-A4EE-420E7BFCF705}" type="slidenum">
-              <a:rPr lang="es-CR" smtClean="0"/>
-              <a:pPr/>
-              <a:t>6</a:t>
-            </a:fld>
-            <a:endParaRPr lang="es-CR"/>
-          </a:p>
-        </p:txBody>
-      </p:sp>
-    </p:spTree>
-    <p:extLst>
-      <p:ext uri="{BB962C8B-B14F-4D97-AF65-F5344CB8AC3E}">
-        <p14:creationId xmlns:p14="http://schemas.microsoft.com/office/powerpoint/2010/main" val="1733161894"/>
-      </p:ext>
-    </p:extLst>
-  </p:cSld>
-  <p:clrMapOvr>
-    <a:masterClrMapping/>
-  </p:clrMapOvr>
-</p:notes>
-</file>
-
-<file path=ppt/notesSlides/notesSlide30.xml><?xml version="1.0" encoding="utf-8"?>
+<file path=ppt/notesSlides/notesSlide46.xml><?xml version="1.0" encoding="utf-8"?>
 <p:notes xmlns:a="http://schemas.openxmlformats.org/drawingml/2006/main" xmlns:r="http://schemas.openxmlformats.org/officeDocument/2006/relationships" xmlns:p="http://schemas.openxmlformats.org/presentationml/2006/main">
   <p:cSld>
     <p:spTree>
@@ -28333,6 +30891,20 @@
             </a:pPr>
             <a:r>
               <a:rPr lang="es-CR" dirty="0" smtClean="0"/>
+              <a:t>Dani</a:t>
+            </a:r>
+            <a:br>
+              <a:rPr lang="es-CR" dirty="0" smtClean="0"/>
+            </a:br>
+            <a:r>
+              <a:rPr lang="es-CR" dirty="0" smtClean="0"/>
+              <a:t/>
+            </a:r>
+            <a:br>
+              <a:rPr lang="es-CR" dirty="0" smtClean="0"/>
+            </a:br>
+            <a:r>
+              <a:rPr lang="es-CR" dirty="0" smtClean="0"/>
               <a:t>1,</a:t>
             </a:r>
             <a:r>
@@ -28439,7 +31011,7 @@
             <a:fld id="{841221E5-7225-48EB-A4EE-420E7BFCF705}" type="slidenum">
               <a:rPr lang="es-CR" smtClean="0"/>
               <a:pPr/>
-              <a:t>48</a:t>
+              <a:t>46</a:t>
             </a:fld>
             <a:endParaRPr lang="es-CR"/>
           </a:p>
@@ -28458,7 +31030,7 @@
 </p:notes>
 </file>
 
-<file path=ppt/notesSlides/notesSlide31.xml><?xml version="1.0" encoding="utf-8"?>
+<file path=ppt/notesSlides/notesSlide47.xml><?xml version="1.0" encoding="utf-8"?>
 <p:notes xmlns:a="http://schemas.openxmlformats.org/drawingml/2006/main" xmlns:r="http://schemas.openxmlformats.org/officeDocument/2006/relationships" xmlns:p="http://schemas.openxmlformats.org/presentationml/2006/main">
   <p:cSld>
     <p:spTree>
@@ -28502,6 +31074,13 @@
           <a:bodyPr/>
           <a:lstStyle/>
           <a:p>
+            <a:r>
+              <a:rPr lang="es-CR" dirty="0" smtClean="0"/>
+              <a:t>Beto</a:t>
+            </a:r>
+            <a:br>
+              <a:rPr lang="es-CR" dirty="0" smtClean="0"/>
+            </a:br>
             <a:endParaRPr lang="es-CR" dirty="0" smtClean="0"/>
           </a:p>
           <a:p>
@@ -28602,7 +31181,7 @@
             <a:fld id="{841221E5-7225-48EB-A4EE-420E7BFCF705}" type="slidenum">
               <a:rPr lang="es-CR" smtClean="0"/>
               <a:pPr/>
-              <a:t>49</a:t>
+              <a:t>47</a:t>
             </a:fld>
             <a:endParaRPr lang="es-CR"/>
           </a:p>
@@ -28621,7 +31200,7 @@
 </p:notes>
 </file>
 
-<file path=ppt/notesSlides/notesSlide32.xml><?xml version="1.0" encoding="utf-8"?>
+<file path=ppt/notesSlides/notesSlide48.xml><?xml version="1.0" encoding="utf-8"?>
 <p:notes xmlns:a="http://schemas.openxmlformats.org/drawingml/2006/main" xmlns:r="http://schemas.openxmlformats.org/officeDocument/2006/relationships" xmlns:p="http://schemas.openxmlformats.org/presentationml/2006/main">
   <p:cSld>
     <p:spTree>
@@ -28665,6 +31244,10 @@
           <a:bodyPr/>
           <a:lstStyle/>
           <a:p>
+            <a:r>
+              <a:rPr lang="es-CR" dirty="0" smtClean="0"/>
+              <a:t>Dani</a:t>
+            </a:r>
             <a:endParaRPr lang="es-CR" dirty="0"/>
           </a:p>
         </p:txBody>
@@ -28687,7 +31270,7 @@
             <a:fld id="{841221E5-7225-48EB-A4EE-420E7BFCF705}" type="slidenum">
               <a:rPr lang="es-CR" smtClean="0"/>
               <a:pPr/>
-              <a:t>50</a:t>
+              <a:t>48</a:t>
             </a:fld>
             <a:endParaRPr lang="es-CR"/>
           </a:p>
@@ -28706,7 +31289,189 @@
 </p:notes>
 </file>
 
-<file path=ppt/notesSlides/notesSlide33.xml><?xml version="1.0" encoding="utf-8"?>
+<file path=ppt/notesSlides/notesSlide49.xml><?xml version="1.0" encoding="utf-8"?>
+<p:notes xmlns:a="http://schemas.openxmlformats.org/drawingml/2006/main" xmlns:r="http://schemas.openxmlformats.org/officeDocument/2006/relationships" xmlns:p="http://schemas.openxmlformats.org/presentationml/2006/main">
+  <p:cSld>
+    <p:spTree>
+      <p:nvGrpSpPr>
+        <p:cNvPr id="1" name=""/>
+        <p:cNvGrpSpPr/>
+        <p:nvPr/>
+      </p:nvGrpSpPr>
+      <p:grpSpPr>
+        <a:xfrm>
+          <a:off x="0" y="0"/>
+          <a:ext cx="0" cy="0"/>
+          <a:chOff x="0" y="0"/>
+          <a:chExt cx="0" cy="0"/>
+        </a:xfrm>
+      </p:grpSpPr>
+      <p:sp>
+        <p:nvSpPr>
+          <p:cNvPr id="2" name="Slide Image Placeholder 1"/>
+          <p:cNvSpPr>
+            <a:spLocks noGrp="1" noRot="1" noChangeAspect="1"/>
+          </p:cNvSpPr>
+          <p:nvPr>
+            <p:ph type="sldImg"/>
+          </p:nvPr>
+        </p:nvSpPr>
+        <p:spPr/>
+      </p:sp>
+      <p:sp>
+        <p:nvSpPr>
+          <p:cNvPr id="3" name="Notes Placeholder 2"/>
+          <p:cNvSpPr>
+            <a:spLocks noGrp="1"/>
+          </p:cNvSpPr>
+          <p:nvPr>
+            <p:ph type="body" idx="1"/>
+          </p:nvPr>
+        </p:nvSpPr>
+        <p:spPr/>
+        <p:txBody>
+          <a:bodyPr/>
+          <a:lstStyle/>
+          <a:p>
+            <a:r>
+              <a:rPr lang="es-CR" dirty="0" smtClean="0"/>
+              <a:t>Dani</a:t>
+            </a:r>
+            <a:endParaRPr lang="es-CR" dirty="0"/>
+          </a:p>
+        </p:txBody>
+      </p:sp>
+      <p:sp>
+        <p:nvSpPr>
+          <p:cNvPr id="4" name="Slide Number Placeholder 3"/>
+          <p:cNvSpPr>
+            <a:spLocks noGrp="1"/>
+          </p:cNvSpPr>
+          <p:nvPr>
+            <p:ph type="sldNum" sz="quarter" idx="10"/>
+          </p:nvPr>
+        </p:nvSpPr>
+        <p:spPr/>
+        <p:txBody>
+          <a:bodyPr/>
+          <a:lstStyle/>
+          <a:p>
+            <a:fld id="{841221E5-7225-48EB-A4EE-420E7BFCF705}" type="slidenum">
+              <a:rPr lang="es-CR" smtClean="0"/>
+              <a:pPr/>
+              <a:t>49</a:t>
+            </a:fld>
+            <a:endParaRPr lang="es-CR"/>
+          </a:p>
+        </p:txBody>
+      </p:sp>
+    </p:spTree>
+    <p:extLst>
+      <p:ext uri="{BB962C8B-B14F-4D97-AF65-F5344CB8AC3E}">
+        <p14:creationId xmlns:p14="http://schemas.microsoft.com/office/powerpoint/2010/main" val="1799314370"/>
+      </p:ext>
+    </p:extLst>
+  </p:cSld>
+  <p:clrMapOvr>
+    <a:masterClrMapping/>
+  </p:clrMapOvr>
+</p:notes>
+</file>
+
+<file path=ppt/notesSlides/notesSlide5.xml><?xml version="1.0" encoding="utf-8"?>
+<p:notes xmlns:a="http://schemas.openxmlformats.org/drawingml/2006/main" xmlns:r="http://schemas.openxmlformats.org/officeDocument/2006/relationships" xmlns:p="http://schemas.openxmlformats.org/presentationml/2006/main">
+  <p:cSld>
+    <p:spTree>
+      <p:nvGrpSpPr>
+        <p:cNvPr id="1" name=""/>
+        <p:cNvGrpSpPr/>
+        <p:nvPr/>
+      </p:nvGrpSpPr>
+      <p:grpSpPr>
+        <a:xfrm>
+          <a:off x="0" y="0"/>
+          <a:ext cx="0" cy="0"/>
+          <a:chOff x="0" y="0"/>
+          <a:chExt cx="0" cy="0"/>
+        </a:xfrm>
+      </p:grpSpPr>
+      <p:sp>
+        <p:nvSpPr>
+          <p:cNvPr id="2" name="Slide Image Placeholder 1"/>
+          <p:cNvSpPr>
+            <a:spLocks noGrp="1" noRot="1" noChangeAspect="1"/>
+          </p:cNvSpPr>
+          <p:nvPr>
+            <p:ph type="sldImg"/>
+          </p:nvPr>
+        </p:nvSpPr>
+        <p:spPr/>
+      </p:sp>
+      <p:sp>
+        <p:nvSpPr>
+          <p:cNvPr id="3" name="Notes Placeholder 2"/>
+          <p:cNvSpPr>
+            <a:spLocks noGrp="1"/>
+          </p:cNvSpPr>
+          <p:nvPr>
+            <p:ph type="body" idx="1"/>
+          </p:nvPr>
+        </p:nvSpPr>
+        <p:spPr/>
+        <p:txBody>
+          <a:bodyPr/>
+          <a:lstStyle/>
+          <a:p>
+            <a:r>
+              <a:rPr lang="en-US" dirty="0" smtClean="0"/>
+              <a:t> </a:t>
+            </a:r>
+            <a:r>
+              <a:rPr lang="en-US" dirty="0" err="1" smtClean="0"/>
+              <a:t>Beto</a:t>
+            </a:r>
+            <a:endParaRPr lang="en-US" dirty="0" smtClean="0"/>
+          </a:p>
+        </p:txBody>
+      </p:sp>
+      <p:sp>
+        <p:nvSpPr>
+          <p:cNvPr id="4" name="Slide Number Placeholder 3"/>
+          <p:cNvSpPr>
+            <a:spLocks noGrp="1"/>
+          </p:cNvSpPr>
+          <p:nvPr>
+            <p:ph type="sldNum" sz="quarter" idx="10"/>
+          </p:nvPr>
+        </p:nvSpPr>
+        <p:spPr/>
+        <p:txBody>
+          <a:bodyPr/>
+          <a:lstStyle/>
+          <a:p>
+            <a:fld id="{841221E5-7225-48EB-A4EE-420E7BFCF705}" type="slidenum">
+              <a:rPr lang="es-CR" smtClean="0"/>
+              <a:pPr/>
+              <a:t>5</a:t>
+            </a:fld>
+            <a:endParaRPr lang="es-CR"/>
+          </a:p>
+        </p:txBody>
+      </p:sp>
+    </p:spTree>
+    <p:extLst>
+      <p:ext uri="{BB962C8B-B14F-4D97-AF65-F5344CB8AC3E}">
+        <p14:creationId xmlns:p14="http://schemas.microsoft.com/office/powerpoint/2010/main" val="1277680438"/>
+      </p:ext>
+    </p:extLst>
+  </p:cSld>
+  <p:clrMapOvr>
+    <a:masterClrMapping/>
+  </p:clrMapOvr>
+</p:notes>
+</file>
+
+<file path=ppt/notesSlides/notesSlide50.xml><?xml version="1.0" encoding="utf-8"?>
 <p:notes xmlns:a="http://schemas.openxmlformats.org/drawingml/2006/main" xmlns:r="http://schemas.openxmlformats.org/officeDocument/2006/relationships" xmlns:p="http://schemas.openxmlformats.org/presentationml/2006/main">
   <p:cSld>
     <p:spTree>
@@ -28752,15 +31517,25 @@
           <a:p>
             <a:r>
               <a:rPr lang="es-CR" dirty="0" smtClean="0"/>
+              <a:t>Opcional</a:t>
+            </a:r>
+            <a:br>
+              <a:rPr lang="es-CR" dirty="0" smtClean="0"/>
+            </a:br>
+            <a:r>
+              <a:rPr lang="es-CR" dirty="0" smtClean="0"/>
+              <a:t/>
+            </a:r>
+            <a:br>
+              <a:rPr lang="es-CR" dirty="0" smtClean="0"/>
+            </a:br>
+            <a:r>
+              <a:rPr lang="es-CR" dirty="0" smtClean="0"/>
               <a:t>Usar diapositiva en caso de que consulten por qué</a:t>
             </a:r>
             <a:r>
               <a:rPr lang="es-CR" baseline="0" dirty="0" smtClean="0"/>
-              <a:t> no usar </a:t>
-            </a:r>
-            <a:r>
-              <a:rPr lang="es-CR" baseline="0" smtClean="0"/>
-              <a:t>una existente.</a:t>
+              <a:t> no usar una existente.</a:t>
             </a:r>
             <a:endParaRPr lang="es-CR" dirty="0"/>
           </a:p>
@@ -28784,7 +31559,7 @@
             <a:fld id="{841221E5-7225-48EB-A4EE-420E7BFCF705}" type="slidenum">
               <a:rPr lang="es-CR" smtClean="0"/>
               <a:pPr/>
-              <a:t>52</a:t>
+              <a:t>50</a:t>
             </a:fld>
             <a:endParaRPr lang="es-CR"/>
           </a:p>
@@ -28803,112 +31578,7 @@
 </p:notes>
 </file>
 
-<file path=ppt/notesSlides/notesSlide4.xml><?xml version="1.0" encoding="utf-8"?>
-<p:notes xmlns:a="http://schemas.openxmlformats.org/drawingml/2006/main" xmlns:r="http://schemas.openxmlformats.org/officeDocument/2006/relationships" xmlns:p="http://schemas.openxmlformats.org/presentationml/2006/main">
-  <p:cSld>
-    <p:spTree>
-      <p:nvGrpSpPr>
-        <p:cNvPr id="1" name=""/>
-        <p:cNvGrpSpPr/>
-        <p:nvPr/>
-      </p:nvGrpSpPr>
-      <p:grpSpPr>
-        <a:xfrm>
-          <a:off x="0" y="0"/>
-          <a:ext cx="0" cy="0"/>
-          <a:chOff x="0" y="0"/>
-          <a:chExt cx="0" cy="0"/>
-        </a:xfrm>
-      </p:grpSpPr>
-      <p:sp>
-        <p:nvSpPr>
-          <p:cNvPr id="2" name="Slide Image Placeholder 1"/>
-          <p:cNvSpPr>
-            <a:spLocks noGrp="1" noRot="1" noChangeAspect="1"/>
-          </p:cNvSpPr>
-          <p:nvPr>
-            <p:ph type="sldImg"/>
-          </p:nvPr>
-        </p:nvSpPr>
-        <p:spPr/>
-      </p:sp>
-      <p:sp>
-        <p:nvSpPr>
-          <p:cNvPr id="3" name="Notes Placeholder 2"/>
-          <p:cNvSpPr>
-            <a:spLocks noGrp="1"/>
-          </p:cNvSpPr>
-          <p:nvPr>
-            <p:ph type="body" idx="1"/>
-          </p:nvPr>
-        </p:nvSpPr>
-        <p:spPr/>
-        <p:txBody>
-          <a:bodyPr/>
-          <a:lstStyle/>
-          <a:p>
-            <a:r>
-              <a:rPr lang="es-CR" dirty="0" smtClean="0"/>
-              <a:t>Galardón</a:t>
-            </a:r>
-            <a:r>
-              <a:rPr lang="es-CR" baseline="0" dirty="0" smtClean="0"/>
-              <a:t> </a:t>
-            </a:r>
-            <a:r>
-              <a:rPr lang="es-CR" dirty="0" smtClean="0"/>
-              <a:t>PYME</a:t>
-            </a:r>
-            <a:r>
-              <a:rPr lang="es-CR" baseline="0" dirty="0" smtClean="0"/>
-              <a:t> Joven</a:t>
-            </a:r>
-            <a:r>
-              <a:rPr lang="es-CR" dirty="0" smtClean="0"/>
-              <a:t> 2013</a:t>
-            </a:r>
-            <a:endParaRPr lang="es-CR" dirty="0"/>
-          </a:p>
-        </p:txBody>
-      </p:sp>
-      <p:sp>
-        <p:nvSpPr>
-          <p:cNvPr id="4" name="Slide Number Placeholder 3"/>
-          <p:cNvSpPr>
-            <a:spLocks noGrp="1"/>
-          </p:cNvSpPr>
-          <p:nvPr>
-            <p:ph type="sldNum" sz="quarter" idx="10"/>
-          </p:nvPr>
-        </p:nvSpPr>
-        <p:spPr/>
-        <p:txBody>
-          <a:bodyPr/>
-          <a:lstStyle/>
-          <a:p>
-            <a:fld id="{841221E5-7225-48EB-A4EE-420E7BFCF705}" type="slidenum">
-              <a:rPr lang="es-CR" smtClean="0"/>
-              <a:pPr/>
-              <a:t>7</a:t>
-            </a:fld>
-            <a:endParaRPr lang="es-CR"/>
-          </a:p>
-        </p:txBody>
-      </p:sp>
-    </p:spTree>
-    <p:extLst>
-      <p:ext uri="{BB962C8B-B14F-4D97-AF65-F5344CB8AC3E}">
-        <p14:creationId xmlns:p14="http://schemas.microsoft.com/office/powerpoint/2010/main" val="4215496219"/>
-      </p:ext>
-    </p:extLst>
-  </p:cSld>
-  <p:clrMapOvr>
-    <a:masterClrMapping/>
-  </p:clrMapOvr>
-</p:notes>
-</file>
-
-<file path=ppt/notesSlides/notesSlide5.xml><?xml version="1.0" encoding="utf-8"?>
+<file path=ppt/notesSlides/notesSlide6.xml><?xml version="1.0" encoding="utf-8"?>
 <p:notes xmlns:a="http://schemas.openxmlformats.org/drawingml/2006/main" xmlns:r="http://schemas.openxmlformats.org/officeDocument/2006/relationships" xmlns:p="http://schemas.openxmlformats.org/presentationml/2006/main">
   <p:cSld>
     <p:spTree>
@@ -28952,202 +31622,34 @@
           <a:bodyPr/>
           <a:lstStyle/>
           <a:p>
-            <a:pPr marL="0" marR="0" indent="0" algn="l" defTabSz="914400" rtl="0" eaLnBrk="1" fontAlgn="auto" latinLnBrk="0" hangingPunct="1">
-              <a:lnSpc>
-                <a:spcPct val="100000"/>
-              </a:lnSpc>
-              <a:spcBef>
-                <a:spcPts val="0"/>
-              </a:spcBef>
-              <a:spcAft>
-                <a:spcPts val="0"/>
-              </a:spcAft>
-              <a:buClrTx/>
-              <a:buSzTx/>
-              <a:buFontTx/>
-              <a:buNone/>
-              <a:tabLst/>
-              <a:defRPr/>
-            </a:pPr>
-            <a:r>
-              <a:rPr lang="es-CR" sz="1200" kern="1200" dirty="0" smtClean="0">
-                <a:solidFill>
-                  <a:schemeClr val="tx2"/>
-                </a:solidFill>
-                <a:effectLst/>
-                <a:latin typeface="+mn-lt"/>
-                <a:ea typeface="+mn-ea"/>
-                <a:cs typeface="+mn-cs"/>
-              </a:rPr>
-              <a:t>Necesidad: La clínica </a:t>
-            </a:r>
-            <a:r>
-              <a:rPr lang="es-CR" sz="1200" kern="1200" dirty="0" err="1" smtClean="0">
-                <a:solidFill>
-                  <a:schemeClr val="tx2"/>
-                </a:solidFill>
-                <a:effectLst/>
-                <a:latin typeface="+mn-lt"/>
-                <a:ea typeface="+mn-ea"/>
-                <a:cs typeface="+mn-cs"/>
-              </a:rPr>
-              <a:t>Audinsa</a:t>
-            </a:r>
-            <a:r>
-              <a:rPr lang="es-CR" sz="1200" kern="1200" dirty="0" smtClean="0">
-                <a:solidFill>
-                  <a:schemeClr val="tx2"/>
-                </a:solidFill>
-                <a:effectLst/>
-                <a:latin typeface="+mn-lt"/>
-                <a:ea typeface="+mn-ea"/>
-                <a:cs typeface="+mn-cs"/>
-              </a:rPr>
-              <a:t> tiene la necesidad de incorporar la tecnología móvil para apoyar su misión y visión, y así mejorar el servicio que brinda, permitiendo a las personas realizar de manera personalizada, un diagnóstico sobre su estado auditivo, dándole al negocio la oportunidad de atraer clientes.</a:t>
-            </a:r>
+            <a:r>
+              <a:rPr lang="en-US" dirty="0" err="1" smtClean="0"/>
+              <a:t>Beto</a:t>
+            </a:r>
+            <a:endParaRPr lang="en-US" dirty="0" smtClean="0"/>
           </a:p>
           <a:p>
-            <a:pPr marL="0" marR="0" indent="0" algn="l" defTabSz="914400" rtl="0" eaLnBrk="1" fontAlgn="auto" latinLnBrk="0" hangingPunct="1">
-              <a:lnSpc>
-                <a:spcPct val="100000"/>
-              </a:lnSpc>
-              <a:spcBef>
-                <a:spcPts val="0"/>
-              </a:spcBef>
-              <a:spcAft>
-                <a:spcPts val="0"/>
-              </a:spcAft>
-              <a:buClrTx/>
-              <a:buSzTx/>
-              <a:buFontTx/>
-              <a:buNone/>
-              <a:tabLst/>
-              <a:defRPr/>
-            </a:pPr>
-            <a:endParaRPr lang="es-CR" sz="1200" kern="1200" dirty="0" smtClean="0">
-              <a:solidFill>
-                <a:schemeClr val="tx2"/>
-              </a:solidFill>
-              <a:effectLst/>
-              <a:latin typeface="+mn-lt"/>
-              <a:ea typeface="+mn-ea"/>
-              <a:cs typeface="+mn-cs"/>
-            </a:endParaRPr>
-          </a:p>
-          <a:p>
-            <a:pPr marL="0" marR="0" indent="0" algn="l" defTabSz="914400" rtl="0" eaLnBrk="1" fontAlgn="auto" latinLnBrk="0" hangingPunct="1">
-              <a:lnSpc>
-                <a:spcPct val="100000"/>
-              </a:lnSpc>
-              <a:spcBef>
-                <a:spcPts val="0"/>
-              </a:spcBef>
-              <a:spcAft>
-                <a:spcPts val="0"/>
-              </a:spcAft>
-              <a:buClrTx/>
-              <a:buSzTx/>
-              <a:buFontTx/>
-              <a:buNone/>
-              <a:tabLst/>
-              <a:defRPr/>
-            </a:pPr>
-            <a:r>
-              <a:rPr lang="es-CR" sz="1200" kern="1200" dirty="0" smtClean="0">
-                <a:solidFill>
-                  <a:schemeClr val="tx2"/>
-                </a:solidFill>
-                <a:effectLst/>
-                <a:latin typeface="+mn-lt"/>
-                <a:ea typeface="+mn-ea"/>
-                <a:cs typeface="+mn-cs"/>
-              </a:rPr>
-              <a:t>Justificación:</a:t>
-            </a:r>
-          </a:p>
-          <a:p>
-            <a:pPr marL="0" marR="0" indent="0" algn="l" defTabSz="914400" rtl="0" eaLnBrk="1" fontAlgn="auto" latinLnBrk="0" hangingPunct="1">
-              <a:lnSpc>
-                <a:spcPct val="100000"/>
-              </a:lnSpc>
-              <a:spcBef>
-                <a:spcPts val="0"/>
-              </a:spcBef>
-              <a:spcAft>
-                <a:spcPts val="0"/>
-              </a:spcAft>
-              <a:buClrTx/>
-              <a:buSzTx/>
-              <a:buFontTx/>
-              <a:buNone/>
-              <a:tabLst/>
-              <a:defRPr/>
-            </a:pPr>
-            <a:r>
-              <a:rPr lang="es-CR" sz="1200" kern="1200" dirty="0" smtClean="0">
-                <a:solidFill>
-                  <a:schemeClr val="tx2"/>
-                </a:solidFill>
-                <a:effectLst/>
-                <a:latin typeface="+mn-lt"/>
-                <a:ea typeface="+mn-ea"/>
-                <a:cs typeface="+mn-cs"/>
-              </a:rPr>
-              <a:t>Las empresas que brindan servicios de atención auditiva existen en un mercado competitivo, en donde la población, en general, carece de conocimiento de esta área de la salud. Por ello, se origina la idea de crear una aplicación móvil, la cual, mediante un test de audición, debe permitir al usuario realizar una prueba sin costo y de fácil acceso, apoyando la labor de la Clínica </a:t>
-            </a:r>
-            <a:r>
-              <a:rPr lang="es-CR" sz="1200" kern="1200" dirty="0" err="1" smtClean="0">
-                <a:solidFill>
-                  <a:schemeClr val="tx2"/>
-                </a:solidFill>
-                <a:effectLst/>
-                <a:latin typeface="+mn-lt"/>
-                <a:ea typeface="+mn-ea"/>
-                <a:cs typeface="+mn-cs"/>
-              </a:rPr>
-              <a:t>Audinsa</a:t>
-            </a:r>
-            <a:r>
-              <a:rPr lang="es-CR" sz="1200" kern="1200" dirty="0" smtClean="0">
-                <a:solidFill>
-                  <a:schemeClr val="tx2"/>
-                </a:solidFill>
-                <a:effectLst/>
-                <a:latin typeface="+mn-lt"/>
-                <a:ea typeface="+mn-ea"/>
-                <a:cs typeface="+mn-cs"/>
-              </a:rPr>
-              <a:t> en su función de educar y cuidar la salud auditiva de las personas.</a:t>
-            </a:r>
-            <a:endParaRPr lang="es-CR" dirty="0" smtClean="0"/>
-          </a:p>
-          <a:p>
-            <a:pPr marL="0" marR="0" indent="0" algn="l" defTabSz="914400" rtl="0" eaLnBrk="1" fontAlgn="auto" latinLnBrk="0" hangingPunct="1">
-              <a:lnSpc>
-                <a:spcPct val="100000"/>
-              </a:lnSpc>
-              <a:spcBef>
-                <a:spcPts val="0"/>
-              </a:spcBef>
-              <a:spcAft>
-                <a:spcPts val="0"/>
-              </a:spcAft>
-              <a:buClrTx/>
-              <a:buSzTx/>
-              <a:buFontTx/>
-              <a:buNone/>
-              <a:tabLst/>
-              <a:defRPr/>
-            </a:pPr>
-            <a:endParaRPr lang="es-CR" sz="1200" kern="1200" dirty="0" smtClean="0">
-              <a:solidFill>
-                <a:schemeClr val="tx2"/>
-              </a:solidFill>
-              <a:effectLst/>
-              <a:latin typeface="+mn-lt"/>
-              <a:ea typeface="+mn-ea"/>
-              <a:cs typeface="+mn-cs"/>
-            </a:endParaRPr>
+            <a:r>
+              <a:rPr lang="en-US" dirty="0" err="1" smtClean="0"/>
+              <a:t>Ver</a:t>
+            </a:r>
+            <a:r>
+              <a:rPr lang="en-US" dirty="0" smtClean="0"/>
+              <a:t> </a:t>
+            </a:r>
+            <a:r>
+              <a:rPr lang="en-US" dirty="0" err="1" smtClean="0"/>
+              <a:t>resaltes</a:t>
+            </a:r>
+            <a:r>
+              <a:rPr lang="en-US" dirty="0" smtClean="0"/>
+              <a:t> en </a:t>
+            </a:r>
+            <a:r>
+              <a:rPr lang="en-US" dirty="0" err="1" smtClean="0"/>
+              <a:t>negrita</a:t>
+            </a:r>
+            <a:endParaRPr lang="es-CR" dirty="0"/>
           </a:p>
         </p:txBody>
       </p:sp>
@@ -29169,7 +31671,7 @@
             <a:fld id="{841221E5-7225-48EB-A4EE-420E7BFCF705}" type="slidenum">
               <a:rPr lang="es-CR" smtClean="0"/>
               <a:pPr/>
-              <a:t>9</a:t>
+              <a:t>6</a:t>
             </a:fld>
             <a:endParaRPr lang="es-CR"/>
           </a:p>
@@ -29178,92 +31680,7 @@
     </p:spTree>
     <p:extLst>
       <p:ext uri="{BB962C8B-B14F-4D97-AF65-F5344CB8AC3E}">
-        <p14:creationId xmlns:p14="http://schemas.microsoft.com/office/powerpoint/2010/main" val="376186962"/>
-      </p:ext>
-    </p:extLst>
-  </p:cSld>
-  <p:clrMapOvr>
-    <a:masterClrMapping/>
-  </p:clrMapOvr>
-</p:notes>
-</file>
-
-<file path=ppt/notesSlides/notesSlide6.xml><?xml version="1.0" encoding="utf-8"?>
-<p:notes xmlns:a="http://schemas.openxmlformats.org/drawingml/2006/main" xmlns:r="http://schemas.openxmlformats.org/officeDocument/2006/relationships" xmlns:p="http://schemas.openxmlformats.org/presentationml/2006/main">
-  <p:cSld>
-    <p:spTree>
-      <p:nvGrpSpPr>
-        <p:cNvPr id="1" name=""/>
-        <p:cNvGrpSpPr/>
-        <p:nvPr/>
-      </p:nvGrpSpPr>
-      <p:grpSpPr>
-        <a:xfrm>
-          <a:off x="0" y="0"/>
-          <a:ext cx="0" cy="0"/>
-          <a:chOff x="0" y="0"/>
-          <a:chExt cx="0" cy="0"/>
-        </a:xfrm>
-      </p:grpSpPr>
-      <p:sp>
-        <p:nvSpPr>
-          <p:cNvPr id="2" name="Slide Image Placeholder 1"/>
-          <p:cNvSpPr>
-            <a:spLocks noGrp="1" noRot="1" noChangeAspect="1"/>
-          </p:cNvSpPr>
-          <p:nvPr>
-            <p:ph type="sldImg"/>
-          </p:nvPr>
-        </p:nvSpPr>
-        <p:spPr/>
-      </p:sp>
-      <p:sp>
-        <p:nvSpPr>
-          <p:cNvPr id="3" name="Notes Placeholder 2"/>
-          <p:cNvSpPr>
-            <a:spLocks noGrp="1"/>
-          </p:cNvSpPr>
-          <p:nvPr>
-            <p:ph type="body" idx="1"/>
-          </p:nvPr>
-        </p:nvSpPr>
-        <p:spPr/>
-        <p:txBody>
-          <a:bodyPr/>
-          <a:lstStyle/>
-          <a:p>
-            <a:endParaRPr lang="es-CR" dirty="0"/>
-          </a:p>
-        </p:txBody>
-      </p:sp>
-      <p:sp>
-        <p:nvSpPr>
-          <p:cNvPr id="4" name="Slide Number Placeholder 3"/>
-          <p:cNvSpPr>
-            <a:spLocks noGrp="1"/>
-          </p:cNvSpPr>
-          <p:nvPr>
-            <p:ph type="sldNum" sz="quarter" idx="10"/>
-          </p:nvPr>
-        </p:nvSpPr>
-        <p:spPr/>
-        <p:txBody>
-          <a:bodyPr/>
-          <a:lstStyle/>
-          <a:p>
-            <a:fld id="{841221E5-7225-48EB-A4EE-420E7BFCF705}" type="slidenum">
-              <a:rPr lang="es-CR" smtClean="0"/>
-              <a:pPr/>
-              <a:t>11</a:t>
-            </a:fld>
-            <a:endParaRPr lang="es-CR"/>
-          </a:p>
-        </p:txBody>
-      </p:sp>
-    </p:spTree>
-    <p:extLst>
-      <p:ext uri="{BB962C8B-B14F-4D97-AF65-F5344CB8AC3E}">
-        <p14:creationId xmlns:p14="http://schemas.microsoft.com/office/powerpoint/2010/main" val="1984334387"/>
+        <p14:creationId xmlns:p14="http://schemas.microsoft.com/office/powerpoint/2010/main" val="1733161894"/>
       </p:ext>
     </p:extLst>
   </p:cSld>
@@ -29318,8 +31735,31 @@
           <a:lstStyle/>
           <a:p>
             <a:r>
+              <a:rPr lang="en-US" dirty="0" err="1" smtClean="0"/>
+              <a:t>Beto</a:t>
+            </a:r>
+            <a:endParaRPr lang="es-CR" dirty="0" smtClean="0"/>
+          </a:p>
+          <a:p>
+            <a:r>
               <a:rPr lang="es-CR" dirty="0" smtClean="0"/>
-              <a:t>Esto es lo importante a destacar de la aplicación.</a:t>
+              <a:t>Galardón</a:t>
+            </a:r>
+            <a:r>
+              <a:rPr lang="es-CR" baseline="0" dirty="0" smtClean="0"/>
+              <a:t> </a:t>
+            </a:r>
+            <a:r>
+              <a:rPr lang="es-CR" dirty="0" smtClean="0"/>
+              <a:t>PYME</a:t>
+            </a:r>
+            <a:r>
+              <a:rPr lang="es-CR" baseline="0" dirty="0" smtClean="0"/>
+              <a:t> Joven</a:t>
+            </a:r>
+            <a:r>
+              <a:rPr lang="es-CR" dirty="0" smtClean="0"/>
+              <a:t> 2013</a:t>
             </a:r>
             <a:endParaRPr lang="es-CR" dirty="0"/>
           </a:p>
@@ -29343,7 +31783,7 @@
             <a:fld id="{841221E5-7225-48EB-A4EE-420E7BFCF705}" type="slidenum">
               <a:rPr lang="es-CR" smtClean="0"/>
               <a:pPr/>
-              <a:t>12</a:t>
+              <a:t>7</a:t>
             </a:fld>
             <a:endParaRPr lang="es-CR"/>
           </a:p>
@@ -29352,7 +31792,7 @@
     </p:spTree>
     <p:extLst>
       <p:ext uri="{BB962C8B-B14F-4D97-AF65-F5344CB8AC3E}">
-        <p14:creationId xmlns:p14="http://schemas.microsoft.com/office/powerpoint/2010/main" val="3248266478"/>
+        <p14:creationId xmlns:p14="http://schemas.microsoft.com/office/powerpoint/2010/main" val="4215496219"/>
       </p:ext>
     </p:extLst>
   </p:cSld>
@@ -29407,9 +31847,12 @@
           <a:lstStyle/>
           <a:p>
             <a:r>
-              <a:rPr lang="es-CR" dirty="0" smtClean="0"/>
-              <a:t>Esto es lo importante a destacar de la aplicación.</a:t>
-            </a:r>
+              <a:rPr lang="en-US" dirty="0" err="1" smtClean="0"/>
+              <a:t>Beto</a:t>
+            </a:r>
+            <a:endParaRPr lang="en-US" dirty="0" smtClean="0"/>
+          </a:p>
+          <a:p>
             <a:endParaRPr lang="es-CR" dirty="0"/>
           </a:p>
         </p:txBody>
@@ -29432,7 +31875,7 @@
             <a:fld id="{841221E5-7225-48EB-A4EE-420E7BFCF705}" type="slidenum">
               <a:rPr lang="es-CR" smtClean="0"/>
               <a:pPr/>
-              <a:t>13</a:t>
+              <a:t>8</a:t>
             </a:fld>
             <a:endParaRPr lang="es-CR"/>
           </a:p>
@@ -29441,7 +31884,7 @@
     </p:spTree>
     <p:extLst>
       <p:ext uri="{BB962C8B-B14F-4D97-AF65-F5344CB8AC3E}">
-        <p14:creationId xmlns:p14="http://schemas.microsoft.com/office/powerpoint/2010/main" val="3248266478"/>
+        <p14:creationId xmlns:p14="http://schemas.microsoft.com/office/powerpoint/2010/main" val="3336424634"/>
       </p:ext>
     </p:extLst>
   </p:cSld>
@@ -29513,7 +31956,7 @@
               <a:defRPr/>
             </a:pPr>
             <a:r>
-              <a:rPr lang="es-CR" sz="1200" u="none" kern="1200" dirty="0" smtClean="0">
+              <a:rPr lang="en-US" sz="1200" kern="1200" dirty="0" err="1" smtClean="0">
                 <a:solidFill>
                   <a:schemeClr val="tx2"/>
                 </a:solidFill>
@@ -29522,148 +31965,9 @@
                 <a:ea typeface="+mn-ea"/>
                 <a:cs typeface="+mn-cs"/>
               </a:rPr>
-              <a:t>1, Entre ellas </a:t>
-            </a:r>
-            <a:r>
-              <a:rPr lang="es-CR" sz="1200" u="none" kern="1200" dirty="0" err="1" smtClean="0">
-                <a:solidFill>
-                  <a:schemeClr val="tx2"/>
-                </a:solidFill>
-                <a:effectLst/>
-                <a:latin typeface="+mn-lt"/>
-                <a:ea typeface="+mn-ea"/>
-                <a:cs typeface="+mn-cs"/>
-              </a:rPr>
-              <a:t>symbian</a:t>
-            </a:r>
-            <a:r>
-              <a:rPr lang="es-CR" sz="1200" u="none" kern="1200" dirty="0" smtClean="0">
-                <a:solidFill>
-                  <a:schemeClr val="tx2"/>
-                </a:solidFill>
-                <a:effectLst/>
-                <a:latin typeface="+mn-lt"/>
-                <a:ea typeface="+mn-ea"/>
-                <a:cs typeface="+mn-cs"/>
-              </a:rPr>
-              <a:t>, </a:t>
-            </a:r>
-            <a:r>
-              <a:rPr lang="es-CR" sz="1200" u="none" kern="1200" dirty="0" err="1" smtClean="0">
-                <a:solidFill>
-                  <a:schemeClr val="tx2"/>
-                </a:solidFill>
-                <a:effectLst/>
-                <a:latin typeface="+mn-lt"/>
-                <a:ea typeface="+mn-ea"/>
-                <a:cs typeface="+mn-cs"/>
-              </a:rPr>
-              <a:t>windows</a:t>
-            </a:r>
-            <a:r>
-              <a:rPr lang="es-CR" sz="1200" u="none" kern="1200" dirty="0" smtClean="0">
-                <a:solidFill>
-                  <a:schemeClr val="tx2"/>
-                </a:solidFill>
-                <a:effectLst/>
-                <a:latin typeface="+mn-lt"/>
-                <a:ea typeface="+mn-ea"/>
-                <a:cs typeface="+mn-cs"/>
-              </a:rPr>
-              <a:t> </a:t>
-            </a:r>
-            <a:r>
-              <a:rPr lang="es-CR" sz="1200" u="none" kern="1200" dirty="0" err="1" smtClean="0">
-                <a:solidFill>
-                  <a:schemeClr val="tx2"/>
-                </a:solidFill>
-                <a:effectLst/>
-                <a:latin typeface="+mn-lt"/>
-                <a:ea typeface="+mn-ea"/>
-                <a:cs typeface="+mn-cs"/>
-              </a:rPr>
-              <a:t>mobile</a:t>
-            </a:r>
-            <a:r>
-              <a:rPr lang="es-CR" sz="1200" u="none" kern="1200" dirty="0" smtClean="0">
-                <a:solidFill>
-                  <a:schemeClr val="tx2"/>
-                </a:solidFill>
-                <a:effectLst/>
-                <a:latin typeface="+mn-lt"/>
-                <a:ea typeface="+mn-ea"/>
-                <a:cs typeface="+mn-cs"/>
-              </a:rPr>
-              <a:t>,  </a:t>
-            </a:r>
-            <a:r>
-              <a:rPr lang="es-CR" sz="1200" u="none" kern="1200" dirty="0" err="1" smtClean="0">
-                <a:solidFill>
-                  <a:schemeClr val="tx2"/>
-                </a:solidFill>
-                <a:effectLst/>
-                <a:latin typeface="+mn-lt"/>
-                <a:ea typeface="+mn-ea"/>
-                <a:cs typeface="+mn-cs"/>
-              </a:rPr>
-              <a:t>ios</a:t>
-            </a:r>
-            <a:r>
-              <a:rPr lang="es-CR" sz="1200" u="none" kern="1200" dirty="0" smtClean="0">
-                <a:solidFill>
-                  <a:schemeClr val="tx2"/>
-                </a:solidFill>
-                <a:effectLst/>
-                <a:latin typeface="+mn-lt"/>
-                <a:ea typeface="+mn-ea"/>
-                <a:cs typeface="+mn-cs"/>
-              </a:rPr>
-              <a:t>,</a:t>
-            </a:r>
-            <a:r>
-              <a:rPr lang="es-CR" sz="1200" u="none" kern="1200" baseline="0" dirty="0" smtClean="0">
-                <a:solidFill>
-                  <a:schemeClr val="tx2"/>
-                </a:solidFill>
-                <a:effectLst/>
-                <a:latin typeface="+mn-lt"/>
-                <a:ea typeface="+mn-ea"/>
-                <a:cs typeface="+mn-cs"/>
-              </a:rPr>
-              <a:t> </a:t>
-            </a:r>
-            <a:r>
-              <a:rPr lang="es-CR" sz="1200" kern="1200" dirty="0" smtClean="0">
-                <a:solidFill>
-                  <a:schemeClr val="tx2"/>
-                </a:solidFill>
-                <a:effectLst/>
-                <a:latin typeface="+mn-lt"/>
-                <a:ea typeface="+mn-ea"/>
-                <a:cs typeface="+mn-cs"/>
-              </a:rPr>
-              <a:t>Android sea en código abierto y, además, sea posible realizar el desarrollo en lenguaje Java permite inclinarse.</a:t>
-            </a:r>
-          </a:p>
-          <a:p>
-            <a:pPr marL="0" marR="0" indent="0" algn="l" defTabSz="914400" rtl="0" eaLnBrk="1" fontAlgn="auto" latinLnBrk="0" hangingPunct="1">
-              <a:lnSpc>
-                <a:spcPct val="100000"/>
-              </a:lnSpc>
-              <a:spcBef>
-                <a:spcPts val="0"/>
-              </a:spcBef>
-              <a:spcAft>
-                <a:spcPts val="0"/>
-              </a:spcAft>
-              <a:buClrTx/>
-              <a:buSzTx/>
-              <a:buFontTx/>
-              <a:buNone/>
-              <a:tabLst/>
-              <a:defRPr/>
-            </a:pPr>
-            <a:endParaRPr lang="es-CR" sz="1200" u="none" kern="1200" dirty="0" smtClean="0">
+              <a:t>Beto</a:t>
+            </a:r>
+            <a:endParaRPr lang="en-US" sz="1200" kern="1200" dirty="0" smtClean="0">
               <a:solidFill>
                 <a:schemeClr val="tx2"/>
               </a:solidFill>
@@ -29691,182 +31995,7 @@
               <a:tabLst/>
               <a:defRPr/>
             </a:pPr>
-            <a:r>
-              <a:rPr lang="es-CR" sz="1200" u="none" kern="1200" dirty="0" smtClean="0">
-                <a:solidFill>
-                  <a:schemeClr val="tx2"/>
-                </a:solidFill>
-                <a:effectLst/>
-                <a:latin typeface="+mn-lt"/>
-                <a:ea typeface="+mn-ea"/>
-                <a:cs typeface="+mn-cs"/>
-              </a:rPr>
-              <a:t>2,</a:t>
-            </a:r>
-            <a:r>
-              <a:rPr lang="es-CR" sz="1200" u="none" kern="1200" baseline="0" dirty="0" smtClean="0">
-                <a:solidFill>
-                  <a:schemeClr val="tx2"/>
-                </a:solidFill>
-                <a:effectLst/>
-                <a:latin typeface="+mn-lt"/>
-                <a:ea typeface="+mn-ea"/>
-                <a:cs typeface="+mn-cs"/>
-              </a:rPr>
-              <a:t> </a:t>
-            </a:r>
-            <a:r>
-              <a:rPr lang="es-ES" sz="1200" kern="1200" dirty="0" smtClean="0">
-                <a:solidFill>
-                  <a:schemeClr val="tx2"/>
-                </a:solidFill>
-                <a:effectLst/>
-                <a:latin typeface="+mn-lt"/>
-                <a:ea typeface="+mn-ea"/>
-                <a:cs typeface="+mn-cs"/>
-              </a:rPr>
-              <a:t>Servicio </a:t>
-            </a:r>
-            <a:r>
-              <a:rPr lang="es-ES" sz="1200" kern="1200" dirty="0" err="1" smtClean="0">
-                <a:solidFill>
-                  <a:schemeClr val="tx2"/>
-                </a:solidFill>
-                <a:effectLst/>
-                <a:latin typeface="+mn-lt"/>
-                <a:ea typeface="+mn-ea"/>
-                <a:cs typeface="+mn-cs"/>
-              </a:rPr>
-              <a:t>gratuito,licencias</a:t>
-            </a:r>
-            <a:r>
-              <a:rPr lang="es-ES" sz="1200" kern="1200" dirty="0" smtClean="0">
-                <a:solidFill>
-                  <a:schemeClr val="tx2"/>
-                </a:solidFill>
-                <a:effectLst/>
-                <a:latin typeface="+mn-lt"/>
-                <a:ea typeface="+mn-ea"/>
-                <a:cs typeface="+mn-cs"/>
-              </a:rPr>
-              <a:t> </a:t>
-            </a:r>
-            <a:r>
-              <a:rPr lang="es-ES" sz="1200" i="1" kern="1200" dirty="0" err="1" smtClean="0">
-                <a:solidFill>
-                  <a:schemeClr val="tx2"/>
-                </a:solidFill>
-                <a:effectLst/>
-                <a:latin typeface="+mn-lt"/>
-                <a:ea typeface="+mn-ea"/>
-                <a:cs typeface="+mn-cs"/>
-              </a:rPr>
-              <a:t>freeware</a:t>
-            </a:r>
-            <a:r>
-              <a:rPr lang="es-ES" sz="1200" i="1" kern="1200" dirty="0" smtClean="0">
-                <a:solidFill>
-                  <a:schemeClr val="tx2"/>
-                </a:solidFill>
-                <a:effectLst/>
-                <a:latin typeface="+mn-lt"/>
-                <a:ea typeface="+mn-ea"/>
-                <a:cs typeface="+mn-cs"/>
-              </a:rPr>
-              <a:t>,</a:t>
-            </a:r>
-            <a:r>
-              <a:rPr lang="es-ES" sz="1200" i="1" kern="1200" baseline="0" dirty="0" smtClean="0">
-                <a:solidFill>
-                  <a:schemeClr val="tx2"/>
-                </a:solidFill>
-                <a:effectLst/>
-                <a:latin typeface="+mn-lt"/>
-                <a:ea typeface="+mn-ea"/>
-                <a:cs typeface="+mn-cs"/>
-              </a:rPr>
-              <a:t> E</a:t>
-            </a:r>
-            <a:r>
-              <a:rPr lang="es-ES" sz="1200" i="1" kern="1200" dirty="0" smtClean="0">
-                <a:solidFill>
-                  <a:schemeClr val="tx2"/>
-                </a:solidFill>
-                <a:effectLst/>
-                <a:latin typeface="+mn-lt"/>
-                <a:ea typeface="+mn-ea"/>
-                <a:cs typeface="+mn-cs"/>
-              </a:rPr>
-              <a:t>quipos  requeridos con los que se cuentan para desarrollar. Factibilidad</a:t>
-            </a:r>
-            <a:r>
-              <a:rPr lang="es-ES" sz="1200" i="1" kern="1200" baseline="0" dirty="0" smtClean="0">
-                <a:solidFill>
-                  <a:schemeClr val="tx2"/>
-                </a:solidFill>
-                <a:effectLst/>
-                <a:latin typeface="+mn-lt"/>
-                <a:ea typeface="+mn-ea"/>
-                <a:cs typeface="+mn-cs"/>
-              </a:rPr>
-              <a:t> operativa y </a:t>
-            </a:r>
-            <a:r>
-              <a:rPr lang="es-ES" sz="1200" i="1" kern="1200" baseline="0" dirty="0" err="1" smtClean="0">
-                <a:solidFill>
-                  <a:schemeClr val="tx2"/>
-                </a:solidFill>
-                <a:effectLst/>
-                <a:latin typeface="+mn-lt"/>
-                <a:ea typeface="+mn-ea"/>
-                <a:cs typeface="+mn-cs"/>
-              </a:rPr>
-              <a:t>tecnica</a:t>
-            </a:r>
-            <a:r>
-              <a:rPr lang="es-ES" sz="1200" i="1" kern="1200" baseline="0" dirty="0" smtClean="0">
-                <a:solidFill>
-                  <a:schemeClr val="tx2"/>
-                </a:solidFill>
-                <a:effectLst/>
-                <a:latin typeface="+mn-lt"/>
-                <a:ea typeface="+mn-ea"/>
-                <a:cs typeface="+mn-cs"/>
-              </a:rPr>
-              <a:t>. Operativa </a:t>
-            </a:r>
-            <a:r>
-              <a:rPr lang="es-CR" sz="1200" kern="1200" dirty="0" smtClean="0">
-                <a:solidFill>
-                  <a:schemeClr val="tx2"/>
-                </a:solidFill>
-                <a:effectLst/>
-                <a:latin typeface="+mn-lt"/>
-                <a:ea typeface="+mn-ea"/>
-                <a:cs typeface="+mn-cs"/>
-              </a:rPr>
-              <a:t>El personal de la clínica no tiene que capacitarse en ningún aspecto, ya que la aplicación proveerá un servicio diseñado por ellos mismos, siendo esta bastante intuitiva para el usuario. La información generada por la herramienta será manejada por el personal vía correo electrónico y la política de respaldo de información queda en manos del personal de la clínica.</a:t>
-            </a:r>
-          </a:p>
-          <a:p>
-            <a:pPr marL="0" marR="0" indent="0" algn="l" defTabSz="914400" rtl="0" eaLnBrk="1" fontAlgn="auto" latinLnBrk="0" hangingPunct="1">
-              <a:lnSpc>
-                <a:spcPct val="100000"/>
-              </a:lnSpc>
-              <a:spcBef>
-                <a:spcPts val="0"/>
-              </a:spcBef>
-              <a:spcAft>
-                <a:spcPts val="0"/>
-              </a:spcAft>
-              <a:buClrTx/>
-              <a:buSzTx/>
-              <a:buFontTx/>
-              <a:buNone/>
-              <a:tabLst/>
-              <a:defRPr/>
-            </a:pPr>
-            <a:endParaRPr lang="es-ES" sz="1200" i="1" kern="1200" dirty="0" smtClean="0">
+            <a:endParaRPr lang="es-CR" sz="1200" kern="1200" dirty="0" smtClean="0">
               <a:solidFill>
                 <a:schemeClr val="tx2"/>
               </a:solidFill>
@@ -29894,7 +32023,62 @@
               <a:tabLst/>
               <a:defRPr/>
             </a:pPr>
-            <a:endParaRPr lang="es-CR" sz="1200" u="none" kern="1200" dirty="0" smtClean="0">
+            <a:r>
+              <a:rPr lang="es-CR" sz="1200" kern="1200" dirty="0" smtClean="0">
+                <a:solidFill>
+                  <a:schemeClr val="tx2"/>
+                </a:solidFill>
+                <a:effectLst/>
+                <a:latin typeface="+mn-lt"/>
+                <a:ea typeface="+mn-ea"/>
+                <a:cs typeface="+mn-cs"/>
+              </a:rPr>
+              <a:t>Necesidad: La clínica </a:t>
+            </a:r>
+            <a:r>
+              <a:rPr lang="es-CR" sz="1200" kern="1200" dirty="0" err="1" smtClean="0">
+                <a:solidFill>
+                  <a:schemeClr val="tx2"/>
+                </a:solidFill>
+                <a:effectLst/>
+                <a:latin typeface="+mn-lt"/>
+                <a:ea typeface="+mn-ea"/>
+                <a:cs typeface="+mn-cs"/>
+              </a:rPr>
+              <a:t>Audinsa</a:t>
+            </a:r>
+            <a:r>
+              <a:rPr lang="es-CR" sz="1200" kern="1200" dirty="0" smtClean="0">
+                <a:solidFill>
+                  <a:schemeClr val="tx2"/>
+                </a:solidFill>
+                <a:effectLst/>
+                <a:latin typeface="+mn-lt"/>
+                <a:ea typeface="+mn-ea"/>
+                <a:cs typeface="+mn-cs"/>
+              </a:rPr>
+              <a:t> tiene la necesidad de incorporar la tecnología móvil para apoyar su misión y visión, y así mejorar el servicio que brinda, permitiendo a las personas realizar de manera personalizada, un diagnóstico sobre su estado auditivo, dándole al negocio la oportunidad de atraer clientes.</a:t>
+            </a:r>
+          </a:p>
+          <a:p>
+            <a:pPr marL="0" marR="0" indent="0" algn="l" defTabSz="914400" rtl="0" eaLnBrk="1" fontAlgn="auto" latinLnBrk="0" hangingPunct="1">
+              <a:lnSpc>
+                <a:spcPct val="100000"/>
+              </a:lnSpc>
+              <a:spcBef>
+                <a:spcPts val="0"/>
+              </a:spcBef>
+              <a:spcAft>
+                <a:spcPts val="0"/>
+              </a:spcAft>
+              <a:buClrTx/>
+              <a:buSzTx/>
+              <a:buFontTx/>
+              <a:buNone/>
+              <a:tabLst/>
+              <a:defRPr/>
+            </a:pPr>
+            <a:endParaRPr lang="en-US" sz="1200" kern="1200" dirty="0" smtClean="0">
               <a:solidFill>
                 <a:schemeClr val="tx2"/>
               </a:solidFill>
@@ -29923,7 +32107,7 @@
               <a:defRPr/>
             </a:pPr>
             <a:r>
-              <a:rPr lang="es-CR" sz="1200" u="none" kern="1200" baseline="0" dirty="0" smtClean="0">
+              <a:rPr lang="en-US" sz="1200" kern="1200" dirty="0" err="1" smtClean="0">
                 <a:solidFill>
                   <a:schemeClr val="tx2"/>
                 </a:solidFill>
@@ -29932,215 +32116,17 @@
                 <a:ea typeface="+mn-ea"/>
                 <a:cs typeface="+mn-cs"/>
               </a:rPr>
-              <a:t>3, investigación artículos de </a:t>
-            </a:r>
-            <a:r>
-              <a:rPr lang="es-CR" sz="1200" u="none" kern="1200" baseline="0" dirty="0" err="1" smtClean="0">
-                <a:solidFill>
-                  <a:schemeClr val="tx2"/>
-                </a:solidFill>
-                <a:effectLst/>
-                <a:latin typeface="+mn-lt"/>
-                <a:ea typeface="+mn-ea"/>
-                <a:cs typeface="+mn-cs"/>
-              </a:rPr>
-              <a:t>statcounter</a:t>
-            </a:r>
-            <a:r>
-              <a:rPr lang="es-CR" sz="1200" u="none" kern="1200" baseline="0" dirty="0" smtClean="0">
-                <a:solidFill>
-                  <a:schemeClr val="tx2"/>
-                </a:solidFill>
-                <a:effectLst/>
-                <a:latin typeface="+mn-lt"/>
-                <a:ea typeface="+mn-ea"/>
-                <a:cs typeface="+mn-cs"/>
-              </a:rPr>
-              <a:t> dedicada al análisis de visitas web, permite </a:t>
-            </a:r>
-            <a:r>
-              <a:rPr lang="es-CR" sz="1200" kern="1200" dirty="0" smtClean="0">
-                <a:solidFill>
-                  <a:schemeClr val="tx2"/>
-                </a:solidFill>
-                <a:effectLst/>
-                <a:latin typeface="+mn-lt"/>
-                <a:ea typeface="+mn-ea"/>
-                <a:cs typeface="+mn-cs"/>
-              </a:rPr>
-              <a:t>obtener estadísticas relevantes acerca del estado de los sistemas operativos móviles en el país.</a:t>
-            </a:r>
-            <a:r>
-              <a:rPr lang="es-CR" sz="1200" kern="1200" baseline="0" dirty="0" smtClean="0">
-                <a:solidFill>
-                  <a:schemeClr val="tx2"/>
-                </a:solidFill>
-                <a:effectLst/>
-                <a:latin typeface="+mn-lt"/>
-                <a:ea typeface="+mn-ea"/>
-                <a:cs typeface="+mn-cs"/>
-              </a:rPr>
-              <a:t> La nación en su artículo</a:t>
-            </a:r>
-            <a:r>
-              <a:rPr lang="es-CR" sz="1200" kern="1200" dirty="0" smtClean="0">
-                <a:solidFill>
-                  <a:schemeClr val="tx2"/>
-                </a:solidFill>
-                <a:effectLst/>
-                <a:latin typeface="+mn-lt"/>
-                <a:ea typeface="+mn-ea"/>
-                <a:cs typeface="+mn-cs"/>
-              </a:rPr>
-              <a:t> </a:t>
-            </a:r>
-            <a:r>
-              <a:rPr lang="es-CR" sz="1200" kern="1200" dirty="0" err="1" smtClean="0">
-                <a:solidFill>
-                  <a:schemeClr val="tx2"/>
-                </a:solidFill>
-                <a:effectLst/>
-                <a:latin typeface="+mn-lt"/>
-                <a:ea typeface="+mn-ea"/>
-                <a:cs typeface="+mn-cs"/>
-              </a:rPr>
-              <a:t>Android</a:t>
-            </a:r>
-            <a:r>
-              <a:rPr lang="es-CR" sz="1200" kern="1200" dirty="0" smtClean="0">
-                <a:solidFill>
-                  <a:schemeClr val="tx2"/>
-                </a:solidFill>
-                <a:effectLst/>
-                <a:latin typeface="+mn-lt"/>
-                <a:ea typeface="+mn-ea"/>
-                <a:cs typeface="+mn-cs"/>
-              </a:rPr>
-              <a:t> ‘viste’ al 79% de los celulares vendidos, se afirma que “Casi ocho de cada diez teléfonos inteligentes vendidos en el mundo, en 2013, funcionan con el sistema operativo </a:t>
-            </a:r>
-            <a:r>
-              <a:rPr lang="es-CR" sz="1200" kern="1200" dirty="0" err="1" smtClean="0">
-                <a:solidFill>
-                  <a:schemeClr val="tx2"/>
-                </a:solidFill>
-                <a:effectLst/>
-                <a:latin typeface="+mn-lt"/>
-                <a:ea typeface="+mn-ea"/>
-                <a:cs typeface="+mn-cs"/>
-              </a:rPr>
-              <a:t>Android</a:t>
-            </a:r>
-            <a:r>
-              <a:rPr lang="es-CR" sz="1200" kern="1200" dirty="0" smtClean="0">
-                <a:solidFill>
-                  <a:schemeClr val="tx2"/>
-                </a:solidFill>
-                <a:effectLst/>
-                <a:latin typeface="+mn-lt"/>
-                <a:ea typeface="+mn-ea"/>
-                <a:cs typeface="+mn-cs"/>
-              </a:rPr>
-              <a:t> de Google”. El informe de la firma de investigación </a:t>
-            </a:r>
-            <a:r>
-              <a:rPr lang="es-CR" sz="1200" u="none" strike="noStrike" kern="1200" dirty="0" err="1" smtClean="0">
-                <a:solidFill>
-                  <a:schemeClr val="tx2"/>
-                </a:solidFill>
-                <a:effectLst/>
-                <a:latin typeface="+mn-lt"/>
-                <a:ea typeface="+mn-ea"/>
-                <a:cs typeface="+mn-cs"/>
-                <a:hlinkClick r:id="rId3"/>
-              </a:rPr>
-              <a:t>Strategy</a:t>
-            </a:r>
-            <a:r>
-              <a:rPr lang="es-CR" sz="1200" u="none" strike="noStrike" kern="1200" dirty="0" smtClean="0">
-                <a:solidFill>
-                  <a:schemeClr val="tx2"/>
-                </a:solidFill>
-                <a:effectLst/>
-                <a:latin typeface="+mn-lt"/>
-                <a:ea typeface="+mn-ea"/>
-                <a:cs typeface="+mn-cs"/>
-                <a:hlinkClick r:id="rId3"/>
-              </a:rPr>
-              <a:t> </a:t>
-            </a:r>
-            <a:r>
-              <a:rPr lang="es-CR" sz="1200" u="none" strike="noStrike" kern="1200" dirty="0" err="1" smtClean="0">
-                <a:solidFill>
-                  <a:schemeClr val="tx2"/>
-                </a:solidFill>
-                <a:effectLst/>
-                <a:latin typeface="+mn-lt"/>
-                <a:ea typeface="+mn-ea"/>
-                <a:cs typeface="+mn-cs"/>
-                <a:hlinkClick r:id="rId3"/>
-              </a:rPr>
-              <a:t>Analytics</a:t>
-            </a:r>
-            <a:r>
-              <a:rPr lang="es-CR" sz="1200" kern="1200" dirty="0" smtClean="0">
-                <a:solidFill>
-                  <a:schemeClr val="tx2"/>
-                </a:solidFill>
-                <a:effectLst/>
-                <a:latin typeface="+mn-lt"/>
-                <a:ea typeface="+mn-ea"/>
-                <a:cs typeface="+mn-cs"/>
-              </a:rPr>
-              <a:t> confirma el ascenso de </a:t>
-            </a:r>
-            <a:r>
-              <a:rPr lang="es-CR" sz="1200" kern="1200" dirty="0" err="1" smtClean="0">
-                <a:solidFill>
-                  <a:schemeClr val="tx2"/>
-                </a:solidFill>
-                <a:effectLst/>
-                <a:latin typeface="+mn-lt"/>
-                <a:ea typeface="+mn-ea"/>
-                <a:cs typeface="+mn-cs"/>
-              </a:rPr>
-              <a:t>Android</a:t>
-            </a:r>
-            <a:r>
-              <a:rPr lang="es-CR" sz="1200" kern="1200" dirty="0" smtClean="0">
-                <a:solidFill>
-                  <a:schemeClr val="tx2"/>
-                </a:solidFill>
-                <a:effectLst/>
-                <a:latin typeface="+mn-lt"/>
-                <a:ea typeface="+mn-ea"/>
-                <a:cs typeface="+mn-cs"/>
-              </a:rPr>
-              <a:t>, usado en 78,9% de los </a:t>
-            </a:r>
-            <a:r>
-              <a:rPr lang="es-CR" sz="1200" kern="1200" dirty="0" err="1" smtClean="0">
-                <a:solidFill>
-                  <a:schemeClr val="tx2"/>
-                </a:solidFill>
-                <a:effectLst/>
-                <a:latin typeface="+mn-lt"/>
-                <a:ea typeface="+mn-ea"/>
-                <a:cs typeface="+mn-cs"/>
-              </a:rPr>
-              <a:t>smartphones</a:t>
-            </a:r>
-            <a:r>
-              <a:rPr lang="es-CR" sz="1200" kern="1200" dirty="0" smtClean="0">
-                <a:solidFill>
-                  <a:schemeClr val="tx2"/>
-                </a:solidFill>
-                <a:effectLst/>
-                <a:latin typeface="+mn-lt"/>
-                <a:ea typeface="+mn-ea"/>
-                <a:cs typeface="+mn-cs"/>
-              </a:rPr>
-              <a:t>, </a:t>
-            </a:r>
+              <a:t>Dani</a:t>
+            </a:r>
+            <a:endParaRPr lang="en-US" sz="1200" kern="1200" dirty="0" smtClean="0">
+              <a:solidFill>
+                <a:schemeClr val="tx2"/>
+              </a:solidFill>
+              <a:effectLst/>
+              <a:latin typeface="+mn-lt"/>
+              <a:ea typeface="+mn-ea"/>
+              <a:cs typeface="+mn-cs"/>
+            </a:endParaRPr>
           </a:p>
           <a:p>
             <a:pPr marL="0" marR="0" indent="0" algn="l" defTabSz="914400" rtl="0" eaLnBrk="1" fontAlgn="auto" latinLnBrk="0" hangingPunct="1">
@@ -30160,7 +32146,7 @@
               <a:tabLst/>
               <a:defRPr/>
             </a:pPr>
-            <a:endParaRPr lang="es-CR" sz="1200" u="none" kern="1200" dirty="0" smtClean="0">
+            <a:endParaRPr lang="es-CR" sz="1200" kern="1200" dirty="0" smtClean="0">
               <a:solidFill>
                 <a:schemeClr val="tx2"/>
               </a:solidFill>
@@ -30171,8 +32157,111 @@
             </a:endParaRPr>
           </a:p>
           <a:p>
-            <a:pPr lvl="0"/>
-            <a:endParaRPr lang="es-CR" sz="1200" u="none" kern="1200" dirty="0" smtClean="0">
+            <a:pPr marL="0" marR="0" indent="0" algn="l" defTabSz="914400" rtl="0" eaLnBrk="1" fontAlgn="auto" latinLnBrk="0" hangingPunct="1">
+              <a:lnSpc>
+                <a:spcPct val="100000"/>
+              </a:lnSpc>
+              <a:spcBef>
+                <a:spcPts val="0"/>
+              </a:spcBef>
+              <a:spcAft>
+                <a:spcPts val="0"/>
+              </a:spcAft>
+              <a:buClrTx/>
+              <a:buSzTx/>
+              <a:buFontTx/>
+              <a:buNone/>
+              <a:tabLst/>
+              <a:defRPr/>
+            </a:pPr>
+            <a:r>
+              <a:rPr lang="es-CR" sz="1200" kern="1200" dirty="0" smtClean="0">
+                <a:solidFill>
+                  <a:schemeClr val="tx2"/>
+                </a:solidFill>
+                <a:effectLst/>
+                <a:latin typeface="+mn-lt"/>
+                <a:ea typeface="+mn-ea"/>
+                <a:cs typeface="+mn-cs"/>
+              </a:rPr>
+              <a:t>Justificación:</a:t>
+            </a:r>
+          </a:p>
+          <a:p>
+            <a:pPr marL="0" marR="0" indent="0" algn="l" defTabSz="914400" rtl="0" eaLnBrk="1" fontAlgn="auto" latinLnBrk="0" hangingPunct="1">
+              <a:lnSpc>
+                <a:spcPct val="100000"/>
+              </a:lnSpc>
+              <a:spcBef>
+                <a:spcPts val="0"/>
+              </a:spcBef>
+              <a:spcAft>
+                <a:spcPts val="0"/>
+              </a:spcAft>
+              <a:buClrTx/>
+              <a:buSzTx/>
+              <a:buFontTx/>
+              <a:buNone/>
+              <a:tabLst/>
+              <a:defRPr/>
+            </a:pPr>
+            <a:r>
+              <a:rPr lang="es-CR" sz="1200" kern="1200" dirty="0" smtClean="0">
+                <a:solidFill>
+                  <a:schemeClr val="tx2"/>
+                </a:solidFill>
+                <a:effectLst/>
+                <a:latin typeface="+mn-lt"/>
+                <a:ea typeface="+mn-ea"/>
+                <a:cs typeface="+mn-cs"/>
+              </a:rPr>
+              <a:t>Las empresas que brindan servicios de atención auditiva existen en un mercado competitivo, en donde la población, en general, carece de conocimiento de esta área de la salud. Por ello, se origina la idea de crear una aplicación móvil, la cual, mediante un test de audición, debe permitir al usuario realizar una prueba sin costo y de fácil acceso, apoyando la labor de la Clínica </a:t>
+            </a:r>
+            <a:r>
+              <a:rPr lang="es-CR" sz="1200" kern="1200" dirty="0" err="1" smtClean="0">
+                <a:solidFill>
+                  <a:schemeClr val="tx2"/>
+                </a:solidFill>
+                <a:effectLst/>
+                <a:latin typeface="+mn-lt"/>
+                <a:ea typeface="+mn-ea"/>
+                <a:cs typeface="+mn-cs"/>
+              </a:rPr>
+              <a:t>Audinsa</a:t>
+            </a:r>
+            <a:r>
+              <a:rPr lang="es-CR" sz="1200" kern="1200" dirty="0" smtClean="0">
+                <a:solidFill>
+                  <a:schemeClr val="tx2"/>
+                </a:solidFill>
+                <a:effectLst/>
+                <a:latin typeface="+mn-lt"/>
+                <a:ea typeface="+mn-ea"/>
+                <a:cs typeface="+mn-cs"/>
+              </a:rPr>
+              <a:t> en su función de educar y cuidar la salud auditiva de las personas.</a:t>
+            </a:r>
+            <a:endParaRPr lang="es-CR" dirty="0" smtClean="0"/>
+          </a:p>
+          <a:p>
+            <a:pPr marL="0" marR="0" indent="0" algn="l" defTabSz="914400" rtl="0" eaLnBrk="1" fontAlgn="auto" latinLnBrk="0" hangingPunct="1">
+              <a:lnSpc>
+                <a:spcPct val="100000"/>
+              </a:lnSpc>
+              <a:spcBef>
+                <a:spcPts val="0"/>
+              </a:spcBef>
+              <a:spcAft>
+                <a:spcPts val="0"/>
+              </a:spcAft>
+              <a:buClrTx/>
+              <a:buSzTx/>
+              <a:buFontTx/>
+              <a:buNone/>
+              <a:tabLst/>
+              <a:defRPr/>
+            </a:pPr>
+            <a:endParaRPr lang="es-CR" sz="1200" kern="1200" dirty="0" smtClean="0">
               <a:solidFill>
                 <a:schemeClr val="tx2"/>
               </a:solidFill>
@@ -30202,7 +32291,7 @@
             <a:fld id="{841221E5-7225-48EB-A4EE-420E7BFCF705}" type="slidenum">
               <a:rPr lang="es-CR" smtClean="0"/>
               <a:pPr/>
-              <a:t>15</a:t>
+              <a:t>9</a:t>
             </a:fld>
             <a:endParaRPr lang="es-CR"/>
           </a:p>
@@ -30211,7 +32300,7 @@
     </p:spTree>
     <p:extLst>
       <p:ext uri="{BB962C8B-B14F-4D97-AF65-F5344CB8AC3E}">
-        <p14:creationId xmlns:p14="http://schemas.microsoft.com/office/powerpoint/2010/main" val="3820931044"/>
+        <p14:creationId xmlns:p14="http://schemas.microsoft.com/office/powerpoint/2010/main" val="376186962"/>
       </p:ext>
     </p:extLst>
   </p:cSld>
@@ -30808,7 +32897,7 @@
           <a:p>
             <a:fld id="{C2C6F8EA-316C-41DE-B9A4-EDCC3A85ED9A}" type="datetimeFigureOut">
               <a:pPr/>
-              <a:t>29/01/2015</a:t>
+              <a:t>30/01/2015</a:t>
             </a:fld>
             <a:endParaRPr lang="es-ES"/>
           </a:p>
@@ -31063,7 +33152,7 @@
           <a:lstStyle/>
           <a:p>
             <a:fld id="{C2C6F8EA-316C-41DE-B9A4-EDCC3A85ED9A}" type="datetimeFigureOut">
-              <a:t>29/01/2015</a:t>
+              <a:t>30/01/2015</a:t>
             </a:fld>
             <a:endParaRPr lang="es-ES"/>
           </a:p>
@@ -31556,7 +33645,7 @@
           <a:lstStyle/>
           <a:p>
             <a:fld id="{C2C6F8EA-316C-41DE-B9A4-EDCC3A85ED9A}" type="datetimeFigureOut">
-              <a:t>29/01/2015</a:t>
+              <a:t>30/01/2015</a:t>
             </a:fld>
             <a:endParaRPr lang="es-ES"/>
           </a:p>
@@ -31787,7 +33876,7 @@
           <a:lstStyle/>
           <a:p>
             <a:fld id="{C2C6F8EA-316C-41DE-B9A4-EDCC3A85ED9A}" type="datetimeFigureOut">
-              <a:t>29/01/2015</a:t>
+              <a:t>30/01/2015</a:t>
             </a:fld>
             <a:endParaRPr lang="es-ES"/>
           </a:p>
@@ -32580,7 +34669,7 @@
           <a:p>
             <a:fld id="{C2C6F8EA-316C-41DE-B9A4-EDCC3A85ED9A}" type="datetimeFigureOut">
               <a:pPr/>
-              <a:t>29/01/2015</a:t>
+              <a:t>30/01/2015</a:t>
             </a:fld>
             <a:endParaRPr lang="es-ES"/>
           </a:p>
@@ -33084,7 +35173,7 @@
           <a:lstStyle/>
           <a:p>
             <a:fld id="{C2C6F8EA-316C-41DE-B9A4-EDCC3A85ED9A}" type="datetimeFigureOut">
-              <a:t>29/01/2015</a:t>
+              <a:t>30/01/2015</a:t>
             </a:fld>
             <a:endParaRPr lang="es-ES"/>
           </a:p>
@@ -33534,7 +35623,7 @@
           <a:lstStyle/>
           <a:p>
             <a:fld id="{C2C6F8EA-316C-41DE-B9A4-EDCC3A85ED9A}" type="datetimeFigureOut">
-              <a:t>29/01/2015</a:t>
+              <a:t>30/01/2015</a:t>
             </a:fld>
             <a:endParaRPr lang="es-ES"/>
           </a:p>
@@ -33668,7 +35757,7 @@
           <a:lstStyle/>
           <a:p>
             <a:fld id="{C2C6F8EA-316C-41DE-B9A4-EDCC3A85ED9A}" type="datetimeFigureOut">
-              <a:t>29/01/2015</a:t>
+              <a:t>30/01/2015</a:t>
             </a:fld>
             <a:endParaRPr lang="es-ES"/>
           </a:p>
@@ -34008,7 +36097,7 @@
           <a:lstStyle/>
           <a:p>
             <a:fld id="{C2C6F8EA-316C-41DE-B9A4-EDCC3A85ED9A}" type="datetimeFigureOut">
-              <a:t>29/01/2015</a:t>
+              <a:t>30/01/2015</a:t>
             </a:fld>
             <a:endParaRPr lang="es-ES"/>
           </a:p>
@@ -34503,7 +36592,7 @@
           <a:lstStyle/>
           <a:p>
             <a:fld id="{C2C6F8EA-316C-41DE-B9A4-EDCC3A85ED9A}" type="datetimeFigureOut">
-              <a:t>29/01/2015</a:t>
+              <a:t>30/01/2015</a:t>
             </a:fld>
             <a:endParaRPr lang="es-ES"/>
           </a:p>
@@ -34942,7 +37031,7 @@
           <a:lstStyle/>
           <a:p>
             <a:fld id="{C2C6F8EA-316C-41DE-B9A4-EDCC3A85ED9A}" type="datetimeFigureOut">
-              <a:t>29/01/2015</a:t>
+              <a:t>30/01/2015</a:t>
             </a:fld>
             <a:endParaRPr lang="es-ES"/>
           </a:p>
@@ -35505,7 +37594,7 @@
           <a:p>
             <a:fld id="{C2C6F8EA-316C-41DE-B9A4-EDCC3A85ED9A}" type="datetimeFigureOut">
               <a:pPr/>
-              <a:t>29/01/2015</a:t>
+              <a:t>30/01/2015</a:t>
             </a:fld>
             <a:endParaRPr lang="es-ES"/>
           </a:p>
@@ -36021,11 +38110,7 @@
             </a:r>
             <a:r>
               <a:rPr lang="es-ES" sz="4800" b="1" dirty="0" smtClean="0"/>
-              <a:t>,  </a:t>
-            </a:r>
-            <a:r>
-              <a:rPr lang="es-ES" sz="4800" b="1" dirty="0"/>
-              <a:t>Heredia.</a:t>
+              <a:t>.</a:t>
             </a:r>
             <a:endParaRPr lang="es-ES" sz="4800" dirty="0"/>
           </a:p>
@@ -36375,7 +38460,7 @@
           <p:nvPr>
             <p:extLst>
               <p:ext uri="{D42A27DB-BD31-4B8C-83A1-F6EECF244321}">
-                <p14:modId xmlns:p14="http://schemas.microsoft.com/office/powerpoint/2010/main" val="41762462"/>
+                <p14:modId xmlns:p14="http://schemas.microsoft.com/office/powerpoint/2010/main" val="1354533256"/>
               </p:ext>
             </p:extLst>
           </p:nvPr>
@@ -36469,7 +38554,7 @@
           <p:nvPr>
             <p:extLst>
               <p:ext uri="{D42A27DB-BD31-4B8C-83A1-F6EECF244321}">
-                <p14:modId xmlns:p14="http://schemas.microsoft.com/office/powerpoint/2010/main" val="1277707"/>
+                <p14:modId xmlns:p14="http://schemas.microsoft.com/office/powerpoint/2010/main" val="675308414"/>
               </p:ext>
             </p:extLst>
           </p:nvPr>
@@ -36582,7 +38667,7 @@
         </p:xfrm>
         <a:graphic>
           <a:graphicData uri="http://schemas.openxmlformats.org/drawingml/2006/diagram">
-            <dgm:relIds xmlns:dgm="http://schemas.openxmlformats.org/drawingml/2006/diagram" xmlns:r="http://schemas.openxmlformats.org/officeDocument/2006/relationships" r:dm="rId2" r:lo="rId3" r:qs="rId4" r:cs="rId5"/>
+            <dgm:relIds xmlns:dgm="http://schemas.openxmlformats.org/drawingml/2006/diagram" xmlns:r="http://schemas.openxmlformats.org/officeDocument/2006/relationships" r:dm="rId3" r:lo="rId4" r:qs="rId5" r:cs="rId6"/>
           </a:graphicData>
         </a:graphic>
       </p:graphicFrame>
@@ -43075,7 +45160,7 @@
           <p:nvPr/>
         </p:nvPicPr>
         <p:blipFill rotWithShape="1">
-          <a:blip r:embed="rId2">
+          <a:blip r:embed="rId3">
             <a:extLst>
               <a:ext uri="{28A0092B-C50C-407E-A947-70E740481C1C}">
                 <a14:useLocalDpi xmlns:a14="http://schemas.microsoft.com/office/drawing/2010/main" val="0"/>
@@ -43176,7 +45261,7 @@
           <p:nvPr/>
         </p:nvPicPr>
         <p:blipFill rotWithShape="1">
-          <a:blip r:embed="rId2">
+          <a:blip r:embed="rId3">
             <a:extLst>
               <a:ext uri="{28A0092B-C50C-407E-A947-70E740481C1C}">
                 <a14:useLocalDpi xmlns:a14="http://schemas.microsoft.com/office/drawing/2010/main" val="0"/>
@@ -43277,7 +45362,7 @@
           <p:nvPr/>
         </p:nvPicPr>
         <p:blipFill rotWithShape="1">
-          <a:blip r:embed="rId2">
+          <a:blip r:embed="rId3">
             <a:extLst>
               <a:ext uri="{28A0092B-C50C-407E-A947-70E740481C1C}">
                 <a14:useLocalDpi xmlns:a14="http://schemas.microsoft.com/office/drawing/2010/main" val="0"/>
@@ -43371,210 +45456,6 @@
       </p:grpSpPr>
       <p:pic>
         <p:nvPicPr>
-          <p:cNvPr id="3074" name="Picture 2"/>
-          <p:cNvPicPr>
-            <a:picLocks noChangeAspect="1" noChangeArrowheads="1"/>
-          </p:cNvPicPr>
-          <p:nvPr/>
-        </p:nvPicPr>
-        <p:blipFill rotWithShape="1">
-          <a:blip r:embed="rId2">
-            <a:extLst>
-              <a:ext uri="{28A0092B-C50C-407E-A947-70E740481C1C}">
-                <a14:useLocalDpi xmlns:a14="http://schemas.microsoft.com/office/drawing/2010/main" val="0"/>
-              </a:ext>
-            </a:extLst>
-          </a:blip>
-          <a:srcRect l="9301" t="26127" r="32874" b="4812"/>
-          <a:stretch/>
-        </p:blipFill>
-        <p:spPr bwMode="auto">
-          <a:xfrm>
-            <a:off x="1522412" y="96744"/>
-            <a:ext cx="8382000" cy="6032904"/>
-          </a:xfrm>
-          <a:prstGeom prst="rect">
-            <a:avLst/>
-          </a:prstGeom>
-          <a:noFill/>
-          <a:ln>
-            <a:noFill/>
-          </a:ln>
-          <a:extLst>
-            <a:ext uri="{909E8E84-426E-40DD-AFC4-6F175D3DCCD1}">
-              <a14:hiddenFill xmlns:a14="http://schemas.microsoft.com/office/drawing/2010/main">
-                <a:solidFill>
-                  <a:schemeClr val="accent1"/>
-                </a:solidFill>
-              </a14:hiddenFill>
-            </a:ext>
-            <a:ext uri="{91240B29-F687-4F45-9708-019B960494DF}">
-              <a14:hiddenLine xmlns:a14="http://schemas.microsoft.com/office/drawing/2010/main" w="9525">
-                <a:solidFill>
-                  <a:schemeClr val="tx1"/>
-                </a:solidFill>
-                <a:miter lim="800000"/>
-                <a:headEnd/>
-                <a:tailEnd/>
-              </a14:hiddenLine>
-            </a:ext>
-          </a:extLst>
-        </p:spPr>
-      </p:pic>
-    </p:spTree>
-    <p:extLst>
-      <p:ext uri="{BB962C8B-B14F-4D97-AF65-F5344CB8AC3E}">
-        <p14:creationId xmlns:p14="http://schemas.microsoft.com/office/powerpoint/2010/main" val="2745602588"/>
-      </p:ext>
-    </p:extLst>
-  </p:cSld>
-  <p:clrMapOvr>
-    <a:masterClrMapping/>
-  </p:clrMapOvr>
-  <mc:AlternateContent xmlns:mc="http://schemas.openxmlformats.org/markup-compatibility/2006" xmlns:p14="http://schemas.microsoft.com/office/powerpoint/2010/main">
-    <mc:Choice Requires="p14">
-      <p:transition spd="med" p14:dur="700">
-        <p:fade/>
-      </p:transition>
-    </mc:Choice>
-    <mc:Fallback xmlns="">
-      <p:transition spd="med">
-        <p:fade/>
-      </p:transition>
-    </mc:Fallback>
-  </mc:AlternateContent>
-  <p:timing>
-    <p:tnLst>
-      <p:par>
-        <p:cTn id="1" dur="indefinite" restart="never" nodeType="tmRoot"/>
-      </p:par>
-    </p:tnLst>
-  </p:timing>
-</p:sld>
-</file>
-
-<file path=ppt/slides/slide35.xml><?xml version="1.0" encoding="utf-8"?>
-<p:sld xmlns:a="http://schemas.openxmlformats.org/drawingml/2006/main" xmlns:r="http://schemas.openxmlformats.org/officeDocument/2006/relationships" xmlns:p="http://schemas.openxmlformats.org/presentationml/2006/main">
-  <p:cSld>
-    <p:spTree>
-      <p:nvGrpSpPr>
-        <p:cNvPr id="1" name=""/>
-        <p:cNvGrpSpPr/>
-        <p:nvPr/>
-      </p:nvGrpSpPr>
-      <p:grpSpPr>
-        <a:xfrm>
-          <a:off x="0" y="0"/>
-          <a:ext cx="0" cy="0"/>
-          <a:chOff x="0" y="0"/>
-          <a:chExt cx="0" cy="0"/>
-        </a:xfrm>
-      </p:grpSpPr>
-      <p:pic>
-        <p:nvPicPr>
-          <p:cNvPr id="4099" name="Picture 3"/>
-          <p:cNvPicPr>
-            <a:picLocks noChangeAspect="1" noChangeArrowheads="1"/>
-          </p:cNvPicPr>
-          <p:nvPr/>
-        </p:nvPicPr>
-        <p:blipFill>
-          <a:blip r:embed="rId2">
-            <a:extLst>
-              <a:ext uri="{28A0092B-C50C-407E-A947-70E740481C1C}">
-                <a14:useLocalDpi xmlns:a14="http://schemas.microsoft.com/office/drawing/2010/main" val="0"/>
-              </a:ext>
-            </a:extLst>
-          </a:blip>
-          <a:srcRect/>
-          <a:stretch>
-            <a:fillRect/>
-          </a:stretch>
-        </p:blipFill>
-        <p:spPr bwMode="auto">
-          <a:xfrm>
-            <a:off x="-292100" y="-223838"/>
-            <a:ext cx="12773025" cy="7305676"/>
-          </a:xfrm>
-          <a:prstGeom prst="rect">
-            <a:avLst/>
-          </a:prstGeom>
-          <a:noFill/>
-          <a:ln>
-            <a:noFill/>
-          </a:ln>
-          <a:extLst>
-            <a:ext uri="{909E8E84-426E-40DD-AFC4-6F175D3DCCD1}">
-              <a14:hiddenFill xmlns:a14="http://schemas.microsoft.com/office/drawing/2010/main">
-                <a:solidFill>
-                  <a:schemeClr val="accent1"/>
-                </a:solidFill>
-              </a14:hiddenFill>
-            </a:ext>
-            <a:ext uri="{91240B29-F687-4F45-9708-019B960494DF}">
-              <a14:hiddenLine xmlns:a14="http://schemas.microsoft.com/office/drawing/2010/main" w="9525">
-                <a:solidFill>
-                  <a:schemeClr val="tx1"/>
-                </a:solidFill>
-                <a:miter lim="800000"/>
-                <a:headEnd/>
-                <a:tailEnd/>
-              </a14:hiddenLine>
-            </a:ext>
-          </a:extLst>
-        </p:spPr>
-      </p:pic>
-    </p:spTree>
-    <p:extLst>
-      <p:ext uri="{BB962C8B-B14F-4D97-AF65-F5344CB8AC3E}">
-        <p14:creationId xmlns:p14="http://schemas.microsoft.com/office/powerpoint/2010/main" val="2768489569"/>
-      </p:ext>
-    </p:extLst>
-  </p:cSld>
-  <p:clrMapOvr>
-    <a:masterClrMapping/>
-  </p:clrMapOvr>
-  <mc:AlternateContent xmlns:mc="http://schemas.openxmlformats.org/markup-compatibility/2006" xmlns:p14="http://schemas.microsoft.com/office/powerpoint/2010/main">
-    <mc:Choice Requires="p14">
-      <p:transition spd="med" p14:dur="700">
-        <p:fade/>
-      </p:transition>
-    </mc:Choice>
-    <mc:Fallback xmlns="">
-      <p:transition spd="med">
-        <p:fade/>
-      </p:transition>
-    </mc:Fallback>
-  </mc:AlternateContent>
-  <p:timing>
-    <p:tnLst>
-      <p:par>
-        <p:cTn id="1" dur="indefinite" restart="never" nodeType="tmRoot"/>
-      </p:par>
-    </p:tnLst>
-  </p:timing>
-</p:sld>
-</file>
-
-<file path=ppt/slides/slide36.xml><?xml version="1.0" encoding="utf-8"?>
-<p:sld xmlns:a="http://schemas.openxmlformats.org/drawingml/2006/main" xmlns:r="http://schemas.openxmlformats.org/officeDocument/2006/relationships" xmlns:p="http://schemas.openxmlformats.org/presentationml/2006/main">
-  <p:cSld>
-    <p:spTree>
-      <p:nvGrpSpPr>
-        <p:cNvPr id="1" name=""/>
-        <p:cNvGrpSpPr/>
-        <p:nvPr/>
-      </p:nvGrpSpPr>
-      <p:grpSpPr>
-        <a:xfrm>
-          <a:off x="0" y="0"/>
-          <a:ext cx="0" cy="0"/>
-          <a:chOff x="0" y="0"/>
-          <a:chExt cx="0" cy="0"/>
-        </a:xfrm>
-      </p:grpSpPr>
-      <p:pic>
-        <p:nvPicPr>
           <p:cNvPr id="6146" name="Picture 2"/>
           <p:cNvPicPr>
             <a:picLocks noChangeAspect="1" noChangeArrowheads="1"/>
@@ -43582,7 +45463,7 @@
           <p:nvPr/>
         </p:nvPicPr>
         <p:blipFill rotWithShape="1">
-          <a:blip r:embed="rId2">
+          <a:blip r:embed="rId3">
             <a:extLst>
               <a:ext uri="{28A0092B-C50C-407E-A947-70E740481C1C}">
                 <a14:useLocalDpi xmlns:a14="http://schemas.microsoft.com/office/drawing/2010/main" val="0"/>
@@ -43657,7 +45538,7 @@
 </p:sld>
 </file>
 
-<file path=ppt/slides/slide37.xml><?xml version="1.0" encoding="utf-8"?>
+<file path=ppt/slides/slide35.xml><?xml version="1.0" encoding="utf-8"?>
 <p:sld xmlns:a="http://schemas.openxmlformats.org/drawingml/2006/main" xmlns:r="http://schemas.openxmlformats.org/officeDocument/2006/relationships" xmlns:p="http://schemas.openxmlformats.org/presentationml/2006/main">
   <p:cSld>
     <p:spTree>
@@ -43758,7 +45639,7 @@
 </p:sld>
 </file>
 
-<file path=ppt/slides/slide38.xml><?xml version="1.0" encoding="utf-8"?>
+<file path=ppt/slides/slide36.xml><?xml version="1.0" encoding="utf-8"?>
 <p:sld xmlns:a="http://schemas.openxmlformats.org/drawingml/2006/main" xmlns:r="http://schemas.openxmlformats.org/officeDocument/2006/relationships" xmlns:p="http://schemas.openxmlformats.org/presentationml/2006/main">
   <p:cSld>
     <p:spTree>
@@ -43857,7 +45738,7 @@
 </p:sld>
 </file>
 
-<file path=ppt/slides/slide39.xml><?xml version="1.0" encoding="utf-8"?>
+<file path=ppt/slides/slide37.xml><?xml version="1.0" encoding="utf-8"?>
 <p:sld xmlns:a="http://schemas.openxmlformats.org/drawingml/2006/main" xmlns:r="http://schemas.openxmlformats.org/officeDocument/2006/relationships" xmlns:p="http://schemas.openxmlformats.org/presentationml/2006/main">
   <p:cSld>
     <p:spTree>
@@ -43966,396 +45847,7 @@
 </p:sld>
 </file>
 
-<file path=ppt/slides/slide4.xml><?xml version="1.0" encoding="utf-8"?>
-<p:sld xmlns:a="http://schemas.openxmlformats.org/drawingml/2006/main" xmlns:r="http://schemas.openxmlformats.org/officeDocument/2006/relationships" xmlns:p="http://schemas.openxmlformats.org/presentationml/2006/main">
-  <p:cSld>
-    <p:spTree>
-      <p:nvGrpSpPr>
-        <p:cNvPr id="1" name=""/>
-        <p:cNvGrpSpPr/>
-        <p:nvPr/>
-      </p:nvGrpSpPr>
-      <p:grpSpPr>
-        <a:xfrm>
-          <a:off x="0" y="0"/>
-          <a:ext cx="0" cy="0"/>
-          <a:chOff x="0" y="0"/>
-          <a:chExt cx="0" cy="0"/>
-        </a:xfrm>
-      </p:grpSpPr>
-      <p:sp>
-        <p:nvSpPr>
-          <p:cNvPr id="2" name="Título 1"/>
-          <p:cNvSpPr>
-            <a:spLocks noGrp="1"/>
-          </p:cNvSpPr>
-          <p:nvPr>
-            <p:ph type="title"/>
-          </p:nvPr>
-        </p:nvSpPr>
-        <p:spPr/>
-        <p:txBody>
-          <a:bodyPr/>
-          <a:lstStyle/>
-          <a:p>
-            <a:r>
-              <a:rPr lang="es-ES" dirty="0" smtClean="0"/>
-              <a:t>Involucrados del proyecto</a:t>
-            </a:r>
-            <a:endParaRPr lang="es-ES" dirty="0"/>
-          </a:p>
-        </p:txBody>
-      </p:sp>
-      <p:graphicFrame>
-        <p:nvGraphicFramePr>
-          <p:cNvPr id="11" name="Marcador de contenido 10" descr="Tabla de muestra con 3 columnas, 4 filas" title="Tabla"/>
-          <p:cNvGraphicFramePr>
-            <a:graphicFrameLocks noGrp="1"/>
-          </p:cNvGraphicFramePr>
-          <p:nvPr>
-            <p:ph sz="half" idx="1"/>
-            <p:extLst>
-              <p:ext uri="{D42A27DB-BD31-4B8C-83A1-F6EECF244321}">
-                <p14:modId xmlns:p14="http://schemas.microsoft.com/office/powerpoint/2010/main" val="3202040632"/>
-              </p:ext>
-            </p:extLst>
-          </p:nvPr>
-        </p:nvGraphicFramePr>
-        <p:xfrm>
-          <a:off x="1593850" y="1600200"/>
-          <a:ext cx="9910762" cy="3981450"/>
-        </p:xfrm>
-        <a:graphic>
-          <a:graphicData uri="http://schemas.openxmlformats.org/drawingml/2006/table">
-            <a:tbl>
-              <a:tblPr firstRow="1" bandRow="1">
-                <a:tableStyleId>{5C22544A-7EE6-4342-B048-85BDC9FD1C3A}</a:tableStyleId>
-              </a:tblPr>
-              <a:tblGrid>
-                <a:gridCol w="4955381"/>
-                <a:gridCol w="4955381"/>
-              </a:tblGrid>
-              <a:tr h="552450">
-                <a:tc>
-                  <a:txBody>
-                    <a:bodyPr/>
-                    <a:lstStyle/>
-                    <a:p>
-                      <a:pPr algn="ctr"/>
-                      <a:r>
-                        <a:rPr lang="es-ES" dirty="0" smtClean="0"/>
-                        <a:t>Nombre</a:t>
-                      </a:r>
-                      <a:endParaRPr lang="es-ES" dirty="0"/>
-                    </a:p>
-                  </a:txBody>
-                  <a:tcPr anchor="ctr"/>
-                </a:tc>
-                <a:tc>
-                  <a:txBody>
-                    <a:bodyPr/>
-                    <a:lstStyle/>
-                    <a:p>
-                      <a:pPr algn="ctr"/>
-                      <a:r>
-                        <a:rPr lang="es-ES" dirty="0" smtClean="0"/>
-                        <a:t>Rol</a:t>
-                      </a:r>
-                      <a:endParaRPr lang="es-ES" dirty="0"/>
-                    </a:p>
-                  </a:txBody>
-                  <a:tcPr anchor="ctr"/>
-                </a:tc>
-              </a:tr>
-              <a:tr h="552450">
-                <a:tc>
-                  <a:txBody>
-                    <a:bodyPr/>
-                    <a:lstStyle/>
-                    <a:p>
-                      <a:pPr algn="just"/>
-                      <a:r>
-                        <a:rPr lang="es-ES" dirty="0" smtClean="0"/>
-                        <a:t>Ing. Roberto Baltodano García</a:t>
-                      </a:r>
-                      <a:endParaRPr lang="es-ES" dirty="0"/>
-                    </a:p>
-                  </a:txBody>
-                  <a:tcPr anchor="ctr"/>
-                </a:tc>
-                <a:tc>
-                  <a:txBody>
-                    <a:bodyPr/>
-                    <a:lstStyle/>
-                    <a:p>
-                      <a:pPr marL="0" marR="0" indent="0" algn="just" defTabSz="914400" rtl="0" eaLnBrk="1" fontAlgn="auto" latinLnBrk="0" hangingPunct="1">
-                        <a:lnSpc>
-                          <a:spcPct val="100000"/>
-                        </a:lnSpc>
-                        <a:spcBef>
-                          <a:spcPts val="0"/>
-                        </a:spcBef>
-                        <a:spcAft>
-                          <a:spcPts val="0"/>
-                        </a:spcAft>
-                        <a:buClrTx/>
-                        <a:buSzTx/>
-                        <a:buFontTx/>
-                        <a:buNone/>
-                        <a:tabLst/>
-                        <a:defRPr/>
-                      </a:pPr>
-                      <a:r>
-                        <a:rPr lang="es-ES" dirty="0" smtClean="0"/>
-                        <a:t>Investigador/desarrollador</a:t>
-                      </a:r>
-                      <a:endParaRPr lang="es-ES" dirty="0"/>
-                    </a:p>
-                  </a:txBody>
-                  <a:tcPr anchor="ctr"/>
-                </a:tc>
-              </a:tr>
-              <a:tr h="552450">
-                <a:tc>
-                  <a:txBody>
-                    <a:bodyPr/>
-                    <a:lstStyle/>
-                    <a:p>
-                      <a:pPr algn="just"/>
-                      <a:r>
-                        <a:rPr lang="es-ES" dirty="0" smtClean="0"/>
-                        <a:t>Dra. Silvia Bonilla Berríos</a:t>
-                      </a:r>
-                      <a:endParaRPr lang="es-ES" dirty="0"/>
-                    </a:p>
-                  </a:txBody>
-                  <a:tcPr anchor="ctr"/>
-                </a:tc>
-                <a:tc>
-                  <a:txBody>
-                    <a:bodyPr/>
-                    <a:lstStyle/>
-                    <a:p>
-                      <a:pPr algn="just"/>
-                      <a:r>
-                        <a:rPr lang="es-ES" baseline="0" dirty="0" smtClean="0"/>
-                        <a:t>Propietaria Clínica </a:t>
-                      </a:r>
-                      <a:r>
-                        <a:rPr lang="es-ES" baseline="0" dirty="0" err="1" smtClean="0"/>
-                        <a:t>Audinsa</a:t>
-                      </a:r>
-                      <a:r>
-                        <a:rPr lang="es-ES" dirty="0" smtClean="0"/>
-                        <a:t>/Doctora con énfasis </a:t>
-                      </a:r>
-                      <a:r>
-                        <a:rPr lang="es-ES" baseline="0" dirty="0" smtClean="0"/>
-                        <a:t>en Audiología </a:t>
-                      </a:r>
-                      <a:endParaRPr lang="es-ES" dirty="0"/>
-                    </a:p>
-                  </a:txBody>
-                  <a:tcPr anchor="ctr"/>
-                </a:tc>
-              </a:tr>
-              <a:tr h="552450">
-                <a:tc>
-                  <a:txBody>
-                    <a:bodyPr/>
-                    <a:lstStyle/>
-                    <a:p>
-                      <a:pPr marL="0" marR="0" indent="0" algn="just" defTabSz="914400" rtl="0" eaLnBrk="1" fontAlgn="auto" latinLnBrk="0" hangingPunct="1">
-                        <a:lnSpc>
-                          <a:spcPct val="100000"/>
-                        </a:lnSpc>
-                        <a:spcBef>
-                          <a:spcPts val="0"/>
-                        </a:spcBef>
-                        <a:spcAft>
-                          <a:spcPts val="0"/>
-                        </a:spcAft>
-                        <a:buClrTx/>
-                        <a:buSzTx/>
-                        <a:buFontTx/>
-                        <a:buNone/>
-                        <a:tabLst/>
-                        <a:defRPr/>
-                      </a:pPr>
-                      <a:r>
-                        <a:rPr lang="es-ES" dirty="0" smtClean="0"/>
-                        <a:t>Ing. Daniela Campos</a:t>
-                      </a:r>
-                      <a:r>
-                        <a:rPr lang="es-ES" baseline="0" dirty="0" smtClean="0"/>
-                        <a:t> Ulate</a:t>
-                      </a:r>
-                      <a:endParaRPr lang="es-ES" dirty="0" smtClean="0"/>
-                    </a:p>
-                  </a:txBody>
-                  <a:tcPr anchor="ctr"/>
-                </a:tc>
-                <a:tc>
-                  <a:txBody>
-                    <a:bodyPr/>
-                    <a:lstStyle/>
-                    <a:p>
-                      <a:pPr algn="just"/>
-                      <a:r>
-                        <a:rPr lang="es-ES" dirty="0" smtClean="0"/>
-                        <a:t>Investigadora/desarrolladora</a:t>
-                      </a:r>
-                      <a:endParaRPr lang="es-ES" dirty="0"/>
-                    </a:p>
-                  </a:txBody>
-                  <a:tcPr anchor="ctr"/>
-                </a:tc>
-              </a:tr>
-              <a:tr h="552450">
-                <a:tc>
-                  <a:txBody>
-                    <a:bodyPr/>
-                    <a:lstStyle/>
-                    <a:p>
-                      <a:pPr algn="just"/>
-                      <a:r>
-                        <a:rPr lang="es-ES" dirty="0" smtClean="0"/>
-                        <a:t>Lic. Pedro Fonseca Solano</a:t>
-                      </a:r>
-                      <a:endParaRPr lang="es-ES" dirty="0"/>
-                    </a:p>
-                  </a:txBody>
-                  <a:tcPr anchor="ctr"/>
-                </a:tc>
-                <a:tc>
-                  <a:txBody>
-                    <a:bodyPr/>
-                    <a:lstStyle/>
-                    <a:p>
-                      <a:pPr algn="just"/>
-                      <a:r>
-                        <a:rPr lang="es-ES" dirty="0" smtClean="0"/>
-                        <a:t>Lector</a:t>
-                      </a:r>
-                      <a:r>
-                        <a:rPr lang="es-ES" baseline="0" dirty="0" smtClean="0"/>
-                        <a:t> interno</a:t>
-                      </a:r>
-                      <a:endParaRPr lang="es-ES" dirty="0"/>
-                    </a:p>
-                  </a:txBody>
-                  <a:tcPr anchor="ctr"/>
-                </a:tc>
-              </a:tr>
-              <a:tr h="579120">
-                <a:tc>
-                  <a:txBody>
-                    <a:bodyPr/>
-                    <a:lstStyle/>
-                    <a:p>
-                      <a:pPr algn="just"/>
-                      <a:r>
-                        <a:rPr lang="es-ES" dirty="0" smtClean="0"/>
-                        <a:t>Lic. </a:t>
-                      </a:r>
-                      <a:r>
-                        <a:rPr lang="es-ES" dirty="0" err="1" smtClean="0"/>
-                        <a:t>Róger</a:t>
-                      </a:r>
-                      <a:r>
-                        <a:rPr lang="es-ES" dirty="0" smtClean="0"/>
-                        <a:t> León Brenes</a:t>
-                      </a:r>
-                      <a:endParaRPr lang="es-ES" dirty="0"/>
-                    </a:p>
-                  </a:txBody>
-                  <a:tcPr anchor="ctr"/>
-                </a:tc>
-                <a:tc>
-                  <a:txBody>
-                    <a:bodyPr/>
-                    <a:lstStyle/>
-                    <a:p>
-                      <a:pPr algn="just"/>
-                      <a:r>
-                        <a:rPr lang="es-ES" dirty="0" smtClean="0"/>
-                        <a:t>Lector externo</a:t>
-                      </a:r>
-                      <a:endParaRPr lang="es-ES" dirty="0"/>
-                    </a:p>
-                  </a:txBody>
-                  <a:tcPr anchor="ctr"/>
-                </a:tc>
-              </a:tr>
-              <a:tr h="552450">
-                <a:tc>
-                  <a:txBody>
-                    <a:bodyPr/>
-                    <a:lstStyle/>
-                    <a:p>
-                      <a:pPr algn="just"/>
-                      <a:r>
-                        <a:rPr lang="es-ES" dirty="0" smtClean="0"/>
-                        <a:t>Dr. Felipe Ovares Barquero</a:t>
-                      </a:r>
-                      <a:endParaRPr lang="es-ES" dirty="0"/>
-                    </a:p>
-                  </a:txBody>
-                  <a:tcPr anchor="ctr"/>
-                </a:tc>
-                <a:tc>
-                  <a:txBody>
-                    <a:bodyPr/>
-                    <a:lstStyle/>
-                    <a:p>
-                      <a:pPr algn="just"/>
-                      <a:r>
-                        <a:rPr lang="es-ES" dirty="0" smtClean="0"/>
-                        <a:t>Tutor</a:t>
-                      </a:r>
-                      <a:endParaRPr lang="es-ES" dirty="0"/>
-                    </a:p>
-                  </a:txBody>
-                  <a:tcPr anchor="ctr"/>
-                </a:tc>
-              </a:tr>
-            </a:tbl>
-          </a:graphicData>
-        </a:graphic>
-      </p:graphicFrame>
-    </p:spTree>
-    <p:extLst>
-      <p:ext uri="{BB962C8B-B14F-4D97-AF65-F5344CB8AC3E}">
-        <p14:creationId xmlns:p14="http://schemas.microsoft.com/office/powerpoint/2010/main" val="2849005203"/>
-      </p:ext>
-    </p:extLst>
-  </p:cSld>
-  <p:clrMapOvr>
-    <a:masterClrMapping/>
-  </p:clrMapOvr>
-  <mc:AlternateContent xmlns:mc="http://schemas.openxmlformats.org/markup-compatibility/2006" xmlns:p14="http://schemas.microsoft.com/office/powerpoint/2010/main">
-    <mc:Choice Requires="p14">
-      <p:transition spd="med" p14:dur="700">
-        <p:fade/>
-      </p:transition>
-    </mc:Choice>
-    <mc:Fallback xmlns="">
-      <p:transition spd="med">
-        <p:fade/>
-      </p:transition>
-    </mc:Fallback>
-  </mc:AlternateContent>
-  <p:timing>
-    <p:tnLst>
-      <p:par>
-        <p:cTn id="1" dur="indefinite" restart="never" nodeType="tmRoot"/>
-      </p:par>
-    </p:tnLst>
-  </p:timing>
-</p:sld>
-</file>
-
-<file path=ppt/slides/slide40.xml><?xml version="1.0" encoding="utf-8"?>
+<file path=ppt/slides/slide38.xml><?xml version="1.0" encoding="utf-8"?>
 <p:sld xmlns:a="http://schemas.openxmlformats.org/drawingml/2006/main" xmlns:r="http://schemas.openxmlformats.org/officeDocument/2006/relationships" xmlns:p="http://schemas.openxmlformats.org/presentationml/2006/main">
   <p:cSld>
     <p:spTree>
@@ -44454,7 +45946,7 @@
 </p:sld>
 </file>
 
-<file path=ppt/slides/slide41.xml><?xml version="1.0" encoding="utf-8"?>
+<file path=ppt/slides/slide39.xml><?xml version="1.0" encoding="utf-8"?>
 <p:sld xmlns:a="http://schemas.openxmlformats.org/drawingml/2006/main" xmlns:r="http://schemas.openxmlformats.org/officeDocument/2006/relationships" xmlns:p="http://schemas.openxmlformats.org/presentationml/2006/main">
   <p:cSld>
     <p:spTree>
@@ -45391,7 +46883,396 @@
 </p:sld>
 </file>
 
-<file path=ppt/slides/slide42.xml><?xml version="1.0" encoding="utf-8"?>
+<file path=ppt/slides/slide4.xml><?xml version="1.0" encoding="utf-8"?>
+<p:sld xmlns:a="http://schemas.openxmlformats.org/drawingml/2006/main" xmlns:r="http://schemas.openxmlformats.org/officeDocument/2006/relationships" xmlns:p="http://schemas.openxmlformats.org/presentationml/2006/main">
+  <p:cSld>
+    <p:spTree>
+      <p:nvGrpSpPr>
+        <p:cNvPr id="1" name=""/>
+        <p:cNvGrpSpPr/>
+        <p:nvPr/>
+      </p:nvGrpSpPr>
+      <p:grpSpPr>
+        <a:xfrm>
+          <a:off x="0" y="0"/>
+          <a:ext cx="0" cy="0"/>
+          <a:chOff x="0" y="0"/>
+          <a:chExt cx="0" cy="0"/>
+        </a:xfrm>
+      </p:grpSpPr>
+      <p:sp>
+        <p:nvSpPr>
+          <p:cNvPr id="2" name="Título 1"/>
+          <p:cNvSpPr>
+            <a:spLocks noGrp="1"/>
+          </p:cNvSpPr>
+          <p:nvPr>
+            <p:ph type="title"/>
+          </p:nvPr>
+        </p:nvSpPr>
+        <p:spPr/>
+        <p:txBody>
+          <a:bodyPr/>
+          <a:lstStyle/>
+          <a:p>
+            <a:r>
+              <a:rPr lang="es-ES" dirty="0" smtClean="0"/>
+              <a:t>Involucrados del proyecto</a:t>
+            </a:r>
+            <a:endParaRPr lang="es-ES" dirty="0"/>
+          </a:p>
+        </p:txBody>
+      </p:sp>
+      <p:graphicFrame>
+        <p:nvGraphicFramePr>
+          <p:cNvPr id="11" name="Marcador de contenido 10" descr="Tabla de muestra con 3 columnas, 4 filas" title="Tabla"/>
+          <p:cNvGraphicFramePr>
+            <a:graphicFrameLocks noGrp="1"/>
+          </p:cNvGraphicFramePr>
+          <p:nvPr>
+            <p:ph sz="half" idx="1"/>
+            <p:extLst>
+              <p:ext uri="{D42A27DB-BD31-4B8C-83A1-F6EECF244321}">
+                <p14:modId xmlns:p14="http://schemas.microsoft.com/office/powerpoint/2010/main" val="3202040632"/>
+              </p:ext>
+            </p:extLst>
+          </p:nvPr>
+        </p:nvGraphicFramePr>
+        <p:xfrm>
+          <a:off x="1593850" y="1600200"/>
+          <a:ext cx="9910762" cy="3981450"/>
+        </p:xfrm>
+        <a:graphic>
+          <a:graphicData uri="http://schemas.openxmlformats.org/drawingml/2006/table">
+            <a:tbl>
+              <a:tblPr firstRow="1" bandRow="1">
+                <a:tableStyleId>{5C22544A-7EE6-4342-B048-85BDC9FD1C3A}</a:tableStyleId>
+              </a:tblPr>
+              <a:tblGrid>
+                <a:gridCol w="4955381"/>
+                <a:gridCol w="4955381"/>
+              </a:tblGrid>
+              <a:tr h="552450">
+                <a:tc>
+                  <a:txBody>
+                    <a:bodyPr/>
+                    <a:lstStyle/>
+                    <a:p>
+                      <a:pPr algn="ctr"/>
+                      <a:r>
+                        <a:rPr lang="es-ES" dirty="0" smtClean="0"/>
+                        <a:t>Nombre</a:t>
+                      </a:r>
+                      <a:endParaRPr lang="es-ES" dirty="0"/>
+                    </a:p>
+                  </a:txBody>
+                  <a:tcPr anchor="ctr"/>
+                </a:tc>
+                <a:tc>
+                  <a:txBody>
+                    <a:bodyPr/>
+                    <a:lstStyle/>
+                    <a:p>
+                      <a:pPr algn="ctr"/>
+                      <a:r>
+                        <a:rPr lang="es-ES" dirty="0" smtClean="0"/>
+                        <a:t>Rol</a:t>
+                      </a:r>
+                      <a:endParaRPr lang="es-ES" dirty="0"/>
+                    </a:p>
+                  </a:txBody>
+                  <a:tcPr anchor="ctr"/>
+                </a:tc>
+              </a:tr>
+              <a:tr h="552450">
+                <a:tc>
+                  <a:txBody>
+                    <a:bodyPr/>
+                    <a:lstStyle/>
+                    <a:p>
+                      <a:pPr algn="just"/>
+                      <a:r>
+                        <a:rPr lang="es-ES" dirty="0" smtClean="0"/>
+                        <a:t>Ing. Roberto Baltodano García</a:t>
+                      </a:r>
+                      <a:endParaRPr lang="es-ES" dirty="0"/>
+                    </a:p>
+                  </a:txBody>
+                  <a:tcPr anchor="ctr"/>
+                </a:tc>
+                <a:tc>
+                  <a:txBody>
+                    <a:bodyPr/>
+                    <a:lstStyle/>
+                    <a:p>
+                      <a:pPr marL="0" marR="0" indent="0" algn="just" defTabSz="914400" rtl="0" eaLnBrk="1" fontAlgn="auto" latinLnBrk="0" hangingPunct="1">
+                        <a:lnSpc>
+                          <a:spcPct val="100000"/>
+                        </a:lnSpc>
+                        <a:spcBef>
+                          <a:spcPts val="0"/>
+                        </a:spcBef>
+                        <a:spcAft>
+                          <a:spcPts val="0"/>
+                        </a:spcAft>
+                        <a:buClrTx/>
+                        <a:buSzTx/>
+                        <a:buFontTx/>
+                        <a:buNone/>
+                        <a:tabLst/>
+                        <a:defRPr/>
+                      </a:pPr>
+                      <a:r>
+                        <a:rPr lang="es-ES" dirty="0" smtClean="0"/>
+                        <a:t>Investigador/desarrollador</a:t>
+                      </a:r>
+                      <a:endParaRPr lang="es-ES" dirty="0"/>
+                    </a:p>
+                  </a:txBody>
+                  <a:tcPr anchor="ctr"/>
+                </a:tc>
+              </a:tr>
+              <a:tr h="552450">
+                <a:tc>
+                  <a:txBody>
+                    <a:bodyPr/>
+                    <a:lstStyle/>
+                    <a:p>
+                      <a:pPr algn="just"/>
+                      <a:r>
+                        <a:rPr lang="es-ES" dirty="0" smtClean="0"/>
+                        <a:t>Dra. Silvia Bonilla Berríos</a:t>
+                      </a:r>
+                      <a:endParaRPr lang="es-ES" dirty="0"/>
+                    </a:p>
+                  </a:txBody>
+                  <a:tcPr anchor="ctr"/>
+                </a:tc>
+                <a:tc>
+                  <a:txBody>
+                    <a:bodyPr/>
+                    <a:lstStyle/>
+                    <a:p>
+                      <a:pPr algn="just"/>
+                      <a:r>
+                        <a:rPr lang="es-ES" baseline="0" dirty="0" smtClean="0"/>
+                        <a:t>Propietaria Clínica </a:t>
+                      </a:r>
+                      <a:r>
+                        <a:rPr lang="es-ES" baseline="0" dirty="0" err="1" smtClean="0"/>
+                        <a:t>Audinsa</a:t>
+                      </a:r>
+                      <a:r>
+                        <a:rPr lang="es-ES" dirty="0" smtClean="0"/>
+                        <a:t>/Doctora con énfasis </a:t>
+                      </a:r>
+                      <a:r>
+                        <a:rPr lang="es-ES" baseline="0" dirty="0" smtClean="0"/>
+                        <a:t>en Audiología </a:t>
+                      </a:r>
+                      <a:endParaRPr lang="es-ES" dirty="0"/>
+                    </a:p>
+                  </a:txBody>
+                  <a:tcPr anchor="ctr"/>
+                </a:tc>
+              </a:tr>
+              <a:tr h="552450">
+                <a:tc>
+                  <a:txBody>
+                    <a:bodyPr/>
+                    <a:lstStyle/>
+                    <a:p>
+                      <a:pPr marL="0" marR="0" indent="0" algn="just" defTabSz="914400" rtl="0" eaLnBrk="1" fontAlgn="auto" latinLnBrk="0" hangingPunct="1">
+                        <a:lnSpc>
+                          <a:spcPct val="100000"/>
+                        </a:lnSpc>
+                        <a:spcBef>
+                          <a:spcPts val="0"/>
+                        </a:spcBef>
+                        <a:spcAft>
+                          <a:spcPts val="0"/>
+                        </a:spcAft>
+                        <a:buClrTx/>
+                        <a:buSzTx/>
+                        <a:buFontTx/>
+                        <a:buNone/>
+                        <a:tabLst/>
+                        <a:defRPr/>
+                      </a:pPr>
+                      <a:r>
+                        <a:rPr lang="es-ES" dirty="0" smtClean="0"/>
+                        <a:t>Ing. Daniela Campos</a:t>
+                      </a:r>
+                      <a:r>
+                        <a:rPr lang="es-ES" baseline="0" dirty="0" smtClean="0"/>
+                        <a:t> Ulate</a:t>
+                      </a:r>
+                      <a:endParaRPr lang="es-ES" dirty="0" smtClean="0"/>
+                    </a:p>
+                  </a:txBody>
+                  <a:tcPr anchor="ctr"/>
+                </a:tc>
+                <a:tc>
+                  <a:txBody>
+                    <a:bodyPr/>
+                    <a:lstStyle/>
+                    <a:p>
+                      <a:pPr algn="just"/>
+                      <a:r>
+                        <a:rPr lang="es-ES" dirty="0" smtClean="0"/>
+                        <a:t>Investigadora/desarrolladora</a:t>
+                      </a:r>
+                      <a:endParaRPr lang="es-ES" dirty="0"/>
+                    </a:p>
+                  </a:txBody>
+                  <a:tcPr anchor="ctr"/>
+                </a:tc>
+              </a:tr>
+              <a:tr h="552450">
+                <a:tc>
+                  <a:txBody>
+                    <a:bodyPr/>
+                    <a:lstStyle/>
+                    <a:p>
+                      <a:pPr algn="just"/>
+                      <a:r>
+                        <a:rPr lang="es-ES" dirty="0" smtClean="0"/>
+                        <a:t>Lic. Pedro Fonseca Solano</a:t>
+                      </a:r>
+                      <a:endParaRPr lang="es-ES" dirty="0"/>
+                    </a:p>
+                  </a:txBody>
+                  <a:tcPr anchor="ctr"/>
+                </a:tc>
+                <a:tc>
+                  <a:txBody>
+                    <a:bodyPr/>
+                    <a:lstStyle/>
+                    <a:p>
+                      <a:pPr algn="just"/>
+                      <a:r>
+                        <a:rPr lang="es-ES" dirty="0" smtClean="0"/>
+                        <a:t>Lector</a:t>
+                      </a:r>
+                      <a:r>
+                        <a:rPr lang="es-ES" baseline="0" dirty="0" smtClean="0"/>
+                        <a:t> interno</a:t>
+                      </a:r>
+                      <a:endParaRPr lang="es-ES" dirty="0"/>
+                    </a:p>
+                  </a:txBody>
+                  <a:tcPr anchor="ctr"/>
+                </a:tc>
+              </a:tr>
+              <a:tr h="579120">
+                <a:tc>
+                  <a:txBody>
+                    <a:bodyPr/>
+                    <a:lstStyle/>
+                    <a:p>
+                      <a:pPr algn="just"/>
+                      <a:r>
+                        <a:rPr lang="es-ES" dirty="0" smtClean="0"/>
+                        <a:t>Lic. </a:t>
+                      </a:r>
+                      <a:r>
+                        <a:rPr lang="es-ES" dirty="0" err="1" smtClean="0"/>
+                        <a:t>Róger</a:t>
+                      </a:r>
+                      <a:r>
+                        <a:rPr lang="es-ES" dirty="0" smtClean="0"/>
+                        <a:t> León Brenes</a:t>
+                      </a:r>
+                      <a:endParaRPr lang="es-ES" dirty="0"/>
+                    </a:p>
+                  </a:txBody>
+                  <a:tcPr anchor="ctr"/>
+                </a:tc>
+                <a:tc>
+                  <a:txBody>
+                    <a:bodyPr/>
+                    <a:lstStyle/>
+                    <a:p>
+                      <a:pPr algn="just"/>
+                      <a:r>
+                        <a:rPr lang="es-ES" dirty="0" smtClean="0"/>
+                        <a:t>Lector externo</a:t>
+                      </a:r>
+                      <a:endParaRPr lang="es-ES" dirty="0"/>
+                    </a:p>
+                  </a:txBody>
+                  <a:tcPr anchor="ctr"/>
+                </a:tc>
+              </a:tr>
+              <a:tr h="552450">
+                <a:tc>
+                  <a:txBody>
+                    <a:bodyPr/>
+                    <a:lstStyle/>
+                    <a:p>
+                      <a:pPr algn="just"/>
+                      <a:r>
+                        <a:rPr lang="es-ES" dirty="0" smtClean="0"/>
+                        <a:t>Dr. Felipe Ovares Barquero</a:t>
+                      </a:r>
+                      <a:endParaRPr lang="es-ES" dirty="0"/>
+                    </a:p>
+                  </a:txBody>
+                  <a:tcPr anchor="ctr"/>
+                </a:tc>
+                <a:tc>
+                  <a:txBody>
+                    <a:bodyPr/>
+                    <a:lstStyle/>
+                    <a:p>
+                      <a:pPr algn="just"/>
+                      <a:r>
+                        <a:rPr lang="es-ES" dirty="0" smtClean="0"/>
+                        <a:t>Tutor</a:t>
+                      </a:r>
+                      <a:endParaRPr lang="es-ES" dirty="0"/>
+                    </a:p>
+                  </a:txBody>
+                  <a:tcPr anchor="ctr"/>
+                </a:tc>
+              </a:tr>
+            </a:tbl>
+          </a:graphicData>
+        </a:graphic>
+      </p:graphicFrame>
+    </p:spTree>
+    <p:extLst>
+      <p:ext uri="{BB962C8B-B14F-4D97-AF65-F5344CB8AC3E}">
+        <p14:creationId xmlns:p14="http://schemas.microsoft.com/office/powerpoint/2010/main" val="2849005203"/>
+      </p:ext>
+    </p:extLst>
+  </p:cSld>
+  <p:clrMapOvr>
+    <a:masterClrMapping/>
+  </p:clrMapOvr>
+  <mc:AlternateContent xmlns:mc="http://schemas.openxmlformats.org/markup-compatibility/2006" xmlns:p14="http://schemas.microsoft.com/office/powerpoint/2010/main">
+    <mc:Choice Requires="p14">
+      <p:transition spd="med" p14:dur="700">
+        <p:fade/>
+      </p:transition>
+    </mc:Choice>
+    <mc:Fallback xmlns="">
+      <p:transition spd="med">
+        <p:fade/>
+      </p:transition>
+    </mc:Fallback>
+  </mc:AlternateContent>
+  <p:timing>
+    <p:tnLst>
+      <p:par>
+        <p:cTn id="1" dur="indefinite" restart="never" nodeType="tmRoot"/>
+      </p:par>
+    </p:tnLst>
+  </p:timing>
+</p:sld>
+</file>
+
+<file path=ppt/slides/slide40.xml><?xml version="1.0" encoding="utf-8"?>
 <p:sld xmlns:a="http://schemas.openxmlformats.org/drawingml/2006/main" xmlns:r="http://schemas.openxmlformats.org/officeDocument/2006/relationships" xmlns:p="http://schemas.openxmlformats.org/presentationml/2006/main">
   <p:cSld>
     <p:spTree>
@@ -46667,7 +48548,7 @@
 </p:sld>
 </file>
 
-<file path=ppt/slides/slide43.xml><?xml version="1.0" encoding="utf-8"?>
+<file path=ppt/slides/slide41.xml><?xml version="1.0" encoding="utf-8"?>
 <p:sld xmlns:a="http://schemas.openxmlformats.org/drawingml/2006/main" xmlns:r="http://schemas.openxmlformats.org/officeDocument/2006/relationships" xmlns:p="http://schemas.openxmlformats.org/presentationml/2006/main">
   <p:cSld>
     <p:spTree>
@@ -46769,7 +48650,7 @@
 </p:sld>
 </file>
 
-<file path=ppt/slides/slide44.xml><?xml version="1.0" encoding="utf-8"?>
+<file path=ppt/slides/slide42.xml><?xml version="1.0" encoding="utf-8"?>
 <p:sld xmlns:a="http://schemas.openxmlformats.org/drawingml/2006/main" xmlns:r="http://schemas.openxmlformats.org/officeDocument/2006/relationships" xmlns:p="http://schemas.openxmlformats.org/presentationml/2006/main">
   <p:cSld>
     <p:spTree>
@@ -46922,10 +48803,17 @@
       </p:transition>
     </mc:Fallback>
   </mc:AlternateContent>
+  <p:timing>
+    <p:tnLst>
+      <p:par>
+        <p:cTn id="1" dur="indefinite" restart="never" nodeType="tmRoot"/>
+      </p:par>
+    </p:tnLst>
+  </p:timing>
 </p:sld>
 </file>
 
-<file path=ppt/slides/slide45.xml><?xml version="1.0" encoding="utf-8"?>
+<file path=ppt/slides/slide43.xml><?xml version="1.0" encoding="utf-8"?>
 <p:sld xmlns:a="http://schemas.openxmlformats.org/drawingml/2006/main" xmlns:r="http://schemas.openxmlformats.org/officeDocument/2006/relationships" xmlns:p="http://schemas.openxmlformats.org/presentationml/2006/main">
   <p:cSld>
     <p:spTree>
@@ -47046,6 +48934,259 @@
     <p:extLst>
       <p:ext uri="{BB962C8B-B14F-4D97-AF65-F5344CB8AC3E}">
         <p14:creationId xmlns:p14="http://schemas.microsoft.com/office/powerpoint/2010/main" val="2214297050"/>
+      </p:ext>
+    </p:extLst>
+  </p:cSld>
+  <p:clrMapOvr>
+    <a:masterClrMapping/>
+  </p:clrMapOvr>
+  <mc:AlternateContent xmlns:mc="http://schemas.openxmlformats.org/markup-compatibility/2006" xmlns:p14="http://schemas.microsoft.com/office/powerpoint/2010/main">
+    <mc:Choice Requires="p14">
+      <p:transition spd="med" p14:dur="700">
+        <p:fade/>
+      </p:transition>
+    </mc:Choice>
+    <mc:Fallback xmlns="">
+      <p:transition spd="med">
+        <p:fade/>
+      </p:transition>
+    </mc:Fallback>
+  </mc:AlternateContent>
+  <p:timing>
+    <p:tnLst>
+      <p:par>
+        <p:cTn id="1" dur="indefinite" restart="never" nodeType="tmRoot"/>
+      </p:par>
+    </p:tnLst>
+  </p:timing>
+</p:sld>
+</file>
+
+<file path=ppt/slides/slide44.xml><?xml version="1.0" encoding="utf-8"?>
+<p:sld xmlns:a="http://schemas.openxmlformats.org/drawingml/2006/main" xmlns:r="http://schemas.openxmlformats.org/officeDocument/2006/relationships" xmlns:p="http://schemas.openxmlformats.org/presentationml/2006/main">
+  <p:cSld>
+    <p:spTree>
+      <p:nvGrpSpPr>
+        <p:cNvPr id="1" name=""/>
+        <p:cNvGrpSpPr/>
+        <p:nvPr/>
+      </p:nvGrpSpPr>
+      <p:grpSpPr>
+        <a:xfrm>
+          <a:off x="0" y="0"/>
+          <a:ext cx="0" cy="0"/>
+          <a:chOff x="0" y="0"/>
+          <a:chExt cx="0" cy="0"/>
+        </a:xfrm>
+      </p:grpSpPr>
+      <p:sp>
+        <p:nvSpPr>
+          <p:cNvPr id="3" name="2 Marcador de contenido"/>
+          <p:cNvSpPr>
+            <a:spLocks noGrp="1"/>
+          </p:cNvSpPr>
+          <p:nvPr>
+            <p:ph idx="1"/>
+          </p:nvPr>
+        </p:nvSpPr>
+        <p:spPr/>
+        <p:txBody>
+          <a:bodyPr>
+            <a:normAutofit/>
+          </a:bodyPr>
+          <a:lstStyle/>
+          <a:p>
+            <a:r>
+              <a:rPr lang="es-ES" dirty="0" smtClean="0"/>
+              <a:t>El proyecto </a:t>
+            </a:r>
+            <a:r>
+              <a:rPr lang="es-ES" b="1" dirty="0"/>
+              <a:t>apoya la misión </a:t>
+            </a:r>
+            <a:r>
+              <a:rPr lang="es-ES" dirty="0"/>
+              <a:t>de la empresa de desarrollar </a:t>
+            </a:r>
+            <a:r>
+              <a:rPr lang="es-ES" b="1" dirty="0"/>
+              <a:t>programas de conservación auditiva, previniendo y </a:t>
+            </a:r>
+            <a:r>
+              <a:rPr lang="es-ES" b="1" dirty="0" smtClean="0"/>
+              <a:t>educando.</a:t>
+            </a:r>
+          </a:p>
+          <a:p>
+            <a:endParaRPr lang="es-ES" dirty="0" smtClean="0"/>
+          </a:p>
+          <a:p>
+            <a:r>
+              <a:rPr lang="es-ES" dirty="0" smtClean="0"/>
+              <a:t>Aceptación </a:t>
+            </a:r>
+            <a:r>
+              <a:rPr lang="es-ES" dirty="0"/>
+              <a:t>de 100 </a:t>
+            </a:r>
+            <a:r>
+              <a:rPr lang="es-ES" dirty="0" smtClean="0"/>
+              <a:t>%.</a:t>
+            </a:r>
+          </a:p>
+          <a:p>
+            <a:endParaRPr lang="es-ES" dirty="0"/>
+          </a:p>
+          <a:p>
+            <a:r>
+              <a:rPr lang="es-ES" dirty="0" smtClean="0"/>
+              <a:t>No reemplaza la visita periódica a un profesional.</a:t>
+            </a:r>
+            <a:endParaRPr lang="es-CR" dirty="0"/>
+          </a:p>
+        </p:txBody>
+      </p:sp>
+      <p:sp>
+        <p:nvSpPr>
+          <p:cNvPr id="4" name="1 Título"/>
+          <p:cNvSpPr>
+            <a:spLocks noGrp="1"/>
+          </p:cNvSpPr>
+          <p:nvPr>
+            <p:ph type="title"/>
+          </p:nvPr>
+        </p:nvSpPr>
+        <p:spPr>
+          <a:xfrm>
+            <a:off x="1593436" y="177800"/>
+            <a:ext cx="9782801" cy="1239837"/>
+          </a:xfrm>
+        </p:spPr>
+        <p:txBody>
+          <a:bodyPr/>
+          <a:lstStyle/>
+          <a:p>
+            <a:r>
+              <a:rPr lang="es-CR" dirty="0" smtClean="0"/>
+              <a:t>Conclusiones</a:t>
+            </a:r>
+            <a:endParaRPr lang="es-CR" dirty="0"/>
+          </a:p>
+        </p:txBody>
+      </p:sp>
+    </p:spTree>
+    <p:extLst>
+      <p:ext uri="{BB962C8B-B14F-4D97-AF65-F5344CB8AC3E}">
+        <p14:creationId xmlns:p14="http://schemas.microsoft.com/office/powerpoint/2010/main" val="1404463017"/>
+      </p:ext>
+    </p:extLst>
+  </p:cSld>
+  <p:clrMapOvr>
+    <a:masterClrMapping/>
+  </p:clrMapOvr>
+  <mc:AlternateContent xmlns:mc="http://schemas.openxmlformats.org/markup-compatibility/2006" xmlns:p14="http://schemas.microsoft.com/office/powerpoint/2010/main">
+    <mc:Choice Requires="p14">
+      <p:transition spd="med" p14:dur="700">
+        <p:fade/>
+      </p:transition>
+    </mc:Choice>
+    <mc:Fallback xmlns="">
+      <p:transition spd="med">
+        <p:fade/>
+      </p:transition>
+    </mc:Fallback>
+  </mc:AlternateContent>
+  <p:timing>
+    <p:tnLst>
+      <p:par>
+        <p:cTn id="1" dur="indefinite" restart="never" nodeType="tmRoot"/>
+      </p:par>
+    </p:tnLst>
+  </p:timing>
+</p:sld>
+</file>
+
+<file path=ppt/slides/slide45.xml><?xml version="1.0" encoding="utf-8"?>
+<p:sld xmlns:a="http://schemas.openxmlformats.org/drawingml/2006/main" xmlns:r="http://schemas.openxmlformats.org/officeDocument/2006/relationships" xmlns:p="http://schemas.openxmlformats.org/presentationml/2006/main">
+  <p:cSld>
+    <p:spTree>
+      <p:nvGrpSpPr>
+        <p:cNvPr id="1" name=""/>
+        <p:cNvGrpSpPr/>
+        <p:nvPr/>
+      </p:nvGrpSpPr>
+      <p:grpSpPr>
+        <a:xfrm>
+          <a:off x="0" y="0"/>
+          <a:ext cx="0" cy="0"/>
+          <a:chOff x="0" y="0"/>
+          <a:chExt cx="0" cy="0"/>
+        </a:xfrm>
+      </p:grpSpPr>
+      <p:sp>
+        <p:nvSpPr>
+          <p:cNvPr id="3" name="2 Marcador de contenido"/>
+          <p:cNvSpPr>
+            <a:spLocks noGrp="1"/>
+          </p:cNvSpPr>
+          <p:nvPr>
+            <p:ph idx="1"/>
+          </p:nvPr>
+        </p:nvSpPr>
+        <p:spPr/>
+        <p:txBody>
+          <a:bodyPr>
+            <a:normAutofit/>
+          </a:bodyPr>
+          <a:lstStyle/>
+          <a:p>
+            <a:r>
+              <a:rPr lang="es-CR" dirty="0" smtClean="0"/>
+              <a:t>Comunicación con los usuarios.</a:t>
+            </a:r>
+            <a:endParaRPr lang="es-CR" dirty="0"/>
+          </a:p>
+          <a:p>
+            <a:endParaRPr lang="es-CR" dirty="0" smtClean="0"/>
+          </a:p>
+          <a:p>
+            <a:r>
+              <a:rPr lang="es-CR" dirty="0"/>
+              <a:t>La  finalización de la aplicación, permite terminar de manera exitosa un proyecto de gran exigencia en los procesos de investigación, capacitación y desarrollo. </a:t>
+            </a:r>
+          </a:p>
+          <a:p>
+            <a:endParaRPr lang="es-CR" dirty="0"/>
+          </a:p>
+        </p:txBody>
+      </p:sp>
+      <p:sp>
+        <p:nvSpPr>
+          <p:cNvPr id="4" name="1 Título"/>
+          <p:cNvSpPr>
+            <a:spLocks noGrp="1"/>
+          </p:cNvSpPr>
+          <p:nvPr>
+            <p:ph type="title"/>
+          </p:nvPr>
+        </p:nvSpPr>
+        <p:spPr/>
+        <p:txBody>
+          <a:bodyPr/>
+          <a:lstStyle/>
+          <a:p>
+            <a:r>
+              <a:rPr lang="es-CR" dirty="0" smtClean="0"/>
+              <a:t>Conclusiones</a:t>
+            </a:r>
+            <a:endParaRPr lang="es-CR" dirty="0"/>
+          </a:p>
+        </p:txBody>
+      </p:sp>
+    </p:spTree>
+    <p:extLst>
+      <p:ext uri="{BB962C8B-B14F-4D97-AF65-F5344CB8AC3E}">
+        <p14:creationId xmlns:p14="http://schemas.microsoft.com/office/powerpoint/2010/main" val="919547579"/>
       </p:ext>
     </p:extLst>
   </p:cSld>
@@ -47108,52 +49249,72 @@
           </a:bodyPr>
           <a:lstStyle/>
           <a:p>
+            <a:pPr lvl="0"/>
             <a:r>
               <a:rPr lang="es-ES" dirty="0" smtClean="0"/>
-              <a:t>El proyecto </a:t>
+              <a:t>Se </a:t>
+            </a:r>
+            <a:r>
+              <a:rPr lang="es-ES" dirty="0"/>
+              <a:t>recomienda a la dueña de la clínica </a:t>
+            </a:r>
+            <a:r>
+              <a:rPr lang="es-ES" dirty="0" smtClean="0"/>
+              <a:t>solicitar constantemente </a:t>
             </a:r>
             <a:r>
               <a:rPr lang="es-ES" b="1" dirty="0"/>
-              <a:t>apoya la misión </a:t>
+              <a:t>retroalimentación</a:t>
             </a:r>
             <a:r>
               <a:rPr lang="es-ES" dirty="0"/>
-              <a:t>de la empresa de desarrollar </a:t>
-            </a:r>
-            <a:r>
-              <a:rPr lang="es-ES" b="1" dirty="0"/>
-              <a:t>programas de conservación auditiva, previniendo y </a:t>
-            </a:r>
-            <a:r>
-              <a:rPr lang="es-ES" b="1" dirty="0" smtClean="0"/>
-              <a:t>educando.</a:t>
+              <a:t> a sus </a:t>
+            </a:r>
+            <a:r>
+              <a:rPr lang="es-ES" dirty="0" smtClean="0"/>
+              <a:t>clientes sobre </a:t>
+            </a:r>
+            <a:r>
+              <a:rPr lang="es-ES" dirty="0"/>
+              <a:t>AUDINSA Salud </a:t>
+            </a:r>
+            <a:r>
+              <a:rPr lang="es-ES" dirty="0" smtClean="0"/>
+              <a:t>Auditiva. </a:t>
             </a:r>
           </a:p>
           <a:p>
-            <a:endParaRPr lang="es-ES" dirty="0" smtClean="0"/>
-          </a:p>
-          <a:p>
-            <a:r>
-              <a:rPr lang="es-ES" dirty="0" smtClean="0"/>
-              <a:t>Aceptación </a:t>
-            </a:r>
-            <a:r>
-              <a:rPr lang="es-ES" dirty="0"/>
-              <a:t>de 100 </a:t>
-            </a:r>
-            <a:r>
-              <a:rPr lang="es-ES" dirty="0" smtClean="0"/>
-              <a:t>%.</a:t>
-            </a:r>
-          </a:p>
-          <a:p>
+            <a:pPr lvl="0"/>
             <a:endParaRPr lang="es-ES" dirty="0"/>
           </a:p>
           <a:p>
             <a:r>
-              <a:rPr lang="es-ES" dirty="0" smtClean="0"/>
-              <a:t>No reemplaza la visita periódica a un profesional.</a:t>
-            </a:r>
+              <a:rPr lang="es-CR" dirty="0" smtClean="0"/>
+              <a:t>Continuar innovando.</a:t>
+            </a:r>
+            <a:endParaRPr lang="es-CR" dirty="0"/>
+          </a:p>
+          <a:p>
+            <a:pPr lvl="0"/>
+            <a:endParaRPr lang="es-CR" dirty="0" smtClean="0"/>
+          </a:p>
+          <a:p>
+            <a:r>
+              <a:rPr lang="es-CR" dirty="0"/>
+              <a:t>Mostrar la aplicación.</a:t>
+            </a:r>
+          </a:p>
+          <a:p>
+            <a:endParaRPr lang="es-CR" dirty="0"/>
+          </a:p>
+          <a:p>
+            <a:pPr lvl="0"/>
+            <a:endParaRPr lang="es-CR" dirty="0"/>
+          </a:p>
+          <a:p>
+            <a:endParaRPr lang="es-CR" dirty="0" smtClean="0"/>
+          </a:p>
+          <a:p>
             <a:endParaRPr lang="es-CR" dirty="0"/>
           </a:p>
         </p:txBody>
@@ -47180,7 +49341,7 @@
           <a:p>
             <a:r>
               <a:rPr lang="es-CR" dirty="0" smtClean="0"/>
-              <a:t>Conclusiones</a:t>
+              <a:t>Recomendaciones</a:t>
             </a:r>
             <a:endParaRPr lang="es-CR" dirty="0"/>
           </a:p>
@@ -47189,7 +49350,7 @@
     </p:spTree>
     <p:extLst>
       <p:ext uri="{BB962C8B-B14F-4D97-AF65-F5344CB8AC3E}">
-        <p14:creationId xmlns:p14="http://schemas.microsoft.com/office/powerpoint/2010/main" val="1404463017"/>
+        <p14:creationId xmlns:p14="http://schemas.microsoft.com/office/powerpoint/2010/main" val="3318064184"/>
       </p:ext>
     </p:extLst>
   </p:cSld>
@@ -47208,6 +49369,13 @@
       </p:transition>
     </mc:Fallback>
   </mc:AlternateContent>
+  <p:timing>
+    <p:tnLst>
+      <p:par>
+        <p:cTn id="1" dur="indefinite" restart="never" nodeType="tmRoot"/>
+      </p:par>
+    </p:tnLst>
+  </p:timing>
 </p:sld>
 </file>
 
@@ -47245,265 +49413,6 @@
           </a:bodyPr>
           <a:lstStyle/>
           <a:p>
-            <a:r>
-              <a:rPr lang="es-CR" dirty="0" smtClean="0"/>
-              <a:t>Comunicación con los usuarios.</a:t>
-            </a:r>
-            <a:endParaRPr lang="es-CR" dirty="0"/>
-          </a:p>
-          <a:p>
-            <a:endParaRPr lang="es-CR" dirty="0" smtClean="0"/>
-          </a:p>
-          <a:p>
-            <a:r>
-              <a:rPr lang="es-CR" dirty="0"/>
-              <a:t>La  finalización de la aplicación, permite terminar de manera exitosa un proyecto de gran exigencia en los procesos de investigación, capacitación y desarrollo. </a:t>
-            </a:r>
-          </a:p>
-          <a:p>
-            <a:endParaRPr lang="es-CR" dirty="0"/>
-          </a:p>
-        </p:txBody>
-      </p:sp>
-      <p:sp>
-        <p:nvSpPr>
-          <p:cNvPr id="4" name="1 Título"/>
-          <p:cNvSpPr>
-            <a:spLocks noGrp="1"/>
-          </p:cNvSpPr>
-          <p:nvPr>
-            <p:ph type="title"/>
-          </p:nvPr>
-        </p:nvSpPr>
-        <p:spPr/>
-        <p:txBody>
-          <a:bodyPr/>
-          <a:lstStyle/>
-          <a:p>
-            <a:r>
-              <a:rPr lang="es-CR" dirty="0" smtClean="0"/>
-              <a:t>Conclusiones</a:t>
-            </a:r>
-            <a:endParaRPr lang="es-CR" dirty="0"/>
-          </a:p>
-        </p:txBody>
-      </p:sp>
-    </p:spTree>
-    <p:extLst>
-      <p:ext uri="{BB962C8B-B14F-4D97-AF65-F5344CB8AC3E}">
-        <p14:creationId xmlns:p14="http://schemas.microsoft.com/office/powerpoint/2010/main" val="919547579"/>
-      </p:ext>
-    </p:extLst>
-  </p:cSld>
-  <p:clrMapOvr>
-    <a:masterClrMapping/>
-  </p:clrMapOvr>
-  <mc:AlternateContent xmlns:mc="http://schemas.openxmlformats.org/markup-compatibility/2006" xmlns:p14="http://schemas.microsoft.com/office/powerpoint/2010/main">
-    <mc:Choice Requires="p14">
-      <p:transition spd="med" p14:dur="700">
-        <p:fade/>
-      </p:transition>
-    </mc:Choice>
-    <mc:Fallback xmlns="">
-      <p:transition spd="med">
-        <p:fade/>
-      </p:transition>
-    </mc:Fallback>
-  </mc:AlternateContent>
-</p:sld>
-</file>
-
-<file path=ppt/slides/slide48.xml><?xml version="1.0" encoding="utf-8"?>
-<p:sld xmlns:a="http://schemas.openxmlformats.org/drawingml/2006/main" xmlns:r="http://schemas.openxmlformats.org/officeDocument/2006/relationships" xmlns:p="http://schemas.openxmlformats.org/presentationml/2006/main">
-  <p:cSld>
-    <p:spTree>
-      <p:nvGrpSpPr>
-        <p:cNvPr id="1" name=""/>
-        <p:cNvGrpSpPr/>
-        <p:nvPr/>
-      </p:nvGrpSpPr>
-      <p:grpSpPr>
-        <a:xfrm>
-          <a:off x="0" y="0"/>
-          <a:ext cx="0" cy="0"/>
-          <a:chOff x="0" y="0"/>
-          <a:chExt cx="0" cy="0"/>
-        </a:xfrm>
-      </p:grpSpPr>
-      <p:sp>
-        <p:nvSpPr>
-          <p:cNvPr id="3" name="2 Marcador de contenido"/>
-          <p:cNvSpPr>
-            <a:spLocks noGrp="1"/>
-          </p:cNvSpPr>
-          <p:nvPr>
-            <p:ph idx="1"/>
-          </p:nvPr>
-        </p:nvSpPr>
-        <p:spPr/>
-        <p:txBody>
-          <a:bodyPr>
-            <a:normAutofit/>
-          </a:bodyPr>
-          <a:lstStyle/>
-          <a:p>
-            <a:pPr lvl="0"/>
-            <a:r>
-              <a:rPr lang="es-ES" dirty="0" smtClean="0"/>
-              <a:t>Se </a:t>
-            </a:r>
-            <a:r>
-              <a:rPr lang="es-ES" dirty="0"/>
-              <a:t>recomienda a la dueña de la clínica </a:t>
-            </a:r>
-            <a:r>
-              <a:rPr lang="es-ES" dirty="0" smtClean="0"/>
-              <a:t>solicitar constantemente </a:t>
-            </a:r>
-            <a:r>
-              <a:rPr lang="es-ES" b="1" dirty="0"/>
-              <a:t>retroalimentación</a:t>
-            </a:r>
-            <a:r>
-              <a:rPr lang="es-ES" dirty="0"/>
-              <a:t> a sus </a:t>
-            </a:r>
-            <a:r>
-              <a:rPr lang="es-ES" dirty="0" smtClean="0"/>
-              <a:t>clientes sobre </a:t>
-            </a:r>
-            <a:r>
-              <a:rPr lang="es-ES" dirty="0"/>
-              <a:t>AUDINSA Salud </a:t>
-            </a:r>
-            <a:r>
-              <a:rPr lang="es-ES" dirty="0" smtClean="0"/>
-              <a:t>Auditiva. </a:t>
-            </a:r>
-          </a:p>
-          <a:p>
-            <a:pPr lvl="0"/>
-            <a:endParaRPr lang="es-ES" dirty="0"/>
-          </a:p>
-          <a:p>
-            <a:r>
-              <a:rPr lang="es-CR" dirty="0" smtClean="0"/>
-              <a:t>Continuar innovando.</a:t>
-            </a:r>
-            <a:endParaRPr lang="es-CR" dirty="0"/>
-          </a:p>
-          <a:p>
-            <a:pPr lvl="0"/>
-            <a:endParaRPr lang="es-CR" dirty="0" smtClean="0"/>
-          </a:p>
-          <a:p>
-            <a:r>
-              <a:rPr lang="es-CR" dirty="0"/>
-              <a:t>Mostrar la aplicación.</a:t>
-            </a:r>
-          </a:p>
-          <a:p>
-            <a:endParaRPr lang="es-CR" dirty="0"/>
-          </a:p>
-          <a:p>
-            <a:pPr lvl="0"/>
-            <a:endParaRPr lang="es-CR" dirty="0"/>
-          </a:p>
-          <a:p>
-            <a:endParaRPr lang="es-CR" dirty="0" smtClean="0"/>
-          </a:p>
-          <a:p>
-            <a:endParaRPr lang="es-CR" dirty="0"/>
-          </a:p>
-        </p:txBody>
-      </p:sp>
-      <p:sp>
-        <p:nvSpPr>
-          <p:cNvPr id="4" name="1 Título"/>
-          <p:cNvSpPr>
-            <a:spLocks noGrp="1"/>
-          </p:cNvSpPr>
-          <p:nvPr>
-            <p:ph type="title"/>
-          </p:nvPr>
-        </p:nvSpPr>
-        <p:spPr>
-          <a:xfrm>
-            <a:off x="1593436" y="177800"/>
-            <a:ext cx="9782801" cy="1239837"/>
-          </a:xfrm>
-        </p:spPr>
-        <p:txBody>
-          <a:bodyPr/>
-          <a:lstStyle/>
-          <a:p>
-            <a:r>
-              <a:rPr lang="es-CR" dirty="0" smtClean="0"/>
-              <a:t>Recomendaciones</a:t>
-            </a:r>
-            <a:endParaRPr lang="es-CR" dirty="0"/>
-          </a:p>
-        </p:txBody>
-      </p:sp>
-    </p:spTree>
-    <p:extLst>
-      <p:ext uri="{BB962C8B-B14F-4D97-AF65-F5344CB8AC3E}">
-        <p14:creationId xmlns:p14="http://schemas.microsoft.com/office/powerpoint/2010/main" val="3318064184"/>
-      </p:ext>
-    </p:extLst>
-  </p:cSld>
-  <p:clrMapOvr>
-    <a:masterClrMapping/>
-  </p:clrMapOvr>
-  <mc:AlternateContent xmlns:mc="http://schemas.openxmlformats.org/markup-compatibility/2006" xmlns:p14="http://schemas.microsoft.com/office/powerpoint/2010/main">
-    <mc:Choice Requires="p14">
-      <p:transition spd="med" p14:dur="700">
-        <p:fade/>
-      </p:transition>
-    </mc:Choice>
-    <mc:Fallback xmlns="">
-      <p:transition spd="med">
-        <p:fade/>
-      </p:transition>
-    </mc:Fallback>
-  </mc:AlternateContent>
-</p:sld>
-</file>
-
-<file path=ppt/slides/slide49.xml><?xml version="1.0" encoding="utf-8"?>
-<p:sld xmlns:a="http://schemas.openxmlformats.org/drawingml/2006/main" xmlns:r="http://schemas.openxmlformats.org/officeDocument/2006/relationships" xmlns:p="http://schemas.openxmlformats.org/presentationml/2006/main">
-  <p:cSld>
-    <p:spTree>
-      <p:nvGrpSpPr>
-        <p:cNvPr id="1" name=""/>
-        <p:cNvGrpSpPr/>
-        <p:nvPr/>
-      </p:nvGrpSpPr>
-      <p:grpSpPr>
-        <a:xfrm>
-          <a:off x="0" y="0"/>
-          <a:ext cx="0" cy="0"/>
-          <a:chOff x="0" y="0"/>
-          <a:chExt cx="0" cy="0"/>
-        </a:xfrm>
-      </p:grpSpPr>
-      <p:sp>
-        <p:nvSpPr>
-          <p:cNvPr id="3" name="2 Marcador de contenido"/>
-          <p:cNvSpPr>
-            <a:spLocks noGrp="1"/>
-          </p:cNvSpPr>
-          <p:nvPr>
-            <p:ph idx="1"/>
-          </p:nvPr>
-        </p:nvSpPr>
-        <p:spPr/>
-        <p:txBody>
-          <a:bodyPr>
-            <a:normAutofit/>
-          </a:bodyPr>
-          <a:lstStyle/>
-          <a:p>
             <a:pPr lvl="0"/>
             <a:r>
               <a:rPr lang="es-ES" dirty="0" smtClean="0"/>
@@ -47604,6 +49513,222 @@
       </p:transition>
     </mc:Fallback>
   </mc:AlternateContent>
+  <p:timing>
+    <p:tnLst>
+      <p:par>
+        <p:cTn id="1" dur="indefinite" restart="never" nodeType="tmRoot"/>
+      </p:par>
+    </p:tnLst>
+  </p:timing>
+</p:sld>
+</file>
+
+<file path=ppt/slides/slide48.xml><?xml version="1.0" encoding="utf-8"?>
+<p:sld xmlns:a="http://schemas.openxmlformats.org/drawingml/2006/main" xmlns:r="http://schemas.openxmlformats.org/officeDocument/2006/relationships" xmlns:p="http://schemas.openxmlformats.org/presentationml/2006/main">
+  <p:cSld>
+    <p:spTree>
+      <p:nvGrpSpPr>
+        <p:cNvPr id="1" name=""/>
+        <p:cNvGrpSpPr/>
+        <p:nvPr/>
+      </p:nvGrpSpPr>
+      <p:grpSpPr>
+        <a:xfrm>
+          <a:off x="0" y="0"/>
+          <a:ext cx="0" cy="0"/>
+          <a:chOff x="0" y="0"/>
+          <a:chExt cx="0" cy="0"/>
+        </a:xfrm>
+      </p:grpSpPr>
+      <p:sp>
+        <p:nvSpPr>
+          <p:cNvPr id="2" name="Título 1"/>
+          <p:cNvSpPr txBox="1">
+            <a:spLocks/>
+          </p:cNvSpPr>
+          <p:nvPr/>
+        </p:nvSpPr>
+        <p:spPr>
+          <a:xfrm>
+            <a:off x="1827212" y="1981200"/>
+            <a:ext cx="8329031" cy="2680127"/>
+          </a:xfrm>
+          <a:prstGeom prst="rect">
+            <a:avLst/>
+          </a:prstGeom>
+        </p:spPr>
+        <p:txBody>
+          <a:bodyPr anchor="ctr"/>
+          <a:lstStyle>
+            <a:lvl1pPr algn="l" defTabSz="914400" rtl="0" eaLnBrk="1" latinLnBrk="0" hangingPunct="1">
+              <a:lnSpc>
+                <a:spcPct val="90000"/>
+              </a:lnSpc>
+              <a:spcBef>
+                <a:spcPct val="0"/>
+              </a:spcBef>
+              <a:buNone/>
+              <a:defRPr lang="es-ES" sz="3600" kern="1200">
+                <a:solidFill>
+                  <a:schemeClr val="tx1">
+                    <a:lumMod val="75000"/>
+                  </a:schemeClr>
+                </a:solidFill>
+                <a:latin typeface="+mj-lt"/>
+                <a:ea typeface="+mj-ea"/>
+                <a:cs typeface="+mj-cs"/>
+              </a:defRPr>
+            </a:lvl1pPr>
+          </a:lstStyle>
+          <a:p>
+            <a:pPr algn="ctr"/>
+            <a:r>
+              <a:rPr lang="es-CR" sz="4800" b="1" smtClean="0"/>
+              <a:t>¿Preguntas</a:t>
+            </a:r>
+            <a:r>
+              <a:rPr lang="es-CR" sz="4800" b="1" dirty="0" smtClean="0"/>
+              <a:t>?</a:t>
+            </a:r>
+          </a:p>
+          <a:p>
+            <a:pPr algn="ctr"/>
+            <a:endParaRPr lang="es-CR" sz="4800" dirty="0"/>
+          </a:p>
+        </p:txBody>
+      </p:sp>
+    </p:spTree>
+    <p:extLst>
+      <p:ext uri="{BB962C8B-B14F-4D97-AF65-F5344CB8AC3E}">
+        <p14:creationId xmlns:p14="http://schemas.microsoft.com/office/powerpoint/2010/main" val="315402698"/>
+      </p:ext>
+    </p:extLst>
+  </p:cSld>
+  <p:clrMapOvr>
+    <a:masterClrMapping/>
+  </p:clrMapOvr>
+  <mc:AlternateContent xmlns:mc="http://schemas.openxmlformats.org/markup-compatibility/2006" xmlns:p14="http://schemas.microsoft.com/office/powerpoint/2010/main">
+    <mc:Choice Requires="p14">
+      <p:transition spd="med" p14:dur="700">
+        <p:fade/>
+      </p:transition>
+    </mc:Choice>
+    <mc:Fallback xmlns="">
+      <p:transition spd="med">
+        <p:fade/>
+      </p:transition>
+    </mc:Fallback>
+  </mc:AlternateContent>
+  <p:timing>
+    <p:tnLst>
+      <p:par>
+        <p:cTn id="1" dur="indefinite" restart="never" nodeType="tmRoot"/>
+      </p:par>
+    </p:tnLst>
+  </p:timing>
+</p:sld>
+</file>
+
+<file path=ppt/slides/slide49.xml><?xml version="1.0" encoding="utf-8"?>
+<p:sld xmlns:a="http://schemas.openxmlformats.org/drawingml/2006/main" xmlns:r="http://schemas.openxmlformats.org/officeDocument/2006/relationships" xmlns:p="http://schemas.openxmlformats.org/presentationml/2006/main">
+  <p:cSld>
+    <p:spTree>
+      <p:nvGrpSpPr>
+        <p:cNvPr id="1" name=""/>
+        <p:cNvGrpSpPr/>
+        <p:nvPr/>
+      </p:nvGrpSpPr>
+      <p:grpSpPr>
+        <a:xfrm>
+          <a:off x="0" y="0"/>
+          <a:ext cx="0" cy="0"/>
+          <a:chOff x="0" y="0"/>
+          <a:chExt cx="0" cy="0"/>
+        </a:xfrm>
+      </p:grpSpPr>
+      <p:sp>
+        <p:nvSpPr>
+          <p:cNvPr id="2" name="Título 1"/>
+          <p:cNvSpPr txBox="1">
+            <a:spLocks/>
+          </p:cNvSpPr>
+          <p:nvPr/>
+        </p:nvSpPr>
+        <p:spPr>
+          <a:xfrm>
+            <a:off x="1827212" y="1981200"/>
+            <a:ext cx="8329031" cy="2680127"/>
+          </a:xfrm>
+          <a:prstGeom prst="rect">
+            <a:avLst/>
+          </a:prstGeom>
+        </p:spPr>
+        <p:txBody>
+          <a:bodyPr anchor="ctr"/>
+          <a:lstStyle>
+            <a:lvl1pPr algn="l" defTabSz="914400" rtl="0" eaLnBrk="1" latinLnBrk="0" hangingPunct="1">
+              <a:lnSpc>
+                <a:spcPct val="90000"/>
+              </a:lnSpc>
+              <a:spcBef>
+                <a:spcPct val="0"/>
+              </a:spcBef>
+              <a:buNone/>
+              <a:defRPr lang="es-ES" sz="3600" kern="1200">
+                <a:solidFill>
+                  <a:schemeClr val="tx1">
+                    <a:lumMod val="75000"/>
+                  </a:schemeClr>
+                </a:solidFill>
+                <a:latin typeface="+mj-lt"/>
+                <a:ea typeface="+mj-ea"/>
+                <a:cs typeface="+mj-cs"/>
+              </a:defRPr>
+            </a:lvl1pPr>
+          </a:lstStyle>
+          <a:p>
+            <a:pPr algn="ctr"/>
+            <a:r>
+              <a:rPr lang="es-CR" sz="4800" b="1" dirty="0"/>
+              <a:t>¡Gracias!</a:t>
+            </a:r>
+            <a:endParaRPr lang="es-CR" sz="4800" b="1" dirty="0" smtClean="0"/>
+          </a:p>
+          <a:p>
+            <a:pPr algn="ctr"/>
+            <a:endParaRPr lang="es-CR" sz="4800" dirty="0"/>
+          </a:p>
+        </p:txBody>
+      </p:sp>
+    </p:spTree>
+    <p:extLst>
+      <p:ext uri="{BB962C8B-B14F-4D97-AF65-F5344CB8AC3E}">
+        <p14:creationId xmlns:p14="http://schemas.microsoft.com/office/powerpoint/2010/main" val="981485286"/>
+      </p:ext>
+    </p:extLst>
+  </p:cSld>
+  <p:clrMapOvr>
+    <a:masterClrMapping/>
+  </p:clrMapOvr>
+  <mc:AlternateContent xmlns:mc="http://schemas.openxmlformats.org/markup-compatibility/2006" xmlns:p14="http://schemas.microsoft.com/office/powerpoint/2010/main">
+    <mc:Choice Requires="p14">
+      <p:transition spd="med" p14:dur="700">
+        <p:fade/>
+      </p:transition>
+    </mc:Choice>
+    <mc:Fallback xmlns="">
+      <p:transition spd="med">
+        <p:fade/>
+      </p:transition>
+    </mc:Fallback>
+  </mc:AlternateContent>
+  <p:timing>
+    <p:tnLst>
+      <p:par>
+        <p:cTn id="1" dur="indefinite" restart="never" nodeType="tmRoot"/>
+      </p:par>
+    </p:tnLst>
+  </p:timing>
 </p:sld>
 </file>
 
@@ -47707,215 +49832,6 @@
 </file>
 
 <file path=ppt/slides/slide50.xml><?xml version="1.0" encoding="utf-8"?>
-<p:sld xmlns:a="http://schemas.openxmlformats.org/drawingml/2006/main" xmlns:r="http://schemas.openxmlformats.org/officeDocument/2006/relationships" xmlns:p="http://schemas.openxmlformats.org/presentationml/2006/main">
-  <p:cSld>
-    <p:spTree>
-      <p:nvGrpSpPr>
-        <p:cNvPr id="1" name=""/>
-        <p:cNvGrpSpPr/>
-        <p:nvPr/>
-      </p:nvGrpSpPr>
-      <p:grpSpPr>
-        <a:xfrm>
-          <a:off x="0" y="0"/>
-          <a:ext cx="0" cy="0"/>
-          <a:chOff x="0" y="0"/>
-          <a:chExt cx="0" cy="0"/>
-        </a:xfrm>
-      </p:grpSpPr>
-      <p:sp>
-        <p:nvSpPr>
-          <p:cNvPr id="2" name="Título 1"/>
-          <p:cNvSpPr txBox="1">
-            <a:spLocks/>
-          </p:cNvSpPr>
-          <p:nvPr/>
-        </p:nvSpPr>
-        <p:spPr>
-          <a:xfrm>
-            <a:off x="1827212" y="1981200"/>
-            <a:ext cx="8329031" cy="2680127"/>
-          </a:xfrm>
-          <a:prstGeom prst="rect">
-            <a:avLst/>
-          </a:prstGeom>
-        </p:spPr>
-        <p:txBody>
-          <a:bodyPr anchor="ctr"/>
-          <a:lstStyle>
-            <a:lvl1pPr algn="l" defTabSz="914400" rtl="0" eaLnBrk="1" latinLnBrk="0" hangingPunct="1">
-              <a:lnSpc>
-                <a:spcPct val="90000"/>
-              </a:lnSpc>
-              <a:spcBef>
-                <a:spcPct val="0"/>
-              </a:spcBef>
-              <a:buNone/>
-              <a:defRPr lang="es-ES" sz="3600" kern="1200">
-                <a:solidFill>
-                  <a:schemeClr val="tx1">
-                    <a:lumMod val="75000"/>
-                  </a:schemeClr>
-                </a:solidFill>
-                <a:latin typeface="+mj-lt"/>
-                <a:ea typeface="+mj-ea"/>
-                <a:cs typeface="+mj-cs"/>
-              </a:defRPr>
-            </a:lvl1pPr>
-          </a:lstStyle>
-          <a:p>
-            <a:pPr algn="ctr"/>
-            <a:r>
-              <a:rPr lang="es-CR" sz="4800" b="1" smtClean="0"/>
-              <a:t>¿Preguntas</a:t>
-            </a:r>
-            <a:r>
-              <a:rPr lang="es-CR" sz="4800" b="1" dirty="0" smtClean="0"/>
-              <a:t>?</a:t>
-            </a:r>
-          </a:p>
-          <a:p>
-            <a:pPr algn="ctr"/>
-            <a:endParaRPr lang="es-CR" sz="4800" dirty="0"/>
-          </a:p>
-        </p:txBody>
-      </p:sp>
-    </p:spTree>
-    <p:extLst>
-      <p:ext uri="{BB962C8B-B14F-4D97-AF65-F5344CB8AC3E}">
-        <p14:creationId xmlns:p14="http://schemas.microsoft.com/office/powerpoint/2010/main" val="315402698"/>
-      </p:ext>
-    </p:extLst>
-  </p:cSld>
-  <p:clrMapOvr>
-    <a:masterClrMapping/>
-  </p:clrMapOvr>
-  <mc:AlternateContent xmlns:mc="http://schemas.openxmlformats.org/markup-compatibility/2006" xmlns:p14="http://schemas.microsoft.com/office/powerpoint/2010/main">
-    <mc:Choice Requires="p14">
-      <p:transition spd="med" p14:dur="700">
-        <p:fade/>
-      </p:transition>
-    </mc:Choice>
-    <mc:Fallback xmlns="">
-      <p:transition spd="med">
-        <p:fade/>
-      </p:transition>
-    </mc:Fallback>
-  </mc:AlternateContent>
-  <p:timing>
-    <p:tnLst>
-      <p:par>
-        <p:cTn id="1" dur="indefinite" restart="never" nodeType="tmRoot"/>
-      </p:par>
-    </p:tnLst>
-  </p:timing>
-</p:sld>
-</file>
-
-<file path=ppt/slides/slide51.xml><?xml version="1.0" encoding="utf-8"?>
-<p:sld xmlns:a="http://schemas.openxmlformats.org/drawingml/2006/main" xmlns:r="http://schemas.openxmlformats.org/officeDocument/2006/relationships" xmlns:p="http://schemas.openxmlformats.org/presentationml/2006/main">
-  <p:cSld>
-    <p:spTree>
-      <p:nvGrpSpPr>
-        <p:cNvPr id="1" name=""/>
-        <p:cNvGrpSpPr/>
-        <p:nvPr/>
-      </p:nvGrpSpPr>
-      <p:grpSpPr>
-        <a:xfrm>
-          <a:off x="0" y="0"/>
-          <a:ext cx="0" cy="0"/>
-          <a:chOff x="0" y="0"/>
-          <a:chExt cx="0" cy="0"/>
-        </a:xfrm>
-      </p:grpSpPr>
-      <p:sp>
-        <p:nvSpPr>
-          <p:cNvPr id="2" name="Título 1"/>
-          <p:cNvSpPr txBox="1">
-            <a:spLocks/>
-          </p:cNvSpPr>
-          <p:nvPr/>
-        </p:nvSpPr>
-        <p:spPr>
-          <a:xfrm>
-            <a:off x="1827212" y="1981200"/>
-            <a:ext cx="8329031" cy="2680127"/>
-          </a:xfrm>
-          <a:prstGeom prst="rect">
-            <a:avLst/>
-          </a:prstGeom>
-        </p:spPr>
-        <p:txBody>
-          <a:bodyPr anchor="ctr"/>
-          <a:lstStyle>
-            <a:lvl1pPr algn="l" defTabSz="914400" rtl="0" eaLnBrk="1" latinLnBrk="0" hangingPunct="1">
-              <a:lnSpc>
-                <a:spcPct val="90000"/>
-              </a:lnSpc>
-              <a:spcBef>
-                <a:spcPct val="0"/>
-              </a:spcBef>
-              <a:buNone/>
-              <a:defRPr lang="es-ES" sz="3600" kern="1200">
-                <a:solidFill>
-                  <a:schemeClr val="tx1">
-                    <a:lumMod val="75000"/>
-                  </a:schemeClr>
-                </a:solidFill>
-                <a:latin typeface="+mj-lt"/>
-                <a:ea typeface="+mj-ea"/>
-                <a:cs typeface="+mj-cs"/>
-              </a:defRPr>
-            </a:lvl1pPr>
-          </a:lstStyle>
-          <a:p>
-            <a:pPr algn="ctr"/>
-            <a:r>
-              <a:rPr lang="es-CR" sz="4800" b="1" dirty="0"/>
-              <a:t>¡Gracias!</a:t>
-            </a:r>
-            <a:endParaRPr lang="es-CR" sz="4800" b="1" dirty="0" smtClean="0"/>
-          </a:p>
-          <a:p>
-            <a:pPr algn="ctr"/>
-            <a:endParaRPr lang="es-CR" sz="4800" dirty="0"/>
-          </a:p>
-        </p:txBody>
-      </p:sp>
-    </p:spTree>
-    <p:extLst>
-      <p:ext uri="{BB962C8B-B14F-4D97-AF65-F5344CB8AC3E}">
-        <p14:creationId xmlns:p14="http://schemas.microsoft.com/office/powerpoint/2010/main" val="981485286"/>
-      </p:ext>
-    </p:extLst>
-  </p:cSld>
-  <p:clrMapOvr>
-    <a:masterClrMapping/>
-  </p:clrMapOvr>
-  <mc:AlternateContent xmlns:mc="http://schemas.openxmlformats.org/markup-compatibility/2006" xmlns:p14="http://schemas.microsoft.com/office/powerpoint/2010/main">
-    <mc:Choice Requires="p14">
-      <p:transition spd="med" p14:dur="700">
-        <p:fade/>
-      </p:transition>
-    </mc:Choice>
-    <mc:Fallback xmlns="">
-      <p:transition spd="med">
-        <p:fade/>
-      </p:transition>
-    </mc:Fallback>
-  </mc:AlternateContent>
-  <p:timing>
-    <p:tnLst>
-      <p:par>
-        <p:cTn id="1" dur="indefinite" restart="never" nodeType="tmRoot"/>
-      </p:par>
-    </p:tnLst>
-  </p:timing>
-</p:sld>
-</file>
-
-<file path=ppt/slides/slide52.xml><?xml version="1.0" encoding="utf-8"?>
 <p:sld xmlns:a="http://schemas.openxmlformats.org/drawingml/2006/main" xmlns:r="http://schemas.openxmlformats.org/officeDocument/2006/relationships" xmlns:p="http://schemas.openxmlformats.org/presentationml/2006/main">
   <p:cSld>
     <p:spTree>
@@ -47985,6 +49901,13 @@
       </p:transition>
     </mc:Fallback>
   </mc:AlternateContent>
+  <p:timing>
+    <p:tnLst>
+      <p:par>
+        <p:cTn id="1" dur="indefinite" restart="never" nodeType="tmRoot"/>
+      </p:par>
+    </p:tnLst>
+  </p:timing>
 </p:sld>
 </file>
 
@@ -48845,70 +50768,6 @@
       </p:cxnSp>
       <p:sp>
         <p:nvSpPr>
-          <p:cNvPr id="38" name="37 CuadroTexto"/>
-          <p:cNvSpPr txBox="1"/>
-          <p:nvPr/>
-        </p:nvSpPr>
-        <p:spPr>
-          <a:xfrm>
-            <a:off x="7871095" y="2075764"/>
-            <a:ext cx="2795317" cy="646331"/>
-          </a:xfrm>
-          <a:prstGeom prst="rect">
-            <a:avLst/>
-          </a:prstGeom>
-          <a:noFill/>
-        </p:spPr>
-        <p:txBody>
-          <a:bodyPr wrap="none" rtlCol="0">
-            <a:spAutoFit/>
-          </a:bodyPr>
-          <a:lstStyle/>
-          <a:p>
-            <a:r>
-              <a:rPr lang="es-CR" dirty="0" smtClean="0">
-                <a:solidFill>
-                  <a:schemeClr val="tx2"/>
-                </a:solidFill>
-              </a:rPr>
-              <a:t>En CR </a:t>
-            </a:r>
-            <a:r>
-              <a:rPr lang="es-CR" b="1" dirty="0" smtClean="0">
-                <a:solidFill>
-                  <a:schemeClr val="tx2"/>
-                </a:solidFill>
-              </a:rPr>
-              <a:t>no existía </a:t>
-            </a:r>
-            <a:r>
-              <a:rPr lang="es-CR" dirty="0" smtClean="0">
-                <a:solidFill>
-                  <a:schemeClr val="tx2"/>
-                </a:solidFill>
-              </a:rPr>
-              <a:t>una app</a:t>
-            </a:r>
-          </a:p>
-          <a:p>
-            <a:r>
-              <a:rPr lang="es-CR" dirty="0" smtClean="0">
-                <a:solidFill>
-                  <a:schemeClr val="tx2"/>
-                </a:solidFill>
-              </a:rPr>
-              <a:t>sobre salud auditiva</a:t>
-            </a:r>
-            <a:endParaRPr lang="es-CR" dirty="0">
-              <a:solidFill>
-                <a:schemeClr val="tx2"/>
-              </a:solidFill>
-            </a:endParaRPr>
-          </a:p>
-        </p:txBody>
-      </p:sp>
-      <p:sp>
-        <p:nvSpPr>
           <p:cNvPr id="39" name="38 CuadroTexto"/>
           <p:cNvSpPr txBox="1"/>
           <p:nvPr/>
@@ -49039,7 +50898,7 @@
         </p:nvSpPr>
         <p:spPr>
           <a:xfrm>
-            <a:off x="5109947" y="1621791"/>
+            <a:off x="7945214" y="2209800"/>
             <a:ext cx="2447145" cy="369332"/>
           </a:xfrm>
           <a:prstGeom prst="rect">
@@ -49115,39 +50974,6 @@
           <a:xfrm flipV="1">
             <a:off x="6986265" y="2585817"/>
             <a:ext cx="598768" cy="460629"/>
-          </a:xfrm>
-          <a:prstGeom prst="straightConnector1">
-            <a:avLst/>
-          </a:prstGeom>
-          <a:ln>
-            <a:tailEnd type="arrow"/>
-          </a:ln>
-        </p:spPr>
-        <p:style>
-          <a:lnRef idx="1">
-            <a:schemeClr val="dk1"/>
-          </a:lnRef>
-          <a:fillRef idx="0">
-            <a:schemeClr val="dk1"/>
-          </a:fillRef>
-          <a:effectRef idx="0">
-            <a:schemeClr val="dk1"/>
-          </a:effectRef>
-          <a:fontRef idx="minor">
-            <a:schemeClr val="tx1"/>
-          </a:fontRef>
-        </p:style>
-      </p:cxnSp>
-      <p:cxnSp>
-        <p:nvCxnSpPr>
-          <p:cNvPr id="53" name="Straight Arrow Connector 9"/>
-          <p:cNvCxnSpPr/>
-          <p:nvPr/>
-        </p:nvCxnSpPr>
-        <p:spPr>
-          <a:xfrm flipV="1">
-            <a:off x="6246812" y="2209800"/>
-            <a:ext cx="0" cy="585524"/>
           </a:xfrm>
           <a:prstGeom prst="straightConnector1">
             <a:avLst/>
@@ -49825,6 +51651,15 @@
 </file>
 
 <file path=customXml/item1.xml><?xml version="1.0" encoding="utf-8"?>
+<?mso-contentType ?>
+<FormTemplates xmlns="http://schemas.microsoft.com/sharepoint/v3/contenttype/forms">
+  <Display>DocumentoBibliotecaFormulario</Display>
+  <Edit>DocumentoBibliotecaFormulario</Edit>
+  <New>DocumentoBibliotecaFormulario</New>
+</FormTemplates>
+</file>
+
+<file path=customXml/item2.xml><?xml version="1.0" encoding="utf-8"?>
 <ct:contentTypeSchema xmlns:ct="http://schemas.microsoft.com/office/2006/metadata/contentType" xmlns:ma="http://schemas.microsoft.com/office/2006/metadata/properties/metaAttributes" ct:_="" ma:_="" ma:contentTypeName="Document" ma:contentTypeID="0x0101007C1D5F340F01F94FA2FD29A5E6DC872E" ma:contentTypeVersion="0" ma:contentTypeDescription="Create a new document." ma:contentTypeScope="" ma:versionID="f583bd66513a361a730282b6a794e352">
   <xsd:schema xmlns:xsd="http://www.w3.org/2001/XMLSchema" xmlns:xs="http://www.w3.org/2001/XMLSchema" xmlns:p="http://schemas.microsoft.com/office/2006/metadata/properties" targetNamespace="http://schemas.microsoft.com/office/2006/metadata/properties" ma:root="true" ma:fieldsID="6841151cf538834e171094e4faaf2d73">
     <xsd:element name="properties">
@@ -49938,22 +51773,21 @@
 </ct:contentTypeSchema>
 </file>
 
-<file path=customXml/item2.xml><?xml version="1.0" encoding="utf-8"?>
+<file path=customXml/item3.xml><?xml version="1.0" encoding="utf-8"?>
 <p:properties xmlns:p="http://schemas.microsoft.com/office/2006/metadata/properties" xmlns:xsi="http://www.w3.org/2001/XMLSchema-instance" xmlns:pc="http://schemas.microsoft.com/office/infopath/2007/PartnerControls">
   <documentManagement/>
 </p:properties>
 </file>
 
-<file path=customXml/item3.xml><?xml version="1.0" encoding="utf-8"?>
-<?mso-contentType ?>
-<FormTemplates xmlns="http://schemas.microsoft.com/sharepoint/v3/contenttype/forms">
-  <Display>DocumentoBibliotecaFormulario</Display>
-  <Edit>DocumentoBibliotecaFormulario</Edit>
-  <New>DocumentoBibliotecaFormulario</New>
-</FormTemplates>
+<file path=customXml/itemProps1.xml><?xml version="1.0" encoding="utf-8"?>
+<ds:datastoreItem xmlns:ds="http://schemas.openxmlformats.org/officeDocument/2006/customXml" ds:itemID="{9763940C-480C-4D93-B5B4-BAA891CEADDB}">
+  <ds:schemaRefs>
+    <ds:schemaRef ds:uri="http://schemas.microsoft.com/sharepoint/v3/contenttype/forms"/>
+  </ds:schemaRefs>
+</ds:datastoreItem>
 </file>
 
-<file path=customXml/itemProps1.xml><?xml version="1.0" encoding="utf-8"?>
+<file path=customXml/itemProps2.xml><?xml version="1.0" encoding="utf-8"?>
 <ds:datastoreItem xmlns:ds="http://schemas.openxmlformats.org/officeDocument/2006/customXml" ds:itemID="{F28882EF-8483-452E-ADFB-02067D56F72B}">
   <ds:schemaRefs>
     <ds:schemaRef ds:uri="http://schemas.microsoft.com/office/2006/metadata/contentType"/>
@@ -49969,7 +51803,7 @@
 </ds:datastoreItem>
 </file>
 
-<file path=customXml/itemProps2.xml><?xml version="1.0" encoding="utf-8"?>
+<file path=customXml/itemProps3.xml><?xml version="1.0" encoding="utf-8"?>
 <ds:datastoreItem xmlns:ds="http://schemas.openxmlformats.org/officeDocument/2006/customXml" ds:itemID="{20B895F5-7F43-4073-919C-BA6E32AC0200}">
   <ds:schemaRefs>
     <ds:schemaRef ds:uri="http://purl.org/dc/elements/1.1/"/>
@@ -49982,12 +51816,4 @@
     <ds:schemaRef ds:uri="http://purl.org/dc/terms/"/>
   </ds:schemaRefs>
 </ds:datastoreItem>
-</file>
-
-<file path=customXml/itemProps3.xml><?xml version="1.0" encoding="utf-8"?>
-<ds:datastoreItem xmlns:ds="http://schemas.openxmlformats.org/officeDocument/2006/customXml" ds:itemID="{9763940C-480C-4D93-B5B4-BAA891CEADDB}">
-  <ds:schemaRefs>
-    <ds:schemaRef ds:uri="http://schemas.microsoft.com/sharepoint/v3/contenttype/forms"/>
-  </ds:schemaRefs>
-</ds:datastoreItem>
 </file>
--- a/trunk/documentacion/presentacion/Presentación.pptx
+++ b/trunk/documentacion/presentacion/Presentación.pptx
@@ -161,7 +161,7 @@
   </p:defaultTextStyle>
   <p:extLst>
     <p:ext uri="{EFAFB233-063F-42B5-8137-9DF3F51BA10A}">
-      <p15:sldGuideLst xmlns:p15="http://schemas.microsoft.com/office/powerpoint/2012/main" xmlns="">
+      <p15:sldGuideLst xmlns="" xmlns:p15="http://schemas.microsoft.com/office/powerpoint/2012/main">
         <p15:guide id="1" orient="horz" pos="2160">
           <p15:clr>
             <a:srgbClr val="A4A3A4"/>
@@ -180,7 +180,7 @@
       </p15:sldGuideLst>
     </p:ext>
     <p:ext uri="{2D200454-40CA-4A62-9FC3-DE9A4176ACB9}">
-      <p15:notesGuideLst xmlns:p15="http://schemas.microsoft.com/office/powerpoint/2012/main" xmlns="">
+      <p15:notesGuideLst xmlns="" xmlns:p15="http://schemas.microsoft.com/office/powerpoint/2012/main">
         <p15:guide id="1" orient="horz" pos="2880">
           <p15:clr>
             <a:srgbClr val="A4A3A4"/>
@@ -9798,8 +9798,8 @@
   </dgm:ptLst>
   <dgm:cxnLst>
     <dgm:cxn modelId="{F3B89C52-602F-49F7-B10E-F3B64BCDF706}" srcId="{758CBA3A-9936-4C67-965C-A8DD3074879B}" destId="{E90264E4-81CE-47E1-80E3-2624D8E5DFEE}" srcOrd="0" destOrd="0" parTransId="{79881485-DDC4-4A70-AA7E-393B9FD5747B}" sibTransId="{F41EE2E3-AB57-4E33-8FAD-2DCFFB467FDC}"/>
+    <dgm:cxn modelId="{7AF8155A-4660-4657-BECD-CE036826812D}" type="presOf" srcId="{758CBA3A-9936-4C67-965C-A8DD3074879B}" destId="{82B24097-E3F6-4B04-A03D-10817D4779A3}" srcOrd="0" destOrd="0" presId="urn:microsoft.com/office/officeart/2005/8/layout/vList6"/>
     <dgm:cxn modelId="{71020D69-C5AD-43DE-B6F9-DE4B97903C05}" type="presOf" srcId="{E90264E4-81CE-47E1-80E3-2624D8E5DFEE}" destId="{86D241E9-42FA-45D1-B43B-0D95B75E0E69}" srcOrd="0" destOrd="0" presId="urn:microsoft.com/office/officeart/2005/8/layout/vList6"/>
-    <dgm:cxn modelId="{7AF8155A-4660-4657-BECD-CE036826812D}" type="presOf" srcId="{758CBA3A-9936-4C67-965C-A8DD3074879B}" destId="{82B24097-E3F6-4B04-A03D-10817D4779A3}" srcOrd="0" destOrd="0" presId="urn:microsoft.com/office/officeart/2005/8/layout/vList6"/>
     <dgm:cxn modelId="{9DCACF08-67E5-42E1-8E54-42CD4C27D07C}" type="presOf" srcId="{3183185A-2A53-4D8C-8F32-C845F2F70CBF}" destId="{C34369FE-6903-484E-A191-A351659EBD9E}" srcOrd="0" destOrd="0" presId="urn:microsoft.com/office/officeart/2005/8/layout/vList6"/>
     <dgm:cxn modelId="{F717B596-7122-4C3F-9238-14763508386B}" srcId="{3183185A-2A53-4D8C-8F32-C845F2F70CBF}" destId="{758CBA3A-9936-4C67-965C-A8DD3074879B}" srcOrd="0" destOrd="0" parTransId="{39812E31-9C15-4A6C-B8B9-78CE6FB555B1}" sibTransId="{290E9CBE-1634-47AD-B973-508944073D35}"/>
     <dgm:cxn modelId="{80780EE3-B5A3-4F4E-A58B-9684AA7BCA2C}" type="presParOf" srcId="{C34369FE-6903-484E-A191-A351659EBD9E}" destId="{EEE79D24-22DD-43C8-B2F2-0B4DC8DD6A80}" srcOrd="0" destOrd="0" presId="urn:microsoft.com/office/officeart/2005/8/layout/vList6"/>
@@ -23437,7 +23437,7 @@
           <a:p>
             <a:fld id="{BDB7646E-8811-423A-9C42-2CBFADA00A96}" type="datetimeFigureOut">
               <a:rPr lang="es-ES" smtClean="0"/>
-              <a:t>30/01/2015</a:t>
+              <a:t>02/02/2015</a:t>
             </a:fld>
             <a:endParaRPr lang="es-ES"/>
           </a:p>
@@ -25386,7 +25386,46 @@
                 <a:ea typeface="+mn-ea"/>
                 <a:cs typeface="+mn-cs"/>
               </a:rPr>
-              <a:t>, permite obtener estadísticas relevantes acerca del estado de los sistemas operativos móviles en el país. El siguiente gráfico agrupa información desde</a:t>
+              <a:t>, permite obtener estadísticas relevantes acerca del estado de los sistemas operativos móviles en el país</a:t>
+            </a:r>
+            <a:r>
+              <a:rPr lang="es-CR" sz="1200" kern="1200" dirty="0" smtClean="0">
+                <a:solidFill>
+                  <a:schemeClr val="tx2"/>
+                </a:solidFill>
+                <a:effectLst/>
+                <a:latin typeface="+mn-lt"/>
+                <a:ea typeface="+mn-ea"/>
+                <a:cs typeface="+mn-cs"/>
+              </a:rPr>
+              <a:t>.</a:t>
+            </a:r>
+          </a:p>
+          <a:p>
+            <a:pPr lvl="0"/>
+            <a:r>
+              <a:rPr lang="es-CR" sz="1200" kern="1200" dirty="0" smtClean="0">
+                <a:solidFill>
+                  <a:schemeClr val="tx2"/>
+                </a:solidFill>
+                <a:effectLst/>
+                <a:latin typeface="+mn-lt"/>
+                <a:ea typeface="+mn-ea"/>
+                <a:cs typeface="+mn-cs"/>
+              </a:rPr>
+              <a:t> </a:t>
+            </a:r>
+            <a:r>
+              <a:rPr lang="es-CR" sz="1200" kern="1200" dirty="0" smtClean="0">
+                <a:solidFill>
+                  <a:schemeClr val="tx2"/>
+                </a:solidFill>
+                <a:effectLst/>
+                <a:latin typeface="+mn-lt"/>
+                <a:ea typeface="+mn-ea"/>
+                <a:cs typeface="+mn-cs"/>
+              </a:rPr>
+              <a:t>El siguiente gráfico agrupa información desde</a:t>
             </a:r>
             <a:r>
               <a:rPr lang="es-CR" sz="1200" kern="1200" baseline="0" dirty="0" smtClean="0">
@@ -30753,39 +30792,15 @@
             </a:br>
             <a:r>
               <a:rPr lang="es-CR" dirty="0" smtClean="0"/>
-              <a:t>1, Esta comunicación, se realiza de manera bilateral mediante el envío de mensajes desde la página de la empresa, usando el servicio gratuito de mensajería de Google llamado Google Cloud </a:t>
-            </a:r>
-            <a:r>
-              <a:rPr lang="es-CR" dirty="0" err="1" smtClean="0"/>
-              <a:t>Messaging</a:t>
+              <a:t>1, </a:t>
             </a:r>
             <a:r>
               <a:rPr lang="es-CR" dirty="0" smtClean="0"/>
-              <a:t>, hacia los usuarios de la </a:t>
-            </a:r>
-            <a:r>
-              <a:rPr lang="es-CR" dirty="0" err="1" smtClean="0"/>
-              <a:t>aplicación.Y</a:t>
-            </a:r>
-            <a:r>
-              <a:rPr lang="es-CR" dirty="0" smtClean="0"/>
-              <a:t> la opción</a:t>
+              <a:t>costo de</a:t>
             </a:r>
             <a:r>
               <a:rPr lang="es-CR" baseline="0" dirty="0" smtClean="0"/>
-              <a:t> de los usuarios para contactar al especialista mediante el envío de resultados.</a:t>
-            </a:r>
-            <a:r>
-              <a:rPr lang="es-ES" sz="1200" kern="1200" dirty="0" smtClean="0">
-                <a:solidFill>
-                  <a:schemeClr val="tx2"/>
-                </a:solidFill>
-                <a:effectLst/>
-                <a:latin typeface="+mn-lt"/>
-                <a:ea typeface="+mn-ea"/>
-                <a:cs typeface="+mn-cs"/>
-              </a:rPr>
-              <a:t>Este acercamiento a la vez trata de cuidar y de advertir a la población de un problema muy subestimado en nuestra sociedad: La salud auditiva, mencionado anteriormente.</a:t>
+              <a:t> proyectos como este beneficia al profesional universitario y a las empresas patrocinadoras</a:t>
             </a:r>
             <a:endParaRPr lang="es-CR" dirty="0"/>
           </a:p>
@@ -31246,7 +31261,7 @@
           <a:p>
             <a:r>
               <a:rPr lang="es-CR" dirty="0" smtClean="0"/>
-              <a:t>Dani</a:t>
+              <a:t>Beto</a:t>
             </a:r>
             <a:endParaRPr lang="es-CR" dirty="0"/>
           </a:p>
@@ -31649,6 +31664,39 @@
               <a:rPr lang="en-US" dirty="0" err="1" smtClean="0"/>
               <a:t>negrita</a:t>
             </a:r>
+            <a:endParaRPr lang="en-US" dirty="0" smtClean="0"/>
+          </a:p>
+          <a:p>
+            <a:endParaRPr lang="en-US" dirty="0" smtClean="0"/>
+          </a:p>
+          <a:p>
+            <a:r>
+              <a:rPr lang="en-US" dirty="0" err="1" smtClean="0"/>
+              <a:t>Enero</a:t>
+            </a:r>
+            <a:r>
+              <a:rPr lang="en-US" baseline="0" dirty="0" smtClean="0"/>
+              <a:t> 2010</a:t>
+            </a:r>
+          </a:p>
+          <a:p>
+            <a:endParaRPr lang="en-US" baseline="0" dirty="0" smtClean="0"/>
+          </a:p>
+          <a:p>
+            <a:r>
+              <a:rPr lang="en-US" baseline="0" dirty="0" err="1" smtClean="0"/>
+              <a:t>Mision</a:t>
+            </a:r>
+            <a:r>
+              <a:rPr lang="en-US" baseline="0" dirty="0" smtClean="0"/>
+              <a:t> SOLUCIONES ALTA TECNOLOGIA, PROGRAMAS DECONSERVACION AUDITIVA</a:t>
+            </a:r>
+          </a:p>
+          <a:p>
+            <a:r>
+              <a:rPr lang="en-US" baseline="0" dirty="0" smtClean="0"/>
+              <a:t>Vision LIDER PREVENCION EDUCACION, DETECCION,HABILITACION, REHABILITACION</a:t>
+            </a:r>
             <a:endParaRPr lang="es-CR" dirty="0"/>
           </a:p>
         </p:txBody>
@@ -31759,7 +31807,37 @@
             </a:r>
             <a:r>
               <a:rPr lang="es-CR" dirty="0" smtClean="0"/>
-              <a:t> 2013</a:t>
+              <a:t> </a:t>
+            </a:r>
+            <a:r>
+              <a:rPr lang="es-CR" dirty="0" smtClean="0"/>
+              <a:t>2013</a:t>
+            </a:r>
+          </a:p>
+          <a:p>
+            <a:endParaRPr lang="es-CR" dirty="0" smtClean="0"/>
+          </a:p>
+          <a:p>
+            <a:r>
+              <a:rPr lang="es-CR" dirty="0" err="1" smtClean="0"/>
+              <a:t>Ministeriode</a:t>
+            </a:r>
+            <a:r>
+              <a:rPr lang="es-CR" dirty="0" smtClean="0"/>
+              <a:t> Industria</a:t>
+            </a:r>
+            <a:r>
+              <a:rPr lang="es-CR" baseline="0" dirty="0" smtClean="0"/>
+              <a:t> y Comercio</a:t>
+            </a:r>
+          </a:p>
+          <a:p>
+            <a:endParaRPr lang="es-CR" baseline="0" dirty="0" smtClean="0"/>
+          </a:p>
+          <a:p>
+            <a:r>
+              <a:rPr lang="es-CR" baseline="0" dirty="0" smtClean="0"/>
+              <a:t>Empresas destacadas anualmente</a:t>
             </a:r>
             <a:endParaRPr lang="es-CR" dirty="0"/>
           </a:p>
@@ -38034,7 +38112,7 @@
   </p:txStyles>
   <p:extLst mod="1">
     <p:ext uri="{27BBF7A9-308A-43DC-89C8-2F10F3537804}">
-      <p15:sldGuideLst xmlns:p15="http://schemas.microsoft.com/office/powerpoint/2012/main" xmlns="">
+      <p15:sldGuideLst xmlns="" xmlns:p15="http://schemas.microsoft.com/office/powerpoint/2012/main">
         <p15:guide id="1" orient="horz" pos="2160" userDrawn="1">
           <p15:clr>
             <a:srgbClr val="F26B43"/>
@@ -49142,9 +49220,8 @@
           <a:p>
             <a:r>
               <a:rPr lang="es-CR" dirty="0" smtClean="0"/>
-              <a:t>Comunicación con los usuarios.</a:t>
-            </a:r>
-            <a:endParaRPr lang="es-CR" dirty="0"/>
+              <a:t>El costo significativo .</a:t>
+            </a:r>
           </a:p>
           <a:p>
             <a:endParaRPr lang="es-CR" dirty="0" smtClean="0"/>
@@ -49948,8 +50025,8 @@
               <a:t>Clínica </a:t>
             </a:r>
             <a:r>
-              <a:rPr lang="es-ES" dirty="0" err="1" smtClean="0"/>
-              <a:t>Audinsa</a:t>
+              <a:rPr lang="es-ES" dirty="0" smtClean="0"/>
+              <a:t>Audinsa S.A.</a:t>
             </a:r>
             <a:endParaRPr lang="es-ES" dirty="0"/>
           </a:p>
@@ -50161,8 +50238,8 @@
               <a:t>Clínica </a:t>
             </a:r>
             <a:r>
-              <a:rPr lang="es-ES" dirty="0" err="1" smtClean="0"/>
-              <a:t>Audinsa</a:t>
+              <a:rPr lang="es-ES" dirty="0" smtClean="0"/>
+              <a:t>Audinsa S.A.</a:t>
             </a:r>
             <a:endParaRPr lang="es-ES" dirty="0"/>
           </a:p>
@@ -51651,15 +51728,6 @@
 </file>
 
 <file path=customXml/item1.xml><?xml version="1.0" encoding="utf-8"?>
-<?mso-contentType ?>
-<FormTemplates xmlns="http://schemas.microsoft.com/sharepoint/v3/contenttype/forms">
-  <Display>DocumentoBibliotecaFormulario</Display>
-  <Edit>DocumentoBibliotecaFormulario</Edit>
-  <New>DocumentoBibliotecaFormulario</New>
-</FormTemplates>
-</file>
-
-<file path=customXml/item2.xml><?xml version="1.0" encoding="utf-8"?>
 <ct:contentTypeSchema xmlns:ct="http://schemas.microsoft.com/office/2006/metadata/contentType" xmlns:ma="http://schemas.microsoft.com/office/2006/metadata/properties/metaAttributes" ct:_="" ma:_="" ma:contentTypeName="Document" ma:contentTypeID="0x0101007C1D5F340F01F94FA2FD29A5E6DC872E" ma:contentTypeVersion="0" ma:contentTypeDescription="Create a new document." ma:contentTypeScope="" ma:versionID="f583bd66513a361a730282b6a794e352">
   <xsd:schema xmlns:xsd="http://www.w3.org/2001/XMLSchema" xmlns:xs="http://www.w3.org/2001/XMLSchema" xmlns:p="http://schemas.microsoft.com/office/2006/metadata/properties" targetNamespace="http://schemas.microsoft.com/office/2006/metadata/properties" ma:root="true" ma:fieldsID="6841151cf538834e171094e4faaf2d73">
     <xsd:element name="properties">
@@ -51773,21 +51841,22 @@
 </ct:contentTypeSchema>
 </file>
 
-<file path=customXml/item3.xml><?xml version="1.0" encoding="utf-8"?>
+<file path=customXml/item2.xml><?xml version="1.0" encoding="utf-8"?>
 <p:properties xmlns:p="http://schemas.microsoft.com/office/2006/metadata/properties" xmlns:xsi="http://www.w3.org/2001/XMLSchema-instance" xmlns:pc="http://schemas.microsoft.com/office/infopath/2007/PartnerControls">
   <documentManagement/>
 </p:properties>
 </file>
 
-<file path=customXml/itemProps1.xml><?xml version="1.0" encoding="utf-8"?>
-<ds:datastoreItem xmlns:ds="http://schemas.openxmlformats.org/officeDocument/2006/customXml" ds:itemID="{9763940C-480C-4D93-B5B4-BAA891CEADDB}">
-  <ds:schemaRefs>
-    <ds:schemaRef ds:uri="http://schemas.microsoft.com/sharepoint/v3/contenttype/forms"/>
-  </ds:schemaRefs>
-</ds:datastoreItem>
+<file path=customXml/item3.xml><?xml version="1.0" encoding="utf-8"?>
+<?mso-contentType ?>
+<FormTemplates xmlns="http://schemas.microsoft.com/sharepoint/v3/contenttype/forms">
+  <Display>DocumentoBibliotecaFormulario</Display>
+  <Edit>DocumentoBibliotecaFormulario</Edit>
+  <New>DocumentoBibliotecaFormulario</New>
+</FormTemplates>
 </file>
 
-<file path=customXml/itemProps2.xml><?xml version="1.0" encoding="utf-8"?>
+<file path=customXml/itemProps1.xml><?xml version="1.0" encoding="utf-8"?>
 <ds:datastoreItem xmlns:ds="http://schemas.openxmlformats.org/officeDocument/2006/customXml" ds:itemID="{F28882EF-8483-452E-ADFB-02067D56F72B}">
   <ds:schemaRefs>
     <ds:schemaRef ds:uri="http://schemas.microsoft.com/office/2006/metadata/contentType"/>
@@ -51803,7 +51872,7 @@
 </ds:datastoreItem>
 </file>
 
-<file path=customXml/itemProps3.xml><?xml version="1.0" encoding="utf-8"?>
+<file path=customXml/itemProps2.xml><?xml version="1.0" encoding="utf-8"?>
 <ds:datastoreItem xmlns:ds="http://schemas.openxmlformats.org/officeDocument/2006/customXml" ds:itemID="{20B895F5-7F43-4073-919C-BA6E32AC0200}">
   <ds:schemaRefs>
     <ds:schemaRef ds:uri="http://purl.org/dc/elements/1.1/"/>
@@ -51816,4 +51885,12 @@
     <ds:schemaRef ds:uri="http://purl.org/dc/terms/"/>
   </ds:schemaRefs>
 </ds:datastoreItem>
+</file>
+
+<file path=customXml/itemProps3.xml><?xml version="1.0" encoding="utf-8"?>
+<ds:datastoreItem xmlns:ds="http://schemas.openxmlformats.org/officeDocument/2006/customXml" ds:itemID="{9763940C-480C-4D93-B5B4-BAA891CEADDB}">
+  <ds:schemaRefs>
+    <ds:schemaRef ds:uri="http://schemas.microsoft.com/sharepoint/v3/contenttype/forms"/>
+  </ds:schemaRefs>
+</ds:datastoreItem>
 </file>
--- a/trunk/documentacion/presentacion/Presentación.pptx
+++ b/trunk/documentacion/presentacion/Presentación.pptx
@@ -161,7 +161,7 @@
   </p:defaultTextStyle>
   <p:extLst>
     <p:ext uri="{EFAFB233-063F-42B5-8137-9DF3F51BA10A}">
-      <p15:sldGuideLst xmlns="" xmlns:p15="http://schemas.microsoft.com/office/powerpoint/2012/main">
+      <p15:sldGuideLst xmlns:p15="http://schemas.microsoft.com/office/powerpoint/2012/main" xmlns="">
         <p15:guide id="1" orient="horz" pos="2160">
           <p15:clr>
             <a:srgbClr val="A4A3A4"/>
@@ -180,7 +180,7 @@
       </p15:sldGuideLst>
     </p:ext>
     <p:ext uri="{2D200454-40CA-4A62-9FC3-DE9A4176ACB9}">
-      <p15:notesGuideLst xmlns="" xmlns:p15="http://schemas.microsoft.com/office/powerpoint/2012/main">
+      <p15:notesGuideLst xmlns:p15="http://schemas.microsoft.com/office/powerpoint/2012/main" xmlns="">
         <p15:guide id="1" orient="horz" pos="2880">
           <p15:clr>
             <a:srgbClr val="A4A3A4"/>
@@ -9798,8 +9798,8 @@
   </dgm:ptLst>
   <dgm:cxnLst>
     <dgm:cxn modelId="{F3B89C52-602F-49F7-B10E-F3B64BCDF706}" srcId="{758CBA3A-9936-4C67-965C-A8DD3074879B}" destId="{E90264E4-81CE-47E1-80E3-2624D8E5DFEE}" srcOrd="0" destOrd="0" parTransId="{79881485-DDC4-4A70-AA7E-393B9FD5747B}" sibTransId="{F41EE2E3-AB57-4E33-8FAD-2DCFFB467FDC}"/>
+    <dgm:cxn modelId="{71020D69-C5AD-43DE-B6F9-DE4B97903C05}" type="presOf" srcId="{E90264E4-81CE-47E1-80E3-2624D8E5DFEE}" destId="{86D241E9-42FA-45D1-B43B-0D95B75E0E69}" srcOrd="0" destOrd="0" presId="urn:microsoft.com/office/officeart/2005/8/layout/vList6"/>
     <dgm:cxn modelId="{7AF8155A-4660-4657-BECD-CE036826812D}" type="presOf" srcId="{758CBA3A-9936-4C67-965C-A8DD3074879B}" destId="{82B24097-E3F6-4B04-A03D-10817D4779A3}" srcOrd="0" destOrd="0" presId="urn:microsoft.com/office/officeart/2005/8/layout/vList6"/>
-    <dgm:cxn modelId="{71020D69-C5AD-43DE-B6F9-DE4B97903C05}" type="presOf" srcId="{E90264E4-81CE-47E1-80E3-2624D8E5DFEE}" destId="{86D241E9-42FA-45D1-B43B-0D95B75E0E69}" srcOrd="0" destOrd="0" presId="urn:microsoft.com/office/officeart/2005/8/layout/vList6"/>
     <dgm:cxn modelId="{9DCACF08-67E5-42E1-8E54-42CD4C27D07C}" type="presOf" srcId="{3183185A-2A53-4D8C-8F32-C845F2F70CBF}" destId="{C34369FE-6903-484E-A191-A351659EBD9E}" srcOrd="0" destOrd="0" presId="urn:microsoft.com/office/officeart/2005/8/layout/vList6"/>
     <dgm:cxn modelId="{F717B596-7122-4C3F-9238-14763508386B}" srcId="{3183185A-2A53-4D8C-8F32-C845F2F70CBF}" destId="{758CBA3A-9936-4C67-965C-A8DD3074879B}" srcOrd="0" destOrd="0" parTransId="{39812E31-9C15-4A6C-B8B9-78CE6FB555B1}" sibTransId="{290E9CBE-1634-47AD-B973-508944073D35}"/>
     <dgm:cxn modelId="{80780EE3-B5A3-4F4E-A58B-9684AA7BCA2C}" type="presParOf" srcId="{C34369FE-6903-484E-A191-A351659EBD9E}" destId="{EEE79D24-22DD-43C8-B2F2-0B4DC8DD6A80}" srcOrd="0" destOrd="0" presId="urn:microsoft.com/office/officeart/2005/8/layout/vList6"/>
@@ -23437,7 +23437,7 @@
           <a:p>
             <a:fld id="{BDB7646E-8811-423A-9C42-2CBFADA00A96}" type="datetimeFigureOut">
               <a:rPr lang="es-ES" smtClean="0"/>
-              <a:t>02/02/2015</a:t>
+              <a:t>05/02/2015</a:t>
             </a:fld>
             <a:endParaRPr lang="es-ES"/>
           </a:p>
@@ -23610,7 +23610,7 @@
           <a:p>
             <a:fld id="{D677E230-58DD-43ED-96A1-552DDAB53532}" type="datetimeFigureOut">
               <a:pPr/>
-              <a:t>30/01/2015</a:t>
+              <a:t>05/02/2015</a:t>
             </a:fld>
             <a:endParaRPr lang="es-ES"/>
           </a:p>
@@ -24208,9 +24208,19 @@
             </a:br>
             <a:r>
               <a:rPr lang="es-CR" dirty="0" smtClean="0"/>
-              <a:t>Esto es lo importante a destacar de la aplicación.</a:t>
-            </a:r>
-            <a:endParaRPr lang="es-CR" dirty="0"/>
+              <a:t>Esto es lo importante a destacar de la </a:t>
+            </a:r>
+            <a:r>
+              <a:rPr lang="es-CR" dirty="0" smtClean="0"/>
+              <a:t>aplicación.</a:t>
+            </a:r>
+          </a:p>
+          <a:p>
+            <a:endParaRPr lang="es-CR" dirty="0">
+              <a:solidFill>
+                <a:srgbClr val="FFC000"/>
+              </a:solidFill>
+            </a:endParaRPr>
           </a:p>
         </p:txBody>
       </p:sp>
@@ -25386,8 +25396,11 @@
                 <a:ea typeface="+mn-ea"/>
                 <a:cs typeface="+mn-cs"/>
               </a:rPr>
-              <a:t>, permite obtener estadísticas relevantes acerca del estado de los sistemas operativos móviles en el país</a:t>
-            </a:r>
+              <a:t>, permite obtener estadísticas relevantes acerca del estado de los sistemas operativos móviles en el país.</a:t>
+            </a:r>
+          </a:p>
+          <a:p>
+            <a:pPr lvl="0"/>
             <a:r>
               <a:rPr lang="es-CR" sz="1200" kern="1200" dirty="0" smtClean="0">
                 <a:solidFill>
@@ -25398,34 +25411,7 @@
                 <a:ea typeface="+mn-ea"/>
                 <a:cs typeface="+mn-cs"/>
               </a:rPr>
-              <a:t>.</a:t>
-            </a:r>
-          </a:p>
-          <a:p>
-            <a:pPr lvl="0"/>
-            <a:r>
-              <a:rPr lang="es-CR" sz="1200" kern="1200" dirty="0" smtClean="0">
-                <a:solidFill>
-                  <a:schemeClr val="tx2"/>
-                </a:solidFill>
-                <a:effectLst/>
-                <a:latin typeface="+mn-lt"/>
-                <a:ea typeface="+mn-ea"/>
-                <a:cs typeface="+mn-cs"/>
-              </a:rPr>
-              <a:t> </a:t>
-            </a:r>
-            <a:r>
-              <a:rPr lang="es-CR" sz="1200" kern="1200" dirty="0" smtClean="0">
-                <a:solidFill>
-                  <a:schemeClr val="tx2"/>
-                </a:solidFill>
-                <a:effectLst/>
-                <a:latin typeface="+mn-lt"/>
-                <a:ea typeface="+mn-ea"/>
-                <a:cs typeface="+mn-cs"/>
-              </a:rPr>
-              <a:t>El siguiente gráfico agrupa información desde</a:t>
+              <a:t> El siguiente gráfico agrupa información desde</a:t>
             </a:r>
             <a:r>
               <a:rPr lang="es-CR" sz="1200" kern="1200" baseline="0" dirty="0" smtClean="0">
@@ -26532,7 +26518,31 @@
                 <a:ea typeface="+mn-ea"/>
                 <a:cs typeface="+mn-cs"/>
               </a:rPr>
-              <a:t>3, 4 tonos (XQ???) la lógica del examen se basa en lo indicado</a:t>
+              <a:t>3, 4 </a:t>
+            </a:r>
+            <a:r>
+              <a:rPr lang="es-CR" sz="1200" kern="1200" dirty="0" smtClean="0">
+                <a:solidFill>
+                  <a:schemeClr val="tx2"/>
+                </a:solidFill>
+                <a:effectLst/>
+                <a:latin typeface="+mn-lt"/>
+                <a:ea typeface="+mn-ea"/>
+                <a:cs typeface="+mn-cs"/>
+              </a:rPr>
+              <a:t>tonos </a:t>
+            </a:r>
+            <a:r>
+              <a:rPr lang="es-CR" sz="1200" kern="1200" dirty="0" smtClean="0">
+                <a:solidFill>
+                  <a:schemeClr val="tx2"/>
+                </a:solidFill>
+                <a:effectLst/>
+                <a:latin typeface="+mn-lt"/>
+                <a:ea typeface="+mn-ea"/>
+                <a:cs typeface="+mn-cs"/>
+              </a:rPr>
+              <a:t>la lógica del examen se basa en lo indicado</a:t>
             </a:r>
             <a:r>
               <a:rPr lang="es-CR" sz="1200" kern="1200" baseline="0" dirty="0" smtClean="0">
@@ -30792,11 +30802,7 @@
             </a:br>
             <a:r>
               <a:rPr lang="es-CR" dirty="0" smtClean="0"/>
-              <a:t>1, </a:t>
-            </a:r>
-            <a:r>
-              <a:rPr lang="es-CR" dirty="0" smtClean="0"/>
-              <a:t>costo de</a:t>
+              <a:t>1, costo de</a:t>
             </a:r>
             <a:r>
               <a:rPr lang="es-CR" baseline="0" dirty="0" smtClean="0"/>
@@ -31646,37 +31652,15 @@
           <a:p>
             <a:r>
               <a:rPr lang="en-US" dirty="0" err="1" smtClean="0"/>
-              <a:t>Ver</a:t>
-            </a:r>
-            <a:r>
-              <a:rPr lang="en-US" dirty="0" smtClean="0"/>
+              <a:t>Enero</a:t>
+            </a:r>
+            <a:r>
+              <a:rPr lang="en-US" baseline="0" dirty="0" smtClean="0"/>
               <a:t> </a:t>
             </a:r>
             <a:r>
-              <a:rPr lang="en-US" dirty="0" err="1" smtClean="0"/>
-              <a:t>resaltes</a:t>
-            </a:r>
-            <a:r>
-              <a:rPr lang="en-US" dirty="0" smtClean="0"/>
-              <a:t> en </a:t>
-            </a:r>
-            <a:r>
-              <a:rPr lang="en-US" dirty="0" err="1" smtClean="0"/>
-              <a:t>negrita</a:t>
-            </a:r>
-            <a:endParaRPr lang="en-US" dirty="0" smtClean="0"/>
-          </a:p>
-          <a:p>
-            <a:endParaRPr lang="en-US" dirty="0" smtClean="0"/>
-          </a:p>
-          <a:p>
-            <a:r>
-              <a:rPr lang="en-US" dirty="0" err="1" smtClean="0"/>
-              <a:t>Enero</a:t>
-            </a:r>
-            <a:r>
               <a:rPr lang="en-US" baseline="0" dirty="0" smtClean="0"/>
-              <a:t> 2010</a:t>
+              <a:t>2010</a:t>
             </a:r>
           </a:p>
           <a:p>
@@ -31689,13 +31673,303 @@
             </a:r>
             <a:r>
               <a:rPr lang="en-US" baseline="0" dirty="0" smtClean="0"/>
-              <a:t> SOLUCIONES ALTA TECNOLOGIA, PROGRAMAS DECONSERVACION AUDITIVA</a:t>
+              <a:t> SOLUCIONES ALTA TECNOLOGIA, PROGRAMAS </a:t>
+            </a:r>
+            <a:r>
+              <a:rPr lang="en-US" baseline="0" dirty="0" smtClean="0"/>
+              <a:t>DE CONSERVACION </a:t>
+            </a:r>
+            <a:r>
+              <a:rPr lang="en-US" baseline="0" dirty="0" smtClean="0"/>
+              <a:t>AUDITIVA</a:t>
             </a:r>
           </a:p>
           <a:p>
             <a:r>
               <a:rPr lang="en-US" baseline="0" dirty="0" smtClean="0"/>
-              <a:t>Vision LIDER PREVENCION EDUCACION, DETECCION,HABILITACION, REHABILITACION</a:t>
+              <a:t>Vision LIDER PREVENCION EDUCACION, DETECCION,HABILITACION, </a:t>
+            </a:r>
+            <a:r>
+              <a:rPr lang="en-US" baseline="0" dirty="0" smtClean="0"/>
+              <a:t>REHABILITACION</a:t>
+            </a:r>
+            <a:br>
+              <a:rPr lang="en-US" baseline="0" dirty="0" smtClean="0"/>
+            </a:br>
+            <a:endParaRPr lang="en-US" baseline="0" dirty="0" smtClean="0"/>
+          </a:p>
+          <a:p>
+            <a:r>
+              <a:rPr lang="en-US" baseline="0" dirty="0" smtClean="0"/>
+              <a:t>OPCIONAL</a:t>
+            </a:r>
+            <a:br>
+              <a:rPr lang="en-US" baseline="0" dirty="0" smtClean="0"/>
+            </a:br>
+            <a:r>
+              <a:rPr lang="en-US" baseline="0" dirty="0" err="1" smtClean="0"/>
+              <a:t>Productos</a:t>
+            </a:r>
+            <a:r>
+              <a:rPr lang="en-US" baseline="0" dirty="0" smtClean="0"/>
+              <a:t> </a:t>
+            </a:r>
+            <a:r>
+              <a:rPr lang="en-US" baseline="0" dirty="0" err="1" smtClean="0"/>
+              <a:t>ofrecidos</a:t>
+            </a:r>
+            <a:endParaRPr lang="en-US" baseline="0" dirty="0" smtClean="0"/>
+          </a:p>
+          <a:p>
+            <a:r>
+              <a:rPr lang="es-CR" sz="1200" b="0" i="0" kern="1200" dirty="0" smtClean="0">
+                <a:solidFill>
+                  <a:schemeClr val="tx2"/>
+                </a:solidFill>
+                <a:effectLst/>
+                <a:latin typeface="+mn-lt"/>
+                <a:ea typeface="+mn-ea"/>
+                <a:cs typeface="+mn-cs"/>
+              </a:rPr>
+              <a:t>Audífonos 100% digitales</a:t>
+            </a:r>
+            <a:r>
+              <a:rPr lang="es-CR" dirty="0" smtClean="0"/>
+              <a:t/>
+            </a:r>
+            <a:br>
+              <a:rPr lang="es-CR" dirty="0" smtClean="0"/>
+            </a:br>
+            <a:r>
+              <a:rPr lang="es-CR" sz="1200" b="0" i="0" kern="1200" dirty="0" smtClean="0">
+                <a:solidFill>
+                  <a:schemeClr val="tx2"/>
+                </a:solidFill>
+                <a:effectLst/>
+                <a:latin typeface="+mn-lt"/>
+                <a:ea typeface="+mn-ea"/>
+                <a:cs typeface="+mn-cs"/>
+              </a:rPr>
+              <a:t>Audiometrías</a:t>
+            </a:r>
+            <a:r>
+              <a:rPr lang="es-CR" dirty="0" smtClean="0"/>
+              <a:t/>
+            </a:r>
+            <a:br>
+              <a:rPr lang="es-CR" dirty="0" smtClean="0"/>
+            </a:br>
+            <a:r>
+              <a:rPr lang="es-CR" sz="1200" b="0" i="0" kern="1200" dirty="0" smtClean="0">
+                <a:solidFill>
+                  <a:schemeClr val="tx2"/>
+                </a:solidFill>
+                <a:effectLst/>
+                <a:latin typeface="+mn-lt"/>
+                <a:ea typeface="+mn-ea"/>
+                <a:cs typeface="+mn-cs"/>
+              </a:rPr>
+              <a:t>Protectores de ruidos</a:t>
+            </a:r>
+            <a:r>
+              <a:rPr lang="es-CR" sz="1200" b="0" i="0" kern="1200" baseline="0" dirty="0" smtClean="0">
+                <a:solidFill>
+                  <a:schemeClr val="tx2"/>
+                </a:solidFill>
+                <a:effectLst/>
+                <a:latin typeface="+mn-lt"/>
+                <a:ea typeface="+mn-ea"/>
+                <a:cs typeface="+mn-cs"/>
+              </a:rPr>
+              <a:t> </a:t>
+            </a:r>
+          </a:p>
+          <a:p>
+            <a:r>
+              <a:rPr lang="es-CR" sz="1200" b="0" i="0" kern="1200" dirty="0" smtClean="0">
+                <a:solidFill>
+                  <a:schemeClr val="tx2"/>
+                </a:solidFill>
+                <a:effectLst/>
+                <a:latin typeface="+mn-lt"/>
+                <a:ea typeface="+mn-ea"/>
+                <a:cs typeface="+mn-cs"/>
+              </a:rPr>
+              <a:t/>
+            </a:r>
+            <a:br>
+              <a:rPr lang="es-CR" sz="1200" b="0" i="0" kern="1200" dirty="0" smtClean="0">
+                <a:solidFill>
+                  <a:schemeClr val="tx2"/>
+                </a:solidFill>
+                <a:effectLst/>
+                <a:latin typeface="+mn-lt"/>
+                <a:ea typeface="+mn-ea"/>
+                <a:cs typeface="+mn-cs"/>
+              </a:rPr>
+            </a:br>
+            <a:r>
+              <a:rPr lang="es-CR" sz="1200" b="0" i="0" kern="1200" dirty="0" smtClean="0">
+                <a:solidFill>
+                  <a:schemeClr val="tx2"/>
+                </a:solidFill>
+                <a:effectLst/>
+                <a:latin typeface="+mn-lt"/>
+                <a:ea typeface="+mn-ea"/>
+                <a:cs typeface="+mn-cs"/>
+              </a:rPr>
+              <a:t>Equipo Audiológico:</a:t>
+            </a:r>
+            <a:br>
+              <a:rPr lang="es-CR" sz="1200" b="0" i="0" kern="1200" dirty="0" smtClean="0">
+                <a:solidFill>
+                  <a:schemeClr val="tx2"/>
+                </a:solidFill>
+                <a:effectLst/>
+                <a:latin typeface="+mn-lt"/>
+                <a:ea typeface="+mn-ea"/>
+                <a:cs typeface="+mn-cs"/>
+              </a:rPr>
+            </a:br>
+            <a:r>
+              <a:rPr lang="es-CR" sz="1200" b="0" i="0" kern="1200" dirty="0" smtClean="0">
+                <a:solidFill>
+                  <a:schemeClr val="tx2"/>
+                </a:solidFill>
+                <a:effectLst/>
+                <a:latin typeface="+mn-lt"/>
+                <a:ea typeface="+mn-ea"/>
+                <a:cs typeface="+mn-cs"/>
+              </a:rPr>
+              <a:t>Audiómetros</a:t>
+            </a:r>
+            <a:br>
+              <a:rPr lang="es-CR" sz="1200" b="0" i="0" kern="1200" dirty="0" smtClean="0">
+                <a:solidFill>
+                  <a:schemeClr val="tx2"/>
+                </a:solidFill>
+                <a:effectLst/>
+                <a:latin typeface="+mn-lt"/>
+                <a:ea typeface="+mn-ea"/>
+                <a:cs typeface="+mn-cs"/>
+              </a:rPr>
+            </a:br>
+            <a:r>
+              <a:rPr lang="es-CR" sz="1200" b="0" i="0" kern="1200" dirty="0" err="1" smtClean="0">
+                <a:solidFill>
+                  <a:schemeClr val="tx2"/>
+                </a:solidFill>
+                <a:effectLst/>
+                <a:latin typeface="+mn-lt"/>
+                <a:ea typeface="+mn-ea"/>
+                <a:cs typeface="+mn-cs"/>
+              </a:rPr>
+              <a:t>Impedanciómetros</a:t>
+            </a:r>
+            <a:r>
+              <a:rPr lang="es-CR" sz="1200" b="0" i="0" kern="1200" dirty="0" smtClean="0">
+                <a:solidFill>
+                  <a:schemeClr val="tx2"/>
+                </a:solidFill>
+                <a:effectLst/>
+                <a:latin typeface="+mn-lt"/>
+                <a:ea typeface="+mn-ea"/>
+                <a:cs typeface="+mn-cs"/>
+              </a:rPr>
+              <a:t/>
+            </a:r>
+            <a:br>
+              <a:rPr lang="es-CR" sz="1200" b="0" i="0" kern="1200" dirty="0" smtClean="0">
+                <a:solidFill>
+                  <a:schemeClr val="tx2"/>
+                </a:solidFill>
+                <a:effectLst/>
+                <a:latin typeface="+mn-lt"/>
+                <a:ea typeface="+mn-ea"/>
+                <a:cs typeface="+mn-cs"/>
+              </a:rPr>
+            </a:br>
+            <a:r>
+              <a:rPr lang="es-CR" sz="1200" b="0" i="0" kern="1200" dirty="0" smtClean="0">
+                <a:solidFill>
+                  <a:schemeClr val="tx2"/>
+                </a:solidFill>
+                <a:effectLst/>
+                <a:latin typeface="+mn-lt"/>
+                <a:ea typeface="+mn-ea"/>
+                <a:cs typeface="+mn-cs"/>
+              </a:rPr>
+              <a:t>Emisiones </a:t>
+            </a:r>
+            <a:r>
+              <a:rPr lang="es-CR" sz="1200" b="0" i="0" kern="1200" dirty="0" err="1" smtClean="0">
+                <a:solidFill>
+                  <a:schemeClr val="tx2"/>
+                </a:solidFill>
+                <a:effectLst/>
+                <a:latin typeface="+mn-lt"/>
+                <a:ea typeface="+mn-ea"/>
+                <a:cs typeface="+mn-cs"/>
+              </a:rPr>
+              <a:t>Otoacústicas</a:t>
+            </a:r>
+            <a:r>
+              <a:rPr lang="es-CR" sz="1200" b="0" i="0" kern="1200" dirty="0" smtClean="0">
+                <a:solidFill>
+                  <a:schemeClr val="tx2"/>
+                </a:solidFill>
+                <a:effectLst/>
+                <a:latin typeface="+mn-lt"/>
+                <a:ea typeface="+mn-ea"/>
+                <a:cs typeface="+mn-cs"/>
+              </a:rPr>
+              <a:t/>
+            </a:r>
+            <a:br>
+              <a:rPr lang="es-CR" sz="1200" b="0" i="0" kern="1200" dirty="0" smtClean="0">
+                <a:solidFill>
+                  <a:schemeClr val="tx2"/>
+                </a:solidFill>
+                <a:effectLst/>
+                <a:latin typeface="+mn-lt"/>
+                <a:ea typeface="+mn-ea"/>
+                <a:cs typeface="+mn-cs"/>
+              </a:rPr>
+            </a:br>
+            <a:r>
+              <a:rPr lang="es-CR" sz="1200" b="0" i="0" kern="1200" dirty="0" smtClean="0">
+                <a:solidFill>
+                  <a:schemeClr val="tx2"/>
+                </a:solidFill>
+                <a:effectLst/>
+                <a:latin typeface="+mn-lt"/>
+                <a:ea typeface="+mn-ea"/>
+                <a:cs typeface="+mn-cs"/>
+              </a:rPr>
+              <a:t>Sonómetros</a:t>
+            </a:r>
+            <a:br>
+              <a:rPr lang="es-CR" sz="1200" b="0" i="0" kern="1200" dirty="0" smtClean="0">
+                <a:solidFill>
+                  <a:schemeClr val="tx2"/>
+                </a:solidFill>
+                <a:effectLst/>
+                <a:latin typeface="+mn-lt"/>
+                <a:ea typeface="+mn-ea"/>
+                <a:cs typeface="+mn-cs"/>
+              </a:rPr>
+            </a:br>
+            <a:r>
+              <a:rPr lang="es-CR" sz="1200" b="0" i="0" kern="1200" dirty="0" err="1" smtClean="0">
+                <a:solidFill>
+                  <a:schemeClr val="tx2"/>
+                </a:solidFill>
+                <a:effectLst/>
+                <a:latin typeface="+mn-lt"/>
+                <a:ea typeface="+mn-ea"/>
+                <a:cs typeface="+mn-cs"/>
+              </a:rPr>
+              <a:t>Audiodosímetros</a:t>
             </a:r>
             <a:endParaRPr lang="es-CR" dirty="0"/>
           </a:p>
@@ -31807,11 +32081,7 @@
             </a:r>
             <a:r>
               <a:rPr lang="es-CR" dirty="0" smtClean="0"/>
-              <a:t> </a:t>
-            </a:r>
-            <a:r>
-              <a:rPr lang="es-CR" dirty="0" smtClean="0"/>
-              <a:t>2013</a:t>
+              <a:t> 2013</a:t>
             </a:r>
           </a:p>
           <a:p>
@@ -31819,12 +32089,12 @@
           </a:p>
           <a:p>
             <a:r>
-              <a:rPr lang="es-CR" dirty="0" err="1" smtClean="0"/>
-              <a:t>Ministeriode</a:t>
-            </a:r>
-            <a:r>
               <a:rPr lang="es-CR" dirty="0" smtClean="0"/>
-              <a:t> Industria</a:t>
+              <a:t>Ministerio de </a:t>
+            </a:r>
+            <a:r>
+              <a:rPr lang="es-CR" dirty="0" smtClean="0"/>
+              <a:t>Industria</a:t>
             </a:r>
             <a:r>
               <a:rPr lang="es-CR" baseline="0" dirty="0" smtClean="0"/>
@@ -31837,7 +32107,28 @@
           <a:p>
             <a:r>
               <a:rPr lang="es-CR" baseline="0" dirty="0" smtClean="0"/>
-              <a:t>Empresas destacadas anualmente</a:t>
+              <a:t>Empresas destacadas </a:t>
+            </a:r>
+            <a:r>
+              <a:rPr lang="es-CR" baseline="0" dirty="0" smtClean="0"/>
+              <a:t>anualmente</a:t>
+            </a:r>
+          </a:p>
+          <a:p>
+            <a:endParaRPr lang="en-US" baseline="0" dirty="0" smtClean="0"/>
+          </a:p>
+          <a:p>
+            <a:r>
+              <a:rPr lang="es-CR" sz="1200" b="0" i="0" kern="1200" dirty="0" smtClean="0">
+                <a:solidFill>
+                  <a:schemeClr val="tx2"/>
+                </a:solidFill>
+                <a:effectLst/>
+                <a:latin typeface="+mn-lt"/>
+                <a:ea typeface="+mn-ea"/>
+                <a:cs typeface="+mn-cs"/>
+              </a:rPr>
+              <a:t>Pyme verde, joven, proveedora del estado, mujer, exportadora e innovadora</a:t>
             </a:r>
             <a:endParaRPr lang="es-CR" dirty="0"/>
           </a:p>
@@ -32975,7 +33266,7 @@
           <a:p>
             <a:fld id="{C2C6F8EA-316C-41DE-B9A4-EDCC3A85ED9A}" type="datetimeFigureOut">
               <a:pPr/>
-              <a:t>30/01/2015</a:t>
+              <a:t>05/02/2015</a:t>
             </a:fld>
             <a:endParaRPr lang="es-ES"/>
           </a:p>
@@ -33230,7 +33521,7 @@
           <a:lstStyle/>
           <a:p>
             <a:fld id="{C2C6F8EA-316C-41DE-B9A4-EDCC3A85ED9A}" type="datetimeFigureOut">
-              <a:t>30/01/2015</a:t>
+              <a:t>05/02/2015</a:t>
             </a:fld>
             <a:endParaRPr lang="es-ES"/>
           </a:p>
@@ -33723,7 +34014,7 @@
           <a:lstStyle/>
           <a:p>
             <a:fld id="{C2C6F8EA-316C-41DE-B9A4-EDCC3A85ED9A}" type="datetimeFigureOut">
-              <a:t>30/01/2015</a:t>
+              <a:t>05/02/2015</a:t>
             </a:fld>
             <a:endParaRPr lang="es-ES"/>
           </a:p>
@@ -33954,7 +34245,7 @@
           <a:lstStyle/>
           <a:p>
             <a:fld id="{C2C6F8EA-316C-41DE-B9A4-EDCC3A85ED9A}" type="datetimeFigureOut">
-              <a:t>30/01/2015</a:t>
+              <a:t>05/02/2015</a:t>
             </a:fld>
             <a:endParaRPr lang="es-ES"/>
           </a:p>
@@ -34747,7 +35038,7 @@
           <a:p>
             <a:fld id="{C2C6F8EA-316C-41DE-B9A4-EDCC3A85ED9A}" type="datetimeFigureOut">
               <a:pPr/>
-              <a:t>30/01/2015</a:t>
+              <a:t>05/02/2015</a:t>
             </a:fld>
             <a:endParaRPr lang="es-ES"/>
           </a:p>
@@ -35251,7 +35542,7 @@
           <a:lstStyle/>
           <a:p>
             <a:fld id="{C2C6F8EA-316C-41DE-B9A4-EDCC3A85ED9A}" type="datetimeFigureOut">
-              <a:t>30/01/2015</a:t>
+              <a:t>05/02/2015</a:t>
             </a:fld>
             <a:endParaRPr lang="es-ES"/>
           </a:p>
@@ -35701,7 +35992,7 @@
           <a:lstStyle/>
           <a:p>
             <a:fld id="{C2C6F8EA-316C-41DE-B9A4-EDCC3A85ED9A}" type="datetimeFigureOut">
-              <a:t>30/01/2015</a:t>
+              <a:t>05/02/2015</a:t>
             </a:fld>
             <a:endParaRPr lang="es-ES"/>
           </a:p>
@@ -35835,7 +36126,7 @@
           <a:lstStyle/>
           <a:p>
             <a:fld id="{C2C6F8EA-316C-41DE-B9A4-EDCC3A85ED9A}" type="datetimeFigureOut">
-              <a:t>30/01/2015</a:t>
+              <a:t>05/02/2015</a:t>
             </a:fld>
             <a:endParaRPr lang="es-ES"/>
           </a:p>
@@ -36175,7 +36466,7 @@
           <a:lstStyle/>
           <a:p>
             <a:fld id="{C2C6F8EA-316C-41DE-B9A4-EDCC3A85ED9A}" type="datetimeFigureOut">
-              <a:t>30/01/2015</a:t>
+              <a:t>05/02/2015</a:t>
             </a:fld>
             <a:endParaRPr lang="es-ES"/>
           </a:p>
@@ -36670,7 +36961,7 @@
           <a:lstStyle/>
           <a:p>
             <a:fld id="{C2C6F8EA-316C-41DE-B9A4-EDCC3A85ED9A}" type="datetimeFigureOut">
-              <a:t>30/01/2015</a:t>
+              <a:t>05/02/2015</a:t>
             </a:fld>
             <a:endParaRPr lang="es-ES"/>
           </a:p>
@@ -37109,7 +37400,7 @@
           <a:lstStyle/>
           <a:p>
             <a:fld id="{C2C6F8EA-316C-41DE-B9A4-EDCC3A85ED9A}" type="datetimeFigureOut">
-              <a:t>30/01/2015</a:t>
+              <a:t>05/02/2015</a:t>
             </a:fld>
             <a:endParaRPr lang="es-ES"/>
           </a:p>
@@ -37672,7 +37963,7 @@
           <a:p>
             <a:fld id="{C2C6F8EA-316C-41DE-B9A4-EDCC3A85ED9A}" type="datetimeFigureOut">
               <a:pPr/>
-              <a:t>30/01/2015</a:t>
+              <a:t>05/02/2015</a:t>
             </a:fld>
             <a:endParaRPr lang="es-ES"/>
           </a:p>
@@ -38112,7 +38403,7 @@
   </p:txStyles>
   <p:extLst mod="1">
     <p:ext uri="{27BBF7A9-308A-43DC-89C8-2F10F3537804}">
-      <p15:sldGuideLst xmlns="" xmlns:p15="http://schemas.microsoft.com/office/powerpoint/2012/main">
+      <p15:sldGuideLst xmlns:p15="http://schemas.microsoft.com/office/powerpoint/2012/main" xmlns="">
         <p15:guide id="1" orient="horz" pos="2160" userDrawn="1">
           <p15:clr>
             <a:srgbClr val="F26B43"/>
@@ -44131,7 +44422,19 @@
             </a:r>
             <a:r>
               <a:rPr lang="es-CR" sz="2000" dirty="0"/>
-              <a:t>de una aplicación que cumple con los requerimientos establecidos, siendo esta la herramienta de tecnología móvil </a:t>
+              <a:t>de una aplicación que cumple con los requerimientos establecidos, siendo </a:t>
+            </a:r>
+            <a:r>
+              <a:rPr lang="es-CR" sz="2000" dirty="0"/>
+              <a:t>é</a:t>
+            </a:r>
+            <a:r>
+              <a:rPr lang="es-CR" sz="2000" dirty="0" smtClean="0"/>
+              <a:t>sta </a:t>
+            </a:r>
+            <a:r>
+              <a:rPr lang="es-CR" sz="2000" dirty="0"/>
+              <a:t>la herramienta de tecnología móvil </a:t>
             </a:r>
             <a:r>
               <a:rPr lang="es-CR" sz="2000" dirty="0" smtClean="0"/>
@@ -50022,11 +50325,7 @@
           <a:p>
             <a:r>
               <a:rPr lang="es-ES" dirty="0" smtClean="0"/>
-              <a:t>Clínica </a:t>
-            </a:r>
-            <a:r>
-              <a:rPr lang="es-ES" dirty="0" smtClean="0"/>
-              <a:t>Audinsa S.A.</a:t>
+              <a:t>Clínica Audinsa S.A.</a:t>
             </a:r>
             <a:endParaRPr lang="es-ES" dirty="0"/>
           </a:p>
@@ -50235,11 +50534,7 @@
           <a:p>
             <a:r>
               <a:rPr lang="es-ES" dirty="0" smtClean="0"/>
-              <a:t>Clínica </a:t>
-            </a:r>
-            <a:r>
-              <a:rPr lang="es-ES" dirty="0" smtClean="0"/>
-              <a:t>Audinsa S.A.</a:t>
+              <a:t>Clínica Audinsa S.A.</a:t>
             </a:r>
             <a:endParaRPr lang="es-ES" dirty="0"/>
           </a:p>
@@ -51728,6 +52023,21 @@
 </file>
 
 <file path=customXml/item1.xml><?xml version="1.0" encoding="utf-8"?>
+<p:properties xmlns:p="http://schemas.microsoft.com/office/2006/metadata/properties" xmlns:xsi="http://www.w3.org/2001/XMLSchema-instance" xmlns:pc="http://schemas.microsoft.com/office/infopath/2007/PartnerControls">
+  <documentManagement/>
+</p:properties>
+</file>
+
+<file path=customXml/item2.xml><?xml version="1.0" encoding="utf-8"?>
+<?mso-contentType ?>
+<FormTemplates xmlns="http://schemas.microsoft.com/sharepoint/v3/contenttype/forms">
+  <Display>DocumentoBibliotecaFormulario</Display>
+  <Edit>DocumentoBibliotecaFormulario</Edit>
+  <New>DocumentoBibliotecaFormulario</New>
+</FormTemplates>
+</file>
+
+<file path=customXml/item3.xml><?xml version="1.0" encoding="utf-8"?>
 <ct:contentTypeSchema xmlns:ct="http://schemas.microsoft.com/office/2006/metadata/contentType" xmlns:ma="http://schemas.microsoft.com/office/2006/metadata/properties/metaAttributes" ct:_="" ma:_="" ma:contentTypeName="Document" ma:contentTypeID="0x0101007C1D5F340F01F94FA2FD29A5E6DC872E" ma:contentTypeVersion="0" ma:contentTypeDescription="Create a new document." ma:contentTypeScope="" ma:versionID="f583bd66513a361a730282b6a794e352">
   <xsd:schema xmlns:xsd="http://www.w3.org/2001/XMLSchema" xmlns:xs="http://www.w3.org/2001/XMLSchema" xmlns:p="http://schemas.microsoft.com/office/2006/metadata/properties" targetNamespace="http://schemas.microsoft.com/office/2006/metadata/properties" ma:root="true" ma:fieldsID="6841151cf538834e171094e4faaf2d73">
     <xsd:element name="properties">
@@ -51841,38 +52151,7 @@
 </ct:contentTypeSchema>
 </file>
 
-<file path=customXml/item2.xml><?xml version="1.0" encoding="utf-8"?>
-<p:properties xmlns:p="http://schemas.microsoft.com/office/2006/metadata/properties" xmlns:xsi="http://www.w3.org/2001/XMLSchema-instance" xmlns:pc="http://schemas.microsoft.com/office/infopath/2007/PartnerControls">
-  <documentManagement/>
-</p:properties>
-</file>
-
-<file path=customXml/item3.xml><?xml version="1.0" encoding="utf-8"?>
-<?mso-contentType ?>
-<FormTemplates xmlns="http://schemas.microsoft.com/sharepoint/v3/contenttype/forms">
-  <Display>DocumentoBibliotecaFormulario</Display>
-  <Edit>DocumentoBibliotecaFormulario</Edit>
-  <New>DocumentoBibliotecaFormulario</New>
-</FormTemplates>
-</file>
-
 <file path=customXml/itemProps1.xml><?xml version="1.0" encoding="utf-8"?>
-<ds:datastoreItem xmlns:ds="http://schemas.openxmlformats.org/officeDocument/2006/customXml" ds:itemID="{F28882EF-8483-452E-ADFB-02067D56F72B}">
-  <ds:schemaRefs>
-    <ds:schemaRef ds:uri="http://schemas.microsoft.com/office/2006/metadata/contentType"/>
-    <ds:schemaRef ds:uri="http://schemas.microsoft.com/office/2006/metadata/properties/metaAttributes"/>
-    <ds:schemaRef ds:uri="http://www.w3.org/2001/XMLSchema"/>
-    <ds:schemaRef ds:uri="http://schemas.microsoft.com/office/2006/metadata/properties"/>
-    <ds:schemaRef ds:uri="http://schemas.openxmlformats.org/package/2006/metadata/core-properties"/>
-    <ds:schemaRef ds:uri="http://purl.org/dc/elements/1.1/"/>
-    <ds:schemaRef ds:uri="http://purl.org/dc/terms/"/>
-    <ds:schemaRef ds:uri="http://schemas.microsoft.com/internal/obd"/>
-    <ds:schemaRef ds:uri="http://schemas.microsoft.com/office/infopath/2007/PartnerControls"/>
-  </ds:schemaRefs>
-</ds:datastoreItem>
-</file>
-
-<file path=customXml/itemProps2.xml><?xml version="1.0" encoding="utf-8"?>
 <ds:datastoreItem xmlns:ds="http://schemas.openxmlformats.org/officeDocument/2006/customXml" ds:itemID="{20B895F5-7F43-4073-919C-BA6E32AC0200}">
   <ds:schemaRefs>
     <ds:schemaRef ds:uri="http://purl.org/dc/elements/1.1/"/>
@@ -51887,10 +52166,26 @@
 </ds:datastoreItem>
 </file>
 
-<file path=customXml/itemProps3.xml><?xml version="1.0" encoding="utf-8"?>
+<file path=customXml/itemProps2.xml><?xml version="1.0" encoding="utf-8"?>
 <ds:datastoreItem xmlns:ds="http://schemas.openxmlformats.org/officeDocument/2006/customXml" ds:itemID="{9763940C-480C-4D93-B5B4-BAA891CEADDB}">
   <ds:schemaRefs>
     <ds:schemaRef ds:uri="http://schemas.microsoft.com/sharepoint/v3/contenttype/forms"/>
   </ds:schemaRefs>
 </ds:datastoreItem>
+</file>
+
+<file path=customXml/itemProps3.xml><?xml version="1.0" encoding="utf-8"?>
+<ds:datastoreItem xmlns:ds="http://schemas.openxmlformats.org/officeDocument/2006/customXml" ds:itemID="{F28882EF-8483-452E-ADFB-02067D56F72B}">
+  <ds:schemaRefs>
+    <ds:schemaRef ds:uri="http://schemas.microsoft.com/office/2006/metadata/contentType"/>
+    <ds:schemaRef ds:uri="http://schemas.microsoft.com/office/2006/metadata/properties/metaAttributes"/>
+    <ds:schemaRef ds:uri="http://www.w3.org/2001/XMLSchema"/>
+    <ds:schemaRef ds:uri="http://schemas.microsoft.com/office/2006/metadata/properties"/>
+    <ds:schemaRef ds:uri="http://schemas.openxmlformats.org/package/2006/metadata/core-properties"/>
+    <ds:schemaRef ds:uri="http://purl.org/dc/elements/1.1/"/>
+    <ds:schemaRef ds:uri="http://purl.org/dc/terms/"/>
+    <ds:schemaRef ds:uri="http://schemas.microsoft.com/internal/obd"/>
+    <ds:schemaRef ds:uri="http://schemas.microsoft.com/office/infopath/2007/PartnerControls"/>
+  </ds:schemaRefs>
+</ds:datastoreItem>
 </file>